--- a/Presentation PowerPoint/Project-Presentation-Template.pptx
+++ b/Presentation PowerPoint/Project-Presentation-Template.pptx
@@ -113,6 +113,11 @@
       </a:defRPr>
     </a:lvl9pPr>
   </p:defaultTextStyle>
+  <p:extLst>
+    <p:ext uri="{EFAFB233-063F-42B5-8137-9DF3F51BA10A}">
+      <p15:sldGuideLst xmlns:p15="http://schemas.microsoft.com/office/powerpoint/2012/main"/>
+    </p:ext>
+  </p:extLst>
 </p:presentation>
 </file>
 
@@ -263,7 +268,7 @@
           <a:p>
             <a:fld id="{3C5E3940-567D-0E4A-B27A-538E5CA3F251}" type="datetimeFigureOut">
               <a:rPr lang="en-US" smtClean="0"/>
-              <a:t>11/27/20</a:t>
+              <a:t>11/18/22</a:t>
             </a:fld>
             <a:endParaRPr lang="en-US"/>
           </a:p>
@@ -461,7 +466,7 @@
           <a:p>
             <a:fld id="{3C5E3940-567D-0E4A-B27A-538E5CA3F251}" type="datetimeFigureOut">
               <a:rPr lang="en-US" smtClean="0"/>
-              <a:t>11/27/20</a:t>
+              <a:t>11/18/22</a:t>
             </a:fld>
             <a:endParaRPr lang="en-US"/>
           </a:p>
@@ -669,7 +674,7 @@
           <a:p>
             <a:fld id="{3C5E3940-567D-0E4A-B27A-538E5CA3F251}" type="datetimeFigureOut">
               <a:rPr lang="en-US" smtClean="0"/>
-              <a:t>11/27/20</a:t>
+              <a:t>11/18/22</a:t>
             </a:fld>
             <a:endParaRPr lang="en-US"/>
           </a:p>
@@ -867,7 +872,7 @@
           <a:p>
             <a:fld id="{3C5E3940-567D-0E4A-B27A-538E5CA3F251}" type="datetimeFigureOut">
               <a:rPr lang="en-US" smtClean="0"/>
-              <a:t>11/27/20</a:t>
+              <a:t>11/18/22</a:t>
             </a:fld>
             <a:endParaRPr lang="en-US"/>
           </a:p>
@@ -1142,7 +1147,7 @@
           <a:p>
             <a:fld id="{3C5E3940-567D-0E4A-B27A-538E5CA3F251}" type="datetimeFigureOut">
               <a:rPr lang="en-US" smtClean="0"/>
-              <a:t>11/27/20</a:t>
+              <a:t>11/18/22</a:t>
             </a:fld>
             <a:endParaRPr lang="en-US"/>
           </a:p>
@@ -1407,7 +1412,7 @@
           <a:p>
             <a:fld id="{3C5E3940-567D-0E4A-B27A-538E5CA3F251}" type="datetimeFigureOut">
               <a:rPr lang="en-US" smtClean="0"/>
-              <a:t>11/27/20</a:t>
+              <a:t>11/18/22</a:t>
             </a:fld>
             <a:endParaRPr lang="en-US"/>
           </a:p>
@@ -1819,7 +1824,7 @@
           <a:p>
             <a:fld id="{3C5E3940-567D-0E4A-B27A-538E5CA3F251}" type="datetimeFigureOut">
               <a:rPr lang="en-US" smtClean="0"/>
-              <a:t>11/27/20</a:t>
+              <a:t>11/18/22</a:t>
             </a:fld>
             <a:endParaRPr lang="en-US"/>
           </a:p>
@@ -1960,7 +1965,7 @@
           <a:p>
             <a:fld id="{3C5E3940-567D-0E4A-B27A-538E5CA3F251}" type="datetimeFigureOut">
               <a:rPr lang="en-US" smtClean="0"/>
-              <a:t>11/27/20</a:t>
+              <a:t>11/18/22</a:t>
             </a:fld>
             <a:endParaRPr lang="en-US"/>
           </a:p>
@@ -2073,7 +2078,7 @@
           <a:p>
             <a:fld id="{3C5E3940-567D-0E4A-B27A-538E5CA3F251}" type="datetimeFigureOut">
               <a:rPr lang="en-US" smtClean="0"/>
-              <a:t>11/27/20</a:t>
+              <a:t>11/18/22</a:t>
             </a:fld>
             <a:endParaRPr lang="en-US"/>
           </a:p>
@@ -2384,7 +2389,7 @@
           <a:p>
             <a:fld id="{3C5E3940-567D-0E4A-B27A-538E5CA3F251}" type="datetimeFigureOut">
               <a:rPr lang="en-US" smtClean="0"/>
-              <a:t>11/27/20</a:t>
+              <a:t>11/18/22</a:t>
             </a:fld>
             <a:endParaRPr lang="en-US"/>
           </a:p>
@@ -2672,7 +2677,7 @@
           <a:p>
             <a:fld id="{3C5E3940-567D-0E4A-B27A-538E5CA3F251}" type="datetimeFigureOut">
               <a:rPr lang="en-US" smtClean="0"/>
-              <a:t>11/27/20</a:t>
+              <a:t>11/18/22</a:t>
             </a:fld>
             <a:endParaRPr lang="en-US"/>
           </a:p>
@@ -2913,7 +2918,7 @@
           <a:p>
             <a:fld id="{3C5E3940-567D-0E4A-B27A-538E5CA3F251}" type="datetimeFigureOut">
               <a:rPr lang="en-US" smtClean="0"/>
-              <a:t>11/27/20</a:t>
+              <a:t>11/18/22</a:t>
             </a:fld>
             <a:endParaRPr lang="en-US"/>
           </a:p>
@@ -3353,7 +3358,7 @@
           <a:p>
             <a:r>
               <a:rPr lang="en-US" dirty="0"/>
-              <a:t>Project Title</a:t>
+              <a:t>Song Data Mining</a:t>
             </a:r>
           </a:p>
         </p:txBody>
@@ -3376,12 +3381,41 @@
         </p:nvSpPr>
         <p:spPr/>
         <p:txBody>
-          <a:bodyPr/>
-          <a:lstStyle/>
-          <a:p>
-            <a:r>
-              <a:rPr lang="en-US" dirty="0"/>
-              <a:t>List of team members</a:t>
+          <a:bodyPr>
+            <a:normAutofit/>
+          </a:bodyPr>
+          <a:lstStyle/>
+          <a:p>
+            <a:r>
+              <a:rPr lang="en-US" sz="2000" b="0" dirty="0">
+                <a:effectLst/>
+              </a:rPr>
+              <a:t>Harsh </a:t>
+            </a:r>
+            <a:r>
+              <a:rPr lang="en-US" sz="2000" b="0" dirty="0" err="1">
+                <a:effectLst/>
+              </a:rPr>
+              <a:t>Bolakani</a:t>
+            </a:r>
+            <a:endParaRPr lang="en-US" sz="2000" b="0" dirty="0">
+              <a:effectLst/>
+            </a:endParaRPr>
+          </a:p>
+          <a:p>
+            <a:r>
+              <a:rPr lang="en-US" sz="2000" b="0" dirty="0">
+                <a:effectLst/>
+              </a:rPr>
+              <a:t>Greg Morgan</a:t>
+            </a:r>
+          </a:p>
+          <a:p>
+            <a:r>
+              <a:rPr lang="en-US" sz="2000" b="0" dirty="0">
+                <a:effectLst/>
+              </a:rPr>
+              <a:t>Trevor Pawlewicz</a:t>
             </a:r>
           </a:p>
         </p:txBody>
@@ -3548,10 +3582,70 @@
         </p:nvSpPr>
         <p:spPr/>
         <p:txBody>
-          <a:bodyPr/>
-          <a:lstStyle/>
-          <a:p>
-            <a:endParaRPr lang="en-US"/>
+          <a:bodyPr>
+            <a:normAutofit/>
+          </a:bodyPr>
+          <a:lstStyle/>
+          <a:p>
+            <a:pPr marL="0" indent="0">
+              <a:buNone/>
+            </a:pPr>
+            <a:r>
+              <a:rPr lang="en-US" b="0" dirty="0">
+                <a:effectLst/>
+              </a:rPr>
+              <a:t>We will explore the area of music and lyrical content, possibly notes and chord progressions, to find trends in popular music.</a:t>
+            </a:r>
+          </a:p>
+          <a:p>
+            <a:pPr marL="0" indent="0">
+              <a:buNone/>
+            </a:pPr>
+            <a:r>
+              <a:rPr lang="en-US" b="0" dirty="0">
+                <a:effectLst/>
+              </a:rPr>
+              <a:t>We will ask if popular hit music (chart ranking and top selling songs) have trends in the following way:</a:t>
+            </a:r>
+          </a:p>
+          <a:p>
+            <a:pPr lvl="1"/>
+            <a:r>
+              <a:rPr lang="en-US" b="0" dirty="0">
+                <a:effectLst/>
+              </a:rPr>
+              <a:t>Are there common words and/or phrases?</a:t>
+            </a:r>
+          </a:p>
+          <a:p>
+            <a:pPr lvl="1"/>
+            <a:r>
+              <a:rPr lang="en-US" b="0" dirty="0">
+                <a:effectLst/>
+              </a:rPr>
+              <a:t>Are the common themes?</a:t>
+            </a:r>
+          </a:p>
+          <a:p>
+            <a:pPr lvl="1"/>
+            <a:r>
+              <a:rPr lang="en-US" b="0" dirty="0">
+                <a:effectLst/>
+              </a:rPr>
+              <a:t>Are there common notes and chords?</a:t>
+            </a:r>
+          </a:p>
+          <a:p>
+            <a:pPr lvl="1"/>
+            <a:r>
+              <a:rPr lang="en-US" b="0" dirty="0">
+                <a:effectLst/>
+              </a:rPr>
+              <a:t>Is there a structure in notes/chords that make certain moods?</a:t>
+            </a:r>
+          </a:p>
+          <a:p>
+            <a:endParaRPr lang="en-US" dirty="0"/>
           </a:p>
         </p:txBody>
       </p:sp>
@@ -3631,10 +3725,116 @@
         </p:nvSpPr>
         <p:spPr/>
         <p:txBody>
-          <a:bodyPr/>
-          <a:lstStyle/>
-          <a:p>
-            <a:endParaRPr lang="en-US"/>
+          <a:bodyPr>
+            <a:normAutofit fontScale="92500" lnSpcReduction="20000"/>
+          </a:bodyPr>
+          <a:lstStyle/>
+          <a:p>
+            <a:r>
+              <a:rPr lang="en-US" b="0" i="1" dirty="0">
+                <a:effectLst/>
+              </a:rPr>
+              <a:t>Create inspiration for musicians.</a:t>
+            </a:r>
+            <a:endParaRPr lang="en-US" b="0" dirty="0">
+              <a:effectLst/>
+            </a:endParaRPr>
+          </a:p>
+          <a:p>
+            <a:r>
+              <a:rPr lang="en-US" b="0" i="1" dirty="0">
+                <a:effectLst/>
+              </a:rPr>
+              <a:t>Help musicians over creative road-blocks.</a:t>
+            </a:r>
+            <a:endParaRPr lang="en-US" b="0" dirty="0">
+              <a:effectLst/>
+            </a:endParaRPr>
+          </a:p>
+          <a:p>
+            <a:r>
+              <a:rPr lang="en-US" b="0" i="1" dirty="0">
+                <a:effectLst/>
+              </a:rPr>
+              <a:t>Assist content producers in creating the perfect song to fit their needs.</a:t>
+            </a:r>
+            <a:endParaRPr lang="en-US" b="0" dirty="0">
+              <a:effectLst/>
+            </a:endParaRPr>
+          </a:p>
+          <a:p>
+            <a:r>
+              <a:rPr lang="en-US" b="0" i="1" dirty="0">
+                <a:effectLst/>
+              </a:rPr>
+              <a:t>Looking at trends in genres.</a:t>
+            </a:r>
+          </a:p>
+          <a:p>
+            <a:endParaRPr lang="en-US" b="0" i="1" dirty="0">
+              <a:effectLst/>
+            </a:endParaRPr>
+          </a:p>
+          <a:p>
+            <a:pPr marL="0" indent="0">
+              <a:buNone/>
+            </a:pPr>
+            <a:r>
+              <a:rPr lang="en-US" i="1" dirty="0"/>
+              <a:t>For and audience…</a:t>
+            </a:r>
+          </a:p>
+          <a:p>
+            <a:r>
+              <a:rPr lang="en-US" b="0" i="1" dirty="0">
+                <a:effectLst/>
+              </a:rPr>
+              <a:t>Musicians</a:t>
+            </a:r>
+            <a:endParaRPr lang="en-US" b="0" dirty="0">
+              <a:effectLst/>
+            </a:endParaRPr>
+          </a:p>
+          <a:p>
+            <a:r>
+              <a:rPr lang="en-US" b="0" i="1" dirty="0">
+                <a:effectLst/>
+              </a:rPr>
+              <a:t>Writers</a:t>
+            </a:r>
+            <a:endParaRPr lang="en-US" b="0" dirty="0">
+              <a:effectLst/>
+            </a:endParaRPr>
+          </a:p>
+          <a:p>
+            <a:r>
+              <a:rPr lang="en-US" b="0" i="1" dirty="0">
+                <a:effectLst/>
+              </a:rPr>
+              <a:t>Producers</a:t>
+            </a:r>
+            <a:endParaRPr lang="en-US" b="0" dirty="0">
+              <a:effectLst/>
+            </a:endParaRPr>
+          </a:p>
+          <a:p>
+            <a:r>
+              <a:rPr lang="en-US" b="0" i="1" dirty="0">
+                <a:effectLst/>
+              </a:rPr>
+              <a:t>Music Industry Professionals</a:t>
+            </a:r>
+            <a:endParaRPr lang="en-US" b="0" dirty="0">
+              <a:effectLst/>
+            </a:endParaRPr>
+          </a:p>
+          <a:p>
+            <a:endParaRPr lang="en-US" b="0" dirty="0">
+              <a:effectLst/>
+            </a:endParaRPr>
+          </a:p>
+          <a:p>
+            <a:endParaRPr lang="en-US" dirty="0"/>
           </a:p>
         </p:txBody>
       </p:sp>
@@ -3714,8 +3914,270 @@
         </p:nvSpPr>
         <p:spPr/>
         <p:txBody>
-          <a:bodyPr/>
-          <a:lstStyle/>
+          <a:bodyPr>
+            <a:normAutofit fontScale="70000" lnSpcReduction="20000"/>
+          </a:bodyPr>
+          <a:lstStyle/>
+          <a:p>
+            <a:pPr marL="0" indent="0">
+              <a:buNone/>
+            </a:pPr>
+            <a:r>
+              <a:rPr lang="en-US" b="0" i="1" dirty="0" err="1">
+                <a:solidFill>
+                  <a:srgbClr val="0070C0"/>
+                </a:solidFill>
+                <a:effectLst/>
+              </a:rPr>
+              <a:t>MusixMatch</a:t>
+            </a:r>
+            <a:r>
+              <a:rPr lang="en-US" b="0" i="1" dirty="0">
+                <a:solidFill>
+                  <a:srgbClr val="0070C0"/>
+                </a:solidFill>
+                <a:effectLst/>
+              </a:rPr>
+              <a:t> API</a:t>
+            </a:r>
+            <a:endParaRPr lang="en-US" b="0" dirty="0">
+              <a:solidFill>
+                <a:srgbClr val="0070C0"/>
+              </a:solidFill>
+              <a:effectLst/>
+            </a:endParaRPr>
+          </a:p>
+          <a:p>
+            <a:pPr marL="0" indent="0">
+              <a:buNone/>
+            </a:pPr>
+            <a:br>
+              <a:rPr lang="en-US" b="0" dirty="0">
+                <a:effectLst/>
+              </a:rPr>
+            </a:br>
+            <a:r>
+              <a:rPr lang="en-US" b="0" dirty="0" err="1">
+                <a:effectLst/>
+              </a:rPr>
+              <a:t>Musixmatch</a:t>
+            </a:r>
+            <a:r>
+              <a:rPr lang="en-US" b="0" dirty="0">
+                <a:effectLst/>
+              </a:rPr>
+              <a:t> is a large catalog of song lyrics and translations. The </a:t>
+            </a:r>
+            <a:r>
+              <a:rPr lang="en-US" b="0" dirty="0" err="1">
+                <a:effectLst/>
+              </a:rPr>
+              <a:t>Musixmatch</a:t>
+            </a:r>
+            <a:r>
+              <a:rPr lang="en-US" b="0" dirty="0">
+                <a:effectLst/>
+              </a:rPr>
+              <a:t> lyrics </a:t>
+            </a:r>
+            <a:r>
+              <a:rPr lang="en-US" b="0" dirty="0" err="1">
+                <a:effectLst/>
+              </a:rPr>
+              <a:t>APITrack</a:t>
+            </a:r>
+            <a:r>
+              <a:rPr lang="en-US" b="0" dirty="0">
+                <a:effectLst/>
+              </a:rPr>
+              <a:t> this API enables users to legally search for songs by artist, title or lyrics. Get requests return lyrics in JSON or XML formats. The API also provides detailed metadata about the artists who performed it, the genre, influences, related artists and more.</a:t>
+            </a:r>
+          </a:p>
+          <a:p>
+            <a:pPr marL="0" indent="0">
+              <a:buNone/>
+            </a:pPr>
+            <a:br>
+              <a:rPr lang="en-US" sz="2000" b="0" dirty="0">
+                <a:solidFill>
+                  <a:srgbClr val="0070C0"/>
+                </a:solidFill>
+                <a:effectLst/>
+              </a:rPr>
+            </a:br>
+            <a:r>
+              <a:rPr lang="en-US" sz="2000" b="0" dirty="0">
+                <a:solidFill>
+                  <a:srgbClr val="0070C0"/>
+                </a:solidFill>
+                <a:effectLst/>
+              </a:rPr>
+              <a:t>https://</a:t>
+            </a:r>
+            <a:r>
+              <a:rPr lang="en-US" sz="2000" b="0" dirty="0" err="1">
+                <a:solidFill>
+                  <a:srgbClr val="0070C0"/>
+                </a:solidFill>
+                <a:effectLst/>
+              </a:rPr>
+              <a:t>www.programmableweb.com</a:t>
+            </a:r>
+            <a:r>
+              <a:rPr lang="en-US" sz="2000" b="0" dirty="0">
+                <a:solidFill>
+                  <a:srgbClr val="0070C0"/>
+                </a:solidFill>
+                <a:effectLst/>
+              </a:rPr>
+              <a:t>/</a:t>
+            </a:r>
+            <a:r>
+              <a:rPr lang="en-US" sz="2000" b="0" dirty="0" err="1">
+                <a:solidFill>
+                  <a:srgbClr val="0070C0"/>
+                </a:solidFill>
+                <a:effectLst/>
+              </a:rPr>
+              <a:t>api</a:t>
+            </a:r>
+            <a:r>
+              <a:rPr lang="en-US" sz="2000" b="0" dirty="0">
+                <a:solidFill>
+                  <a:srgbClr val="0070C0"/>
+                </a:solidFill>
+                <a:effectLst/>
+              </a:rPr>
+              <a:t>/</a:t>
+            </a:r>
+            <a:r>
+              <a:rPr lang="en-US" sz="2000" b="0" dirty="0" err="1">
+                <a:solidFill>
+                  <a:srgbClr val="0070C0"/>
+                </a:solidFill>
+                <a:effectLst/>
+              </a:rPr>
+              <a:t>musixmatch</a:t>
+            </a:r>
+            <a:endParaRPr lang="en-US" sz="2000" b="0" dirty="0">
+              <a:solidFill>
+                <a:srgbClr val="0070C0"/>
+              </a:solidFill>
+              <a:effectLst/>
+            </a:endParaRPr>
+          </a:p>
+          <a:p>
+            <a:pPr marL="0" indent="0">
+              <a:buNone/>
+            </a:pPr>
+            <a:endParaRPr lang="en-US" i="1" dirty="0">
+              <a:solidFill>
+                <a:srgbClr val="0070C0"/>
+              </a:solidFill>
+            </a:endParaRPr>
+          </a:p>
+          <a:p>
+            <a:pPr marL="0" indent="0">
+              <a:buNone/>
+            </a:pPr>
+            <a:r>
+              <a:rPr lang="en-US" b="0" i="1" dirty="0">
+                <a:solidFill>
+                  <a:srgbClr val="0070C0"/>
+                </a:solidFill>
+                <a:effectLst/>
+              </a:rPr>
+              <a:t>Spotify Web API</a:t>
+            </a:r>
+            <a:endParaRPr lang="en-US" b="0" dirty="0">
+              <a:solidFill>
+                <a:srgbClr val="0070C0"/>
+              </a:solidFill>
+              <a:effectLst/>
+            </a:endParaRPr>
+          </a:p>
+          <a:p>
+            <a:pPr marL="0" indent="0">
+              <a:buNone/>
+            </a:pPr>
+            <a:br>
+              <a:rPr lang="en-US" sz="2900" b="0" dirty="0">
+                <a:effectLst/>
+              </a:rPr>
+            </a:br>
+            <a:r>
+              <a:rPr lang="en-US" sz="2900" b="0" dirty="0">
+                <a:effectLst/>
+              </a:rPr>
+              <a:t>You can use Spotify's Web API to discover music and podcasts, manage your Spotify library, control audio playback, and much more.</a:t>
+            </a:r>
+            <a:br>
+              <a:rPr lang="en-US" sz="2900" b="0" dirty="0">
+                <a:effectLst/>
+              </a:rPr>
+            </a:br>
+            <a:r>
+              <a:rPr lang="en-US" sz="2900" b="0" dirty="0">
+                <a:effectLst/>
+              </a:rPr>
+              <a:t>In order to make successful Web API requests your app will need a valid access token. One can be obtained through OAuth 2.0.</a:t>
+            </a:r>
+            <a:br>
+              <a:rPr lang="en-US" sz="2900" b="0" dirty="0">
+                <a:effectLst/>
+              </a:rPr>
+            </a:br>
+            <a:br>
+              <a:rPr lang="en-US" b="0" dirty="0">
+                <a:effectLst/>
+              </a:rPr>
+            </a:br>
+            <a:r>
+              <a:rPr lang="en-US" sz="2000" b="0" dirty="0">
+                <a:solidFill>
+                  <a:srgbClr val="0070C0"/>
+                </a:solidFill>
+                <a:effectLst/>
+              </a:rPr>
+              <a:t>https://</a:t>
+            </a:r>
+            <a:r>
+              <a:rPr lang="en-US" sz="2000" b="0" dirty="0" err="1">
+                <a:solidFill>
+                  <a:srgbClr val="0070C0"/>
+                </a:solidFill>
+                <a:effectLst/>
+              </a:rPr>
+              <a:t>developer.spotify.com</a:t>
+            </a:r>
+            <a:r>
+              <a:rPr lang="en-US" sz="2000" b="0" dirty="0">
+                <a:solidFill>
+                  <a:srgbClr val="0070C0"/>
+                </a:solidFill>
+                <a:effectLst/>
+              </a:rPr>
+              <a:t>/documentation/web-</a:t>
+            </a:r>
+            <a:r>
+              <a:rPr lang="en-US" sz="2000" b="0" dirty="0" err="1">
+                <a:solidFill>
+                  <a:srgbClr val="0070C0"/>
+                </a:solidFill>
+                <a:effectLst/>
+              </a:rPr>
+              <a:t>api</a:t>
+            </a:r>
+            <a:r>
+              <a:rPr lang="en-US" sz="2000" b="0" dirty="0">
+                <a:solidFill>
+                  <a:srgbClr val="0070C0"/>
+                </a:solidFill>
+                <a:effectLst/>
+              </a:rPr>
+              <a:t>/reference/#/</a:t>
+            </a:r>
+          </a:p>
           <a:p>
             <a:endParaRPr lang="en-US" dirty="0"/>
           </a:p>
@@ -3797,10 +4259,213 @@
         </p:nvSpPr>
         <p:spPr/>
         <p:txBody>
-          <a:bodyPr/>
-          <a:lstStyle/>
-          <a:p>
-            <a:endParaRPr lang="en-US"/>
+          <a:bodyPr>
+            <a:normAutofit fontScale="92500" lnSpcReduction="10000"/>
+          </a:bodyPr>
+          <a:lstStyle/>
+          <a:p>
+            <a:pPr marL="0" indent="0">
+              <a:buNone/>
+            </a:pPr>
+            <a:r>
+              <a:rPr lang="en-US" sz="2000" b="0" i="0" u="none" strike="noStrike" dirty="0">
+                <a:solidFill>
+                  <a:srgbClr val="292929"/>
+                </a:solidFill>
+                <a:effectLst/>
+              </a:rPr>
+              <a:t>Leverage Spotify API + Genius Lyrics for Data Science Tasks in Python </a:t>
+            </a:r>
+            <a:r>
+              <a:rPr lang="en-US" sz="2000" i="0" u="none" strike="noStrike" dirty="0">
+                <a:solidFill>
+                  <a:srgbClr val="292929"/>
+                </a:solidFill>
+                <a:effectLst/>
+              </a:rPr>
+              <a:t>(Example)</a:t>
+            </a:r>
+          </a:p>
+          <a:p>
+            <a:r>
+              <a:rPr lang="en-US" b="1" i="0" u="none" strike="noStrike" dirty="0">
+                <a:solidFill>
+                  <a:srgbClr val="292929"/>
+                </a:solidFill>
+                <a:effectLst/>
+              </a:rPr>
+              <a:t>Install Libraries</a:t>
+            </a:r>
+          </a:p>
+          <a:p>
+            <a:pPr lvl="1"/>
+            <a:r>
+              <a:rPr lang="en-US" i="0" u="none" strike="noStrike" dirty="0">
+                <a:solidFill>
+                  <a:srgbClr val="292929"/>
+                </a:solidFill>
+                <a:effectLst/>
+              </a:rPr>
+              <a:t>Libraries here…</a:t>
+            </a:r>
+          </a:p>
+          <a:p>
+            <a:r>
+              <a:rPr lang="en-US" b="1" i="0" u="none" strike="noStrike" dirty="0">
+                <a:solidFill>
+                  <a:srgbClr val="292929"/>
+                </a:solidFill>
+                <a:effectLst/>
+              </a:rPr>
+              <a:t>Connecting To Spotify API</a:t>
+            </a:r>
+          </a:p>
+          <a:p>
+            <a:pPr lvl="1"/>
+            <a:r>
+              <a:rPr lang="en-US" b="0" i="0" u="none" strike="noStrike" dirty="0">
+                <a:solidFill>
+                  <a:srgbClr val="292929"/>
+                </a:solidFill>
+                <a:effectLst/>
+              </a:rPr>
+              <a:t>register for a Spotify developer account</a:t>
+            </a:r>
+            <a:endParaRPr lang="en-US" b="1" dirty="0">
+              <a:solidFill>
+                <a:srgbClr val="292929"/>
+              </a:solidFill>
+            </a:endParaRPr>
+          </a:p>
+          <a:p>
+            <a:pPr lvl="1"/>
+            <a:r>
+              <a:rPr lang="en-US" b="0" i="0" u="none" strike="noStrike" dirty="0">
+                <a:solidFill>
+                  <a:srgbClr val="292929"/>
+                </a:solidFill>
+                <a:effectLst/>
+              </a:rPr>
+              <a:t>access to unique tokens which will allow for a seamless connection (client id and secret key)</a:t>
+            </a:r>
+            <a:endParaRPr lang="en-US" b="1" i="0" u="none" strike="noStrike" dirty="0">
+              <a:solidFill>
+                <a:srgbClr val="292929"/>
+              </a:solidFill>
+              <a:effectLst/>
+            </a:endParaRPr>
+          </a:p>
+          <a:p>
+            <a:r>
+              <a:rPr lang="en-US" b="1" i="0" u="none" strike="noStrike" dirty="0">
+                <a:solidFill>
+                  <a:srgbClr val="292929"/>
+                </a:solidFill>
+                <a:effectLst/>
+              </a:rPr>
+              <a:t>Extrapolating Data From Spotify API</a:t>
+            </a:r>
+          </a:p>
+          <a:p>
+            <a:pPr lvl="1"/>
+            <a:r>
+              <a:rPr lang="en-US" b="0" i="0" u="none" strike="noStrike" dirty="0">
+                <a:solidFill>
+                  <a:srgbClr val="292929"/>
+                </a:solidFill>
+                <a:effectLst/>
+              </a:rPr>
+              <a:t>create a function that will take all the songs from any given album and insert the relevant information into a pandas </a:t>
+            </a:r>
+            <a:r>
+              <a:rPr lang="en-US" b="0" i="0" u="none" strike="noStrike" dirty="0" err="1">
+                <a:solidFill>
+                  <a:srgbClr val="292929"/>
+                </a:solidFill>
+                <a:effectLst/>
+              </a:rPr>
+              <a:t>dataframe</a:t>
+            </a:r>
+            <a:r>
+              <a:rPr lang="en-US" b="0" i="0" u="none" strike="noStrike" dirty="0">
+                <a:solidFill>
+                  <a:srgbClr val="292929"/>
+                </a:solidFill>
+                <a:effectLst/>
+              </a:rPr>
+              <a:t>.</a:t>
+            </a:r>
+            <a:endParaRPr lang="en-US" b="1" i="0" u="none" strike="noStrike" dirty="0">
+              <a:solidFill>
+                <a:srgbClr val="292929"/>
+              </a:solidFill>
+              <a:effectLst/>
+            </a:endParaRPr>
+          </a:p>
+          <a:p>
+            <a:r>
+              <a:rPr lang="en-US" b="1" i="0" u="none" strike="noStrike" dirty="0">
+                <a:solidFill>
+                  <a:srgbClr val="292929"/>
+                </a:solidFill>
+                <a:effectLst/>
+              </a:rPr>
+              <a:t>Attaching Song Lyrics From </a:t>
+            </a:r>
+            <a:r>
+              <a:rPr lang="en-US" b="1" i="0" u="none" strike="noStrike" dirty="0" err="1">
+                <a:solidFill>
+                  <a:srgbClr val="292929"/>
+                </a:solidFill>
+                <a:effectLst/>
+              </a:rPr>
+              <a:t>Genius.com</a:t>
+            </a:r>
+            <a:endParaRPr lang="en-US" b="1" i="0" u="none" strike="noStrike" dirty="0">
+              <a:solidFill>
+                <a:srgbClr val="292929"/>
+              </a:solidFill>
+              <a:effectLst/>
+            </a:endParaRPr>
+          </a:p>
+          <a:p>
+            <a:pPr lvl="1"/>
+            <a:r>
+              <a:rPr lang="en-US" b="0" i="0" u="none" strike="noStrike" dirty="0">
+                <a:solidFill>
+                  <a:srgbClr val="292929"/>
+                </a:solidFill>
+                <a:effectLst/>
+              </a:rPr>
+              <a:t>web scrapping Genius to attach the lyrics of the songs to our </a:t>
+            </a:r>
+            <a:r>
+              <a:rPr lang="en-US" b="0" i="0" u="none" strike="noStrike" dirty="0" err="1">
+                <a:solidFill>
+                  <a:srgbClr val="292929"/>
+                </a:solidFill>
+                <a:effectLst/>
+              </a:rPr>
+              <a:t>dataframe</a:t>
+            </a:r>
+            <a:r>
+              <a:rPr lang="en-US" b="0" i="0" u="none" strike="noStrike" dirty="0">
+                <a:solidFill>
+                  <a:srgbClr val="292929"/>
+                </a:solidFill>
+                <a:effectLst/>
+              </a:rPr>
+              <a:t>.</a:t>
+            </a:r>
+            <a:endParaRPr lang="en-US" b="1" i="0" u="none" strike="noStrike" dirty="0">
+              <a:solidFill>
+                <a:srgbClr val="292929"/>
+              </a:solidFill>
+              <a:effectLst/>
+            </a:endParaRPr>
+          </a:p>
+          <a:p>
+            <a:endParaRPr lang="en-US" dirty="0"/>
           </a:p>
         </p:txBody>
       </p:sp>
@@ -3880,10 +4545,108 @@
         </p:nvSpPr>
         <p:spPr/>
         <p:txBody>
-          <a:bodyPr/>
-          <a:lstStyle/>
-          <a:p>
-            <a:endParaRPr lang="en-US"/>
+          <a:bodyPr>
+            <a:normAutofit/>
+          </a:bodyPr>
+          <a:lstStyle/>
+          <a:p>
+            <a:pPr marL="457200" indent="-457200">
+              <a:buFont typeface="+mj-lt"/>
+              <a:buAutoNum type="arabicPeriod"/>
+            </a:pPr>
+            <a:r>
+              <a:rPr lang="en-US" sz="2400" b="0" dirty="0">
+                <a:effectLst/>
+              </a:rPr>
+              <a:t>get a list of tracks from </a:t>
+            </a:r>
+            <a:r>
+              <a:rPr lang="en-US" sz="2400" b="0" dirty="0" err="1">
+                <a:effectLst/>
+              </a:rPr>
+              <a:t>musix</a:t>
+            </a:r>
+            <a:r>
+              <a:rPr lang="en-US" sz="2400" b="0" dirty="0">
+                <a:effectLst/>
+              </a:rPr>
+              <a:t> match.</a:t>
+            </a:r>
+          </a:p>
+          <a:p>
+            <a:pPr marL="457200" indent="-457200">
+              <a:buFont typeface="+mj-lt"/>
+              <a:buAutoNum type="arabicPeriod"/>
+            </a:pPr>
+            <a:r>
+              <a:rPr lang="en-US" sz="2400" b="0" dirty="0">
+                <a:effectLst/>
+              </a:rPr>
+              <a:t>acquire the lyrics data for those tracks (either from API or scrapping). </a:t>
+            </a:r>
+          </a:p>
+          <a:p>
+            <a:pPr marL="457200" indent="-457200">
+              <a:buFont typeface="+mj-lt"/>
+              <a:buAutoNum type="arabicPeriod"/>
+            </a:pPr>
+            <a:r>
+              <a:rPr lang="en-US" sz="2400" b="0" dirty="0">
+                <a:effectLst/>
+              </a:rPr>
+              <a:t>acquire the mood data for each track. </a:t>
+            </a:r>
+          </a:p>
+          <a:p>
+            <a:pPr marL="457200" indent="-457200">
+              <a:buFont typeface="+mj-lt"/>
+              <a:buAutoNum type="arabicPeriod"/>
+            </a:pPr>
+            <a:r>
+              <a:rPr lang="en-US" sz="2400" b="0" dirty="0">
+                <a:effectLst/>
+              </a:rPr>
+              <a:t>for each track count the words. </a:t>
+            </a:r>
+          </a:p>
+          <a:p>
+            <a:pPr marL="457200" indent="-457200">
+              <a:buFont typeface="+mj-lt"/>
+              <a:buAutoNum type="arabicPeriod"/>
+            </a:pPr>
+            <a:r>
+              <a:rPr lang="en-US" sz="2400" b="0" dirty="0">
+                <a:effectLst/>
+              </a:rPr>
+              <a:t>assign to the word counts to a mood based on the mood of the track.</a:t>
+            </a:r>
+          </a:p>
+          <a:p>
+            <a:pPr marL="457200" indent="-457200">
+              <a:buFont typeface="+mj-lt"/>
+              <a:buAutoNum type="arabicPeriod"/>
+            </a:pPr>
+            <a:r>
+              <a:rPr lang="en-US" sz="2400" b="0" dirty="0">
+                <a:effectLst/>
+              </a:rPr>
+              <a:t>order the words for each mood based on count.</a:t>
+            </a:r>
+          </a:p>
+          <a:p>
+            <a:pPr marL="457200" indent="-457200">
+              <a:buFont typeface="+mj-lt"/>
+              <a:buAutoNum type="arabicPeriod"/>
+            </a:pPr>
+            <a:r>
+              <a:rPr lang="en-US" sz="2400" b="0" dirty="0">
+                <a:effectLst/>
+              </a:rPr>
+              <a:t>output finalized dataset to a file.</a:t>
+            </a:r>
+          </a:p>
+          <a:p>
+            <a:endParaRPr lang="en-US" sz="2400" dirty="0"/>
           </a:p>
         </p:txBody>
       </p:sp>
@@ -4132,7 +4895,27 @@
           <a:bodyPr/>
           <a:lstStyle/>
           <a:p>
-            <a:endParaRPr lang="en-US"/>
+            <a:r>
+              <a:rPr lang="en-US" sz="2400" dirty="0">
+                <a:solidFill>
+                  <a:schemeClr val="accent1"/>
+                </a:solidFill>
+              </a:rPr>
+              <a:t>Spotify</a:t>
+            </a:r>
+            <a:r>
+              <a:rPr lang="en-US" sz="2400" dirty="0"/>
+              <a:t>: </a:t>
+            </a:r>
+            <a:r>
+              <a:rPr lang="en-US" sz="2400" b="0" dirty="0">
+                <a:effectLst/>
+              </a:rPr>
+              <a:t>In order to make successful Web API requests your app will need a valid access token. One can be obtained through OAuth 2.0.</a:t>
+            </a:r>
+          </a:p>
+          <a:p>
+            <a:endParaRPr lang="en-US" dirty="0"/>
           </a:p>
         </p:txBody>
       </p:sp>

--- a/Presentation PowerPoint/Project-Presentation-Template.pptx
+++ b/Presentation PowerPoint/Project-Presentation-Template.pptx
@@ -4,17 +4,22 @@
   <p:sldMasterIdLst>
     <p:sldMasterId id="2147483648" r:id="rId1"/>
   </p:sldMasterIdLst>
+  <p:notesMasterIdLst>
+    <p:notesMasterId r:id="rId14"/>
+  </p:notesMasterIdLst>
   <p:sldIdLst>
     <p:sldId id="256" r:id="rId2"/>
     <p:sldId id="257" r:id="rId3"/>
     <p:sldId id="259" r:id="rId4"/>
     <p:sldId id="258" r:id="rId5"/>
     <p:sldId id="260" r:id="rId6"/>
-    <p:sldId id="263" r:id="rId7"/>
-    <p:sldId id="261" r:id="rId8"/>
-    <p:sldId id="264" r:id="rId9"/>
-    <p:sldId id="262" r:id="rId10"/>
-    <p:sldId id="265" r:id="rId11"/>
+    <p:sldId id="266" r:id="rId7"/>
+    <p:sldId id="267" r:id="rId8"/>
+    <p:sldId id="263" r:id="rId9"/>
+    <p:sldId id="261" r:id="rId10"/>
+    <p:sldId id="264" r:id="rId11"/>
+    <p:sldId id="262" r:id="rId12"/>
+    <p:sldId id="265" r:id="rId13"/>
   </p:sldIdLst>
   <p:sldSz cx="12192000" cy="6858000"/>
   <p:notesSz cx="6858000" cy="9144000"/>
@@ -121,6 +126,663 @@
 </p:presentation>
 </file>
 
+<file path=ppt/notesMasters/notesMaster1.xml><?xml version="1.0" encoding="utf-8"?>
+<p:notesMaster xmlns:a="http://schemas.openxmlformats.org/drawingml/2006/main" xmlns:r="http://schemas.openxmlformats.org/officeDocument/2006/relationships" xmlns:p="http://schemas.openxmlformats.org/presentationml/2006/main">
+  <p:cSld>
+    <p:bg>
+      <p:bgRef idx="1001">
+        <a:schemeClr val="bg1"/>
+      </p:bgRef>
+    </p:bg>
+    <p:spTree>
+      <p:nvGrpSpPr>
+        <p:cNvPr id="1" name=""/>
+        <p:cNvGrpSpPr/>
+        <p:nvPr/>
+      </p:nvGrpSpPr>
+      <p:grpSpPr>
+        <a:xfrm>
+          <a:off x="0" y="0"/>
+          <a:ext cx="0" cy="0"/>
+          <a:chOff x="0" y="0"/>
+          <a:chExt cx="0" cy="0"/>
+        </a:xfrm>
+      </p:grpSpPr>
+      <p:sp>
+        <p:nvSpPr>
+          <p:cNvPr id="2" name="Header Placeholder 1"/>
+          <p:cNvSpPr>
+            <a:spLocks noGrp="1"/>
+          </p:cNvSpPr>
+          <p:nvPr>
+            <p:ph type="hdr" sz="quarter"/>
+          </p:nvPr>
+        </p:nvSpPr>
+        <p:spPr>
+          <a:xfrm>
+            <a:off x="0" y="0"/>
+            <a:ext cx="2971800" cy="458788"/>
+          </a:xfrm>
+          <a:prstGeom prst="rect">
+            <a:avLst/>
+          </a:prstGeom>
+        </p:spPr>
+        <p:txBody>
+          <a:bodyPr vert="horz" lIns="91440" tIns="45720" rIns="91440" bIns="45720" rtlCol="0"/>
+          <a:lstStyle>
+            <a:lvl1pPr algn="l">
+              <a:defRPr sz="1200"/>
+            </a:lvl1pPr>
+          </a:lstStyle>
+          <a:p>
+            <a:endParaRPr lang="en-US"/>
+          </a:p>
+        </p:txBody>
+      </p:sp>
+      <p:sp>
+        <p:nvSpPr>
+          <p:cNvPr id="3" name="Date Placeholder 2"/>
+          <p:cNvSpPr>
+            <a:spLocks noGrp="1"/>
+          </p:cNvSpPr>
+          <p:nvPr>
+            <p:ph type="dt" idx="1"/>
+          </p:nvPr>
+        </p:nvSpPr>
+        <p:spPr>
+          <a:xfrm>
+            <a:off x="3884613" y="0"/>
+            <a:ext cx="2971800" cy="458788"/>
+          </a:xfrm>
+          <a:prstGeom prst="rect">
+            <a:avLst/>
+          </a:prstGeom>
+        </p:spPr>
+        <p:txBody>
+          <a:bodyPr vert="horz" lIns="91440" tIns="45720" rIns="91440" bIns="45720" rtlCol="0"/>
+          <a:lstStyle>
+            <a:lvl1pPr algn="r">
+              <a:defRPr sz="1200"/>
+            </a:lvl1pPr>
+          </a:lstStyle>
+          <a:p>
+            <a:fld id="{554293D9-CEF4-E549-8C2B-4C1F408488E2}" type="datetimeFigureOut">
+              <a:rPr lang="en-US" smtClean="0"/>
+              <a:t>11/21/22</a:t>
+            </a:fld>
+            <a:endParaRPr lang="en-US"/>
+          </a:p>
+        </p:txBody>
+      </p:sp>
+      <p:sp>
+        <p:nvSpPr>
+          <p:cNvPr id="4" name="Slide Image Placeholder 3"/>
+          <p:cNvSpPr>
+            <a:spLocks noGrp="1" noRot="1" noChangeAspect="1"/>
+          </p:cNvSpPr>
+          <p:nvPr>
+            <p:ph type="sldImg" idx="2"/>
+          </p:nvPr>
+        </p:nvSpPr>
+        <p:spPr>
+          <a:xfrm>
+            <a:off x="685800" y="1143000"/>
+            <a:ext cx="5486400" cy="3086100"/>
+          </a:xfrm>
+          <a:prstGeom prst="rect">
+            <a:avLst/>
+          </a:prstGeom>
+          <a:noFill/>
+          <a:ln w="12700">
+            <a:solidFill>
+              <a:prstClr val="black"/>
+            </a:solidFill>
+          </a:ln>
+        </p:spPr>
+        <p:txBody>
+          <a:bodyPr vert="horz" lIns="91440" tIns="45720" rIns="91440" bIns="45720" rtlCol="0" anchor="ctr"/>
+          <a:lstStyle/>
+          <a:p>
+            <a:endParaRPr lang="en-US"/>
+          </a:p>
+        </p:txBody>
+      </p:sp>
+      <p:sp>
+        <p:nvSpPr>
+          <p:cNvPr id="5" name="Notes Placeholder 4"/>
+          <p:cNvSpPr>
+            <a:spLocks noGrp="1"/>
+          </p:cNvSpPr>
+          <p:nvPr>
+            <p:ph type="body" sz="quarter" idx="3"/>
+          </p:nvPr>
+        </p:nvSpPr>
+        <p:spPr>
+          <a:xfrm>
+            <a:off x="685800" y="4400550"/>
+            <a:ext cx="5486400" cy="3600450"/>
+          </a:xfrm>
+          <a:prstGeom prst="rect">
+            <a:avLst/>
+          </a:prstGeom>
+        </p:spPr>
+        <p:txBody>
+          <a:bodyPr vert="horz" lIns="91440" tIns="45720" rIns="91440" bIns="45720" rtlCol="0"/>
+          <a:lstStyle/>
+          <a:p>
+            <a:pPr lvl="0"/>
+            <a:r>
+              <a:rPr lang="en-US"/>
+              <a:t>Click to edit Master text styles</a:t>
+            </a:r>
+          </a:p>
+          <a:p>
+            <a:pPr lvl="1"/>
+            <a:r>
+              <a:rPr lang="en-US"/>
+              <a:t>Second level</a:t>
+            </a:r>
+          </a:p>
+          <a:p>
+            <a:pPr lvl="2"/>
+            <a:r>
+              <a:rPr lang="en-US"/>
+              <a:t>Third level</a:t>
+            </a:r>
+          </a:p>
+          <a:p>
+            <a:pPr lvl="3"/>
+            <a:r>
+              <a:rPr lang="en-US"/>
+              <a:t>Fourth level</a:t>
+            </a:r>
+          </a:p>
+          <a:p>
+            <a:pPr lvl="4"/>
+            <a:r>
+              <a:rPr lang="en-US"/>
+              <a:t>Fifth level</a:t>
+            </a:r>
+          </a:p>
+        </p:txBody>
+      </p:sp>
+      <p:sp>
+        <p:nvSpPr>
+          <p:cNvPr id="6" name="Footer Placeholder 5"/>
+          <p:cNvSpPr>
+            <a:spLocks noGrp="1"/>
+          </p:cNvSpPr>
+          <p:nvPr>
+            <p:ph type="ftr" sz="quarter" idx="4"/>
+          </p:nvPr>
+        </p:nvSpPr>
+        <p:spPr>
+          <a:xfrm>
+            <a:off x="0" y="8685213"/>
+            <a:ext cx="2971800" cy="458787"/>
+          </a:xfrm>
+          <a:prstGeom prst="rect">
+            <a:avLst/>
+          </a:prstGeom>
+        </p:spPr>
+        <p:txBody>
+          <a:bodyPr vert="horz" lIns="91440" tIns="45720" rIns="91440" bIns="45720" rtlCol="0" anchor="b"/>
+          <a:lstStyle>
+            <a:lvl1pPr algn="l">
+              <a:defRPr sz="1200"/>
+            </a:lvl1pPr>
+          </a:lstStyle>
+          <a:p>
+            <a:endParaRPr lang="en-US"/>
+          </a:p>
+        </p:txBody>
+      </p:sp>
+      <p:sp>
+        <p:nvSpPr>
+          <p:cNvPr id="7" name="Slide Number Placeholder 6"/>
+          <p:cNvSpPr>
+            <a:spLocks noGrp="1"/>
+          </p:cNvSpPr>
+          <p:nvPr>
+            <p:ph type="sldNum" sz="quarter" idx="5"/>
+          </p:nvPr>
+        </p:nvSpPr>
+        <p:spPr>
+          <a:xfrm>
+            <a:off x="3884613" y="8685213"/>
+            <a:ext cx="2971800" cy="458787"/>
+          </a:xfrm>
+          <a:prstGeom prst="rect">
+            <a:avLst/>
+          </a:prstGeom>
+        </p:spPr>
+        <p:txBody>
+          <a:bodyPr vert="horz" lIns="91440" tIns="45720" rIns="91440" bIns="45720" rtlCol="0" anchor="b"/>
+          <a:lstStyle>
+            <a:lvl1pPr algn="r">
+              <a:defRPr sz="1200"/>
+            </a:lvl1pPr>
+          </a:lstStyle>
+          <a:p>
+            <a:fld id="{941248EB-719A-B944-B3C9-708649C4FE49}" type="slidenum">
+              <a:rPr lang="en-US" smtClean="0"/>
+              <a:t>‹#›</a:t>
+            </a:fld>
+            <a:endParaRPr lang="en-US"/>
+          </a:p>
+        </p:txBody>
+      </p:sp>
+    </p:spTree>
+    <p:extLst>
+      <p:ext uri="{BB962C8B-B14F-4D97-AF65-F5344CB8AC3E}">
+        <p14:creationId xmlns:p14="http://schemas.microsoft.com/office/powerpoint/2010/main" val="1082100455"/>
+      </p:ext>
+    </p:extLst>
+  </p:cSld>
+  <p:clrMap bg1="lt1" tx1="dk1" bg2="lt2" tx2="dk2" accent1="accent1" accent2="accent2" accent3="accent3" accent4="accent4" accent5="accent5" accent6="accent6" hlink="hlink" folHlink="folHlink"/>
+  <p:notesStyle>
+    <a:lvl1pPr marL="0" algn="l" defTabSz="914400" rtl="0" eaLnBrk="1" latinLnBrk="0" hangingPunct="1">
+      <a:defRPr sz="1200" kern="1200">
+        <a:solidFill>
+          <a:schemeClr val="tx1"/>
+        </a:solidFill>
+        <a:latin typeface="+mn-lt"/>
+        <a:ea typeface="+mn-ea"/>
+        <a:cs typeface="+mn-cs"/>
+      </a:defRPr>
+    </a:lvl1pPr>
+    <a:lvl2pPr marL="457200" algn="l" defTabSz="914400" rtl="0" eaLnBrk="1" latinLnBrk="0" hangingPunct="1">
+      <a:defRPr sz="1200" kern="1200">
+        <a:solidFill>
+          <a:schemeClr val="tx1"/>
+        </a:solidFill>
+        <a:latin typeface="+mn-lt"/>
+        <a:ea typeface="+mn-ea"/>
+        <a:cs typeface="+mn-cs"/>
+      </a:defRPr>
+    </a:lvl2pPr>
+    <a:lvl3pPr marL="914400" algn="l" defTabSz="914400" rtl="0" eaLnBrk="1" latinLnBrk="0" hangingPunct="1">
+      <a:defRPr sz="1200" kern="1200">
+        <a:solidFill>
+          <a:schemeClr val="tx1"/>
+        </a:solidFill>
+        <a:latin typeface="+mn-lt"/>
+        <a:ea typeface="+mn-ea"/>
+        <a:cs typeface="+mn-cs"/>
+      </a:defRPr>
+    </a:lvl3pPr>
+    <a:lvl4pPr marL="1371600" algn="l" defTabSz="914400" rtl="0" eaLnBrk="1" latinLnBrk="0" hangingPunct="1">
+      <a:defRPr sz="1200" kern="1200">
+        <a:solidFill>
+          <a:schemeClr val="tx1"/>
+        </a:solidFill>
+        <a:latin typeface="+mn-lt"/>
+        <a:ea typeface="+mn-ea"/>
+        <a:cs typeface="+mn-cs"/>
+      </a:defRPr>
+    </a:lvl4pPr>
+    <a:lvl5pPr marL="1828800" algn="l" defTabSz="914400" rtl="0" eaLnBrk="1" latinLnBrk="0" hangingPunct="1">
+      <a:defRPr sz="1200" kern="1200">
+        <a:solidFill>
+          <a:schemeClr val="tx1"/>
+        </a:solidFill>
+        <a:latin typeface="+mn-lt"/>
+        <a:ea typeface="+mn-ea"/>
+        <a:cs typeface="+mn-cs"/>
+      </a:defRPr>
+    </a:lvl5pPr>
+    <a:lvl6pPr marL="2286000" algn="l" defTabSz="914400" rtl="0" eaLnBrk="1" latinLnBrk="0" hangingPunct="1">
+      <a:defRPr sz="1200" kern="1200">
+        <a:solidFill>
+          <a:schemeClr val="tx1"/>
+        </a:solidFill>
+        <a:latin typeface="+mn-lt"/>
+        <a:ea typeface="+mn-ea"/>
+        <a:cs typeface="+mn-cs"/>
+      </a:defRPr>
+    </a:lvl6pPr>
+    <a:lvl7pPr marL="2743200" algn="l" defTabSz="914400" rtl="0" eaLnBrk="1" latinLnBrk="0" hangingPunct="1">
+      <a:defRPr sz="1200" kern="1200">
+        <a:solidFill>
+          <a:schemeClr val="tx1"/>
+        </a:solidFill>
+        <a:latin typeface="+mn-lt"/>
+        <a:ea typeface="+mn-ea"/>
+        <a:cs typeface="+mn-cs"/>
+      </a:defRPr>
+    </a:lvl7pPr>
+    <a:lvl8pPr marL="3200400" algn="l" defTabSz="914400" rtl="0" eaLnBrk="1" latinLnBrk="0" hangingPunct="1">
+      <a:defRPr sz="1200" kern="1200">
+        <a:solidFill>
+          <a:schemeClr val="tx1"/>
+        </a:solidFill>
+        <a:latin typeface="+mn-lt"/>
+        <a:ea typeface="+mn-ea"/>
+        <a:cs typeface="+mn-cs"/>
+      </a:defRPr>
+    </a:lvl8pPr>
+    <a:lvl9pPr marL="3657600" algn="l" defTabSz="914400" rtl="0" eaLnBrk="1" latinLnBrk="0" hangingPunct="1">
+      <a:defRPr sz="1200" kern="1200">
+        <a:solidFill>
+          <a:schemeClr val="tx1"/>
+        </a:solidFill>
+        <a:latin typeface="+mn-lt"/>
+        <a:ea typeface="+mn-ea"/>
+        <a:cs typeface="+mn-cs"/>
+      </a:defRPr>
+    </a:lvl9pPr>
+  </p:notesStyle>
+</p:notesMaster>
+</file>
+
+<file path=ppt/notesSlides/notesSlide1.xml><?xml version="1.0" encoding="utf-8"?>
+<p:notes xmlns:a="http://schemas.openxmlformats.org/drawingml/2006/main" xmlns:r="http://schemas.openxmlformats.org/officeDocument/2006/relationships" xmlns:p="http://schemas.openxmlformats.org/presentationml/2006/main">
+  <p:cSld>
+    <p:spTree>
+      <p:nvGrpSpPr>
+        <p:cNvPr id="1" name=""/>
+        <p:cNvGrpSpPr/>
+        <p:nvPr/>
+      </p:nvGrpSpPr>
+      <p:grpSpPr>
+        <a:xfrm>
+          <a:off x="0" y="0"/>
+          <a:ext cx="0" cy="0"/>
+          <a:chOff x="0" y="0"/>
+          <a:chExt cx="0" cy="0"/>
+        </a:xfrm>
+      </p:grpSpPr>
+      <p:sp>
+        <p:nvSpPr>
+          <p:cNvPr id="2" name="Slide Image Placeholder 1"/>
+          <p:cNvSpPr>
+            <a:spLocks noGrp="1" noRot="1" noChangeAspect="1"/>
+          </p:cNvSpPr>
+          <p:nvPr>
+            <p:ph type="sldImg"/>
+          </p:nvPr>
+        </p:nvSpPr>
+        <p:spPr/>
+      </p:sp>
+      <p:sp>
+        <p:nvSpPr>
+          <p:cNvPr id="3" name="Notes Placeholder 2"/>
+          <p:cNvSpPr>
+            <a:spLocks noGrp="1"/>
+          </p:cNvSpPr>
+          <p:nvPr>
+            <p:ph type="body" idx="1"/>
+          </p:nvPr>
+        </p:nvSpPr>
+        <p:spPr/>
+        <p:txBody>
+          <a:bodyPr/>
+          <a:lstStyle/>
+          <a:p>
+            <a:r>
+              <a:rPr lang="en-US" b="1" dirty="0"/>
+              <a:t>Decipher the Information in URLs</a:t>
+            </a:r>
+          </a:p>
+          <a:p>
+            <a:r>
+              <a:rPr lang="en-US" dirty="0"/>
+              <a:t>A programmer can encode a lot of information in a URL. Your web scraping journey will be much easier if you first become familiar with how URLs work and what they’re made of.</a:t>
+            </a:r>
+          </a:p>
+          <a:p>
+            <a:r>
+              <a:rPr lang="en-US" dirty="0"/>
+              <a:t>websites can use </a:t>
+            </a:r>
+            <a:r>
+              <a:rPr lang="en-US" b="1" dirty="0"/>
+              <a:t>query parameters</a:t>
+            </a:r>
+            <a:r>
+              <a:rPr lang="en-US" dirty="0"/>
+              <a:t> to encode values that you submit when performing a search.</a:t>
+            </a:r>
+          </a:p>
+          <a:p>
+            <a:endParaRPr lang="en-US" dirty="0"/>
+          </a:p>
+          <a:p>
+            <a:pPr marL="0" marR="0" lvl="0" indent="0" algn="l" defTabSz="914400" rtl="0" eaLnBrk="1" fontAlgn="auto" latinLnBrk="0" hangingPunct="1">
+              <a:lnSpc>
+                <a:spcPct val="100000"/>
+              </a:lnSpc>
+              <a:spcBef>
+                <a:spcPts val="0"/>
+              </a:spcBef>
+              <a:spcAft>
+                <a:spcPts val="0"/>
+              </a:spcAft>
+              <a:buClrTx/>
+              <a:buSzTx/>
+              <a:buFontTx/>
+              <a:buNone/>
+              <a:tabLst/>
+              <a:defRPr/>
+            </a:pPr>
+            <a:r>
+              <a:rPr lang="en-US" sz="1200" b="1" dirty="0"/>
+              <a:t>Parse HTML Code With Beautiful Soup</a:t>
+            </a:r>
+            <a:endParaRPr lang="en-US" dirty="0"/>
+          </a:p>
+          <a:p>
+            <a:r>
+              <a:rPr lang="en-US" dirty="0">
+                <a:hlinkClick r:id="rId3"/>
+              </a:rPr>
+              <a:t>Beautiful Soup</a:t>
+            </a:r>
+            <a:r>
+              <a:rPr lang="en-US" dirty="0"/>
+              <a:t> is a Python library for </a:t>
+            </a:r>
+            <a:r>
+              <a:rPr lang="en-US" b="1" dirty="0"/>
+              <a:t>parsing structured data</a:t>
+            </a:r>
+            <a:r>
+              <a:rPr lang="en-US" dirty="0"/>
+              <a:t>. It allows you to interact with HTML in a similar way to how you interact with a web page using developer tools</a:t>
+            </a:r>
+          </a:p>
+        </p:txBody>
+      </p:sp>
+      <p:sp>
+        <p:nvSpPr>
+          <p:cNvPr id="4" name="Slide Number Placeholder 3"/>
+          <p:cNvSpPr>
+            <a:spLocks noGrp="1"/>
+          </p:cNvSpPr>
+          <p:nvPr>
+            <p:ph type="sldNum" sz="quarter" idx="5"/>
+          </p:nvPr>
+        </p:nvSpPr>
+        <p:spPr/>
+        <p:txBody>
+          <a:bodyPr/>
+          <a:lstStyle/>
+          <a:p>
+            <a:fld id="{941248EB-719A-B944-B3C9-708649C4FE49}" type="slidenum">
+              <a:rPr lang="en-US" smtClean="0"/>
+              <a:t>6</a:t>
+            </a:fld>
+            <a:endParaRPr lang="en-US"/>
+          </a:p>
+        </p:txBody>
+      </p:sp>
+    </p:spTree>
+    <p:extLst>
+      <p:ext uri="{BB962C8B-B14F-4D97-AF65-F5344CB8AC3E}">
+        <p14:creationId xmlns:p14="http://schemas.microsoft.com/office/powerpoint/2010/main" val="1090921443"/>
+      </p:ext>
+    </p:extLst>
+  </p:cSld>
+  <p:clrMapOvr>
+    <a:masterClrMapping/>
+  </p:clrMapOvr>
+</p:notes>
+</file>
+
+<file path=ppt/notesSlides/notesSlide2.xml><?xml version="1.0" encoding="utf-8"?>
+<p:notes xmlns:a="http://schemas.openxmlformats.org/drawingml/2006/main" xmlns:r="http://schemas.openxmlformats.org/officeDocument/2006/relationships" xmlns:p="http://schemas.openxmlformats.org/presentationml/2006/main">
+  <p:cSld>
+    <p:spTree>
+      <p:nvGrpSpPr>
+        <p:cNvPr id="1" name=""/>
+        <p:cNvGrpSpPr/>
+        <p:nvPr/>
+      </p:nvGrpSpPr>
+      <p:grpSpPr>
+        <a:xfrm>
+          <a:off x="0" y="0"/>
+          <a:ext cx="0" cy="0"/>
+          <a:chOff x="0" y="0"/>
+          <a:chExt cx="0" cy="0"/>
+        </a:xfrm>
+      </p:grpSpPr>
+      <p:sp>
+        <p:nvSpPr>
+          <p:cNvPr id="2" name="Slide Image Placeholder 1"/>
+          <p:cNvSpPr>
+            <a:spLocks noGrp="1" noRot="1" noChangeAspect="1"/>
+          </p:cNvSpPr>
+          <p:nvPr>
+            <p:ph type="sldImg"/>
+          </p:nvPr>
+        </p:nvSpPr>
+        <p:spPr/>
+      </p:sp>
+      <p:sp>
+        <p:nvSpPr>
+          <p:cNvPr id="3" name="Notes Placeholder 2"/>
+          <p:cNvSpPr>
+            <a:spLocks noGrp="1"/>
+          </p:cNvSpPr>
+          <p:nvPr>
+            <p:ph type="body" idx="1"/>
+          </p:nvPr>
+        </p:nvSpPr>
+        <p:spPr/>
+        <p:txBody>
+          <a:bodyPr/>
+          <a:lstStyle/>
+          <a:p>
+            <a:r>
+              <a:rPr lang="en-US" b="1" dirty="0"/>
+              <a:t>Decipher the Information in URLs</a:t>
+            </a:r>
+          </a:p>
+          <a:p>
+            <a:r>
+              <a:rPr lang="en-US" dirty="0"/>
+              <a:t>A programmer can encode a lot of information in a URL. Your web scraping journey will be much easier if you first become familiar with how URLs work and what they’re made of.</a:t>
+            </a:r>
+          </a:p>
+          <a:p>
+            <a:r>
+              <a:rPr lang="en-US" dirty="0"/>
+              <a:t>websites can use </a:t>
+            </a:r>
+            <a:r>
+              <a:rPr lang="en-US" b="1" dirty="0"/>
+              <a:t>query parameters</a:t>
+            </a:r>
+            <a:r>
+              <a:rPr lang="en-US" dirty="0"/>
+              <a:t> to encode values that you submit when performing a search.</a:t>
+            </a:r>
+          </a:p>
+          <a:p>
+            <a:endParaRPr lang="en-US" dirty="0"/>
+          </a:p>
+          <a:p>
+            <a:pPr marL="0" marR="0" lvl="0" indent="0" algn="l" defTabSz="914400" rtl="0" eaLnBrk="1" fontAlgn="auto" latinLnBrk="0" hangingPunct="1">
+              <a:lnSpc>
+                <a:spcPct val="100000"/>
+              </a:lnSpc>
+              <a:spcBef>
+                <a:spcPts val="0"/>
+              </a:spcBef>
+              <a:spcAft>
+                <a:spcPts val="0"/>
+              </a:spcAft>
+              <a:buClrTx/>
+              <a:buSzTx/>
+              <a:buFontTx/>
+              <a:buNone/>
+              <a:tabLst/>
+              <a:defRPr/>
+            </a:pPr>
+            <a:r>
+              <a:rPr lang="en-US" sz="1200" b="1" dirty="0"/>
+              <a:t>Parse HTML Code With Beautiful Soup</a:t>
+            </a:r>
+            <a:endParaRPr lang="en-US" dirty="0"/>
+          </a:p>
+          <a:p>
+            <a:r>
+              <a:rPr lang="en-US" dirty="0">
+                <a:hlinkClick r:id="rId3"/>
+              </a:rPr>
+              <a:t>Beautiful Soup</a:t>
+            </a:r>
+            <a:r>
+              <a:rPr lang="en-US" dirty="0"/>
+              <a:t> is a Python library for </a:t>
+            </a:r>
+            <a:r>
+              <a:rPr lang="en-US" b="1" dirty="0"/>
+              <a:t>parsing structured data</a:t>
+            </a:r>
+            <a:r>
+              <a:rPr lang="en-US" dirty="0"/>
+              <a:t>. It allows you to interact with HTML in a similar way to how you interact with a web page using developer tools</a:t>
+            </a:r>
+          </a:p>
+        </p:txBody>
+      </p:sp>
+      <p:sp>
+        <p:nvSpPr>
+          <p:cNvPr id="4" name="Slide Number Placeholder 3"/>
+          <p:cNvSpPr>
+            <a:spLocks noGrp="1"/>
+          </p:cNvSpPr>
+          <p:nvPr>
+            <p:ph type="sldNum" sz="quarter" idx="5"/>
+          </p:nvPr>
+        </p:nvSpPr>
+        <p:spPr/>
+        <p:txBody>
+          <a:bodyPr/>
+          <a:lstStyle/>
+          <a:p>
+            <a:fld id="{941248EB-719A-B944-B3C9-708649C4FE49}" type="slidenum">
+              <a:rPr lang="en-US" smtClean="0"/>
+              <a:t>7</a:t>
+            </a:fld>
+            <a:endParaRPr lang="en-US"/>
+          </a:p>
+        </p:txBody>
+      </p:sp>
+    </p:spTree>
+    <p:extLst>
+      <p:ext uri="{BB962C8B-B14F-4D97-AF65-F5344CB8AC3E}">
+        <p14:creationId xmlns:p14="http://schemas.microsoft.com/office/powerpoint/2010/main" val="3526116269"/>
+      </p:ext>
+    </p:extLst>
+  </p:cSld>
+  <p:clrMapOvr>
+    <a:masterClrMapping/>
+  </p:clrMapOvr>
+</p:notes>
+</file>
+
 <file path=ppt/slideLayouts/slideLayout1.xml><?xml version="1.0" encoding="utf-8"?>
 <p:sldLayout xmlns:a="http://schemas.openxmlformats.org/drawingml/2006/main" xmlns:r="http://schemas.openxmlformats.org/officeDocument/2006/relationships" xmlns:p="http://schemas.openxmlformats.org/presentationml/2006/main" type="title" preserve="1">
   <p:cSld name="Title Slide">
@@ -268,7 +930,7 @@
           <a:p>
             <a:fld id="{3C5E3940-567D-0E4A-B27A-538E5CA3F251}" type="datetimeFigureOut">
               <a:rPr lang="en-US" smtClean="0"/>
-              <a:t>11/18/22</a:t>
+              <a:t>11/21/22</a:t>
             </a:fld>
             <a:endParaRPr lang="en-US"/>
           </a:p>
@@ -466,7 +1128,7 @@
           <a:p>
             <a:fld id="{3C5E3940-567D-0E4A-B27A-538E5CA3F251}" type="datetimeFigureOut">
               <a:rPr lang="en-US" smtClean="0"/>
-              <a:t>11/18/22</a:t>
+              <a:t>11/21/22</a:t>
             </a:fld>
             <a:endParaRPr lang="en-US"/>
           </a:p>
@@ -674,7 +1336,7 @@
           <a:p>
             <a:fld id="{3C5E3940-567D-0E4A-B27A-538E5CA3F251}" type="datetimeFigureOut">
               <a:rPr lang="en-US" smtClean="0"/>
-              <a:t>11/18/22</a:t>
+              <a:t>11/21/22</a:t>
             </a:fld>
             <a:endParaRPr lang="en-US"/>
           </a:p>
@@ -872,7 +1534,7 @@
           <a:p>
             <a:fld id="{3C5E3940-567D-0E4A-B27A-538E5CA3F251}" type="datetimeFigureOut">
               <a:rPr lang="en-US" smtClean="0"/>
-              <a:t>11/18/22</a:t>
+              <a:t>11/21/22</a:t>
             </a:fld>
             <a:endParaRPr lang="en-US"/>
           </a:p>
@@ -1147,7 +1809,7 @@
           <a:p>
             <a:fld id="{3C5E3940-567D-0E4A-B27A-538E5CA3F251}" type="datetimeFigureOut">
               <a:rPr lang="en-US" smtClean="0"/>
-              <a:t>11/18/22</a:t>
+              <a:t>11/21/22</a:t>
             </a:fld>
             <a:endParaRPr lang="en-US"/>
           </a:p>
@@ -1412,7 +2074,7 @@
           <a:p>
             <a:fld id="{3C5E3940-567D-0E4A-B27A-538E5CA3F251}" type="datetimeFigureOut">
               <a:rPr lang="en-US" smtClean="0"/>
-              <a:t>11/18/22</a:t>
+              <a:t>11/21/22</a:t>
             </a:fld>
             <a:endParaRPr lang="en-US"/>
           </a:p>
@@ -1824,7 +2486,7 @@
           <a:p>
             <a:fld id="{3C5E3940-567D-0E4A-B27A-538E5CA3F251}" type="datetimeFigureOut">
               <a:rPr lang="en-US" smtClean="0"/>
-              <a:t>11/18/22</a:t>
+              <a:t>11/21/22</a:t>
             </a:fld>
             <a:endParaRPr lang="en-US"/>
           </a:p>
@@ -1965,7 +2627,7 @@
           <a:p>
             <a:fld id="{3C5E3940-567D-0E4A-B27A-538E5CA3F251}" type="datetimeFigureOut">
               <a:rPr lang="en-US" smtClean="0"/>
-              <a:t>11/18/22</a:t>
+              <a:t>11/21/22</a:t>
             </a:fld>
             <a:endParaRPr lang="en-US"/>
           </a:p>
@@ -2078,7 +2740,7 @@
           <a:p>
             <a:fld id="{3C5E3940-567D-0E4A-B27A-538E5CA3F251}" type="datetimeFigureOut">
               <a:rPr lang="en-US" smtClean="0"/>
-              <a:t>11/18/22</a:t>
+              <a:t>11/21/22</a:t>
             </a:fld>
             <a:endParaRPr lang="en-US"/>
           </a:p>
@@ -2389,7 +3051,7 @@
           <a:p>
             <a:fld id="{3C5E3940-567D-0E4A-B27A-538E5CA3F251}" type="datetimeFigureOut">
               <a:rPr lang="en-US" smtClean="0"/>
-              <a:t>11/18/22</a:t>
+              <a:t>11/21/22</a:t>
             </a:fld>
             <a:endParaRPr lang="en-US"/>
           </a:p>
@@ -2677,7 +3339,7 @@
           <a:p>
             <a:fld id="{3C5E3940-567D-0E4A-B27A-538E5CA3F251}" type="datetimeFigureOut">
               <a:rPr lang="en-US" smtClean="0"/>
-              <a:t>11/18/22</a:t>
+              <a:t>11/21/22</a:t>
             </a:fld>
             <a:endParaRPr lang="en-US"/>
           </a:p>
@@ -2918,7 +3580,7 @@
           <a:p>
             <a:fld id="{3C5E3940-567D-0E4A-B27A-538E5CA3F251}" type="datetimeFigureOut">
               <a:rPr lang="en-US" smtClean="0"/>
-              <a:t>11/18/22</a:t>
+              <a:t>11/21/22</a:t>
             </a:fld>
             <a:endParaRPr lang="en-US"/>
           </a:p>
@@ -3455,6 +4117,350 @@
           <p:cNvPr id="2" name="Title 1">
             <a:extLst>
               <a:ext uri="{FF2B5EF4-FFF2-40B4-BE49-F238E27FC236}">
+                <a16:creationId xmlns:a16="http://schemas.microsoft.com/office/drawing/2014/main" id="{D56A079E-9CD9-D84F-AC45-14A954F929FD}"/>
+              </a:ext>
+            </a:extLst>
+          </p:cNvPr>
+          <p:cNvSpPr>
+            <a:spLocks noGrp="1"/>
+          </p:cNvSpPr>
+          <p:nvPr>
+            <p:ph type="title"/>
+          </p:nvPr>
+        </p:nvSpPr>
+        <p:spPr/>
+        <p:txBody>
+          <a:bodyPr/>
+          <a:lstStyle/>
+          <a:p>
+            <a:r>
+              <a:rPr lang="en-US" dirty="0"/>
+              <a:t>Discussion of Access Rights</a:t>
+            </a:r>
+          </a:p>
+        </p:txBody>
+      </p:sp>
+      <p:sp>
+        <p:nvSpPr>
+          <p:cNvPr id="3" name="Content Placeholder 2">
+            <a:extLst>
+              <a:ext uri="{FF2B5EF4-FFF2-40B4-BE49-F238E27FC236}">
+                <a16:creationId xmlns:a16="http://schemas.microsoft.com/office/drawing/2014/main" id="{D83F7FD3-C115-7C41-AA01-0FEA687163C6}"/>
+              </a:ext>
+            </a:extLst>
+          </p:cNvPr>
+          <p:cNvSpPr>
+            <a:spLocks noGrp="1"/>
+          </p:cNvSpPr>
+          <p:nvPr>
+            <p:ph idx="1"/>
+          </p:nvPr>
+        </p:nvSpPr>
+        <p:spPr/>
+        <p:txBody>
+          <a:bodyPr>
+            <a:normAutofit/>
+          </a:bodyPr>
+          <a:lstStyle/>
+          <a:p>
+            <a:pPr marL="0" indent="0">
+              <a:buNone/>
+            </a:pPr>
+            <a:r>
+              <a:rPr lang="en-US" b="0" dirty="0">
+                <a:solidFill>
+                  <a:srgbClr val="0070C0"/>
+                </a:solidFill>
+                <a:effectLst/>
+              </a:rPr>
+              <a:t>Spotify Web API</a:t>
+            </a:r>
+            <a:r>
+              <a:rPr lang="en-US" b="0" dirty="0">
+                <a:effectLst/>
+              </a:rPr>
+              <a:t>:</a:t>
+            </a:r>
+          </a:p>
+          <a:p>
+            <a:r>
+              <a:rPr lang="en-US" b="0" dirty="0">
+                <a:effectLst/>
+              </a:rPr>
+              <a:t>In order to make successful Web API requests, we need a valid access token obtained through OAuth 2.0.</a:t>
+            </a:r>
+          </a:p>
+          <a:p>
+            <a:endParaRPr lang="en-US" dirty="0"/>
+          </a:p>
+          <a:p>
+            <a:pPr marL="0" indent="0">
+              <a:buNone/>
+            </a:pPr>
+            <a:r>
+              <a:rPr lang="en-US" b="0" dirty="0" err="1">
+                <a:solidFill>
+                  <a:srgbClr val="0070C0"/>
+                </a:solidFill>
+                <a:effectLst/>
+              </a:rPr>
+              <a:t>Musixmatch</a:t>
+            </a:r>
+            <a:r>
+              <a:rPr lang="en-US" b="0" dirty="0">
+                <a:effectLst/>
+              </a:rPr>
+              <a:t>: </a:t>
+            </a:r>
+          </a:p>
+          <a:p>
+            <a:r>
+              <a:rPr lang="en-US" b="0" dirty="0">
+                <a:effectLst/>
+              </a:rPr>
+              <a:t>offer our large-scale lyrics dataset designed to allow machine learning companies and researchers use a wide range of applications like lyrics text analysis which creates music recommendations and provides insights.</a:t>
+            </a:r>
+          </a:p>
+          <a:p>
+            <a:endParaRPr lang="en-US" dirty="0"/>
+          </a:p>
+        </p:txBody>
+      </p:sp>
+    </p:spTree>
+    <p:extLst>
+      <p:ext uri="{BB962C8B-B14F-4D97-AF65-F5344CB8AC3E}">
+        <p14:creationId xmlns:p14="http://schemas.microsoft.com/office/powerpoint/2010/main" val="3288101558"/>
+      </p:ext>
+    </p:extLst>
+  </p:cSld>
+  <p:clrMapOvr>
+    <a:masterClrMapping/>
+  </p:clrMapOvr>
+</p:sld>
+</file>
+
+<file path=ppt/slides/slide11.xml><?xml version="1.0" encoding="utf-8"?>
+<p:sld xmlns:a="http://schemas.openxmlformats.org/drawingml/2006/main" xmlns:r="http://schemas.openxmlformats.org/officeDocument/2006/relationships" xmlns:p="http://schemas.openxmlformats.org/presentationml/2006/main">
+  <p:cSld>
+    <p:spTree>
+      <p:nvGrpSpPr>
+        <p:cNvPr id="1" name=""/>
+        <p:cNvGrpSpPr/>
+        <p:nvPr/>
+      </p:nvGrpSpPr>
+      <p:grpSpPr>
+        <a:xfrm>
+          <a:off x="0" y="0"/>
+          <a:ext cx="0" cy="0"/>
+          <a:chOff x="0" y="0"/>
+          <a:chExt cx="0" cy="0"/>
+        </a:xfrm>
+      </p:grpSpPr>
+      <p:sp>
+        <p:nvSpPr>
+          <p:cNvPr id="2" name="Title 1">
+            <a:extLst>
+              <a:ext uri="{FF2B5EF4-FFF2-40B4-BE49-F238E27FC236}">
+                <a16:creationId xmlns:a16="http://schemas.microsoft.com/office/drawing/2014/main" id="{8B337B21-1E26-A847-AC61-FDA5EEFBFA48}"/>
+              </a:ext>
+            </a:extLst>
+          </p:cNvPr>
+          <p:cNvSpPr>
+            <a:spLocks noGrp="1"/>
+          </p:cNvSpPr>
+          <p:nvPr>
+            <p:ph type="title"/>
+          </p:nvPr>
+        </p:nvSpPr>
+        <p:spPr/>
+        <p:txBody>
+          <a:bodyPr/>
+          <a:lstStyle/>
+          <a:p>
+            <a:r>
+              <a:rPr lang="en-US" dirty="0"/>
+              <a:t>Issues and Limitations</a:t>
+            </a:r>
+          </a:p>
+        </p:txBody>
+      </p:sp>
+      <p:sp>
+        <p:nvSpPr>
+          <p:cNvPr id="3" name="Content Placeholder 2">
+            <a:extLst>
+              <a:ext uri="{FF2B5EF4-FFF2-40B4-BE49-F238E27FC236}">
+                <a16:creationId xmlns:a16="http://schemas.microsoft.com/office/drawing/2014/main" id="{7A6681F8-49AF-094B-8AE8-6157C5F0B6F6}"/>
+              </a:ext>
+            </a:extLst>
+          </p:cNvPr>
+          <p:cNvSpPr>
+            <a:spLocks noGrp="1"/>
+          </p:cNvSpPr>
+          <p:nvPr>
+            <p:ph idx="1"/>
+          </p:nvPr>
+        </p:nvSpPr>
+        <p:spPr/>
+        <p:txBody>
+          <a:bodyPr/>
+          <a:lstStyle/>
+          <a:p>
+            <a:pPr marL="0" indent="0">
+              <a:buNone/>
+            </a:pPr>
+            <a:r>
+              <a:rPr lang="en-US" sz="2400" dirty="0">
+                <a:solidFill>
+                  <a:schemeClr val="accent1"/>
+                </a:solidFill>
+              </a:rPr>
+              <a:t>Spotify</a:t>
+            </a:r>
+            <a:r>
+              <a:rPr lang="en-US" sz="1800" dirty="0"/>
+              <a:t>: </a:t>
+            </a:r>
+          </a:p>
+          <a:p>
+            <a:pPr lvl="1"/>
+            <a:r>
+              <a:rPr lang="en-US" sz="1800" b="0" dirty="0">
+                <a:effectLst/>
+              </a:rPr>
+              <a:t>In order to make successful Web API requests your app will need a valid access token. One can be obtained through OAuth 2.0.</a:t>
+            </a:r>
+          </a:p>
+          <a:p>
+            <a:pPr lvl="1"/>
+            <a:endParaRPr lang="en-US" sz="1800" b="0" dirty="0">
+              <a:effectLst/>
+            </a:endParaRPr>
+          </a:p>
+          <a:p>
+            <a:pPr marL="0" indent="0">
+              <a:buNone/>
+            </a:pPr>
+            <a:r>
+              <a:rPr lang="en-US" sz="2400" b="0" i="1" dirty="0" err="1">
+                <a:solidFill>
+                  <a:srgbClr val="0070C0"/>
+                </a:solidFill>
+                <a:effectLst/>
+              </a:rPr>
+              <a:t>Musixmatch</a:t>
+            </a:r>
+            <a:r>
+              <a:rPr lang="en-US" sz="1800" b="0" i="1" dirty="0">
+                <a:effectLst/>
+              </a:rPr>
+              <a:t>:</a:t>
+            </a:r>
+          </a:p>
+          <a:p>
+            <a:pPr lvl="1"/>
+            <a:r>
+              <a:rPr lang="en-US" sz="1800" b="0" i="1" dirty="0">
+                <a:effectLst/>
+              </a:rPr>
+              <a:t>Free</a:t>
+            </a:r>
+            <a:endParaRPr lang="en-US" sz="1800" b="0" dirty="0">
+              <a:effectLst/>
+            </a:endParaRPr>
+          </a:p>
+          <a:p>
+            <a:pPr lvl="1"/>
+            <a:r>
+              <a:rPr lang="en-US" sz="1800" b="0" i="1" dirty="0">
+                <a:effectLst/>
+              </a:rPr>
+              <a:t>Limited to 2k API Calls daily</a:t>
+            </a:r>
+            <a:endParaRPr lang="en-US" sz="1800" b="0" dirty="0">
+              <a:effectLst/>
+            </a:endParaRPr>
+          </a:p>
+          <a:p>
+            <a:pPr lvl="1"/>
+            <a:r>
+              <a:rPr lang="en-US" sz="1800" b="0" i="1" dirty="0">
+                <a:effectLst/>
+              </a:rPr>
+              <a:t>Free testing plan for evaluation only</a:t>
+            </a:r>
+            <a:endParaRPr lang="en-US" sz="1800" b="0" dirty="0">
+              <a:effectLst/>
+            </a:endParaRPr>
+          </a:p>
+          <a:p>
+            <a:pPr lvl="1"/>
+            <a:r>
+              <a:rPr lang="en-US" sz="1800" b="0" i="1" dirty="0">
+                <a:effectLst/>
+              </a:rPr>
+              <a:t>Access to ONLY 30% of lyrics per song</a:t>
+            </a:r>
+            <a:endParaRPr lang="en-US" sz="1800" b="0" dirty="0">
+              <a:effectLst/>
+            </a:endParaRPr>
+          </a:p>
+          <a:p>
+            <a:pPr lvl="1"/>
+            <a:r>
+              <a:rPr lang="en-US" sz="1800" b="0" i="1" dirty="0">
+                <a:effectLst/>
+              </a:rPr>
+              <a:t>Understanding which part of the song (beginning, middle, end) contains the lyrics that are needed to be best analyzed for our dataset.</a:t>
+            </a:r>
+            <a:endParaRPr lang="en-US" sz="1800" b="0" dirty="0">
+              <a:effectLst/>
+            </a:endParaRPr>
+          </a:p>
+          <a:p>
+            <a:endParaRPr lang="en-US" sz="2400" b="0" dirty="0">
+              <a:effectLst/>
+            </a:endParaRPr>
+          </a:p>
+          <a:p>
+            <a:endParaRPr lang="en-US" dirty="0"/>
+          </a:p>
+        </p:txBody>
+      </p:sp>
+    </p:spTree>
+    <p:extLst>
+      <p:ext uri="{BB962C8B-B14F-4D97-AF65-F5344CB8AC3E}">
+        <p14:creationId xmlns:p14="http://schemas.microsoft.com/office/powerpoint/2010/main" val="2645747481"/>
+      </p:ext>
+    </p:extLst>
+  </p:cSld>
+  <p:clrMapOvr>
+    <a:masterClrMapping/>
+  </p:clrMapOvr>
+</p:sld>
+</file>
+
+<file path=ppt/slides/slide12.xml><?xml version="1.0" encoding="utf-8"?>
+<p:sld xmlns:a="http://schemas.openxmlformats.org/drawingml/2006/main" xmlns:r="http://schemas.openxmlformats.org/officeDocument/2006/relationships" xmlns:p="http://schemas.openxmlformats.org/presentationml/2006/main">
+  <p:cSld>
+    <p:spTree>
+      <p:nvGrpSpPr>
+        <p:cNvPr id="1" name=""/>
+        <p:cNvGrpSpPr/>
+        <p:nvPr/>
+      </p:nvGrpSpPr>
+      <p:grpSpPr>
+        <a:xfrm>
+          <a:off x="0" y="0"/>
+          <a:ext cx="0" cy="0"/>
+          <a:chOff x="0" y="0"/>
+          <a:chExt cx="0" cy="0"/>
+        </a:xfrm>
+      </p:grpSpPr>
+      <p:sp>
+        <p:nvSpPr>
+          <p:cNvPr id="2" name="Title 1">
+            <a:extLst>
+              <a:ext uri="{FF2B5EF4-FFF2-40B4-BE49-F238E27FC236}">
                 <a16:creationId xmlns:a16="http://schemas.microsoft.com/office/drawing/2014/main" id="{5B479FCD-BFB8-A542-BFAA-4C03B0C72546}"/>
               </a:ext>
             </a:extLst>
@@ -3500,9 +4506,88 @@
           <a:lstStyle/>
           <a:p>
             <a:r>
+              <a:rPr lang="en-US" sz="2800" b="0" dirty="0">
+                <a:effectLst/>
+              </a:rPr>
+              <a:t>Harsh </a:t>
+            </a:r>
+            <a:r>
+              <a:rPr lang="en-US" sz="2800" b="0" dirty="0" err="1">
+                <a:effectLst/>
+              </a:rPr>
+              <a:t>Bolakani</a:t>
+            </a:r>
+            <a:endParaRPr lang="en-US" sz="2800" b="0" dirty="0">
+              <a:effectLst/>
+            </a:endParaRPr>
+          </a:p>
+          <a:p>
+            <a:pPr lvl="1"/>
+            <a:r>
               <a:rPr lang="en-US" dirty="0"/>
-              <a:t>List each team member and their contributions to the project</a:t>
-            </a:r>
+              <a:t>Words…</a:t>
+            </a:r>
+          </a:p>
+          <a:p>
+            <a:pPr lvl="1"/>
+            <a:r>
+              <a:rPr lang="en-US" dirty="0"/>
+              <a:t>Words…</a:t>
+            </a:r>
+            <a:endParaRPr lang="en-US" b="0" dirty="0">
+              <a:effectLst/>
+            </a:endParaRPr>
+          </a:p>
+          <a:p>
+            <a:r>
+              <a:rPr lang="en-US" sz="2800" b="0" dirty="0">
+                <a:effectLst/>
+              </a:rPr>
+              <a:t>Greg Morgan</a:t>
+            </a:r>
+          </a:p>
+          <a:p>
+            <a:pPr lvl="1"/>
+            <a:r>
+              <a:rPr lang="en-US" dirty="0"/>
+              <a:t>Words…</a:t>
+            </a:r>
+          </a:p>
+          <a:p>
+            <a:pPr lvl="1"/>
+            <a:r>
+              <a:rPr lang="en-US" dirty="0"/>
+              <a:t>Words…</a:t>
+            </a:r>
+            <a:endParaRPr lang="en-US" b="0" dirty="0">
+              <a:effectLst/>
+            </a:endParaRPr>
+          </a:p>
+          <a:p>
+            <a:r>
+              <a:rPr lang="en-US" sz="2800" b="0" dirty="0">
+                <a:effectLst/>
+              </a:rPr>
+              <a:t>Trevor Pawlewicz</a:t>
+            </a:r>
+          </a:p>
+          <a:p>
+            <a:pPr lvl="1"/>
+            <a:r>
+              <a:rPr lang="en-US" dirty="0"/>
+              <a:t>Words…</a:t>
+            </a:r>
+          </a:p>
+          <a:p>
+            <a:pPr lvl="1"/>
+            <a:r>
+              <a:rPr lang="en-US" dirty="0"/>
+              <a:t>Words…</a:t>
+            </a:r>
+          </a:p>
+          <a:p>
+            <a:pPr lvl="1"/>
+            <a:endParaRPr lang="en-US" dirty="0"/>
           </a:p>
         </p:txBody>
       </p:sp>
@@ -4236,7 +5321,7 @@
           <a:p>
             <a:r>
               <a:rPr lang="en-US" dirty="0"/>
-              <a:t>Approach to Acquiring the Data</a:t>
+              <a:t>Approach to Acquiring the Data: API</a:t>
             </a:r>
           </a:p>
         </p:txBody>
@@ -4276,15 +5361,11 @@
               </a:rPr>
               <a:t>Leverage Spotify API + Genius Lyrics for Data Science Tasks in Python </a:t>
             </a:r>
-            <a:r>
-              <a:rPr lang="en-US" sz="2000" i="0" u="none" strike="noStrike" dirty="0">
-                <a:solidFill>
-                  <a:srgbClr val="292929"/>
-                </a:solidFill>
-                <a:effectLst/>
-              </a:rPr>
-              <a:t>(Example)</a:t>
-            </a:r>
+            <a:endParaRPr lang="en-US" sz="2000" b="0" dirty="0">
+              <a:solidFill>
+                <a:srgbClr val="292929"/>
+              </a:solidFill>
+            </a:endParaRPr>
           </a:p>
           <a:p>
             <a:r>
@@ -4504,7 +5585,7 @@
           <p:cNvPr id="2" name="Title 1">
             <a:extLst>
               <a:ext uri="{FF2B5EF4-FFF2-40B4-BE49-F238E27FC236}">
-                <a16:creationId xmlns:a16="http://schemas.microsoft.com/office/drawing/2014/main" id="{E312C33B-C395-284A-8535-98395D1F6E71}"/>
+                <a16:creationId xmlns:a16="http://schemas.microsoft.com/office/drawing/2014/main" id="{FCCC1219-0C6D-034C-B5AE-66B28FE2AF5A}"/>
               </a:ext>
             </a:extLst>
           </p:cNvPr>
@@ -4522,7 +5603,11 @@
           <a:p>
             <a:r>
               <a:rPr lang="en-US" dirty="0"/>
-              <a:t>Approach to Preprocessing Data</a:t>
+              <a:t>Approach to Acquiring the Data: </a:t>
+            </a:r>
+            <a:r>
+              <a:rPr lang="en-US" sz="4000" dirty="0"/>
+              <a:t>Web Scraping</a:t>
             </a:r>
           </a:p>
         </p:txBody>
@@ -4532,7 +5617,7 @@
           <p:cNvPr id="3" name="Content Placeholder 2">
             <a:extLst>
               <a:ext uri="{FF2B5EF4-FFF2-40B4-BE49-F238E27FC236}">
-                <a16:creationId xmlns:a16="http://schemas.microsoft.com/office/drawing/2014/main" id="{F55CFF0D-D572-3142-A36C-5EE8C0B06137}"/>
+                <a16:creationId xmlns:a16="http://schemas.microsoft.com/office/drawing/2014/main" id="{39B174FE-6367-5942-A419-22ADA79CE723}"/>
               </a:ext>
             </a:extLst>
           </p:cNvPr>
@@ -4543,117 +5628,130 @@
             <p:ph idx="1"/>
           </p:nvPr>
         </p:nvSpPr>
-        <p:spPr/>
+        <p:spPr>
+          <a:xfrm>
+            <a:off x="746235" y="1825625"/>
+            <a:ext cx="10752082" cy="4351338"/>
+          </a:xfrm>
+        </p:spPr>
         <p:txBody>
           <a:bodyPr>
-            <a:normAutofit/>
+            <a:normAutofit lnSpcReduction="10000"/>
           </a:bodyPr>
           <a:lstStyle/>
           <a:p>
-            <a:pPr marL="457200" indent="-457200">
-              <a:buFont typeface="+mj-lt"/>
-              <a:buAutoNum type="arabicPeriod"/>
+            <a:pPr marL="0" indent="0">
+              <a:buNone/>
             </a:pPr>
             <a:r>
-              <a:rPr lang="en-US" sz="2400" b="0" dirty="0">
-                <a:effectLst/>
-              </a:rPr>
-              <a:t>get a list of tracks from </a:t>
-            </a:r>
-            <a:r>
-              <a:rPr lang="en-US" sz="2400" b="0" dirty="0" err="1">
-                <a:effectLst/>
-              </a:rPr>
-              <a:t>musix</a:t>
-            </a:r>
-            <a:r>
-              <a:rPr lang="en-US" sz="2400" b="0" dirty="0">
-                <a:effectLst/>
-              </a:rPr>
-              <a:t> match.</a:t>
-            </a:r>
-          </a:p>
-          <a:p>
-            <a:pPr marL="457200" indent="-457200">
-              <a:buFont typeface="+mj-lt"/>
-              <a:buAutoNum type="arabicPeriod"/>
+              <a:rPr lang="en-US" sz="1400" b="1" dirty="0"/>
+              <a:t>Web scraping</a:t>
+            </a:r>
+            <a:r>
+              <a:rPr lang="en-US" sz="1400" dirty="0"/>
+              <a:t> is the process of gathering information from the Internet. Even copying and pasting the lyrics of your favorite song is a form of web scraping!</a:t>
+            </a:r>
+            <a:endParaRPr lang="en-US" sz="1400" b="1" dirty="0">
+              <a:solidFill>
+                <a:srgbClr val="292929"/>
+              </a:solidFill>
+            </a:endParaRPr>
+          </a:p>
+          <a:p>
+            <a:pPr marL="0" indent="0">
+              <a:buNone/>
             </a:pPr>
             <a:r>
-              <a:rPr lang="en-US" sz="2400" b="0" dirty="0">
-                <a:effectLst/>
-              </a:rPr>
-              <a:t>acquire the lyrics data for those tracks (either from API or scrapping). </a:t>
-            </a:r>
-          </a:p>
-          <a:p>
-            <a:pPr marL="457200" indent="-457200">
-              <a:buFont typeface="+mj-lt"/>
-              <a:buAutoNum type="arabicPeriod"/>
+              <a:rPr lang="en-US" sz="2400" b="1" dirty="0"/>
+              <a:t>Step 1: Inspect Your Data Source (Explore the Website)</a:t>
+            </a:r>
+          </a:p>
+          <a:p>
+            <a:r>
+              <a:rPr lang="en-US" sz="1600" dirty="0"/>
+              <a:t>Understand the site structure to extract the information that’s relevant for you.</a:t>
+            </a:r>
+          </a:p>
+          <a:p>
+            <a:r>
+              <a:rPr lang="en-US" sz="1600" dirty="0"/>
+              <a:t>Decipher the Information in URLs</a:t>
+            </a:r>
+          </a:p>
+          <a:p>
+            <a:r>
+              <a:rPr lang="en-US" sz="1700" dirty="0"/>
+              <a:t>Inspect the Site Using Developer Tools</a:t>
+            </a:r>
+            <a:endParaRPr lang="en-US" sz="1600" dirty="0"/>
+          </a:p>
+          <a:p>
+            <a:pPr marL="0" indent="0">
+              <a:buNone/>
             </a:pPr>
             <a:r>
-              <a:rPr lang="en-US" sz="2400" b="0" dirty="0">
-                <a:effectLst/>
-              </a:rPr>
-              <a:t>acquire the mood data for each track. </a:t>
-            </a:r>
-          </a:p>
-          <a:p>
-            <a:pPr marL="457200" indent="-457200">
-              <a:buFont typeface="+mj-lt"/>
-              <a:buAutoNum type="arabicPeriod"/>
+              <a:rPr lang="en-US" sz="2400" b="1" dirty="0"/>
+              <a:t>Step 2: Scrape HTML Content From a Page</a:t>
+            </a:r>
+          </a:p>
+          <a:p>
+            <a:r>
+              <a:rPr lang="en-US" sz="1600" dirty="0"/>
+              <a:t>Find Elements by HTML class name</a:t>
+            </a:r>
+            <a:endParaRPr lang="en-US" sz="2400" dirty="0"/>
+          </a:p>
+          <a:p>
+            <a:pPr marL="0" indent="0">
+              <a:buNone/>
             </a:pPr>
             <a:r>
-              <a:rPr lang="en-US" sz="2400" b="0" dirty="0">
-                <a:effectLst/>
-              </a:rPr>
-              <a:t>for each track count the words. </a:t>
-            </a:r>
-          </a:p>
-          <a:p>
-            <a:pPr marL="457200" indent="-457200">
-              <a:buFont typeface="+mj-lt"/>
-              <a:buAutoNum type="arabicPeriod"/>
+              <a:rPr lang="en-US" sz="2400" b="1" dirty="0"/>
+              <a:t>Step 3: Parse HTML Code With Beautiful Soup</a:t>
+            </a:r>
+          </a:p>
+          <a:p>
+            <a:r>
+              <a:rPr lang="en-US" sz="1600" dirty="0"/>
+              <a:t>Find Elements and extract by ID, class name, …</a:t>
+            </a:r>
+          </a:p>
+          <a:p>
+            <a:r>
+              <a:rPr lang="en-US" sz="1600" dirty="0"/>
+              <a:t>Extract Text From HTML Elements</a:t>
+            </a:r>
+          </a:p>
+          <a:p>
+            <a:r>
+              <a:rPr lang="en-US" sz="1600" dirty="0"/>
+              <a:t>Pass a Function to a Beautiful Soup Method</a:t>
+            </a:r>
+          </a:p>
+          <a:p>
+            <a:pPr marL="0" indent="0">
+              <a:buNone/>
             </a:pPr>
             <a:r>
-              <a:rPr lang="en-US" sz="2400" b="0" dirty="0">
-                <a:effectLst/>
-              </a:rPr>
-              <a:t>assign to the word counts to a mood based on the mood of the track.</a:t>
-            </a:r>
-          </a:p>
-          <a:p>
-            <a:pPr marL="457200" indent="-457200">
-              <a:buFont typeface="+mj-lt"/>
-              <a:buAutoNum type="arabicPeriod"/>
+              <a:rPr lang="en-US" sz="1300" dirty="0">
+                <a:hlinkClick r:id="rId3"/>
+              </a:rPr>
+              <a:t>https://realpython.com/beautiful-soup-web-scraper-python/#step-1-inspect-your-data-source</a:t>
+            </a:r>
+            <a:endParaRPr lang="en-US" sz="1300" dirty="0"/>
+          </a:p>
+          <a:p>
+            <a:pPr marL="0" indent="0">
+              <a:buNone/>
             </a:pPr>
-            <a:r>
-              <a:rPr lang="en-US" sz="2400" b="0" dirty="0">
-                <a:effectLst/>
-              </a:rPr>
-              <a:t>order the words for each mood based on count.</a:t>
-            </a:r>
-          </a:p>
-          <a:p>
-            <a:pPr marL="457200" indent="-457200">
-              <a:buFont typeface="+mj-lt"/>
-              <a:buAutoNum type="arabicPeriod"/>
-            </a:pPr>
-            <a:r>
-              <a:rPr lang="en-US" sz="2400" b="0" dirty="0">
-                <a:effectLst/>
-              </a:rPr>
-              <a:t>output finalized dataset to a file.</a:t>
-            </a:r>
-          </a:p>
-          <a:p>
-            <a:endParaRPr lang="en-US" sz="2400" dirty="0"/>
+            <a:endParaRPr lang="en-US" dirty="0"/>
           </a:p>
         </p:txBody>
       </p:sp>
     </p:spTree>
     <p:extLst>
       <p:ext uri="{BB962C8B-B14F-4D97-AF65-F5344CB8AC3E}">
-        <p14:creationId xmlns:p14="http://schemas.microsoft.com/office/powerpoint/2010/main" val="1612097646"/>
+        <p14:creationId xmlns:p14="http://schemas.microsoft.com/office/powerpoint/2010/main" val="2604059689"/>
       </p:ext>
     </p:extLst>
   </p:cSld>
@@ -4685,7 +5783,7 @@
           <p:cNvPr id="2" name="Title 1">
             <a:extLst>
               <a:ext uri="{FF2B5EF4-FFF2-40B4-BE49-F238E27FC236}">
-                <a16:creationId xmlns:a16="http://schemas.microsoft.com/office/drawing/2014/main" id="{F54CD119-5868-0A44-B523-6F9234BC943E}"/>
+                <a16:creationId xmlns:a16="http://schemas.microsoft.com/office/drawing/2014/main" id="{FCCC1219-0C6D-034C-B5AE-66B28FE2AF5A}"/>
               </a:ext>
             </a:extLst>
           </p:cNvPr>
@@ -4703,7 +5801,11 @@
           <a:p>
             <a:r>
               <a:rPr lang="en-US" dirty="0"/>
-              <a:t>Distribution Approach</a:t>
+              <a:t>Approach to Acquiring the Data: </a:t>
+            </a:r>
+            <a:r>
+              <a:rPr lang="en-US" sz="4000" dirty="0"/>
+              <a:t>Web Scraping</a:t>
             </a:r>
           </a:p>
         </p:txBody>
@@ -4713,7 +5815,7 @@
           <p:cNvPr id="3" name="Content Placeholder 2">
             <a:extLst>
               <a:ext uri="{FF2B5EF4-FFF2-40B4-BE49-F238E27FC236}">
-                <a16:creationId xmlns:a16="http://schemas.microsoft.com/office/drawing/2014/main" id="{05E2C9C3-D3B6-134D-A713-56229C7F4D3B}"/>
+                <a16:creationId xmlns:a16="http://schemas.microsoft.com/office/drawing/2014/main" id="{39B174FE-6367-5942-A419-22ADA79CE723}"/>
               </a:ext>
             </a:extLst>
           </p:cNvPr>
@@ -4724,19 +5826,87 @@
             <p:ph idx="1"/>
           </p:nvPr>
         </p:nvSpPr>
-        <p:spPr/>
-        <p:txBody>
-          <a:bodyPr/>
-          <a:lstStyle/>
-          <a:p>
-            <a:endParaRPr lang="en-US"/>
+        <p:spPr>
+          <a:xfrm>
+            <a:off x="746235" y="1825625"/>
+            <a:ext cx="10752082" cy="4351338"/>
+          </a:xfrm>
+        </p:spPr>
+        <p:txBody>
+          <a:bodyPr>
+            <a:normAutofit/>
+          </a:bodyPr>
+          <a:lstStyle/>
+          <a:p>
+            <a:pPr>
+              <a:buFont typeface="+mj-lt"/>
+              <a:buAutoNum type="arabicPeriod"/>
+            </a:pPr>
+            <a:r>
+              <a:rPr lang="en-US" dirty="0"/>
+              <a:t>Fetch the main URL HTML code.</a:t>
+            </a:r>
+          </a:p>
+          <a:p>
+            <a:pPr>
+              <a:buFont typeface="+mj-lt"/>
+              <a:buAutoNum type="arabicPeriod"/>
+            </a:pPr>
+            <a:r>
+              <a:rPr lang="en-US" dirty="0"/>
+              <a:t>Feed that HTML to </a:t>
+            </a:r>
+            <a:r>
+              <a:rPr lang="en-US" dirty="0" err="1"/>
+              <a:t>BeautifulSoup</a:t>
+            </a:r>
+            <a:r>
+              <a:rPr lang="en-US" dirty="0"/>
+              <a:t>.</a:t>
+            </a:r>
+          </a:p>
+          <a:p>
+            <a:pPr>
+              <a:buFont typeface="+mj-lt"/>
+              <a:buAutoNum type="arabicPeriod"/>
+            </a:pPr>
+            <a:r>
+              <a:rPr lang="en-US" dirty="0"/>
+              <a:t>Extract each song from the list and get the wiki link of each book.</a:t>
+            </a:r>
+          </a:p>
+          <a:p>
+            <a:pPr>
+              <a:buFont typeface="+mj-lt"/>
+              <a:buAutoNum type="arabicPeriod"/>
+            </a:pPr>
+            <a:r>
+              <a:rPr lang="en-US" dirty="0"/>
+              <a:t>Obtain lyrical data for each song.</a:t>
+            </a:r>
+          </a:p>
+          <a:p>
+            <a:pPr>
+              <a:buFont typeface="+mj-lt"/>
+              <a:buAutoNum type="arabicPeriod"/>
+            </a:pPr>
+            <a:r>
+              <a:rPr lang="en-US" dirty="0"/>
+              <a:t>Get all songs lyrical data, clean, and plot final results.</a:t>
+            </a:r>
+          </a:p>
+          <a:p>
+            <a:pPr marL="0" indent="0">
+              <a:buNone/>
+            </a:pPr>
+            <a:endParaRPr lang="en-US" dirty="0"/>
           </a:p>
         </p:txBody>
       </p:sp>
     </p:spTree>
     <p:extLst>
       <p:ext uri="{BB962C8B-B14F-4D97-AF65-F5344CB8AC3E}">
-        <p14:creationId xmlns:p14="http://schemas.microsoft.com/office/powerpoint/2010/main" val="2781622621"/>
+        <p14:creationId xmlns:p14="http://schemas.microsoft.com/office/powerpoint/2010/main" val="711782481"/>
       </p:ext>
     </p:extLst>
   </p:cSld>
@@ -4768,7 +5938,7 @@
           <p:cNvPr id="2" name="Title 1">
             <a:extLst>
               <a:ext uri="{FF2B5EF4-FFF2-40B4-BE49-F238E27FC236}">
-                <a16:creationId xmlns:a16="http://schemas.microsoft.com/office/drawing/2014/main" id="{D56A079E-9CD9-D84F-AC45-14A954F929FD}"/>
+                <a16:creationId xmlns:a16="http://schemas.microsoft.com/office/drawing/2014/main" id="{E312C33B-C395-284A-8535-98395D1F6E71}"/>
               </a:ext>
             </a:extLst>
           </p:cNvPr>
@@ -4786,7 +5956,7 @@
           <a:p>
             <a:r>
               <a:rPr lang="en-US" dirty="0"/>
-              <a:t>Discussion of Access Rights</a:t>
+              <a:t>Approach to Preprocessing Data</a:t>
             </a:r>
           </a:p>
         </p:txBody>
@@ -4796,7 +5966,7 @@
           <p:cNvPr id="3" name="Content Placeholder 2">
             <a:extLst>
               <a:ext uri="{FF2B5EF4-FFF2-40B4-BE49-F238E27FC236}">
-                <a16:creationId xmlns:a16="http://schemas.microsoft.com/office/drawing/2014/main" id="{D83F7FD3-C115-7C41-AA01-0FEA687163C6}"/>
+                <a16:creationId xmlns:a16="http://schemas.microsoft.com/office/drawing/2014/main" id="{F55CFF0D-D572-3142-A36C-5EE8C0B06137}"/>
               </a:ext>
             </a:extLst>
           </p:cNvPr>
@@ -4809,17 +5979,115 @@
         </p:nvSpPr>
         <p:spPr/>
         <p:txBody>
-          <a:bodyPr/>
-          <a:lstStyle/>
-          <a:p>
-            <a:endParaRPr lang="en-US"/>
+          <a:bodyPr>
+            <a:normAutofit/>
+          </a:bodyPr>
+          <a:lstStyle/>
+          <a:p>
+            <a:pPr marL="457200" indent="-457200">
+              <a:buFont typeface="+mj-lt"/>
+              <a:buAutoNum type="arabicPeriod"/>
+            </a:pPr>
+            <a:r>
+              <a:rPr lang="en-US" sz="2400" b="0" dirty="0">
+                <a:effectLst/>
+              </a:rPr>
+              <a:t>get a list of tracks from </a:t>
+            </a:r>
+            <a:r>
+              <a:rPr lang="en-US" sz="2400" b="0" dirty="0" err="1">
+                <a:effectLst/>
+              </a:rPr>
+              <a:t>musix</a:t>
+            </a:r>
+            <a:r>
+              <a:rPr lang="en-US" sz="2400" b="0" dirty="0">
+                <a:effectLst/>
+              </a:rPr>
+              <a:t> match.</a:t>
+            </a:r>
+          </a:p>
+          <a:p>
+            <a:pPr marL="457200" indent="-457200">
+              <a:buFont typeface="+mj-lt"/>
+              <a:buAutoNum type="arabicPeriod"/>
+            </a:pPr>
+            <a:r>
+              <a:rPr lang="en-US" sz="2400" b="0" dirty="0">
+                <a:effectLst/>
+              </a:rPr>
+              <a:t>acquire the lyrics data for those tracks (either from API or scrapping). </a:t>
+            </a:r>
+          </a:p>
+          <a:p>
+            <a:pPr marL="457200" indent="-457200">
+              <a:buFont typeface="+mj-lt"/>
+              <a:buAutoNum type="arabicPeriod"/>
+            </a:pPr>
+            <a:r>
+              <a:rPr lang="en-US" sz="2400" b="0" dirty="0">
+                <a:effectLst/>
+              </a:rPr>
+              <a:t>acquire the mood data for each track. </a:t>
+            </a:r>
+          </a:p>
+          <a:p>
+            <a:pPr marL="457200" indent="-457200">
+              <a:buFont typeface="+mj-lt"/>
+              <a:buAutoNum type="arabicPeriod"/>
+            </a:pPr>
+            <a:r>
+              <a:rPr lang="en-US" sz="2400" b="0" dirty="0">
+                <a:effectLst/>
+              </a:rPr>
+              <a:t>for each track count the words. </a:t>
+            </a:r>
+          </a:p>
+          <a:p>
+            <a:pPr marL="457200" indent="-457200">
+              <a:buFont typeface="+mj-lt"/>
+              <a:buAutoNum type="arabicPeriod"/>
+            </a:pPr>
+            <a:r>
+              <a:rPr lang="en-US" sz="2400" b="0" dirty="0">
+                <a:effectLst/>
+              </a:rPr>
+              <a:t>assign to the word counts to a mood based on the mood of the track.</a:t>
+            </a:r>
+          </a:p>
+          <a:p>
+            <a:pPr marL="457200" indent="-457200">
+              <a:buFont typeface="+mj-lt"/>
+              <a:buAutoNum type="arabicPeriod"/>
+            </a:pPr>
+            <a:r>
+              <a:rPr lang="en-US" sz="2400" b="0" dirty="0">
+                <a:effectLst/>
+              </a:rPr>
+              <a:t>order the words for each mood based on count.</a:t>
+            </a:r>
+          </a:p>
+          <a:p>
+            <a:pPr marL="457200" indent="-457200">
+              <a:buFont typeface="+mj-lt"/>
+              <a:buAutoNum type="arabicPeriod"/>
+            </a:pPr>
+            <a:r>
+              <a:rPr lang="en-US" sz="2400" b="0" dirty="0">
+                <a:effectLst/>
+              </a:rPr>
+              <a:t>output finalized dataset to a file.</a:t>
+            </a:r>
+          </a:p>
+          <a:p>
+            <a:endParaRPr lang="en-US" sz="2400" dirty="0"/>
           </a:p>
         </p:txBody>
       </p:sp>
     </p:spTree>
     <p:extLst>
       <p:ext uri="{BB962C8B-B14F-4D97-AF65-F5344CB8AC3E}">
-        <p14:creationId xmlns:p14="http://schemas.microsoft.com/office/powerpoint/2010/main" val="3288101558"/>
+        <p14:creationId xmlns:p14="http://schemas.microsoft.com/office/powerpoint/2010/main" val="1612097646"/>
       </p:ext>
     </p:extLst>
   </p:cSld>
@@ -4851,7 +6119,7 @@
           <p:cNvPr id="2" name="Title 1">
             <a:extLst>
               <a:ext uri="{FF2B5EF4-FFF2-40B4-BE49-F238E27FC236}">
-                <a16:creationId xmlns:a16="http://schemas.microsoft.com/office/drawing/2014/main" id="{8B337B21-1E26-A847-AC61-FDA5EEFBFA48}"/>
+                <a16:creationId xmlns:a16="http://schemas.microsoft.com/office/drawing/2014/main" id="{F54CD119-5868-0A44-B523-6F9234BC943E}"/>
               </a:ext>
             </a:extLst>
           </p:cNvPr>
@@ -4869,7 +6137,7 @@
           <a:p>
             <a:r>
               <a:rPr lang="en-US" dirty="0"/>
-              <a:t>Issues and Limitations</a:t>
+              <a:t>Distribution Approach</a:t>
             </a:r>
           </a:p>
         </p:txBody>
@@ -4879,7 +6147,7 @@
           <p:cNvPr id="3" name="Content Placeholder 2">
             <a:extLst>
               <a:ext uri="{FF2B5EF4-FFF2-40B4-BE49-F238E27FC236}">
-                <a16:creationId xmlns:a16="http://schemas.microsoft.com/office/drawing/2014/main" id="{7A6681F8-49AF-094B-8AE8-6157C5F0B6F6}"/>
+                <a16:creationId xmlns:a16="http://schemas.microsoft.com/office/drawing/2014/main" id="{05E2C9C3-D3B6-134D-A713-56229C7F4D3B}"/>
               </a:ext>
             </a:extLst>
           </p:cNvPr>
@@ -4895,34 +6163,14 @@
           <a:bodyPr/>
           <a:lstStyle/>
           <a:p>
-            <a:r>
-              <a:rPr lang="en-US" sz="2400" dirty="0">
-                <a:solidFill>
-                  <a:schemeClr val="accent1"/>
-                </a:solidFill>
-              </a:rPr>
-              <a:t>Spotify</a:t>
-            </a:r>
-            <a:r>
-              <a:rPr lang="en-US" sz="2400" dirty="0"/>
-              <a:t>: </a:t>
-            </a:r>
-            <a:r>
-              <a:rPr lang="en-US" sz="2400" b="0" dirty="0">
-                <a:effectLst/>
-              </a:rPr>
-              <a:t>In order to make successful Web API requests your app will need a valid access token. One can be obtained through OAuth 2.0.</a:t>
-            </a:r>
-          </a:p>
-          <a:p>
-            <a:endParaRPr lang="en-US" dirty="0"/>
+            <a:endParaRPr lang="en-US"/>
           </a:p>
         </p:txBody>
       </p:sp>
     </p:spTree>
     <p:extLst>
       <p:ext uri="{BB962C8B-B14F-4D97-AF65-F5344CB8AC3E}">
-        <p14:creationId xmlns:p14="http://schemas.microsoft.com/office/powerpoint/2010/main" val="2645747481"/>
+        <p14:creationId xmlns:p14="http://schemas.microsoft.com/office/powerpoint/2010/main" val="2781622621"/>
       </p:ext>
     </p:extLst>
   </p:cSld>
@@ -5225,4 +6473,299 @@
     </a:ext>
   </a:extLst>
 </a:theme>
+</file>
+
+<file path=ppt/theme/theme2.xml><?xml version="1.0" encoding="utf-8"?>
+<a:theme xmlns:a="http://schemas.openxmlformats.org/drawingml/2006/main" name="Office Theme">
+  <a:themeElements>
+    <a:clrScheme name="Office">
+      <a:dk1>
+        <a:sysClr val="windowText" lastClr="000000"/>
+      </a:dk1>
+      <a:lt1>
+        <a:sysClr val="window" lastClr="FFFFFF"/>
+      </a:lt1>
+      <a:dk2>
+        <a:srgbClr val="44546A"/>
+      </a:dk2>
+      <a:lt2>
+        <a:srgbClr val="E7E6E6"/>
+      </a:lt2>
+      <a:accent1>
+        <a:srgbClr val="4472C4"/>
+      </a:accent1>
+      <a:accent2>
+        <a:srgbClr val="ED7D31"/>
+      </a:accent2>
+      <a:accent3>
+        <a:srgbClr val="A5A5A5"/>
+      </a:accent3>
+      <a:accent4>
+        <a:srgbClr val="FFC000"/>
+      </a:accent4>
+      <a:accent5>
+        <a:srgbClr val="5B9BD5"/>
+      </a:accent5>
+      <a:accent6>
+        <a:srgbClr val="70AD47"/>
+      </a:accent6>
+      <a:hlink>
+        <a:srgbClr val="0563C1"/>
+      </a:hlink>
+      <a:folHlink>
+        <a:srgbClr val="954F72"/>
+      </a:folHlink>
+    </a:clrScheme>
+    <a:fontScheme name="Office">
+      <a:majorFont>
+        <a:latin typeface="Calibri Light" panose="020F0302020204030204"/>
+        <a:ea typeface=""/>
+        <a:cs typeface=""/>
+        <a:font script="Jpan" typeface="游ゴシック Light"/>
+        <a:font script="Hang" typeface="맑은 고딕"/>
+        <a:font script="Hans" typeface="等线 Light"/>
+        <a:font script="Hant" typeface="新細明體"/>
+        <a:font script="Arab" typeface="Times New Roman"/>
+        <a:font script="Hebr" typeface="Times New Roman"/>
+        <a:font script="Thai" typeface="Angsana New"/>
+        <a:font script="Ethi" typeface="Nyala"/>
+        <a:font script="Beng" typeface="Vrinda"/>
+        <a:font script="Gujr" typeface="Shruti"/>
+        <a:font script="Khmr" typeface="MoolBoran"/>
+        <a:font script="Knda" typeface="Tunga"/>
+        <a:font script="Guru" typeface="Raavi"/>
+        <a:font script="Cans" typeface="Euphemia"/>
+        <a:font script="Cher" typeface="Plantagenet Cherokee"/>
+        <a:font script="Yiii" typeface="Microsoft Yi Baiti"/>
+        <a:font script="Tibt" typeface="Microsoft Himalaya"/>
+        <a:font script="Thaa" typeface="MV Boli"/>
+        <a:font script="Deva" typeface="Mangal"/>
+        <a:font script="Telu" typeface="Gautami"/>
+        <a:font script="Taml" typeface="Latha"/>
+        <a:font script="Syrc" typeface="Estrangelo Edessa"/>
+        <a:font script="Orya" typeface="Kalinga"/>
+        <a:font script="Mlym" typeface="Kartika"/>
+        <a:font script="Laoo" typeface="DokChampa"/>
+        <a:font script="Sinh" typeface="Iskoola Pota"/>
+        <a:font script="Mong" typeface="Mongolian Baiti"/>
+        <a:font script="Viet" typeface="Times New Roman"/>
+        <a:font script="Uigh" typeface="Microsoft Uighur"/>
+        <a:font script="Geor" typeface="Sylfaen"/>
+        <a:font script="Armn" typeface="Arial"/>
+        <a:font script="Bugi" typeface="Leelawadee UI"/>
+        <a:font script="Bopo" typeface="Microsoft JhengHei"/>
+        <a:font script="Java" typeface="Javanese Text"/>
+        <a:font script="Lisu" typeface="Segoe UI"/>
+        <a:font script="Mymr" typeface="Myanmar Text"/>
+        <a:font script="Nkoo" typeface="Ebrima"/>
+        <a:font script="Olck" typeface="Nirmala UI"/>
+        <a:font script="Osma" typeface="Ebrima"/>
+        <a:font script="Phag" typeface="Phagspa"/>
+        <a:font script="Syrn" typeface="Estrangelo Edessa"/>
+        <a:font script="Syrj" typeface="Estrangelo Edessa"/>
+        <a:font script="Syre" typeface="Estrangelo Edessa"/>
+        <a:font script="Sora" typeface="Nirmala UI"/>
+        <a:font script="Tale" typeface="Microsoft Tai Le"/>
+        <a:font script="Talu" typeface="Microsoft New Tai Lue"/>
+        <a:font script="Tfng" typeface="Ebrima"/>
+      </a:majorFont>
+      <a:minorFont>
+        <a:latin typeface="Calibri" panose="020F0502020204030204"/>
+        <a:ea typeface=""/>
+        <a:cs typeface=""/>
+        <a:font script="Jpan" typeface="游ゴシック"/>
+        <a:font script="Hang" typeface="맑은 고딕"/>
+        <a:font script="Hans" typeface="等线"/>
+        <a:font script="Hant" typeface="新細明體"/>
+        <a:font script="Arab" typeface="Arial"/>
+        <a:font script="Hebr" typeface="Arial"/>
+        <a:font script="Thai" typeface="Cordia New"/>
+        <a:font script="Ethi" typeface="Nyala"/>
+        <a:font script="Beng" typeface="Vrinda"/>
+        <a:font script="Gujr" typeface="Shruti"/>
+        <a:font script="Khmr" typeface="DaunPenh"/>
+        <a:font script="Knda" typeface="Tunga"/>
+        <a:font script="Guru" typeface="Raavi"/>
+        <a:font script="Cans" typeface="Euphemia"/>
+        <a:font script="Cher" typeface="Plantagenet Cherokee"/>
+        <a:font script="Yiii" typeface="Microsoft Yi Baiti"/>
+        <a:font script="Tibt" typeface="Microsoft Himalaya"/>
+        <a:font script="Thaa" typeface="MV Boli"/>
+        <a:font script="Deva" typeface="Mangal"/>
+        <a:font script="Telu" typeface="Gautami"/>
+        <a:font script="Taml" typeface="Latha"/>
+        <a:font script="Syrc" typeface="Estrangelo Edessa"/>
+        <a:font script="Orya" typeface="Kalinga"/>
+        <a:font script="Mlym" typeface="Kartika"/>
+        <a:font script="Laoo" typeface="DokChampa"/>
+        <a:font script="Sinh" typeface="Iskoola Pota"/>
+        <a:font script="Mong" typeface="Mongolian Baiti"/>
+        <a:font script="Viet" typeface="Arial"/>
+        <a:font script="Uigh" typeface="Microsoft Uighur"/>
+        <a:font script="Geor" typeface="Sylfaen"/>
+        <a:font script="Armn" typeface="Arial"/>
+        <a:font script="Bugi" typeface="Leelawadee UI"/>
+        <a:font script="Bopo" typeface="Microsoft JhengHei"/>
+        <a:font script="Java" typeface="Javanese Text"/>
+        <a:font script="Lisu" typeface="Segoe UI"/>
+        <a:font script="Mymr" typeface="Myanmar Text"/>
+        <a:font script="Nkoo" typeface="Ebrima"/>
+        <a:font script="Olck" typeface="Nirmala UI"/>
+        <a:font script="Osma" typeface="Ebrima"/>
+        <a:font script="Phag" typeface="Phagspa"/>
+        <a:font script="Syrn" typeface="Estrangelo Edessa"/>
+        <a:font script="Syrj" typeface="Estrangelo Edessa"/>
+        <a:font script="Syre" typeface="Estrangelo Edessa"/>
+        <a:font script="Sora" typeface="Nirmala UI"/>
+        <a:font script="Tale" typeface="Microsoft Tai Le"/>
+        <a:font script="Talu" typeface="Microsoft New Tai Lue"/>
+        <a:font script="Tfng" typeface="Ebrima"/>
+      </a:minorFont>
+    </a:fontScheme>
+    <a:fmtScheme name="Office">
+      <a:fillStyleLst>
+        <a:solidFill>
+          <a:schemeClr val="phClr"/>
+        </a:solidFill>
+        <a:gradFill rotWithShape="1">
+          <a:gsLst>
+            <a:gs pos="0">
+              <a:schemeClr val="phClr">
+                <a:lumMod val="110000"/>
+                <a:satMod val="105000"/>
+                <a:tint val="67000"/>
+              </a:schemeClr>
+            </a:gs>
+            <a:gs pos="50000">
+              <a:schemeClr val="phClr">
+                <a:lumMod val="105000"/>
+                <a:satMod val="103000"/>
+                <a:tint val="73000"/>
+              </a:schemeClr>
+            </a:gs>
+            <a:gs pos="100000">
+              <a:schemeClr val="phClr">
+                <a:lumMod val="105000"/>
+                <a:satMod val="109000"/>
+                <a:tint val="81000"/>
+              </a:schemeClr>
+            </a:gs>
+          </a:gsLst>
+          <a:lin ang="5400000" scaled="0"/>
+        </a:gradFill>
+        <a:gradFill rotWithShape="1">
+          <a:gsLst>
+            <a:gs pos="0">
+              <a:schemeClr val="phClr">
+                <a:satMod val="103000"/>
+                <a:lumMod val="102000"/>
+                <a:tint val="94000"/>
+              </a:schemeClr>
+            </a:gs>
+            <a:gs pos="50000">
+              <a:schemeClr val="phClr">
+                <a:satMod val="110000"/>
+                <a:lumMod val="100000"/>
+                <a:shade val="100000"/>
+              </a:schemeClr>
+            </a:gs>
+            <a:gs pos="100000">
+              <a:schemeClr val="phClr">
+                <a:lumMod val="99000"/>
+                <a:satMod val="120000"/>
+                <a:shade val="78000"/>
+              </a:schemeClr>
+            </a:gs>
+          </a:gsLst>
+          <a:lin ang="5400000" scaled="0"/>
+        </a:gradFill>
+      </a:fillStyleLst>
+      <a:lnStyleLst>
+        <a:ln w="6350" cap="flat" cmpd="sng" algn="ctr">
+          <a:solidFill>
+            <a:schemeClr val="phClr"/>
+          </a:solidFill>
+          <a:prstDash val="solid"/>
+          <a:miter lim="800000"/>
+        </a:ln>
+        <a:ln w="12700" cap="flat" cmpd="sng" algn="ctr">
+          <a:solidFill>
+            <a:schemeClr val="phClr"/>
+          </a:solidFill>
+          <a:prstDash val="solid"/>
+          <a:miter lim="800000"/>
+        </a:ln>
+        <a:ln w="19050" cap="flat" cmpd="sng" algn="ctr">
+          <a:solidFill>
+            <a:schemeClr val="phClr"/>
+          </a:solidFill>
+          <a:prstDash val="solid"/>
+          <a:miter lim="800000"/>
+        </a:ln>
+      </a:lnStyleLst>
+      <a:effectStyleLst>
+        <a:effectStyle>
+          <a:effectLst/>
+        </a:effectStyle>
+        <a:effectStyle>
+          <a:effectLst/>
+        </a:effectStyle>
+        <a:effectStyle>
+          <a:effectLst>
+            <a:outerShdw blurRad="57150" dist="19050" dir="5400000" algn="ctr" rotWithShape="0">
+              <a:srgbClr val="000000">
+                <a:alpha val="63000"/>
+              </a:srgbClr>
+            </a:outerShdw>
+          </a:effectLst>
+        </a:effectStyle>
+      </a:effectStyleLst>
+      <a:bgFillStyleLst>
+        <a:solidFill>
+          <a:schemeClr val="phClr"/>
+        </a:solidFill>
+        <a:solidFill>
+          <a:schemeClr val="phClr">
+            <a:tint val="95000"/>
+            <a:satMod val="170000"/>
+          </a:schemeClr>
+        </a:solidFill>
+        <a:gradFill rotWithShape="1">
+          <a:gsLst>
+            <a:gs pos="0">
+              <a:schemeClr val="phClr">
+                <a:tint val="93000"/>
+                <a:satMod val="150000"/>
+                <a:shade val="98000"/>
+                <a:lumMod val="102000"/>
+              </a:schemeClr>
+            </a:gs>
+            <a:gs pos="50000">
+              <a:schemeClr val="phClr">
+                <a:tint val="98000"/>
+                <a:satMod val="130000"/>
+                <a:shade val="90000"/>
+                <a:lumMod val="103000"/>
+              </a:schemeClr>
+            </a:gs>
+            <a:gs pos="100000">
+              <a:schemeClr val="phClr">
+                <a:shade val="63000"/>
+                <a:satMod val="120000"/>
+              </a:schemeClr>
+            </a:gs>
+          </a:gsLst>
+          <a:lin ang="5400000" scaled="0"/>
+        </a:gradFill>
+      </a:bgFillStyleLst>
+    </a:fmtScheme>
+  </a:themeElements>
+  <a:objectDefaults/>
+  <a:extraClrSchemeLst/>
+  <a:extLst>
+    <a:ext uri="{05A4C25C-085E-4340-85A3-A5531E510DB2}">
+      <thm15:themeFamily xmlns:thm15="http://schemas.microsoft.com/office/thememl/2012/main" name="Office Theme" id="{62F939B6-93AF-4DB8-9C6B-D6C7DFDC589F}" vid="{4A3C46E8-61CC-4603-A589-7422A47A8E4A}"/>
+    </a:ext>
+  </a:extLst>
+</a:theme>
 </file>
--- a/Presentation PowerPoint/Project-Presentation-Template.pptx
+++ b/Presentation PowerPoint/Project-Presentation-Template.pptx
@@ -5,21 +5,25 @@
     <p:sldMasterId id="2147483648" r:id="rId1"/>
   </p:sldMasterIdLst>
   <p:notesMasterIdLst>
-    <p:notesMasterId r:id="rId14"/>
+    <p:notesMasterId r:id="rId18"/>
   </p:notesMasterIdLst>
   <p:sldIdLst>
     <p:sldId id="256" r:id="rId2"/>
     <p:sldId id="257" r:id="rId3"/>
     <p:sldId id="259" r:id="rId4"/>
-    <p:sldId id="258" r:id="rId5"/>
-    <p:sldId id="260" r:id="rId6"/>
-    <p:sldId id="266" r:id="rId7"/>
-    <p:sldId id="267" r:id="rId8"/>
-    <p:sldId id="263" r:id="rId9"/>
-    <p:sldId id="261" r:id="rId10"/>
-    <p:sldId id="264" r:id="rId11"/>
-    <p:sldId id="262" r:id="rId12"/>
-    <p:sldId id="265" r:id="rId13"/>
+    <p:sldId id="268" r:id="rId5"/>
+    <p:sldId id="273" r:id="rId6"/>
+    <p:sldId id="269" r:id="rId7"/>
+    <p:sldId id="272" r:id="rId8"/>
+    <p:sldId id="261" r:id="rId9"/>
+    <p:sldId id="264" r:id="rId10"/>
+    <p:sldId id="262" r:id="rId11"/>
+    <p:sldId id="265" r:id="rId12"/>
+    <p:sldId id="270" r:id="rId13"/>
+    <p:sldId id="271" r:id="rId14"/>
+    <p:sldId id="260" r:id="rId15"/>
+    <p:sldId id="266" r:id="rId16"/>
+    <p:sldId id="267" r:id="rId17"/>
   </p:sldIdLst>
   <p:sldSz cx="12192000" cy="6858000"/>
   <p:notesSz cx="6858000" cy="9144000"/>
@@ -208,7 +212,7 @@
           <a:p>
             <a:fld id="{554293D9-CEF4-E549-8C2B-4C1F408488E2}" type="datetimeFigureOut">
               <a:rPr lang="en-US" smtClean="0"/>
-              <a:t>11/21/22</a:t>
+              <a:t>12/1/22</a:t>
             </a:fld>
             <a:endParaRPr lang="en-US"/>
           </a:p>
@@ -519,77 +523,7 @@
           <a:bodyPr/>
           <a:lstStyle/>
           <a:p>
-            <a:r>
-              <a:rPr lang="en-US" b="1" dirty="0"/>
-              <a:t>Decipher the Information in URLs</a:t>
-            </a:r>
-          </a:p>
-          <a:p>
-            <a:r>
-              <a:rPr lang="en-US" dirty="0"/>
-              <a:t>A programmer can encode a lot of information in a URL. Your web scraping journey will be much easier if you first become familiar with how URLs work and what they’re made of.</a:t>
-            </a:r>
-          </a:p>
-          <a:p>
-            <a:r>
-              <a:rPr lang="en-US" dirty="0"/>
-              <a:t>websites can use </a:t>
-            </a:r>
-            <a:r>
-              <a:rPr lang="en-US" b="1" dirty="0"/>
-              <a:t>query parameters</a:t>
-            </a:r>
-            <a:r>
-              <a:rPr lang="en-US" dirty="0"/>
-              <a:t> to encode values that you submit when performing a search.</a:t>
-            </a:r>
-          </a:p>
-          <a:p>
             <a:endParaRPr lang="en-US" dirty="0"/>
-          </a:p>
-          <a:p>
-            <a:pPr marL="0" marR="0" lvl="0" indent="0" algn="l" defTabSz="914400" rtl="0" eaLnBrk="1" fontAlgn="auto" latinLnBrk="0" hangingPunct="1">
-              <a:lnSpc>
-                <a:spcPct val="100000"/>
-              </a:lnSpc>
-              <a:spcBef>
-                <a:spcPts val="0"/>
-              </a:spcBef>
-              <a:spcAft>
-                <a:spcPts val="0"/>
-              </a:spcAft>
-              <a:buClrTx/>
-              <a:buSzTx/>
-              <a:buFontTx/>
-              <a:buNone/>
-              <a:tabLst/>
-              <a:defRPr/>
-            </a:pPr>
-            <a:r>
-              <a:rPr lang="en-US" sz="1200" b="1" dirty="0"/>
-              <a:t>Parse HTML Code With Beautiful Soup</a:t>
-            </a:r>
-            <a:endParaRPr lang="en-US" dirty="0"/>
-          </a:p>
-          <a:p>
-            <a:r>
-              <a:rPr lang="en-US" dirty="0">
-                <a:hlinkClick r:id="rId3"/>
-              </a:rPr>
-              <a:t>Beautiful Soup</a:t>
-            </a:r>
-            <a:r>
-              <a:rPr lang="en-US" dirty="0"/>
-              <a:t> is a Python library for </a:t>
-            </a:r>
-            <a:r>
-              <a:rPr lang="en-US" b="1" dirty="0"/>
-              <a:t>parsing structured data</a:t>
-            </a:r>
-            <a:r>
-              <a:rPr lang="en-US" dirty="0"/>
-              <a:t>. It allows you to interact with HTML in a similar way to how you interact with a web page using developer tools</a:t>
-            </a:r>
           </a:p>
         </p:txBody>
       </p:sp>
@@ -610,7 +544,7 @@
           <a:p>
             <a:fld id="{941248EB-719A-B944-B3C9-708649C4FE49}" type="slidenum">
               <a:rPr lang="en-US" smtClean="0"/>
-              <a:t>6</a:t>
+              <a:t>4</a:t>
             </a:fld>
             <a:endParaRPr lang="en-US"/>
           </a:p>
@@ -619,7 +553,7 @@
     </p:spTree>
     <p:extLst>
       <p:ext uri="{BB962C8B-B14F-4D97-AF65-F5344CB8AC3E}">
-        <p14:creationId xmlns:p14="http://schemas.microsoft.com/office/powerpoint/2010/main" val="1090921443"/>
+        <p14:creationId xmlns:p14="http://schemas.microsoft.com/office/powerpoint/2010/main" val="2349668919"/>
       </p:ext>
     </p:extLst>
   </p:cSld>
@@ -673,6 +607,380 @@
           <a:bodyPr/>
           <a:lstStyle/>
           <a:p>
+            <a:endParaRPr lang="en-US" dirty="0"/>
+          </a:p>
+        </p:txBody>
+      </p:sp>
+      <p:sp>
+        <p:nvSpPr>
+          <p:cNvPr id="4" name="Slide Number Placeholder 3"/>
+          <p:cNvSpPr>
+            <a:spLocks noGrp="1"/>
+          </p:cNvSpPr>
+          <p:nvPr>
+            <p:ph type="sldNum" sz="quarter" idx="5"/>
+          </p:nvPr>
+        </p:nvSpPr>
+        <p:spPr/>
+        <p:txBody>
+          <a:bodyPr/>
+          <a:lstStyle/>
+          <a:p>
+            <a:fld id="{941248EB-719A-B944-B3C9-708649C4FE49}" type="slidenum">
+              <a:rPr lang="en-US" smtClean="0"/>
+              <a:t>5</a:t>
+            </a:fld>
+            <a:endParaRPr lang="en-US"/>
+          </a:p>
+        </p:txBody>
+      </p:sp>
+    </p:spTree>
+    <p:extLst>
+      <p:ext uri="{BB962C8B-B14F-4D97-AF65-F5344CB8AC3E}">
+        <p14:creationId xmlns:p14="http://schemas.microsoft.com/office/powerpoint/2010/main" val="2963807013"/>
+      </p:ext>
+    </p:extLst>
+  </p:cSld>
+  <p:clrMapOvr>
+    <a:masterClrMapping/>
+  </p:clrMapOvr>
+</p:notes>
+</file>
+
+<file path=ppt/notesSlides/notesSlide3.xml><?xml version="1.0" encoding="utf-8"?>
+<p:notes xmlns:a="http://schemas.openxmlformats.org/drawingml/2006/main" xmlns:r="http://schemas.openxmlformats.org/officeDocument/2006/relationships" xmlns:p="http://schemas.openxmlformats.org/presentationml/2006/main">
+  <p:cSld>
+    <p:spTree>
+      <p:nvGrpSpPr>
+        <p:cNvPr id="1" name=""/>
+        <p:cNvGrpSpPr/>
+        <p:nvPr/>
+      </p:nvGrpSpPr>
+      <p:grpSpPr>
+        <a:xfrm>
+          <a:off x="0" y="0"/>
+          <a:ext cx="0" cy="0"/>
+          <a:chOff x="0" y="0"/>
+          <a:chExt cx="0" cy="0"/>
+        </a:xfrm>
+      </p:grpSpPr>
+      <p:sp>
+        <p:nvSpPr>
+          <p:cNvPr id="2" name="Slide Image Placeholder 1"/>
+          <p:cNvSpPr>
+            <a:spLocks noGrp="1" noRot="1" noChangeAspect="1"/>
+          </p:cNvSpPr>
+          <p:nvPr>
+            <p:ph type="sldImg"/>
+          </p:nvPr>
+        </p:nvSpPr>
+        <p:spPr/>
+      </p:sp>
+      <p:sp>
+        <p:nvSpPr>
+          <p:cNvPr id="3" name="Notes Placeholder 2"/>
+          <p:cNvSpPr>
+            <a:spLocks noGrp="1"/>
+          </p:cNvSpPr>
+          <p:nvPr>
+            <p:ph type="body" idx="1"/>
+          </p:nvPr>
+        </p:nvSpPr>
+        <p:spPr/>
+        <p:txBody>
+          <a:bodyPr/>
+          <a:lstStyle/>
+          <a:p>
+            <a:r>
+              <a:rPr lang="en-US" dirty="0"/>
+              <a:t>After read of slide, Walkthrough the Jupiter notebook: </a:t>
+            </a:r>
+          </a:p>
+          <a:p>
+            <a:r>
+              <a:rPr lang="en-US" dirty="0"/>
+              <a:t>https://</a:t>
+            </a:r>
+            <a:r>
+              <a:rPr lang="en-US" dirty="0" err="1"/>
+              <a:t>github.com</a:t>
+            </a:r>
+            <a:r>
+              <a:rPr lang="en-US" dirty="0"/>
+              <a:t>/</a:t>
+            </a:r>
+            <a:r>
+              <a:rPr lang="en-US" dirty="0" err="1"/>
+              <a:t>TrevorPawlewicz</a:t>
+            </a:r>
+            <a:r>
+              <a:rPr lang="en-US" dirty="0"/>
+              <a:t>/DSCI-511-Course-Project/blob/main/</a:t>
+            </a:r>
+            <a:r>
+              <a:rPr lang="en-US" dirty="0" err="1"/>
+              <a:t>FinalProject</a:t>
+            </a:r>
+            <a:r>
+              <a:rPr lang="en-US" dirty="0"/>
+              <a:t>/project-</a:t>
+            </a:r>
+            <a:r>
+              <a:rPr lang="en-US" dirty="0" err="1"/>
+              <a:t>code.ipynb</a:t>
+            </a:r>
+            <a:endParaRPr lang="en-US" dirty="0"/>
+          </a:p>
+        </p:txBody>
+      </p:sp>
+      <p:sp>
+        <p:nvSpPr>
+          <p:cNvPr id="4" name="Slide Number Placeholder 3"/>
+          <p:cNvSpPr>
+            <a:spLocks noGrp="1"/>
+          </p:cNvSpPr>
+          <p:nvPr>
+            <p:ph type="sldNum" sz="quarter" idx="5"/>
+          </p:nvPr>
+        </p:nvSpPr>
+        <p:spPr/>
+        <p:txBody>
+          <a:bodyPr/>
+          <a:lstStyle/>
+          <a:p>
+            <a:fld id="{941248EB-719A-B944-B3C9-708649C4FE49}" type="slidenum">
+              <a:rPr lang="en-US" smtClean="0"/>
+              <a:t>6</a:t>
+            </a:fld>
+            <a:endParaRPr lang="en-US"/>
+          </a:p>
+        </p:txBody>
+      </p:sp>
+    </p:spTree>
+    <p:extLst>
+      <p:ext uri="{BB962C8B-B14F-4D97-AF65-F5344CB8AC3E}">
+        <p14:creationId xmlns:p14="http://schemas.microsoft.com/office/powerpoint/2010/main" val="3205712943"/>
+      </p:ext>
+    </p:extLst>
+  </p:cSld>
+  <p:clrMapOvr>
+    <a:masterClrMapping/>
+  </p:clrMapOvr>
+</p:notes>
+</file>
+
+<file path=ppt/notesSlides/notesSlide4.xml><?xml version="1.0" encoding="utf-8"?>
+<p:notes xmlns:a="http://schemas.openxmlformats.org/drawingml/2006/main" xmlns:r="http://schemas.openxmlformats.org/officeDocument/2006/relationships" xmlns:p="http://schemas.openxmlformats.org/presentationml/2006/main">
+  <p:cSld>
+    <p:spTree>
+      <p:nvGrpSpPr>
+        <p:cNvPr id="1" name=""/>
+        <p:cNvGrpSpPr/>
+        <p:nvPr/>
+      </p:nvGrpSpPr>
+      <p:grpSpPr>
+        <a:xfrm>
+          <a:off x="0" y="0"/>
+          <a:ext cx="0" cy="0"/>
+          <a:chOff x="0" y="0"/>
+          <a:chExt cx="0" cy="0"/>
+        </a:xfrm>
+      </p:grpSpPr>
+      <p:sp>
+        <p:nvSpPr>
+          <p:cNvPr id="2" name="Slide Image Placeholder 1"/>
+          <p:cNvSpPr>
+            <a:spLocks noGrp="1" noRot="1" noChangeAspect="1"/>
+          </p:cNvSpPr>
+          <p:nvPr>
+            <p:ph type="sldImg"/>
+          </p:nvPr>
+        </p:nvSpPr>
+        <p:spPr/>
+      </p:sp>
+      <p:sp>
+        <p:nvSpPr>
+          <p:cNvPr id="3" name="Notes Placeholder 2"/>
+          <p:cNvSpPr>
+            <a:spLocks noGrp="1"/>
+          </p:cNvSpPr>
+          <p:nvPr>
+            <p:ph type="body" idx="1"/>
+          </p:nvPr>
+        </p:nvSpPr>
+        <p:spPr/>
+        <p:txBody>
+          <a:bodyPr/>
+          <a:lstStyle/>
+          <a:p>
+            <a:pPr marL="228600" indent="-228600">
+              <a:buAutoNum type="arabicPeriod"/>
+            </a:pPr>
+            <a:r>
+              <a:rPr lang="en-US" dirty="0"/>
+              <a:t>Get the track genre.</a:t>
+            </a:r>
+          </a:p>
+          <a:p>
+            <a:pPr marL="228600" indent="-228600">
+              <a:buAutoNum type="arabicPeriod"/>
+            </a:pPr>
+            <a:r>
+              <a:rPr lang="en-US" i="1" dirty="0">
+                <a:effectLst/>
+              </a:rPr>
+              <a:t>Skip songs we didn't get lyrics for.</a:t>
+            </a:r>
+          </a:p>
+          <a:p>
+            <a:pPr marL="228600" indent="-228600">
+              <a:buAutoNum type="arabicPeriod"/>
+            </a:pPr>
+            <a:r>
+              <a:rPr lang="en-US" i="1" dirty="0">
+                <a:effectLst/>
+              </a:rPr>
+              <a:t>Tokenize lyrics and remove punctuation.</a:t>
+            </a:r>
+          </a:p>
+          <a:p>
+            <a:pPr marL="228600" indent="-228600">
+              <a:buAutoNum type="arabicPeriod"/>
+            </a:pPr>
+            <a:r>
+              <a:rPr lang="en-US" i="1" dirty="0">
+                <a:effectLst/>
+              </a:rPr>
+              <a:t>Remove any remaining punctuation from the count.</a:t>
+            </a:r>
+          </a:p>
+          <a:p>
+            <a:pPr marL="228600" indent="-228600">
+              <a:buAutoNum type="arabicPeriod"/>
+            </a:pPr>
+            <a:r>
+              <a:rPr lang="en-US" i="1" dirty="0">
+                <a:effectLst/>
+              </a:rPr>
+              <a:t>Diction where a Genre points to a list of word/count tuples sorted by the highest count.</a:t>
+            </a:r>
+          </a:p>
+          <a:p>
+            <a:pPr marL="228600" indent="-228600">
+              <a:buAutoNum type="arabicPeriod"/>
+            </a:pPr>
+            <a:r>
+              <a:rPr lang="en-US" i="1" dirty="0">
+                <a:effectLst/>
+              </a:rPr>
+              <a:t>Check top 5 words in each genre.</a:t>
+            </a:r>
+          </a:p>
+          <a:p>
+            <a:pPr marL="228600" indent="-228600">
+              <a:buAutoNum type="arabicPeriod"/>
+            </a:pPr>
+            <a:r>
+              <a:rPr lang="en-US" i="1" dirty="0">
+                <a:effectLst/>
+              </a:rPr>
+              <a:t>Remove Stop words.</a:t>
+            </a:r>
+          </a:p>
+          <a:p>
+            <a:pPr marL="228600" indent="-228600">
+              <a:buAutoNum type="arabicPeriod"/>
+            </a:pPr>
+            <a:r>
+              <a:rPr lang="en-US" i="1" dirty="0">
+                <a:effectLst/>
+              </a:rPr>
+              <a:t>Output dataset to JSON file.</a:t>
+            </a:r>
+            <a:endParaRPr lang="en-US" dirty="0"/>
+          </a:p>
+        </p:txBody>
+      </p:sp>
+      <p:sp>
+        <p:nvSpPr>
+          <p:cNvPr id="4" name="Slide Number Placeholder 3"/>
+          <p:cNvSpPr>
+            <a:spLocks noGrp="1"/>
+          </p:cNvSpPr>
+          <p:nvPr>
+            <p:ph type="sldNum" sz="quarter" idx="5"/>
+          </p:nvPr>
+        </p:nvSpPr>
+        <p:spPr/>
+        <p:txBody>
+          <a:bodyPr/>
+          <a:lstStyle/>
+          <a:p>
+            <a:fld id="{941248EB-719A-B944-B3C9-708649C4FE49}" type="slidenum">
+              <a:rPr lang="en-US" smtClean="0"/>
+              <a:t>7</a:t>
+            </a:fld>
+            <a:endParaRPr lang="en-US"/>
+          </a:p>
+        </p:txBody>
+      </p:sp>
+    </p:spTree>
+    <p:extLst>
+      <p:ext uri="{BB962C8B-B14F-4D97-AF65-F5344CB8AC3E}">
+        <p14:creationId xmlns:p14="http://schemas.microsoft.com/office/powerpoint/2010/main" val="678045623"/>
+      </p:ext>
+    </p:extLst>
+  </p:cSld>
+  <p:clrMapOvr>
+    <a:masterClrMapping/>
+  </p:clrMapOvr>
+</p:notes>
+</file>
+
+<file path=ppt/notesSlides/notesSlide5.xml><?xml version="1.0" encoding="utf-8"?>
+<p:notes xmlns:a="http://schemas.openxmlformats.org/drawingml/2006/main" xmlns:r="http://schemas.openxmlformats.org/officeDocument/2006/relationships" xmlns:p="http://schemas.openxmlformats.org/presentationml/2006/main">
+  <p:cSld>
+    <p:spTree>
+      <p:nvGrpSpPr>
+        <p:cNvPr id="1" name=""/>
+        <p:cNvGrpSpPr/>
+        <p:nvPr/>
+      </p:nvGrpSpPr>
+      <p:grpSpPr>
+        <a:xfrm>
+          <a:off x="0" y="0"/>
+          <a:ext cx="0" cy="0"/>
+          <a:chOff x="0" y="0"/>
+          <a:chExt cx="0" cy="0"/>
+        </a:xfrm>
+      </p:grpSpPr>
+      <p:sp>
+        <p:nvSpPr>
+          <p:cNvPr id="2" name="Slide Image Placeholder 1"/>
+          <p:cNvSpPr>
+            <a:spLocks noGrp="1" noRot="1" noChangeAspect="1"/>
+          </p:cNvSpPr>
+          <p:nvPr>
+            <p:ph type="sldImg"/>
+          </p:nvPr>
+        </p:nvSpPr>
+        <p:spPr/>
+      </p:sp>
+      <p:sp>
+        <p:nvSpPr>
+          <p:cNvPr id="3" name="Notes Placeholder 2"/>
+          <p:cNvSpPr>
+            <a:spLocks noGrp="1"/>
+          </p:cNvSpPr>
+          <p:nvPr>
+            <p:ph type="body" idx="1"/>
+          </p:nvPr>
+        </p:nvSpPr>
+        <p:spPr/>
+        <p:txBody>
+          <a:bodyPr/>
+          <a:lstStyle/>
+          <a:p>
             <a:r>
               <a:rPr lang="en-US" b="1" dirty="0"/>
               <a:t>Decipher the Information in URLs</a:t>
@@ -764,7 +1072,161 @@
           <a:p>
             <a:fld id="{941248EB-719A-B944-B3C9-708649C4FE49}" type="slidenum">
               <a:rPr lang="en-US" smtClean="0"/>
-              <a:t>7</a:t>
+              <a:t>15</a:t>
+            </a:fld>
+            <a:endParaRPr lang="en-US"/>
+          </a:p>
+        </p:txBody>
+      </p:sp>
+    </p:spTree>
+    <p:extLst>
+      <p:ext uri="{BB962C8B-B14F-4D97-AF65-F5344CB8AC3E}">
+        <p14:creationId xmlns:p14="http://schemas.microsoft.com/office/powerpoint/2010/main" val="1090921443"/>
+      </p:ext>
+    </p:extLst>
+  </p:cSld>
+  <p:clrMapOvr>
+    <a:masterClrMapping/>
+  </p:clrMapOvr>
+</p:notes>
+</file>
+
+<file path=ppt/notesSlides/notesSlide6.xml><?xml version="1.0" encoding="utf-8"?>
+<p:notes xmlns:a="http://schemas.openxmlformats.org/drawingml/2006/main" xmlns:r="http://schemas.openxmlformats.org/officeDocument/2006/relationships" xmlns:p="http://schemas.openxmlformats.org/presentationml/2006/main">
+  <p:cSld>
+    <p:spTree>
+      <p:nvGrpSpPr>
+        <p:cNvPr id="1" name=""/>
+        <p:cNvGrpSpPr/>
+        <p:nvPr/>
+      </p:nvGrpSpPr>
+      <p:grpSpPr>
+        <a:xfrm>
+          <a:off x="0" y="0"/>
+          <a:ext cx="0" cy="0"/>
+          <a:chOff x="0" y="0"/>
+          <a:chExt cx="0" cy="0"/>
+        </a:xfrm>
+      </p:grpSpPr>
+      <p:sp>
+        <p:nvSpPr>
+          <p:cNvPr id="2" name="Slide Image Placeholder 1"/>
+          <p:cNvSpPr>
+            <a:spLocks noGrp="1" noRot="1" noChangeAspect="1"/>
+          </p:cNvSpPr>
+          <p:nvPr>
+            <p:ph type="sldImg"/>
+          </p:nvPr>
+        </p:nvSpPr>
+        <p:spPr/>
+      </p:sp>
+      <p:sp>
+        <p:nvSpPr>
+          <p:cNvPr id="3" name="Notes Placeholder 2"/>
+          <p:cNvSpPr>
+            <a:spLocks noGrp="1"/>
+          </p:cNvSpPr>
+          <p:nvPr>
+            <p:ph type="body" idx="1"/>
+          </p:nvPr>
+        </p:nvSpPr>
+        <p:spPr/>
+        <p:txBody>
+          <a:bodyPr/>
+          <a:lstStyle/>
+          <a:p>
+            <a:r>
+              <a:rPr lang="en-US" b="1" dirty="0"/>
+              <a:t>Decipher the Information in URLs</a:t>
+            </a:r>
+          </a:p>
+          <a:p>
+            <a:r>
+              <a:rPr lang="en-US" dirty="0"/>
+              <a:t>A programmer can encode a lot of information in a URL. Your web scraping journey will be much easier if you first become familiar with how URLs work and what they’re made of.</a:t>
+            </a:r>
+          </a:p>
+          <a:p>
+            <a:r>
+              <a:rPr lang="en-US" dirty="0"/>
+              <a:t>websites can use </a:t>
+            </a:r>
+            <a:r>
+              <a:rPr lang="en-US" b="1" dirty="0"/>
+              <a:t>query parameters</a:t>
+            </a:r>
+            <a:r>
+              <a:rPr lang="en-US" dirty="0"/>
+              <a:t> to encode values that you submit when performing a search.</a:t>
+            </a:r>
+          </a:p>
+          <a:p>
+            <a:endParaRPr lang="en-US" dirty="0"/>
+          </a:p>
+          <a:p>
+            <a:pPr marL="0" marR="0" lvl="0" indent="0" algn="l" defTabSz="914400" rtl="0" eaLnBrk="1" fontAlgn="auto" latinLnBrk="0" hangingPunct="1">
+              <a:lnSpc>
+                <a:spcPct val="100000"/>
+              </a:lnSpc>
+              <a:spcBef>
+                <a:spcPts val="0"/>
+              </a:spcBef>
+              <a:spcAft>
+                <a:spcPts val="0"/>
+              </a:spcAft>
+              <a:buClrTx/>
+              <a:buSzTx/>
+              <a:buFontTx/>
+              <a:buNone/>
+              <a:tabLst/>
+              <a:defRPr/>
+            </a:pPr>
+            <a:r>
+              <a:rPr lang="en-US" sz="1200" b="1" dirty="0"/>
+              <a:t>Parse HTML Code With Beautiful Soup</a:t>
+            </a:r>
+            <a:endParaRPr lang="en-US" dirty="0"/>
+          </a:p>
+          <a:p>
+            <a:r>
+              <a:rPr lang="en-US" dirty="0">
+                <a:hlinkClick r:id="rId3"/>
+              </a:rPr>
+              <a:t>Beautiful Soup</a:t>
+            </a:r>
+            <a:r>
+              <a:rPr lang="en-US" dirty="0"/>
+              <a:t> is a Python library for </a:t>
+            </a:r>
+            <a:r>
+              <a:rPr lang="en-US" b="1" dirty="0"/>
+              <a:t>parsing structured data</a:t>
+            </a:r>
+            <a:r>
+              <a:rPr lang="en-US" dirty="0"/>
+              <a:t>. It allows you to interact with HTML in a similar way to how you interact with a web page using developer tools</a:t>
+            </a:r>
+          </a:p>
+        </p:txBody>
+      </p:sp>
+      <p:sp>
+        <p:nvSpPr>
+          <p:cNvPr id="4" name="Slide Number Placeholder 3"/>
+          <p:cNvSpPr>
+            <a:spLocks noGrp="1"/>
+          </p:cNvSpPr>
+          <p:nvPr>
+            <p:ph type="sldNum" sz="quarter" idx="5"/>
+          </p:nvPr>
+        </p:nvSpPr>
+        <p:spPr/>
+        <p:txBody>
+          <a:bodyPr/>
+          <a:lstStyle/>
+          <a:p>
+            <a:fld id="{941248EB-719A-B944-B3C9-708649C4FE49}" type="slidenum">
+              <a:rPr lang="en-US" smtClean="0"/>
+              <a:t>16</a:t>
             </a:fld>
             <a:endParaRPr lang="en-US"/>
           </a:p>
@@ -930,7 +1392,7 @@
           <a:p>
             <a:fld id="{3C5E3940-567D-0E4A-B27A-538E5CA3F251}" type="datetimeFigureOut">
               <a:rPr lang="en-US" smtClean="0"/>
-              <a:t>11/21/22</a:t>
+              <a:t>12/1/22</a:t>
             </a:fld>
             <a:endParaRPr lang="en-US"/>
           </a:p>
@@ -1128,7 +1590,7 @@
           <a:p>
             <a:fld id="{3C5E3940-567D-0E4A-B27A-538E5CA3F251}" type="datetimeFigureOut">
               <a:rPr lang="en-US" smtClean="0"/>
-              <a:t>11/21/22</a:t>
+              <a:t>12/1/22</a:t>
             </a:fld>
             <a:endParaRPr lang="en-US"/>
           </a:p>
@@ -1336,7 +1798,7 @@
           <a:p>
             <a:fld id="{3C5E3940-567D-0E4A-B27A-538E5CA3F251}" type="datetimeFigureOut">
               <a:rPr lang="en-US" smtClean="0"/>
-              <a:t>11/21/22</a:t>
+              <a:t>12/1/22</a:t>
             </a:fld>
             <a:endParaRPr lang="en-US"/>
           </a:p>
@@ -1534,7 +1996,7 @@
           <a:p>
             <a:fld id="{3C5E3940-567D-0E4A-B27A-538E5CA3F251}" type="datetimeFigureOut">
               <a:rPr lang="en-US" smtClean="0"/>
-              <a:t>11/21/22</a:t>
+              <a:t>12/1/22</a:t>
             </a:fld>
             <a:endParaRPr lang="en-US"/>
           </a:p>
@@ -1809,7 +2271,7 @@
           <a:p>
             <a:fld id="{3C5E3940-567D-0E4A-B27A-538E5CA3F251}" type="datetimeFigureOut">
               <a:rPr lang="en-US" smtClean="0"/>
-              <a:t>11/21/22</a:t>
+              <a:t>12/1/22</a:t>
             </a:fld>
             <a:endParaRPr lang="en-US"/>
           </a:p>
@@ -2074,7 +2536,7 @@
           <a:p>
             <a:fld id="{3C5E3940-567D-0E4A-B27A-538E5CA3F251}" type="datetimeFigureOut">
               <a:rPr lang="en-US" smtClean="0"/>
-              <a:t>11/21/22</a:t>
+              <a:t>12/1/22</a:t>
             </a:fld>
             <a:endParaRPr lang="en-US"/>
           </a:p>
@@ -2486,7 +2948,7 @@
           <a:p>
             <a:fld id="{3C5E3940-567D-0E4A-B27A-538E5CA3F251}" type="datetimeFigureOut">
               <a:rPr lang="en-US" smtClean="0"/>
-              <a:t>11/21/22</a:t>
+              <a:t>12/1/22</a:t>
             </a:fld>
             <a:endParaRPr lang="en-US"/>
           </a:p>
@@ -2627,7 +3089,7 @@
           <a:p>
             <a:fld id="{3C5E3940-567D-0E4A-B27A-538E5CA3F251}" type="datetimeFigureOut">
               <a:rPr lang="en-US" smtClean="0"/>
-              <a:t>11/21/22</a:t>
+              <a:t>12/1/22</a:t>
             </a:fld>
             <a:endParaRPr lang="en-US"/>
           </a:p>
@@ -2740,7 +3202,7 @@
           <a:p>
             <a:fld id="{3C5E3940-567D-0E4A-B27A-538E5CA3F251}" type="datetimeFigureOut">
               <a:rPr lang="en-US" smtClean="0"/>
-              <a:t>11/21/22</a:t>
+              <a:t>12/1/22</a:t>
             </a:fld>
             <a:endParaRPr lang="en-US"/>
           </a:p>
@@ -3051,7 +3513,7 @@
           <a:p>
             <a:fld id="{3C5E3940-567D-0E4A-B27A-538E5CA3F251}" type="datetimeFigureOut">
               <a:rPr lang="en-US" smtClean="0"/>
-              <a:t>11/21/22</a:t>
+              <a:t>12/1/22</a:t>
             </a:fld>
             <a:endParaRPr lang="en-US"/>
           </a:p>
@@ -3339,7 +3801,7 @@
           <a:p>
             <a:fld id="{3C5E3940-567D-0E4A-B27A-538E5CA3F251}" type="datetimeFigureOut">
               <a:rPr lang="en-US" smtClean="0"/>
-              <a:t>11/21/22</a:t>
+              <a:t>12/1/22</a:t>
             </a:fld>
             <a:endParaRPr lang="en-US"/>
           </a:p>
@@ -3580,7 +4042,7 @@
           <a:p>
             <a:fld id="{3C5E3940-567D-0E4A-B27A-538E5CA3F251}" type="datetimeFigureOut">
               <a:rPr lang="en-US" smtClean="0"/>
-              <a:t>11/21/22</a:t>
+              <a:t>12/1/22</a:t>
             </a:fld>
             <a:endParaRPr lang="en-US"/>
           </a:p>
@@ -3983,6 +4445,14 @@
 <file path=ppt/slides/slide1.xml><?xml version="1.0" encoding="utf-8"?>
 <p:sld xmlns:a="http://schemas.openxmlformats.org/drawingml/2006/main" xmlns:r="http://schemas.openxmlformats.org/officeDocument/2006/relationships" xmlns:p="http://schemas.openxmlformats.org/presentationml/2006/main">
   <p:cSld>
+    <p:bg>
+      <p:bgPr>
+        <a:solidFill>
+          <a:schemeClr val="bg1"/>
+        </a:solidFill>
+        <a:effectLst/>
+      </p:bgPr>
+    </p:bg>
     <p:spTree>
       <p:nvGrpSpPr>
         <p:cNvPr id="1" name=""/>
@@ -3997,6 +4467,82 @@
           <a:chExt cx="0" cy="0"/>
         </a:xfrm>
       </p:grpSpPr>
+      <p:sp useBgFill="1">
+        <p:nvSpPr>
+          <p:cNvPr id="8" name="Rectangle 7">
+            <a:extLst>
+              <a:ext uri="{FF2B5EF4-FFF2-40B4-BE49-F238E27FC236}">
+                <a16:creationId xmlns:a16="http://schemas.microsoft.com/office/drawing/2014/main" id="{43C48B49-6135-48B6-AC0F-97E5D8D1F03F}"/>
+              </a:ext>
+              <a:ext uri="{C183D7F6-B498-43B3-948B-1728B52AA6E4}">
+                <adec:decorative xmlns:adec="http://schemas.microsoft.com/office/drawing/2017/decorative" val="1"/>
+              </a:ext>
+            </a:extLst>
+          </p:cNvPr>
+          <p:cNvSpPr>
+            <a:spLocks noGrp="1" noRot="1" noChangeAspect="1" noMove="1" noResize="1" noEditPoints="1" noAdjustHandles="1" noChangeArrowheads="1" noChangeShapeType="1" noTextEdit="1"/>
+          </p:cNvSpPr>
+          <p:nvPr>
+            <p:extLst>
+              <p:ext uri="{386F3935-93C4-4BCD-93E2-E3B085C9AB24}">
+                <p16:designElem xmlns:p16="http://schemas.microsoft.com/office/powerpoint/2015/main" val="1"/>
+              </p:ext>
+            </p:extLst>
+          </p:nvPr>
+        </p:nvSpPr>
+        <p:spPr>
+          <a:xfrm>
+            <a:off x="0" y="0"/>
+            <a:ext cx="12192000" cy="6858000"/>
+          </a:xfrm>
+          <a:prstGeom prst="rect">
+            <a:avLst/>
+          </a:prstGeom>
+          <a:ln w="12700" cap="flat" cmpd="sng" algn="ctr">
+            <a:noFill/>
+            <a:prstDash val="solid"/>
+            <a:miter lim="800000"/>
+          </a:ln>
+          <a:effectLst/>
+          <a:extLst>
+            <a:ext uri="{91240B29-F687-4F45-9708-019B960494DF}">
+              <a14:hiddenLine xmlns:a14="http://schemas.microsoft.com/office/drawing/2010/main" w="12700" cap="flat" cmpd="sng" algn="ctr">
+                <a:solidFill>
+                  <a:schemeClr val="accent1">
+                    <a:shade val="50000"/>
+                  </a:schemeClr>
+                </a:solidFill>
+                <a:prstDash val="solid"/>
+                <a:miter lim="800000"/>
+              </a14:hiddenLine>
+            </a:ext>
+          </a:extLst>
+        </p:spPr>
+        <p:style>
+          <a:lnRef idx="2">
+            <a:schemeClr val="accent1">
+              <a:shade val="50000"/>
+            </a:schemeClr>
+          </a:lnRef>
+          <a:fillRef idx="1">
+            <a:schemeClr val="accent1"/>
+          </a:fillRef>
+          <a:effectRef idx="0">
+            <a:schemeClr val="accent1"/>
+          </a:effectRef>
+          <a:fontRef idx="minor">
+            <a:schemeClr val="lt1"/>
+          </a:fontRef>
+        </p:style>
+        <p:txBody>
+          <a:bodyPr rtlCol="0" anchor="ctr"/>
+          <a:lstStyle/>
+          <a:p>
+            <a:pPr algn="ctr"/>
+            <a:endParaRPr lang="en-US"/>
+          </a:p>
+        </p:txBody>
+      </p:sp>
       <p:sp>
         <p:nvSpPr>
           <p:cNvPr id="2" name="Title 1">
@@ -4013,68 +4559,385 @@
             <p:ph type="ctrTitle"/>
           </p:nvPr>
         </p:nvSpPr>
-        <p:spPr/>
-        <p:txBody>
-          <a:bodyPr/>
-          <a:lstStyle/>
-          <a:p>
-            <a:r>
-              <a:rPr lang="en-US" dirty="0"/>
-              <a:t>Song Data Mining</a:t>
-            </a:r>
-          </a:p>
-        </p:txBody>
-      </p:sp>
-      <p:sp>
-        <p:nvSpPr>
-          <p:cNvPr id="3" name="Subtitle 2">
-            <a:extLst>
-              <a:ext uri="{FF2B5EF4-FFF2-40B4-BE49-F238E27FC236}">
-                <a16:creationId xmlns:a16="http://schemas.microsoft.com/office/drawing/2014/main" id="{86318183-B2C7-364B-BD06-B3B9F040F805}"/>
-              </a:ext>
-            </a:extLst>
-          </p:cNvPr>
-          <p:cNvSpPr>
-            <a:spLocks noGrp="1"/>
-          </p:cNvSpPr>
-          <p:nvPr>
-            <p:ph type="subTitle" idx="1"/>
-          </p:nvPr>
-        </p:nvSpPr>
-        <p:spPr/>
-        <p:txBody>
-          <a:bodyPr>
+        <p:spPr>
+          <a:xfrm>
+            <a:off x="1329766" y="1146412"/>
+            <a:ext cx="9014348" cy="2402006"/>
+          </a:xfrm>
+        </p:spPr>
+        <p:txBody>
+          <a:bodyPr anchor="b">
             <a:normAutofit/>
           </a:bodyPr>
           <a:lstStyle/>
           <a:p>
-            <a:r>
-              <a:rPr lang="en-US" sz="2000" b="0" dirty="0">
+            <a:pPr algn="l"/>
+            <a:r>
+              <a:rPr lang="en-US" sz="4800"/>
+              <a:t>Song Data Mining</a:t>
+            </a:r>
+          </a:p>
+        </p:txBody>
+      </p:sp>
+      <p:sp>
+        <p:nvSpPr>
+          <p:cNvPr id="10" name="Rectangle 9">
+            <a:extLst>
+              <a:ext uri="{FF2B5EF4-FFF2-40B4-BE49-F238E27FC236}">
+                <a16:creationId xmlns:a16="http://schemas.microsoft.com/office/drawing/2014/main" id="{9715DAF0-AE1B-46C9-8A6B-DB2AA05AB91D}"/>
+              </a:ext>
+              <a:ext uri="{C183D7F6-B498-43B3-948B-1728B52AA6E4}">
+                <adec:decorative xmlns:adec="http://schemas.microsoft.com/office/drawing/2017/decorative" val="1"/>
+              </a:ext>
+            </a:extLst>
+          </p:cNvPr>
+          <p:cNvSpPr>
+            <a:spLocks noGrp="1" noRot="1" noChangeAspect="1" noMove="1" noResize="1" noEditPoints="1" noAdjustHandles="1" noChangeArrowheads="1" noChangeShapeType="1" noTextEdit="1"/>
+          </p:cNvSpPr>
+          <p:nvPr>
+            <p:extLst>
+              <p:ext uri="{386F3935-93C4-4BCD-93E2-E3B085C9AB24}">
+                <p16:designElem xmlns:p16="http://schemas.microsoft.com/office/powerpoint/2015/main" val="1"/>
+              </p:ext>
+            </p:extLst>
+          </p:nvPr>
+        </p:nvSpPr>
+        <p:spPr>
+          <a:xfrm rot="10800000">
+            <a:off x="-8" y="4374554"/>
+            <a:ext cx="12192007" cy="2483444"/>
+          </a:xfrm>
+          <a:prstGeom prst="rect">
+            <a:avLst/>
+          </a:prstGeom>
+          <a:gradFill>
+            <a:gsLst>
+              <a:gs pos="0">
+                <a:schemeClr val="accent1">
+                  <a:lumMod val="75000"/>
+                </a:schemeClr>
+              </a:gs>
+              <a:gs pos="100000">
+                <a:srgbClr val="000000"/>
+              </a:gs>
+            </a:gsLst>
+            <a:lin ang="15600000" scaled="0"/>
+          </a:gradFill>
+          <a:ln>
+            <a:noFill/>
+          </a:ln>
+        </p:spPr>
+        <p:style>
+          <a:lnRef idx="2">
+            <a:schemeClr val="accent1">
+              <a:shade val="50000"/>
+            </a:schemeClr>
+          </a:lnRef>
+          <a:fillRef idx="1">
+            <a:schemeClr val="accent1"/>
+          </a:fillRef>
+          <a:effectRef idx="0">
+            <a:schemeClr val="accent1"/>
+          </a:effectRef>
+          <a:fontRef idx="minor">
+            <a:schemeClr val="lt1"/>
+          </a:fontRef>
+        </p:style>
+        <p:txBody>
+          <a:bodyPr rtlCol="0" anchor="ctr"/>
+          <a:lstStyle/>
+          <a:p>
+            <a:pPr algn="ctr"/>
+            <a:endParaRPr lang="en-US"/>
+          </a:p>
+        </p:txBody>
+      </p:sp>
+      <p:sp>
+        <p:nvSpPr>
+          <p:cNvPr id="12" name="Rectangle 11">
+            <a:extLst>
+              <a:ext uri="{FF2B5EF4-FFF2-40B4-BE49-F238E27FC236}">
+                <a16:creationId xmlns:a16="http://schemas.microsoft.com/office/drawing/2014/main" id="{DC631C0B-6DA6-4E57-8231-CE32B3434A7E}"/>
+              </a:ext>
+              <a:ext uri="{C183D7F6-B498-43B3-948B-1728B52AA6E4}">
+                <adec:decorative xmlns:adec="http://schemas.microsoft.com/office/drawing/2017/decorative" val="1"/>
+              </a:ext>
+            </a:extLst>
+          </p:cNvPr>
+          <p:cNvSpPr>
+            <a:spLocks noGrp="1" noRot="1" noChangeAspect="1" noMove="1" noResize="1" noEditPoints="1" noAdjustHandles="1" noChangeArrowheads="1" noChangeShapeType="1" noTextEdit="1"/>
+          </p:cNvSpPr>
+          <p:nvPr>
+            <p:extLst>
+              <p:ext uri="{386F3935-93C4-4BCD-93E2-E3B085C9AB24}">
+                <p16:designElem xmlns:p16="http://schemas.microsoft.com/office/powerpoint/2015/main" val="1"/>
+              </p:ext>
+            </p:extLst>
+          </p:nvPr>
+        </p:nvSpPr>
+        <p:spPr>
+          <a:xfrm rot="10800000" flipH="1">
+            <a:off x="8140655" y="4374554"/>
+            <a:ext cx="4051344" cy="2483446"/>
+          </a:xfrm>
+          <a:prstGeom prst="rect">
+            <a:avLst/>
+          </a:prstGeom>
+          <a:gradFill>
+            <a:gsLst>
+              <a:gs pos="4000">
+                <a:schemeClr val="accent1">
+                  <a:alpha val="21000"/>
+                </a:schemeClr>
+              </a:gs>
+              <a:gs pos="83000">
+                <a:schemeClr val="accent1">
+                  <a:lumMod val="50000"/>
+                  <a:alpha val="61000"/>
+                </a:schemeClr>
+              </a:gs>
+            </a:gsLst>
+            <a:lin ang="18000000" scaled="0"/>
+          </a:gradFill>
+          <a:ln>
+            <a:noFill/>
+          </a:ln>
+        </p:spPr>
+        <p:style>
+          <a:lnRef idx="2">
+            <a:schemeClr val="accent1">
+              <a:shade val="50000"/>
+            </a:schemeClr>
+          </a:lnRef>
+          <a:fillRef idx="1">
+            <a:schemeClr val="accent1"/>
+          </a:fillRef>
+          <a:effectRef idx="0">
+            <a:schemeClr val="accent1"/>
+          </a:effectRef>
+          <a:fontRef idx="minor">
+            <a:schemeClr val="lt1"/>
+          </a:fontRef>
+        </p:style>
+        <p:txBody>
+          <a:bodyPr rtlCol="0" anchor="ctr"/>
+          <a:lstStyle/>
+          <a:p>
+            <a:pPr algn="ctr"/>
+            <a:endParaRPr lang="en-US"/>
+          </a:p>
+        </p:txBody>
+      </p:sp>
+      <p:sp>
+        <p:nvSpPr>
+          <p:cNvPr id="14" name="Rectangle 13">
+            <a:extLst>
+              <a:ext uri="{FF2B5EF4-FFF2-40B4-BE49-F238E27FC236}">
+                <a16:creationId xmlns:a16="http://schemas.microsoft.com/office/drawing/2014/main" id="{F256AC18-FB41-4977-8B0C-F5082335AB7D}"/>
+              </a:ext>
+              <a:ext uri="{C183D7F6-B498-43B3-948B-1728B52AA6E4}">
+                <adec:decorative xmlns:adec="http://schemas.microsoft.com/office/drawing/2017/decorative" val="1"/>
+              </a:ext>
+            </a:extLst>
+          </p:cNvPr>
+          <p:cNvSpPr>
+            <a:spLocks noGrp="1" noRot="1" noChangeAspect="1" noMove="1" noResize="1" noEditPoints="1" noAdjustHandles="1" noChangeArrowheads="1" noChangeShapeType="1" noTextEdit="1"/>
+          </p:cNvSpPr>
+          <p:nvPr>
+            <p:extLst>
+              <p:ext uri="{386F3935-93C4-4BCD-93E2-E3B085C9AB24}">
+                <p16:designElem xmlns:p16="http://schemas.microsoft.com/office/powerpoint/2015/main" val="1"/>
+              </p:ext>
+            </p:extLst>
+          </p:nvPr>
+        </p:nvSpPr>
+        <p:spPr>
+          <a:xfrm rot="10800000">
+            <a:off x="0" y="4379429"/>
+            <a:ext cx="12191984" cy="1953928"/>
+          </a:xfrm>
+          <a:prstGeom prst="rect">
+            <a:avLst/>
+          </a:prstGeom>
+          <a:gradFill>
+            <a:gsLst>
+              <a:gs pos="32000">
+                <a:schemeClr val="accent1">
+                  <a:lumMod val="50000"/>
+                  <a:alpha val="0"/>
+                </a:schemeClr>
+              </a:gs>
+              <a:gs pos="100000">
+                <a:schemeClr val="accent1">
+                  <a:alpha val="55000"/>
+                </a:schemeClr>
+              </a:gs>
+            </a:gsLst>
+            <a:lin ang="6600000" scaled="0"/>
+          </a:gradFill>
+          <a:ln>
+            <a:noFill/>
+          </a:ln>
+        </p:spPr>
+        <p:style>
+          <a:lnRef idx="2">
+            <a:schemeClr val="accent1">
+              <a:shade val="50000"/>
+            </a:schemeClr>
+          </a:lnRef>
+          <a:fillRef idx="1">
+            <a:schemeClr val="accent1"/>
+          </a:fillRef>
+          <a:effectRef idx="0">
+            <a:schemeClr val="accent1"/>
+          </a:effectRef>
+          <a:fontRef idx="minor">
+            <a:schemeClr val="lt1"/>
+          </a:fontRef>
+        </p:style>
+        <p:txBody>
+          <a:bodyPr rtlCol="0" anchor="ctr"/>
+          <a:lstStyle/>
+          <a:p>
+            <a:pPr algn="ctr"/>
+            <a:endParaRPr lang="en-US"/>
+          </a:p>
+        </p:txBody>
+      </p:sp>
+      <p:sp>
+        <p:nvSpPr>
+          <p:cNvPr id="16" name="Rectangle 15">
+            <a:extLst>
+              <a:ext uri="{FF2B5EF4-FFF2-40B4-BE49-F238E27FC236}">
+                <a16:creationId xmlns:a16="http://schemas.microsoft.com/office/drawing/2014/main" id="{AFF4A713-7B75-4B21-90D7-5AB19547C728}"/>
+              </a:ext>
+              <a:ext uri="{C183D7F6-B498-43B3-948B-1728B52AA6E4}">
+                <adec:decorative xmlns:adec="http://schemas.microsoft.com/office/drawing/2017/decorative" val="1"/>
+              </a:ext>
+            </a:extLst>
+          </p:cNvPr>
+          <p:cNvSpPr>
+            <a:spLocks noGrp="1" noRot="1" noChangeAspect="1" noMove="1" noResize="1" noEditPoints="1" noAdjustHandles="1" noChangeArrowheads="1" noChangeShapeType="1" noTextEdit="1"/>
+          </p:cNvSpPr>
+          <p:nvPr>
+            <p:extLst>
+              <p:ext uri="{386F3935-93C4-4BCD-93E2-E3B085C9AB24}">
+                <p16:designElem xmlns:p16="http://schemas.microsoft.com/office/powerpoint/2015/main" val="1"/>
+              </p:ext>
+            </p:extLst>
+          </p:nvPr>
+        </p:nvSpPr>
+        <p:spPr>
+          <a:xfrm>
+            <a:off x="-8" y="4380927"/>
+            <a:ext cx="12192000" cy="2019443"/>
+          </a:xfrm>
+          <a:prstGeom prst="rect">
+            <a:avLst/>
+          </a:prstGeom>
+          <a:gradFill>
+            <a:gsLst>
+              <a:gs pos="32000">
+                <a:schemeClr val="accent1">
+                  <a:lumMod val="50000"/>
+                  <a:alpha val="0"/>
+                </a:schemeClr>
+              </a:gs>
+              <a:gs pos="100000">
+                <a:srgbClr val="000000">
+                  <a:alpha val="45000"/>
+                </a:srgbClr>
+              </a:gs>
+            </a:gsLst>
+            <a:lin ang="7800000" scaled="0"/>
+          </a:gradFill>
+          <a:ln>
+            <a:noFill/>
+          </a:ln>
+        </p:spPr>
+        <p:style>
+          <a:lnRef idx="2">
+            <a:schemeClr val="accent1">
+              <a:shade val="50000"/>
+            </a:schemeClr>
+          </a:lnRef>
+          <a:fillRef idx="1">
+            <a:schemeClr val="accent1"/>
+          </a:fillRef>
+          <a:effectRef idx="0">
+            <a:schemeClr val="accent1"/>
+          </a:effectRef>
+          <a:fontRef idx="minor">
+            <a:schemeClr val="lt1"/>
+          </a:fontRef>
+        </p:style>
+        <p:txBody>
+          <a:bodyPr rtlCol="0" anchor="ctr"/>
+          <a:lstStyle/>
+          <a:p>
+            <a:pPr algn="ctr"/>
+            <a:endParaRPr lang="en-US"/>
+          </a:p>
+        </p:txBody>
+      </p:sp>
+      <p:sp>
+        <p:nvSpPr>
+          <p:cNvPr id="3" name="Subtitle 2">
+            <a:extLst>
+              <a:ext uri="{FF2B5EF4-FFF2-40B4-BE49-F238E27FC236}">
+                <a16:creationId xmlns:a16="http://schemas.microsoft.com/office/drawing/2014/main" id="{86318183-B2C7-364B-BD06-B3B9F040F805}"/>
+              </a:ext>
+            </a:extLst>
+          </p:cNvPr>
+          <p:cNvSpPr>
+            <a:spLocks noGrp="1"/>
+          </p:cNvSpPr>
+          <p:nvPr>
+            <p:ph type="subTitle" idx="1"/>
+          </p:nvPr>
+        </p:nvSpPr>
+        <p:spPr>
+          <a:xfrm>
+            <a:off x="1329765" y="4892722"/>
+            <a:ext cx="6387155" cy="1078173"/>
+          </a:xfrm>
+        </p:spPr>
+        <p:txBody>
+          <a:bodyPr anchor="ctr">
+            <a:normAutofit/>
+          </a:bodyPr>
+          <a:lstStyle/>
+          <a:p>
+            <a:pPr algn="l"/>
+            <a:r>
+              <a:rPr lang="en-US" sz="1700" b="0">
+                <a:solidFill>
+                  <a:srgbClr val="FFFFFF"/>
+                </a:solidFill>
                 <a:effectLst/>
               </a:rPr>
-              <a:t>Harsh </a:t>
-            </a:r>
-            <a:r>
-              <a:rPr lang="en-US" sz="2000" b="0" dirty="0" err="1">
-                <a:effectLst/>
-              </a:rPr>
-              <a:t>Bolakani</a:t>
-            </a:r>
-            <a:endParaRPr lang="en-US" sz="2000" b="0" dirty="0">
-              <a:effectLst/>
-            </a:endParaRPr>
-          </a:p>
-          <a:p>
-            <a:r>
-              <a:rPr lang="en-US" sz="2000" b="0" dirty="0">
+              <a:t>Harsh Bolakani</a:t>
+            </a:r>
+          </a:p>
+          <a:p>
+            <a:pPr algn="l"/>
+            <a:r>
+              <a:rPr lang="en-US" sz="1700" b="0">
+                <a:solidFill>
+                  <a:srgbClr val="FFFFFF"/>
+                </a:solidFill>
                 <a:effectLst/>
               </a:rPr>
               <a:t>Greg Morgan</a:t>
             </a:r>
           </a:p>
           <a:p>
-            <a:r>
-              <a:rPr lang="en-US" sz="2000" b="0" dirty="0">
+            <a:pPr algn="l"/>
+            <a:r>
+              <a:rPr lang="en-US" sz="1700" b="0">
+                <a:solidFill>
+                  <a:srgbClr val="FFFFFF"/>
+                </a:solidFill>
                 <a:effectLst/>
               </a:rPr>
               <a:t>Trevor Pawlewicz</a:t>
@@ -4117,7 +4980,7 @@
           <p:cNvPr id="2" name="Title 1">
             <a:extLst>
               <a:ext uri="{FF2B5EF4-FFF2-40B4-BE49-F238E27FC236}">
-                <a16:creationId xmlns:a16="http://schemas.microsoft.com/office/drawing/2014/main" id="{D56A079E-9CD9-D84F-AC45-14A954F929FD}"/>
+                <a16:creationId xmlns:a16="http://schemas.microsoft.com/office/drawing/2014/main" id="{8B337B21-1E26-A847-AC61-FDA5EEFBFA48}"/>
               </a:ext>
             </a:extLst>
           </p:cNvPr>
@@ -4134,8 +4997,8 @@
           <a:lstStyle/>
           <a:p>
             <a:r>
-              <a:rPr lang="en-US" dirty="0"/>
-              <a:t>Discussion of Access Rights</a:t>
+              <a:rPr lang="en-US" b="1" dirty="0"/>
+              <a:t>Issues and Limitations</a:t>
             </a:r>
           </a:p>
         </p:txBody>
@@ -4145,7 +5008,7 @@
           <p:cNvPr id="3" name="Content Placeholder 2">
             <a:extLst>
               <a:ext uri="{FF2B5EF4-FFF2-40B4-BE49-F238E27FC236}">
-                <a16:creationId xmlns:a16="http://schemas.microsoft.com/office/drawing/2014/main" id="{D83F7FD3-C115-7C41-AA01-0FEA687163C6}"/>
+                <a16:creationId xmlns:a16="http://schemas.microsoft.com/office/drawing/2014/main" id="{7A6681F8-49AF-094B-8AE8-6157C5F0B6F6}"/>
               </a:ext>
             </a:extLst>
           </p:cNvPr>
@@ -4158,47 +5021,14 @@
         </p:nvSpPr>
         <p:spPr/>
         <p:txBody>
-          <a:bodyPr>
-            <a:normAutofit/>
-          </a:bodyPr>
+          <a:bodyPr/>
           <a:lstStyle/>
           <a:p>
             <a:pPr marL="0" indent="0">
               <a:buNone/>
             </a:pPr>
             <a:r>
-              <a:rPr lang="en-US" b="0" dirty="0">
-                <a:solidFill>
-                  <a:srgbClr val="0070C0"/>
-                </a:solidFill>
-                <a:effectLst/>
-              </a:rPr>
-              <a:t>Spotify Web API</a:t>
-            </a:r>
-            <a:r>
-              <a:rPr lang="en-US" b="0" dirty="0">
-                <a:effectLst/>
-              </a:rPr>
-              <a:t>:</a:t>
-            </a:r>
-          </a:p>
-          <a:p>
-            <a:r>
-              <a:rPr lang="en-US" b="0" dirty="0">
-                <a:effectLst/>
-              </a:rPr>
-              <a:t>In order to make successful Web API requests, we need a valid access token obtained through OAuth 2.0.</a:t>
-            </a:r>
-          </a:p>
-          <a:p>
-            <a:endParaRPr lang="en-US" dirty="0"/>
-          </a:p>
-          <a:p>
-            <a:pPr marL="0" indent="0">
-              <a:buNone/>
-            </a:pPr>
-            <a:r>
-              <a:rPr lang="en-US" b="0" dirty="0" err="1">
+              <a:rPr lang="en-US" sz="2400" b="0" i="1" dirty="0" err="1">
                 <a:solidFill>
                   <a:srgbClr val="0070C0"/>
                 </a:solidFill>
@@ -4207,19 +5037,76 @@
               <a:t>Musixmatch</a:t>
             </a:r>
             <a:r>
-              <a:rPr lang="en-US" b="0" dirty="0">
+              <a:rPr lang="en-US" sz="1800" b="0" i="1" dirty="0">
                 <a:effectLst/>
               </a:rPr>
-              <a:t>: </a:t>
-            </a:r>
-          </a:p>
-          <a:p>
-            <a:r>
-              <a:rPr lang="en-US" b="0" dirty="0">
+              <a:t>:</a:t>
+            </a:r>
+          </a:p>
+          <a:p>
+            <a:pPr lvl="1"/>
+            <a:r>
+              <a:rPr lang="en-US" sz="1800" b="0" i="1" dirty="0">
                 <a:effectLst/>
               </a:rPr>
-              <a:t>offer our large-scale lyrics dataset designed to allow machine learning companies and researchers use a wide range of applications like lyrics text analysis which creates music recommendations and provides insights.</a:t>
-            </a:r>
+              <a:t>Free</a:t>
+            </a:r>
+            <a:endParaRPr lang="en-US" sz="1800" b="0" dirty="0">
+              <a:effectLst/>
+            </a:endParaRPr>
+          </a:p>
+          <a:p>
+            <a:pPr lvl="1"/>
+            <a:r>
+              <a:rPr lang="en-US" sz="1800" b="0" i="1" dirty="0">
+                <a:effectLst/>
+              </a:rPr>
+              <a:t>Limited to 2k API Calls daily</a:t>
+            </a:r>
+            <a:endParaRPr lang="en-US" sz="1800" b="0" dirty="0">
+              <a:effectLst/>
+            </a:endParaRPr>
+          </a:p>
+          <a:p>
+            <a:pPr lvl="1"/>
+            <a:r>
+              <a:rPr lang="en-US" sz="1800" b="0" i="1" dirty="0">
+                <a:effectLst/>
+              </a:rPr>
+              <a:t>Free testing plan for evaluation only</a:t>
+            </a:r>
+            <a:endParaRPr lang="en-US" sz="1800" b="0" dirty="0">
+              <a:effectLst/>
+            </a:endParaRPr>
+          </a:p>
+          <a:p>
+            <a:pPr lvl="1"/>
+            <a:r>
+              <a:rPr lang="en-US" sz="1800" b="0" i="1" dirty="0">
+                <a:effectLst/>
+              </a:rPr>
+              <a:t>Access to ONLY 30% of lyrics per song</a:t>
+            </a:r>
+            <a:endParaRPr lang="en-US" sz="1800" b="0" dirty="0">
+              <a:effectLst/>
+            </a:endParaRPr>
+          </a:p>
+          <a:p>
+            <a:pPr lvl="1"/>
+            <a:r>
+              <a:rPr lang="en-US" sz="1800" b="0" i="1" dirty="0">
+                <a:effectLst/>
+              </a:rPr>
+              <a:t>Understanding which part of the song (beginning, middle, end) contains the lyrics that are needed to be best analyzed for our dataset.</a:t>
+            </a:r>
+            <a:endParaRPr lang="en-US" sz="1800" b="0" dirty="0">
+              <a:effectLst/>
+            </a:endParaRPr>
+          </a:p>
+          <a:p>
+            <a:endParaRPr lang="en-US" sz="2400" b="0" dirty="0">
+              <a:effectLst/>
+            </a:endParaRPr>
           </a:p>
           <a:p>
             <a:endParaRPr lang="en-US" dirty="0"/>
@@ -4229,7 +5116,7 @@
     </p:spTree>
     <p:extLst>
       <p:ext uri="{BB962C8B-B14F-4D97-AF65-F5344CB8AC3E}">
-        <p14:creationId xmlns:p14="http://schemas.microsoft.com/office/powerpoint/2010/main" val="3288101558"/>
+        <p14:creationId xmlns:p14="http://schemas.microsoft.com/office/powerpoint/2010/main" val="2645747481"/>
       </p:ext>
     </p:extLst>
   </p:cSld>
@@ -4261,7 +5148,7 @@
           <p:cNvPr id="2" name="Title 1">
             <a:extLst>
               <a:ext uri="{FF2B5EF4-FFF2-40B4-BE49-F238E27FC236}">
-                <a16:creationId xmlns:a16="http://schemas.microsoft.com/office/drawing/2014/main" id="{8B337B21-1E26-A847-AC61-FDA5EEFBFA48}"/>
+                <a16:creationId xmlns:a16="http://schemas.microsoft.com/office/drawing/2014/main" id="{5B479FCD-BFB8-A542-BFAA-4C03B0C72546}"/>
               </a:ext>
             </a:extLst>
           </p:cNvPr>
@@ -4278,8 +5165,8 @@
           <a:lstStyle/>
           <a:p>
             <a:r>
-              <a:rPr lang="en-US" dirty="0"/>
-              <a:t>Issues and Limitations</a:t>
+              <a:rPr lang="en-US" b="1" dirty="0"/>
+              <a:t>Team and Contributions</a:t>
             </a:r>
           </a:p>
         </p:txBody>
@@ -4289,7 +5176,7 @@
           <p:cNvPr id="3" name="Content Placeholder 2">
             <a:extLst>
               <a:ext uri="{FF2B5EF4-FFF2-40B4-BE49-F238E27FC236}">
-                <a16:creationId xmlns:a16="http://schemas.microsoft.com/office/drawing/2014/main" id="{7A6681F8-49AF-094B-8AE8-6157C5F0B6F6}"/>
+                <a16:creationId xmlns:a16="http://schemas.microsoft.com/office/drawing/2014/main" id="{AB00E6BA-BE1C-D849-A4C6-0AE2A6B4F65C}"/>
               </a:ext>
             </a:extLst>
           </p:cNvPr>
@@ -4305,123 +5192,88 @@
           <a:bodyPr/>
           <a:lstStyle/>
           <a:p>
-            <a:pPr marL="0" indent="0">
-              <a:buNone/>
-            </a:pPr>
-            <a:r>
-              <a:rPr lang="en-US" sz="2400" dirty="0">
-                <a:solidFill>
-                  <a:schemeClr val="accent1"/>
-                </a:solidFill>
-              </a:rPr>
-              <a:t>Spotify</a:t>
-            </a:r>
-            <a:r>
-              <a:rPr lang="en-US" sz="1800" dirty="0"/>
-              <a:t>: </a:t>
-            </a:r>
-          </a:p>
-          <a:p>
-            <a:pPr lvl="1"/>
-            <a:r>
-              <a:rPr lang="en-US" sz="1800" b="0" dirty="0">
+            <a:r>
+              <a:rPr lang="en-US" sz="2800" b="0" dirty="0">
                 <a:effectLst/>
               </a:rPr>
-              <a:t>In order to make successful Web API requests your app will need a valid access token. One can be obtained through OAuth 2.0.</a:t>
-            </a:r>
-          </a:p>
-          <a:p>
-            <a:pPr lvl="1"/>
-            <a:endParaRPr lang="en-US" sz="1800" b="0" dirty="0">
+              <a:t>Harsh </a:t>
+            </a:r>
+            <a:r>
+              <a:rPr lang="en-US" sz="2800" b="0" dirty="0" err="1">
+                <a:effectLst/>
+              </a:rPr>
+              <a:t>Bolakani</a:t>
+            </a:r>
+            <a:endParaRPr lang="en-US" sz="2800" b="0" dirty="0">
               <a:effectLst/>
             </a:endParaRPr>
           </a:p>
           <a:p>
-            <a:pPr marL="0" indent="0">
-              <a:buNone/>
-            </a:pPr>
-            <a:r>
-              <a:rPr lang="en-US" sz="2400" b="0" i="1" dirty="0" err="1">
-                <a:solidFill>
-                  <a:srgbClr val="0070C0"/>
-                </a:solidFill>
+            <a:pPr lvl="1"/>
+            <a:r>
+              <a:rPr lang="en-US" dirty="0"/>
+              <a:t>Words…</a:t>
+            </a:r>
+          </a:p>
+          <a:p>
+            <a:pPr lvl="1"/>
+            <a:r>
+              <a:rPr lang="en-US" dirty="0"/>
+              <a:t>Words…</a:t>
+            </a:r>
+            <a:endParaRPr lang="en-US" b="0" dirty="0">
+              <a:effectLst/>
+            </a:endParaRPr>
+          </a:p>
+          <a:p>
+            <a:r>
+              <a:rPr lang="en-US" sz="2800" b="0" dirty="0">
                 <a:effectLst/>
               </a:rPr>
-              <a:t>Musixmatch</a:t>
-            </a:r>
-            <a:r>
-              <a:rPr lang="en-US" sz="1800" b="0" i="1" dirty="0">
+              <a:t>Greg Morgan</a:t>
+            </a:r>
+          </a:p>
+          <a:p>
+            <a:pPr lvl="1"/>
+            <a:r>
+              <a:rPr lang="en-US" dirty="0"/>
+              <a:t>Words…</a:t>
+            </a:r>
+          </a:p>
+          <a:p>
+            <a:pPr lvl="1"/>
+            <a:r>
+              <a:rPr lang="en-US" dirty="0"/>
+              <a:t>Words…</a:t>
+            </a:r>
+            <a:endParaRPr lang="en-US" b="0" dirty="0">
+              <a:effectLst/>
+            </a:endParaRPr>
+          </a:p>
+          <a:p>
+            <a:r>
+              <a:rPr lang="en-US" sz="2800" b="0" dirty="0">
                 <a:effectLst/>
               </a:rPr>
-              <a:t>:</a:t>
+              <a:t>Trevor Pawlewicz</a:t>
             </a:r>
           </a:p>
           <a:p>
             <a:pPr lvl="1"/>
             <a:r>
-              <a:rPr lang="en-US" sz="1800" b="0" i="1" dirty="0">
-                <a:effectLst/>
-              </a:rPr>
-              <a:t>Free</a:t>
-            </a:r>
-            <a:endParaRPr lang="en-US" sz="1800" b="0" dirty="0">
-              <a:effectLst/>
-            </a:endParaRPr>
+              <a:rPr lang="en-US" dirty="0"/>
+              <a:t>Words…</a:t>
+            </a:r>
           </a:p>
           <a:p>
             <a:pPr lvl="1"/>
             <a:r>
-              <a:rPr lang="en-US" sz="1800" b="0" i="1" dirty="0">
-                <a:effectLst/>
-              </a:rPr>
-              <a:t>Limited to 2k API Calls daily</a:t>
-            </a:r>
-            <a:endParaRPr lang="en-US" sz="1800" b="0" dirty="0">
-              <a:effectLst/>
-            </a:endParaRPr>
+              <a:rPr lang="en-US" dirty="0"/>
+              <a:t>Words…</a:t>
+            </a:r>
           </a:p>
           <a:p>
             <a:pPr lvl="1"/>
-            <a:r>
-              <a:rPr lang="en-US" sz="1800" b="0" i="1" dirty="0">
-                <a:effectLst/>
-              </a:rPr>
-              <a:t>Free testing plan for evaluation only</a:t>
-            </a:r>
-            <a:endParaRPr lang="en-US" sz="1800" b="0" dirty="0">
-              <a:effectLst/>
-            </a:endParaRPr>
-          </a:p>
-          <a:p>
-            <a:pPr lvl="1"/>
-            <a:r>
-              <a:rPr lang="en-US" sz="1800" b="0" i="1" dirty="0">
-                <a:effectLst/>
-              </a:rPr>
-              <a:t>Access to ONLY 30% of lyrics per song</a:t>
-            </a:r>
-            <a:endParaRPr lang="en-US" sz="1800" b="0" dirty="0">
-              <a:effectLst/>
-            </a:endParaRPr>
-          </a:p>
-          <a:p>
-            <a:pPr lvl="1"/>
-            <a:r>
-              <a:rPr lang="en-US" sz="1800" b="0" i="1" dirty="0">
-                <a:effectLst/>
-              </a:rPr>
-              <a:t>Understanding which part of the song (beginning, middle, end) contains the lyrics that are needed to be best analyzed for our dataset.</a:t>
-            </a:r>
-            <a:endParaRPr lang="en-US" sz="1800" b="0" dirty="0">
-              <a:effectLst/>
-            </a:endParaRPr>
-          </a:p>
-          <a:p>
-            <a:endParaRPr lang="en-US" sz="2400" b="0" dirty="0">
-              <a:effectLst/>
-            </a:endParaRPr>
-          </a:p>
-          <a:p>
             <a:endParaRPr lang="en-US" dirty="0"/>
           </a:p>
         </p:txBody>
@@ -4429,7 +5281,7 @@
     </p:spTree>
     <p:extLst>
       <p:ext uri="{BB962C8B-B14F-4D97-AF65-F5344CB8AC3E}">
-        <p14:creationId xmlns:p14="http://schemas.microsoft.com/office/powerpoint/2010/main" val="2645747481"/>
+        <p14:creationId xmlns:p14="http://schemas.microsoft.com/office/powerpoint/2010/main" val="4008387317"/>
       </p:ext>
     </p:extLst>
   </p:cSld>
@@ -4440,6 +5292,1155 @@
 </file>
 
 <file path=ppt/slides/slide12.xml><?xml version="1.0" encoding="utf-8"?>
+<p:sld xmlns:a="http://schemas.openxmlformats.org/drawingml/2006/main" xmlns:r="http://schemas.openxmlformats.org/officeDocument/2006/relationships" xmlns:p="http://schemas.openxmlformats.org/presentationml/2006/main">
+  <p:cSld>
+    <p:bg>
+      <p:bgPr>
+        <a:solidFill>
+          <a:schemeClr val="bg1"/>
+        </a:solidFill>
+        <a:effectLst/>
+      </p:bgPr>
+    </p:bg>
+    <p:spTree>
+      <p:nvGrpSpPr>
+        <p:cNvPr id="1" name=""/>
+        <p:cNvGrpSpPr/>
+        <p:nvPr/>
+      </p:nvGrpSpPr>
+      <p:grpSpPr>
+        <a:xfrm>
+          <a:off x="0" y="0"/>
+          <a:ext cx="0" cy="0"/>
+          <a:chOff x="0" y="0"/>
+          <a:chExt cx="0" cy="0"/>
+        </a:xfrm>
+      </p:grpSpPr>
+      <p:sp useBgFill="1">
+        <p:nvSpPr>
+          <p:cNvPr id="7" name="Rectangle 6">
+            <a:extLst>
+              <a:ext uri="{FF2B5EF4-FFF2-40B4-BE49-F238E27FC236}">
+                <a16:creationId xmlns:a16="http://schemas.microsoft.com/office/drawing/2014/main" id="{43C48B49-6135-48B6-AC0F-97E5D8D1F03F}"/>
+              </a:ext>
+              <a:ext uri="{C183D7F6-B498-43B3-948B-1728B52AA6E4}">
+                <adec:decorative xmlns:adec="http://schemas.microsoft.com/office/drawing/2017/decorative" val="1"/>
+              </a:ext>
+            </a:extLst>
+          </p:cNvPr>
+          <p:cNvSpPr>
+            <a:spLocks noGrp="1" noRot="1" noChangeAspect="1" noMove="1" noResize="1" noEditPoints="1" noAdjustHandles="1" noChangeArrowheads="1" noChangeShapeType="1" noTextEdit="1"/>
+          </p:cNvSpPr>
+          <p:nvPr>
+            <p:extLst>
+              <p:ext uri="{386F3935-93C4-4BCD-93E2-E3B085C9AB24}">
+                <p16:designElem xmlns:p16="http://schemas.microsoft.com/office/powerpoint/2015/main" val="1"/>
+              </p:ext>
+            </p:extLst>
+          </p:nvPr>
+        </p:nvSpPr>
+        <p:spPr>
+          <a:xfrm>
+            <a:off x="0" y="0"/>
+            <a:ext cx="12192000" cy="6858000"/>
+          </a:xfrm>
+          <a:prstGeom prst="rect">
+            <a:avLst/>
+          </a:prstGeom>
+          <a:ln w="12700" cap="flat" cmpd="sng" algn="ctr">
+            <a:noFill/>
+            <a:prstDash val="solid"/>
+            <a:miter lim="800000"/>
+          </a:ln>
+          <a:effectLst/>
+          <a:extLst>
+            <a:ext uri="{91240B29-F687-4F45-9708-019B960494DF}">
+              <a14:hiddenLine xmlns:a14="http://schemas.microsoft.com/office/drawing/2010/main" w="12700" cap="flat" cmpd="sng" algn="ctr">
+                <a:solidFill>
+                  <a:schemeClr val="accent1">
+                    <a:shade val="50000"/>
+                  </a:schemeClr>
+                </a:solidFill>
+                <a:prstDash val="solid"/>
+                <a:miter lim="800000"/>
+              </a14:hiddenLine>
+            </a:ext>
+          </a:extLst>
+        </p:spPr>
+        <p:style>
+          <a:lnRef idx="2">
+            <a:schemeClr val="accent1">
+              <a:shade val="50000"/>
+            </a:schemeClr>
+          </a:lnRef>
+          <a:fillRef idx="1">
+            <a:schemeClr val="accent1"/>
+          </a:fillRef>
+          <a:effectRef idx="0">
+            <a:schemeClr val="accent1"/>
+          </a:effectRef>
+          <a:fontRef idx="minor">
+            <a:schemeClr val="lt1"/>
+          </a:fontRef>
+        </p:style>
+        <p:txBody>
+          <a:bodyPr rtlCol="0" anchor="ctr"/>
+          <a:lstStyle/>
+          <a:p>
+            <a:pPr algn="ctr"/>
+            <a:endParaRPr lang="en-US"/>
+          </a:p>
+        </p:txBody>
+      </p:sp>
+      <p:sp>
+        <p:nvSpPr>
+          <p:cNvPr id="2" name="Title 1">
+            <a:extLst>
+              <a:ext uri="{FF2B5EF4-FFF2-40B4-BE49-F238E27FC236}">
+                <a16:creationId xmlns:a16="http://schemas.microsoft.com/office/drawing/2014/main" id="{5B479FCD-BFB8-A542-BFAA-4C03B0C72546}"/>
+              </a:ext>
+            </a:extLst>
+          </p:cNvPr>
+          <p:cNvSpPr>
+            <a:spLocks noGrp="1"/>
+          </p:cNvSpPr>
+          <p:nvPr>
+            <p:ph type="title"/>
+          </p:nvPr>
+        </p:nvSpPr>
+        <p:spPr>
+          <a:xfrm>
+            <a:off x="1329766" y="1146412"/>
+            <a:ext cx="9014348" cy="2402006"/>
+          </a:xfrm>
+        </p:spPr>
+        <p:txBody>
+          <a:bodyPr vert="horz" lIns="91440" tIns="45720" rIns="91440" bIns="45720" rtlCol="0" anchor="b">
+            <a:normAutofit/>
+          </a:bodyPr>
+          <a:lstStyle/>
+          <a:p>
+            <a:r>
+              <a:rPr lang="en-US" sz="4800" b="1" kern="1200" dirty="0">
+                <a:solidFill>
+                  <a:schemeClr val="tx1"/>
+                </a:solidFill>
+                <a:latin typeface="+mj-lt"/>
+                <a:ea typeface="+mj-ea"/>
+                <a:cs typeface="+mj-cs"/>
+              </a:rPr>
+              <a:t>Thank You</a:t>
+            </a:r>
+          </a:p>
+        </p:txBody>
+      </p:sp>
+      <p:sp>
+        <p:nvSpPr>
+          <p:cNvPr id="9" name="Rectangle 8">
+            <a:extLst>
+              <a:ext uri="{FF2B5EF4-FFF2-40B4-BE49-F238E27FC236}">
+                <a16:creationId xmlns:a16="http://schemas.microsoft.com/office/drawing/2014/main" id="{9715DAF0-AE1B-46C9-8A6B-DB2AA05AB91D}"/>
+              </a:ext>
+              <a:ext uri="{C183D7F6-B498-43B3-948B-1728B52AA6E4}">
+                <adec:decorative xmlns:adec="http://schemas.microsoft.com/office/drawing/2017/decorative" val="1"/>
+              </a:ext>
+            </a:extLst>
+          </p:cNvPr>
+          <p:cNvSpPr>
+            <a:spLocks noGrp="1" noRot="1" noChangeAspect="1" noMove="1" noResize="1" noEditPoints="1" noAdjustHandles="1" noChangeArrowheads="1" noChangeShapeType="1" noTextEdit="1"/>
+          </p:cNvSpPr>
+          <p:nvPr>
+            <p:extLst>
+              <p:ext uri="{386F3935-93C4-4BCD-93E2-E3B085C9AB24}">
+                <p16:designElem xmlns:p16="http://schemas.microsoft.com/office/powerpoint/2015/main" val="1"/>
+              </p:ext>
+            </p:extLst>
+          </p:nvPr>
+        </p:nvSpPr>
+        <p:spPr>
+          <a:xfrm rot="10800000">
+            <a:off x="-8" y="4374554"/>
+            <a:ext cx="12192007" cy="2483444"/>
+          </a:xfrm>
+          <a:prstGeom prst="rect">
+            <a:avLst/>
+          </a:prstGeom>
+          <a:gradFill>
+            <a:gsLst>
+              <a:gs pos="0">
+                <a:schemeClr val="accent1">
+                  <a:lumMod val="75000"/>
+                </a:schemeClr>
+              </a:gs>
+              <a:gs pos="100000">
+                <a:srgbClr val="000000"/>
+              </a:gs>
+            </a:gsLst>
+            <a:lin ang="15600000" scaled="0"/>
+          </a:gradFill>
+          <a:ln>
+            <a:noFill/>
+          </a:ln>
+        </p:spPr>
+        <p:style>
+          <a:lnRef idx="2">
+            <a:schemeClr val="accent1">
+              <a:shade val="50000"/>
+            </a:schemeClr>
+          </a:lnRef>
+          <a:fillRef idx="1">
+            <a:schemeClr val="accent1"/>
+          </a:fillRef>
+          <a:effectRef idx="0">
+            <a:schemeClr val="accent1"/>
+          </a:effectRef>
+          <a:fontRef idx="minor">
+            <a:schemeClr val="lt1"/>
+          </a:fontRef>
+        </p:style>
+        <p:txBody>
+          <a:bodyPr rtlCol="0" anchor="ctr"/>
+          <a:lstStyle/>
+          <a:p>
+            <a:pPr algn="ctr"/>
+            <a:endParaRPr lang="en-US"/>
+          </a:p>
+        </p:txBody>
+      </p:sp>
+      <p:sp>
+        <p:nvSpPr>
+          <p:cNvPr id="11" name="Rectangle 10">
+            <a:extLst>
+              <a:ext uri="{FF2B5EF4-FFF2-40B4-BE49-F238E27FC236}">
+                <a16:creationId xmlns:a16="http://schemas.microsoft.com/office/drawing/2014/main" id="{DC631C0B-6DA6-4E57-8231-CE32B3434A7E}"/>
+              </a:ext>
+              <a:ext uri="{C183D7F6-B498-43B3-948B-1728B52AA6E4}">
+                <adec:decorative xmlns:adec="http://schemas.microsoft.com/office/drawing/2017/decorative" val="1"/>
+              </a:ext>
+            </a:extLst>
+          </p:cNvPr>
+          <p:cNvSpPr>
+            <a:spLocks noGrp="1" noRot="1" noChangeAspect="1" noMove="1" noResize="1" noEditPoints="1" noAdjustHandles="1" noChangeArrowheads="1" noChangeShapeType="1" noTextEdit="1"/>
+          </p:cNvSpPr>
+          <p:nvPr>
+            <p:extLst>
+              <p:ext uri="{386F3935-93C4-4BCD-93E2-E3B085C9AB24}">
+                <p16:designElem xmlns:p16="http://schemas.microsoft.com/office/powerpoint/2015/main" val="1"/>
+              </p:ext>
+            </p:extLst>
+          </p:nvPr>
+        </p:nvSpPr>
+        <p:spPr>
+          <a:xfrm rot="10800000" flipH="1">
+            <a:off x="8140655" y="4374554"/>
+            <a:ext cx="4051344" cy="2483446"/>
+          </a:xfrm>
+          <a:prstGeom prst="rect">
+            <a:avLst/>
+          </a:prstGeom>
+          <a:gradFill>
+            <a:gsLst>
+              <a:gs pos="4000">
+                <a:schemeClr val="accent1">
+                  <a:alpha val="21000"/>
+                </a:schemeClr>
+              </a:gs>
+              <a:gs pos="83000">
+                <a:schemeClr val="accent1">
+                  <a:lumMod val="50000"/>
+                  <a:alpha val="61000"/>
+                </a:schemeClr>
+              </a:gs>
+            </a:gsLst>
+            <a:lin ang="18000000" scaled="0"/>
+          </a:gradFill>
+          <a:ln>
+            <a:noFill/>
+          </a:ln>
+        </p:spPr>
+        <p:style>
+          <a:lnRef idx="2">
+            <a:schemeClr val="accent1">
+              <a:shade val="50000"/>
+            </a:schemeClr>
+          </a:lnRef>
+          <a:fillRef idx="1">
+            <a:schemeClr val="accent1"/>
+          </a:fillRef>
+          <a:effectRef idx="0">
+            <a:schemeClr val="accent1"/>
+          </a:effectRef>
+          <a:fontRef idx="minor">
+            <a:schemeClr val="lt1"/>
+          </a:fontRef>
+        </p:style>
+        <p:txBody>
+          <a:bodyPr rtlCol="0" anchor="ctr"/>
+          <a:lstStyle/>
+          <a:p>
+            <a:pPr algn="ctr"/>
+            <a:endParaRPr lang="en-US"/>
+          </a:p>
+        </p:txBody>
+      </p:sp>
+      <p:sp>
+        <p:nvSpPr>
+          <p:cNvPr id="13" name="Rectangle 12">
+            <a:extLst>
+              <a:ext uri="{FF2B5EF4-FFF2-40B4-BE49-F238E27FC236}">
+                <a16:creationId xmlns:a16="http://schemas.microsoft.com/office/drawing/2014/main" id="{F256AC18-FB41-4977-8B0C-F5082335AB7D}"/>
+              </a:ext>
+              <a:ext uri="{C183D7F6-B498-43B3-948B-1728B52AA6E4}">
+                <adec:decorative xmlns:adec="http://schemas.microsoft.com/office/drawing/2017/decorative" val="1"/>
+              </a:ext>
+            </a:extLst>
+          </p:cNvPr>
+          <p:cNvSpPr>
+            <a:spLocks noGrp="1" noRot="1" noChangeAspect="1" noMove="1" noResize="1" noEditPoints="1" noAdjustHandles="1" noChangeArrowheads="1" noChangeShapeType="1" noTextEdit="1"/>
+          </p:cNvSpPr>
+          <p:nvPr>
+            <p:extLst>
+              <p:ext uri="{386F3935-93C4-4BCD-93E2-E3B085C9AB24}">
+                <p16:designElem xmlns:p16="http://schemas.microsoft.com/office/powerpoint/2015/main" val="1"/>
+              </p:ext>
+            </p:extLst>
+          </p:nvPr>
+        </p:nvSpPr>
+        <p:spPr>
+          <a:xfrm rot="10800000">
+            <a:off x="0" y="4379429"/>
+            <a:ext cx="12191984" cy="1953928"/>
+          </a:xfrm>
+          <a:prstGeom prst="rect">
+            <a:avLst/>
+          </a:prstGeom>
+          <a:gradFill>
+            <a:gsLst>
+              <a:gs pos="32000">
+                <a:schemeClr val="accent1">
+                  <a:lumMod val="50000"/>
+                  <a:alpha val="0"/>
+                </a:schemeClr>
+              </a:gs>
+              <a:gs pos="100000">
+                <a:schemeClr val="accent1">
+                  <a:alpha val="55000"/>
+                </a:schemeClr>
+              </a:gs>
+            </a:gsLst>
+            <a:lin ang="6600000" scaled="0"/>
+          </a:gradFill>
+          <a:ln>
+            <a:noFill/>
+          </a:ln>
+        </p:spPr>
+        <p:style>
+          <a:lnRef idx="2">
+            <a:schemeClr val="accent1">
+              <a:shade val="50000"/>
+            </a:schemeClr>
+          </a:lnRef>
+          <a:fillRef idx="1">
+            <a:schemeClr val="accent1"/>
+          </a:fillRef>
+          <a:effectRef idx="0">
+            <a:schemeClr val="accent1"/>
+          </a:effectRef>
+          <a:fontRef idx="minor">
+            <a:schemeClr val="lt1"/>
+          </a:fontRef>
+        </p:style>
+        <p:txBody>
+          <a:bodyPr rtlCol="0" anchor="ctr"/>
+          <a:lstStyle/>
+          <a:p>
+            <a:pPr algn="ctr"/>
+            <a:endParaRPr lang="en-US"/>
+          </a:p>
+        </p:txBody>
+      </p:sp>
+      <p:sp>
+        <p:nvSpPr>
+          <p:cNvPr id="15" name="Rectangle 14">
+            <a:extLst>
+              <a:ext uri="{FF2B5EF4-FFF2-40B4-BE49-F238E27FC236}">
+                <a16:creationId xmlns:a16="http://schemas.microsoft.com/office/drawing/2014/main" id="{AFF4A713-7B75-4B21-90D7-5AB19547C728}"/>
+              </a:ext>
+              <a:ext uri="{C183D7F6-B498-43B3-948B-1728B52AA6E4}">
+                <adec:decorative xmlns:adec="http://schemas.microsoft.com/office/drawing/2017/decorative" val="1"/>
+              </a:ext>
+            </a:extLst>
+          </p:cNvPr>
+          <p:cNvSpPr>
+            <a:spLocks noGrp="1" noRot="1" noChangeAspect="1" noMove="1" noResize="1" noEditPoints="1" noAdjustHandles="1" noChangeArrowheads="1" noChangeShapeType="1" noTextEdit="1"/>
+          </p:cNvSpPr>
+          <p:nvPr>
+            <p:extLst>
+              <p:ext uri="{386F3935-93C4-4BCD-93E2-E3B085C9AB24}">
+                <p16:designElem xmlns:p16="http://schemas.microsoft.com/office/powerpoint/2015/main" val="1"/>
+              </p:ext>
+            </p:extLst>
+          </p:nvPr>
+        </p:nvSpPr>
+        <p:spPr>
+          <a:xfrm>
+            <a:off x="-8" y="4380927"/>
+            <a:ext cx="12192000" cy="2019443"/>
+          </a:xfrm>
+          <a:prstGeom prst="rect">
+            <a:avLst/>
+          </a:prstGeom>
+          <a:gradFill>
+            <a:gsLst>
+              <a:gs pos="32000">
+                <a:schemeClr val="accent1">
+                  <a:lumMod val="50000"/>
+                  <a:alpha val="0"/>
+                </a:schemeClr>
+              </a:gs>
+              <a:gs pos="100000">
+                <a:srgbClr val="000000">
+                  <a:alpha val="45000"/>
+                </a:srgbClr>
+              </a:gs>
+            </a:gsLst>
+            <a:lin ang="7800000" scaled="0"/>
+          </a:gradFill>
+          <a:ln>
+            <a:noFill/>
+          </a:ln>
+        </p:spPr>
+        <p:style>
+          <a:lnRef idx="2">
+            <a:schemeClr val="accent1">
+              <a:shade val="50000"/>
+            </a:schemeClr>
+          </a:lnRef>
+          <a:fillRef idx="1">
+            <a:schemeClr val="accent1"/>
+          </a:fillRef>
+          <a:effectRef idx="0">
+            <a:schemeClr val="accent1"/>
+          </a:effectRef>
+          <a:fontRef idx="minor">
+            <a:schemeClr val="lt1"/>
+          </a:fontRef>
+        </p:style>
+        <p:txBody>
+          <a:bodyPr rtlCol="0" anchor="ctr"/>
+          <a:lstStyle/>
+          <a:p>
+            <a:pPr algn="ctr"/>
+            <a:endParaRPr lang="en-US"/>
+          </a:p>
+        </p:txBody>
+      </p:sp>
+    </p:spTree>
+    <p:extLst>
+      <p:ext uri="{BB962C8B-B14F-4D97-AF65-F5344CB8AC3E}">
+        <p14:creationId xmlns:p14="http://schemas.microsoft.com/office/powerpoint/2010/main" val="1153746879"/>
+      </p:ext>
+    </p:extLst>
+  </p:cSld>
+  <p:clrMapOvr>
+    <a:masterClrMapping/>
+  </p:clrMapOvr>
+  <p:timing>
+    <p:tnLst>
+      <p:par>
+        <p:cTn id="1" dur="indefinite" restart="never" nodeType="tmRoot">
+          <p:childTnLst>
+            <p:seq concurrent="1" nextAc="seek">
+              <p:cTn id="2" dur="indefinite" nodeType="mainSeq">
+                <p:childTnLst>
+                  <p:par>
+                    <p:cTn id="3" fill="hold">
+                      <p:stCondLst>
+                        <p:cond delay="indefinite"/>
+                        <p:cond evt="onBegin" delay="0">
+                          <p:tn val="2"/>
+                        </p:cond>
+                      </p:stCondLst>
+                      <p:childTnLst>
+                        <p:par>
+                          <p:cTn id="4" fill="hold">
+                            <p:stCondLst>
+                              <p:cond delay="0"/>
+                            </p:stCondLst>
+                            <p:childTnLst>
+                              <p:par>
+                                <p:cTn id="5" presetID="10" presetClass="entr" presetSubtype="0" fill="hold" grpId="0" nodeType="withEffect">
+                                  <p:stCondLst>
+                                    <p:cond delay="500"/>
+                                  </p:stCondLst>
+                                  <p:iterate type="lt">
+                                    <p:tmPct val="10000"/>
+                                  </p:iterate>
+                                  <p:childTnLst>
+                                    <p:set>
+                                      <p:cBhvr>
+                                        <p:cTn id="6" dur="1" fill="hold">
+                                          <p:stCondLst>
+                                            <p:cond delay="0"/>
+                                          </p:stCondLst>
+                                        </p:cTn>
+                                        <p:tgtEl>
+                                          <p:spTgt spid="2"/>
+                                        </p:tgtEl>
+                                        <p:attrNameLst>
+                                          <p:attrName>style.visibility</p:attrName>
+                                        </p:attrNameLst>
+                                      </p:cBhvr>
+                                      <p:to>
+                                        <p:strVal val="visible"/>
+                                      </p:to>
+                                    </p:set>
+                                    <p:animEffect transition="in" filter="fade">
+                                      <p:cBhvr>
+                                        <p:cTn id="7" dur="400"/>
+                                        <p:tgtEl>
+                                          <p:spTgt spid="2"/>
+                                        </p:tgtEl>
+                                      </p:cBhvr>
+                                    </p:animEffect>
+                                  </p:childTnLst>
+                                </p:cTn>
+                              </p:par>
+                            </p:childTnLst>
+                          </p:cTn>
+                        </p:par>
+                      </p:childTnLst>
+                    </p:cTn>
+                  </p:par>
+                </p:childTnLst>
+              </p:cTn>
+              <p:prevCondLst>
+                <p:cond evt="onPrev" delay="0">
+                  <p:tgtEl>
+                    <p:sldTgt/>
+                  </p:tgtEl>
+                </p:cond>
+              </p:prevCondLst>
+              <p:nextCondLst>
+                <p:cond evt="onNext" delay="0">
+                  <p:tgtEl>
+                    <p:sldTgt/>
+                  </p:tgtEl>
+                </p:cond>
+              </p:nextCondLst>
+            </p:seq>
+          </p:childTnLst>
+        </p:cTn>
+      </p:par>
+    </p:tnLst>
+    <p:bldLst>
+      <p:bldP spid="2" grpId="0"/>
+    </p:bldLst>
+  </p:timing>
+</p:sld>
+</file>
+
+<file path=ppt/slides/slide13.xml><?xml version="1.0" encoding="utf-8"?>
+<p:sld xmlns:a="http://schemas.openxmlformats.org/drawingml/2006/main" xmlns:r="http://schemas.openxmlformats.org/officeDocument/2006/relationships" xmlns:p="http://schemas.openxmlformats.org/presentationml/2006/main">
+  <p:cSld>
+    <p:bg>
+      <p:bgPr>
+        <a:solidFill>
+          <a:schemeClr val="bg1"/>
+        </a:solidFill>
+        <a:effectLst/>
+      </p:bgPr>
+    </p:bg>
+    <p:spTree>
+      <p:nvGrpSpPr>
+        <p:cNvPr id="1" name=""/>
+        <p:cNvGrpSpPr/>
+        <p:nvPr/>
+      </p:nvGrpSpPr>
+      <p:grpSpPr>
+        <a:xfrm>
+          <a:off x="0" y="0"/>
+          <a:ext cx="0" cy="0"/>
+          <a:chOff x="0" y="0"/>
+          <a:chExt cx="0" cy="0"/>
+        </a:xfrm>
+      </p:grpSpPr>
+      <p:sp useBgFill="1">
+        <p:nvSpPr>
+          <p:cNvPr id="7" name="Rectangle 6">
+            <a:extLst>
+              <a:ext uri="{FF2B5EF4-FFF2-40B4-BE49-F238E27FC236}">
+                <a16:creationId xmlns:a16="http://schemas.microsoft.com/office/drawing/2014/main" id="{6F5A5072-7B47-4D32-B52A-4EBBF590B8A5}"/>
+              </a:ext>
+              <a:ext uri="{C183D7F6-B498-43B3-948B-1728B52AA6E4}">
+                <adec:decorative xmlns:adec="http://schemas.microsoft.com/office/drawing/2017/decorative" val="1"/>
+              </a:ext>
+            </a:extLst>
+          </p:cNvPr>
+          <p:cNvSpPr>
+            <a:spLocks noGrp="1" noRot="1" noChangeAspect="1" noMove="1" noResize="1" noEditPoints="1" noAdjustHandles="1" noChangeArrowheads="1" noChangeShapeType="1" noTextEdit="1"/>
+          </p:cNvSpPr>
+          <p:nvPr>
+            <p:extLst>
+              <p:ext uri="{386F3935-93C4-4BCD-93E2-E3B085C9AB24}">
+                <p16:designElem xmlns:p16="http://schemas.microsoft.com/office/powerpoint/2015/main" val="1"/>
+              </p:ext>
+            </p:extLst>
+          </p:nvPr>
+        </p:nvSpPr>
+        <p:spPr>
+          <a:xfrm>
+            <a:off x="0" y="0"/>
+            <a:ext cx="12192000" cy="6858000"/>
+          </a:xfrm>
+          <a:prstGeom prst="rect">
+            <a:avLst/>
+          </a:prstGeom>
+          <a:ln w="12700" cap="flat" cmpd="sng" algn="ctr">
+            <a:noFill/>
+            <a:prstDash val="solid"/>
+            <a:miter lim="800000"/>
+          </a:ln>
+          <a:effectLst/>
+          <a:extLst>
+            <a:ext uri="{91240B29-F687-4F45-9708-019B960494DF}">
+              <a14:hiddenLine xmlns:a14="http://schemas.microsoft.com/office/drawing/2010/main" w="12700" cap="flat" cmpd="sng" algn="ctr">
+                <a:solidFill>
+                  <a:schemeClr val="accent1">
+                    <a:shade val="50000"/>
+                  </a:schemeClr>
+                </a:solidFill>
+                <a:prstDash val="solid"/>
+                <a:miter lim="800000"/>
+              </a14:hiddenLine>
+            </a:ext>
+          </a:extLst>
+        </p:spPr>
+        <p:style>
+          <a:lnRef idx="2">
+            <a:schemeClr val="accent1">
+              <a:shade val="50000"/>
+            </a:schemeClr>
+          </a:lnRef>
+          <a:fillRef idx="1">
+            <a:schemeClr val="accent1"/>
+          </a:fillRef>
+          <a:effectRef idx="0">
+            <a:schemeClr val="accent1"/>
+          </a:effectRef>
+          <a:fontRef idx="minor">
+            <a:schemeClr val="lt1"/>
+          </a:fontRef>
+        </p:style>
+        <p:txBody>
+          <a:bodyPr rtlCol="0" anchor="ctr"/>
+          <a:lstStyle/>
+          <a:p>
+            <a:pPr algn="ctr"/>
+            <a:endParaRPr lang="en-US"/>
+          </a:p>
+        </p:txBody>
+      </p:sp>
+      <p:sp>
+        <p:nvSpPr>
+          <p:cNvPr id="9" name="Rectangle 8">
+            <a:extLst>
+              <a:ext uri="{FF2B5EF4-FFF2-40B4-BE49-F238E27FC236}">
+                <a16:creationId xmlns:a16="http://schemas.microsoft.com/office/drawing/2014/main" id="{9715DAF0-AE1B-46C9-8A6B-DB2AA05AB91D}"/>
+              </a:ext>
+              <a:ext uri="{C183D7F6-B498-43B3-948B-1728B52AA6E4}">
+                <adec:decorative xmlns:adec="http://schemas.microsoft.com/office/drawing/2017/decorative" val="1"/>
+              </a:ext>
+            </a:extLst>
+          </p:cNvPr>
+          <p:cNvSpPr>
+            <a:spLocks noGrp="1" noRot="1" noChangeAspect="1" noMove="1" noResize="1" noEditPoints="1" noAdjustHandles="1" noChangeArrowheads="1" noChangeShapeType="1" noTextEdit="1"/>
+          </p:cNvSpPr>
+          <p:nvPr>
+            <p:extLst>
+              <p:ext uri="{386F3935-93C4-4BCD-93E2-E3B085C9AB24}">
+                <p16:designElem xmlns:p16="http://schemas.microsoft.com/office/powerpoint/2015/main" val="1"/>
+              </p:ext>
+            </p:extLst>
+          </p:nvPr>
+        </p:nvSpPr>
+        <p:spPr>
+          <a:xfrm rot="10800000">
+            <a:off x="-2" y="-22693"/>
+            <a:ext cx="12191999" cy="4374129"/>
+          </a:xfrm>
+          <a:prstGeom prst="rect">
+            <a:avLst/>
+          </a:prstGeom>
+          <a:gradFill>
+            <a:gsLst>
+              <a:gs pos="0">
+                <a:schemeClr val="accent1">
+                  <a:lumMod val="75000"/>
+                </a:schemeClr>
+              </a:gs>
+              <a:gs pos="100000">
+                <a:srgbClr val="000000"/>
+              </a:gs>
+            </a:gsLst>
+            <a:lin ang="15000000" scaled="0"/>
+          </a:gradFill>
+          <a:ln>
+            <a:noFill/>
+          </a:ln>
+        </p:spPr>
+        <p:style>
+          <a:lnRef idx="2">
+            <a:schemeClr val="accent1">
+              <a:shade val="50000"/>
+            </a:schemeClr>
+          </a:lnRef>
+          <a:fillRef idx="1">
+            <a:schemeClr val="accent1"/>
+          </a:fillRef>
+          <a:effectRef idx="0">
+            <a:schemeClr val="accent1"/>
+          </a:effectRef>
+          <a:fontRef idx="minor">
+            <a:schemeClr val="lt1"/>
+          </a:fontRef>
+        </p:style>
+        <p:txBody>
+          <a:bodyPr rtlCol="0" anchor="ctr"/>
+          <a:lstStyle/>
+          <a:p>
+            <a:pPr algn="ctr"/>
+            <a:endParaRPr lang="en-US"/>
+          </a:p>
+        </p:txBody>
+      </p:sp>
+      <p:sp>
+        <p:nvSpPr>
+          <p:cNvPr id="11" name="Rectangle 10">
+            <a:extLst>
+              <a:ext uri="{FF2B5EF4-FFF2-40B4-BE49-F238E27FC236}">
+                <a16:creationId xmlns:a16="http://schemas.microsoft.com/office/drawing/2014/main" id="{6016219D-510E-4184-9090-6D5578A87BD1}"/>
+              </a:ext>
+              <a:ext uri="{C183D7F6-B498-43B3-948B-1728B52AA6E4}">
+                <adec:decorative xmlns:adec="http://schemas.microsoft.com/office/drawing/2017/decorative" val="1"/>
+              </a:ext>
+            </a:extLst>
+          </p:cNvPr>
+          <p:cNvSpPr>
+            <a:spLocks noGrp="1" noRot="1" noChangeAspect="1" noMove="1" noResize="1" noEditPoints="1" noAdjustHandles="1" noChangeArrowheads="1" noChangeShapeType="1" noTextEdit="1"/>
+          </p:cNvSpPr>
+          <p:nvPr>
+            <p:extLst>
+              <p:ext uri="{386F3935-93C4-4BCD-93E2-E3B085C9AB24}">
+                <p16:designElem xmlns:p16="http://schemas.microsoft.com/office/powerpoint/2015/main" val="1"/>
+              </p:ext>
+            </p:extLst>
+          </p:nvPr>
+        </p:nvSpPr>
+        <p:spPr>
+          <a:xfrm rot="5400000">
+            <a:off x="3908719" y="-3931841"/>
+            <a:ext cx="4374557" cy="12192000"/>
+          </a:xfrm>
+          <a:prstGeom prst="rect">
+            <a:avLst/>
+          </a:prstGeom>
+          <a:gradFill>
+            <a:gsLst>
+              <a:gs pos="40000">
+                <a:schemeClr val="accent1">
+                  <a:alpha val="0"/>
+                </a:schemeClr>
+              </a:gs>
+              <a:gs pos="100000">
+                <a:schemeClr val="accent1">
+                  <a:lumMod val="75000"/>
+                  <a:alpha val="52000"/>
+                </a:schemeClr>
+              </a:gs>
+            </a:gsLst>
+            <a:lin ang="2400000" scaled="0"/>
+          </a:gradFill>
+          <a:ln>
+            <a:noFill/>
+          </a:ln>
+        </p:spPr>
+        <p:style>
+          <a:lnRef idx="2">
+            <a:schemeClr val="accent1">
+              <a:shade val="50000"/>
+            </a:schemeClr>
+          </a:lnRef>
+          <a:fillRef idx="1">
+            <a:schemeClr val="accent1"/>
+          </a:fillRef>
+          <a:effectRef idx="0">
+            <a:schemeClr val="accent1"/>
+          </a:effectRef>
+          <a:fontRef idx="minor">
+            <a:schemeClr val="lt1"/>
+          </a:fontRef>
+        </p:style>
+        <p:txBody>
+          <a:bodyPr rtlCol="0" anchor="ctr"/>
+          <a:lstStyle/>
+          <a:p>
+            <a:pPr algn="ctr"/>
+            <a:endParaRPr lang="en-US"/>
+          </a:p>
+        </p:txBody>
+      </p:sp>
+      <p:sp>
+        <p:nvSpPr>
+          <p:cNvPr id="13" name="Rectangle 12">
+            <a:extLst>
+              <a:ext uri="{FF2B5EF4-FFF2-40B4-BE49-F238E27FC236}">
+                <a16:creationId xmlns:a16="http://schemas.microsoft.com/office/drawing/2014/main" id="{AFF4A713-7B75-4B21-90D7-5AB19547C728}"/>
+              </a:ext>
+              <a:ext uri="{C183D7F6-B498-43B3-948B-1728B52AA6E4}">
+                <adec:decorative xmlns:adec="http://schemas.microsoft.com/office/drawing/2017/decorative" val="1"/>
+              </a:ext>
+            </a:extLst>
+          </p:cNvPr>
+          <p:cNvSpPr>
+            <a:spLocks noGrp="1" noRot="1" noChangeAspect="1" noMove="1" noResize="1" noEditPoints="1" noAdjustHandles="1" noChangeArrowheads="1" noChangeShapeType="1" noTextEdit="1"/>
+          </p:cNvSpPr>
+          <p:nvPr>
+            <p:extLst>
+              <p:ext uri="{386F3935-93C4-4BCD-93E2-E3B085C9AB24}">
+                <p16:designElem xmlns:p16="http://schemas.microsoft.com/office/powerpoint/2015/main" val="1"/>
+              </p:ext>
+            </p:extLst>
+          </p:nvPr>
+        </p:nvSpPr>
+        <p:spPr>
+          <a:xfrm rot="5400000">
+            <a:off x="4136696" y="-3703868"/>
+            <a:ext cx="4374128" cy="11736479"/>
+          </a:xfrm>
+          <a:prstGeom prst="rect">
+            <a:avLst/>
+          </a:prstGeom>
+          <a:gradFill>
+            <a:gsLst>
+              <a:gs pos="17000">
+                <a:schemeClr val="accent1">
+                  <a:alpha val="0"/>
+                </a:schemeClr>
+              </a:gs>
+              <a:gs pos="100000">
+                <a:srgbClr val="000000">
+                  <a:alpha val="37000"/>
+                </a:srgbClr>
+              </a:gs>
+            </a:gsLst>
+            <a:lin ang="7800000" scaled="0"/>
+          </a:gradFill>
+          <a:ln>
+            <a:noFill/>
+          </a:ln>
+        </p:spPr>
+        <p:style>
+          <a:lnRef idx="2">
+            <a:schemeClr val="accent1">
+              <a:shade val="50000"/>
+            </a:schemeClr>
+          </a:lnRef>
+          <a:fillRef idx="1">
+            <a:schemeClr val="accent1"/>
+          </a:fillRef>
+          <a:effectRef idx="0">
+            <a:schemeClr val="accent1"/>
+          </a:effectRef>
+          <a:fontRef idx="minor">
+            <a:schemeClr val="lt1"/>
+          </a:fontRef>
+        </p:style>
+        <p:txBody>
+          <a:bodyPr rtlCol="0" anchor="ctr"/>
+          <a:lstStyle/>
+          <a:p>
+            <a:pPr algn="ctr"/>
+            <a:endParaRPr lang="en-US"/>
+          </a:p>
+        </p:txBody>
+      </p:sp>
+      <p:sp>
+        <p:nvSpPr>
+          <p:cNvPr id="15" name="Rectangle 14">
+            <a:extLst>
+              <a:ext uri="{FF2B5EF4-FFF2-40B4-BE49-F238E27FC236}">
+                <a16:creationId xmlns:a16="http://schemas.microsoft.com/office/drawing/2014/main" id="{DC631C0B-6DA6-4E57-8231-CE32B3434A7E}"/>
+              </a:ext>
+              <a:ext uri="{C183D7F6-B498-43B3-948B-1728B52AA6E4}">
+                <adec:decorative xmlns:adec="http://schemas.microsoft.com/office/drawing/2017/decorative" val="1"/>
+              </a:ext>
+            </a:extLst>
+          </p:cNvPr>
+          <p:cNvSpPr>
+            <a:spLocks noGrp="1" noRot="1" noChangeAspect="1" noMove="1" noResize="1" noEditPoints="1" noAdjustHandles="1" noChangeArrowheads="1" noChangeShapeType="1" noTextEdit="1"/>
+          </p:cNvSpPr>
+          <p:nvPr>
+            <p:extLst>
+              <p:ext uri="{386F3935-93C4-4BCD-93E2-E3B085C9AB24}">
+                <p16:designElem xmlns:p16="http://schemas.microsoft.com/office/powerpoint/2015/main" val="1"/>
+              </p:ext>
+            </p:extLst>
+          </p:nvPr>
+        </p:nvSpPr>
+        <p:spPr>
+          <a:xfrm>
+            <a:off x="-5" y="-22690"/>
+            <a:ext cx="8542485" cy="4374126"/>
+          </a:xfrm>
+          <a:prstGeom prst="rect">
+            <a:avLst/>
+          </a:prstGeom>
+          <a:gradFill>
+            <a:gsLst>
+              <a:gs pos="0">
+                <a:schemeClr val="accent1">
+                  <a:lumMod val="50000"/>
+                  <a:alpha val="0"/>
+                </a:schemeClr>
+              </a:gs>
+              <a:gs pos="100000">
+                <a:srgbClr val="000000">
+                  <a:alpha val="25000"/>
+                </a:srgbClr>
+              </a:gs>
+            </a:gsLst>
+            <a:lin ang="18600000" scaled="0"/>
+          </a:gradFill>
+          <a:ln>
+            <a:noFill/>
+          </a:ln>
+        </p:spPr>
+        <p:style>
+          <a:lnRef idx="2">
+            <a:schemeClr val="accent1">
+              <a:shade val="50000"/>
+            </a:schemeClr>
+          </a:lnRef>
+          <a:fillRef idx="1">
+            <a:schemeClr val="accent1"/>
+          </a:fillRef>
+          <a:effectRef idx="0">
+            <a:schemeClr val="accent1"/>
+          </a:effectRef>
+          <a:fontRef idx="minor">
+            <a:schemeClr val="lt1"/>
+          </a:fontRef>
+        </p:style>
+        <p:txBody>
+          <a:bodyPr rtlCol="0" anchor="ctr"/>
+          <a:lstStyle/>
+          <a:p>
+            <a:pPr algn="ctr"/>
+            <a:endParaRPr lang="en-US"/>
+          </a:p>
+        </p:txBody>
+      </p:sp>
+      <p:sp>
+        <p:nvSpPr>
+          <p:cNvPr id="17" name="Freeform: Shape 16">
+            <a:extLst>
+              <a:ext uri="{FF2B5EF4-FFF2-40B4-BE49-F238E27FC236}">
+                <a16:creationId xmlns:a16="http://schemas.microsoft.com/office/drawing/2014/main" id="{C29501E6-A978-4A61-9689-9085AF97A53A}"/>
+              </a:ext>
+              <a:ext uri="{C183D7F6-B498-43B3-948B-1728B52AA6E4}">
+                <adec:decorative xmlns:adec="http://schemas.microsoft.com/office/drawing/2017/decorative" val="1"/>
+              </a:ext>
+            </a:extLst>
+          </p:cNvPr>
+          <p:cNvSpPr>
+            <a:spLocks noGrp="1" noRot="1" noChangeAspect="1" noMove="1" noResize="1" noEditPoints="1" noAdjustHandles="1" noChangeArrowheads="1" noChangeShapeType="1" noTextEdit="1"/>
+          </p:cNvSpPr>
+          <p:nvPr>
+            <p:extLst>
+              <p:ext uri="{386F3935-93C4-4BCD-93E2-E3B085C9AB24}">
+                <p16:designElem xmlns:p16="http://schemas.microsoft.com/office/powerpoint/2015/main" val="1"/>
+              </p:ext>
+            </p:extLst>
+          </p:nvPr>
+        </p:nvSpPr>
+        <p:spPr>
+          <a:xfrm rot="12508972">
+            <a:off x="5945431" y="-1032053"/>
+            <a:ext cx="4990147" cy="4439131"/>
+          </a:xfrm>
+          <a:custGeom>
+            <a:avLst/>
+            <a:gdLst>
+              <a:gd name="connsiteX0" fmla="*/ 4990147 w 4990147"/>
+              <a:gd name="connsiteY0" fmla="*/ 2229378 h 4439131"/>
+              <a:gd name="connsiteX1" fmla="*/ 917384 w 4990147"/>
+              <a:gd name="connsiteY1" fmla="*/ 4439131 h 4439131"/>
+              <a:gd name="connsiteX2" fmla="*/ 910814 w 4990147"/>
+              <a:gd name="connsiteY2" fmla="*/ 4434219 h 4439131"/>
+              <a:gd name="connsiteX3" fmla="*/ 0 w 4990147"/>
+              <a:gd name="connsiteY3" fmla="*/ 2502877 h 4439131"/>
+              <a:gd name="connsiteX4" fmla="*/ 2502877 w 4990147"/>
+              <a:gd name="connsiteY4" fmla="*/ 0 h 4439131"/>
+              <a:gd name="connsiteX5" fmla="*/ 4954904 w 4990147"/>
+              <a:gd name="connsiteY5" fmla="*/ 1998460 h 4439131"/>
+            </a:gdLst>
+            <a:ahLst/>
+            <a:cxnLst>
+              <a:cxn ang="0">
+                <a:pos x="connsiteX0" y="connsiteY0"/>
+              </a:cxn>
+              <a:cxn ang="0">
+                <a:pos x="connsiteX1" y="connsiteY1"/>
+              </a:cxn>
+              <a:cxn ang="0">
+                <a:pos x="connsiteX2" y="connsiteY2"/>
+              </a:cxn>
+              <a:cxn ang="0">
+                <a:pos x="connsiteX3" y="connsiteY3"/>
+              </a:cxn>
+              <a:cxn ang="0">
+                <a:pos x="connsiteX4" y="connsiteY4"/>
+              </a:cxn>
+              <a:cxn ang="0">
+                <a:pos x="connsiteX5" y="connsiteY5"/>
+              </a:cxn>
+            </a:cxnLst>
+            <a:rect l="l" t="t" r="r" b="b"/>
+            <a:pathLst>
+              <a:path w="4990147" h="4439131">
+                <a:moveTo>
+                  <a:pt x="4990147" y="2229378"/>
+                </a:moveTo>
+                <a:lnTo>
+                  <a:pt x="917384" y="4439131"/>
+                </a:lnTo>
+                <a:lnTo>
+                  <a:pt x="910814" y="4434219"/>
+                </a:lnTo>
+                <a:cubicBezTo>
+                  <a:pt x="354557" y="3975154"/>
+                  <a:pt x="0" y="3280421"/>
+                  <a:pt x="0" y="2502877"/>
+                </a:cubicBezTo>
+                <a:cubicBezTo>
+                  <a:pt x="0" y="1120576"/>
+                  <a:pt x="1120576" y="0"/>
+                  <a:pt x="2502877" y="0"/>
+                </a:cubicBezTo>
+                <a:cubicBezTo>
+                  <a:pt x="3712390" y="0"/>
+                  <a:pt x="4721520" y="857941"/>
+                  <a:pt x="4954904" y="1998460"/>
+                </a:cubicBezTo>
+                <a:close/>
+              </a:path>
+            </a:pathLst>
+          </a:custGeom>
+          <a:gradFill>
+            <a:gsLst>
+              <a:gs pos="0">
+                <a:schemeClr val="accent1">
+                  <a:alpha val="22000"/>
+                </a:schemeClr>
+              </a:gs>
+              <a:gs pos="87000">
+                <a:schemeClr val="accent1">
+                  <a:lumMod val="60000"/>
+                  <a:lumOff val="40000"/>
+                  <a:alpha val="2000"/>
+                </a:schemeClr>
+              </a:gs>
+            </a:gsLst>
+            <a:lin ang="8400000" scaled="0"/>
+          </a:gradFill>
+          <a:ln>
+            <a:noFill/>
+          </a:ln>
+        </p:spPr>
+        <p:style>
+          <a:lnRef idx="2">
+            <a:schemeClr val="accent1">
+              <a:shade val="50000"/>
+            </a:schemeClr>
+          </a:lnRef>
+          <a:fillRef idx="1">
+            <a:schemeClr val="accent1"/>
+          </a:fillRef>
+          <a:effectRef idx="0">
+            <a:schemeClr val="accent1"/>
+          </a:effectRef>
+          <a:fontRef idx="minor">
+            <a:schemeClr val="lt1"/>
+          </a:fontRef>
+        </p:style>
+        <p:txBody>
+          <a:bodyPr wrap="square" rtlCol="0" anchor="ctr">
+            <a:noAutofit/>
+          </a:bodyPr>
+          <a:lstStyle/>
+          <a:p>
+            <a:pPr algn="ctr"/>
+            <a:endParaRPr lang="en-US" dirty="0"/>
+          </a:p>
+        </p:txBody>
+      </p:sp>
+      <p:sp>
+        <p:nvSpPr>
+          <p:cNvPr id="2" name="Title 1">
+            <a:extLst>
+              <a:ext uri="{FF2B5EF4-FFF2-40B4-BE49-F238E27FC236}">
+                <a16:creationId xmlns:a16="http://schemas.microsoft.com/office/drawing/2014/main" id="{5B479FCD-BFB8-A542-BFAA-4C03B0C72546}"/>
+              </a:ext>
+            </a:extLst>
+          </p:cNvPr>
+          <p:cNvSpPr>
+            <a:spLocks noGrp="1"/>
+          </p:cNvSpPr>
+          <p:nvPr>
+            <p:ph type="title"/>
+          </p:nvPr>
+        </p:nvSpPr>
+        <p:spPr>
+          <a:xfrm>
+            <a:off x="1314824" y="735106"/>
+            <a:ext cx="10053763" cy="2928470"/>
+          </a:xfrm>
+        </p:spPr>
+        <p:txBody>
+          <a:bodyPr vert="horz" lIns="91440" tIns="45720" rIns="91440" bIns="45720" rtlCol="0" anchor="b">
+            <a:normAutofit/>
+          </a:bodyPr>
+          <a:lstStyle/>
+          <a:p>
+            <a:r>
+              <a:rPr lang="en-US" sz="4800" kern="1200">
+                <a:solidFill>
+                  <a:srgbClr val="FFFFFF"/>
+                </a:solidFill>
+                <a:latin typeface="+mj-lt"/>
+                <a:ea typeface="+mj-ea"/>
+                <a:cs typeface="+mj-cs"/>
+              </a:rPr>
+              <a:t>Appendix</a:t>
+            </a:r>
+          </a:p>
+        </p:txBody>
+      </p:sp>
+    </p:spTree>
+    <p:extLst>
+      <p:ext uri="{BB962C8B-B14F-4D97-AF65-F5344CB8AC3E}">
+        <p14:creationId xmlns:p14="http://schemas.microsoft.com/office/powerpoint/2010/main" val="3658352796"/>
+      </p:ext>
+    </p:extLst>
+  </p:cSld>
+  <p:clrMapOvr>
+    <a:masterClrMapping/>
+  </p:clrMapOvr>
+</p:sld>
+</file>
+
+<file path=ppt/slides/slide14.xml><?xml version="1.0" encoding="utf-8"?>
 <p:sld xmlns:a="http://schemas.openxmlformats.org/drawingml/2006/main" xmlns:r="http://schemas.openxmlformats.org/officeDocument/2006/relationships" xmlns:p="http://schemas.openxmlformats.org/presentationml/2006/main">
   <p:cSld>
     <p:spTree>
@@ -4461,7 +6462,7 @@
           <p:cNvPr id="2" name="Title 1">
             <a:extLst>
               <a:ext uri="{FF2B5EF4-FFF2-40B4-BE49-F238E27FC236}">
-                <a16:creationId xmlns:a16="http://schemas.microsoft.com/office/drawing/2014/main" id="{5B479FCD-BFB8-A542-BFAA-4C03B0C72546}"/>
+                <a16:creationId xmlns:a16="http://schemas.microsoft.com/office/drawing/2014/main" id="{FCCC1219-0C6D-034C-B5AE-66B28FE2AF5A}"/>
               </a:ext>
             </a:extLst>
           </p:cNvPr>
@@ -4479,7 +6480,7 @@
           <a:p>
             <a:r>
               <a:rPr lang="en-US" dirty="0"/>
-              <a:t>Team and Contributions</a:t>
+              <a:t>Approach to Acquiring the Data: API</a:t>
             </a:r>
           </a:p>
         </p:txBody>
@@ -4489,7 +6490,7 @@
           <p:cNvPr id="3" name="Content Placeholder 2">
             <a:extLst>
               <a:ext uri="{FF2B5EF4-FFF2-40B4-BE49-F238E27FC236}">
-                <a16:creationId xmlns:a16="http://schemas.microsoft.com/office/drawing/2014/main" id="{AB00E6BA-BE1C-D849-A4C6-0AE2A6B4F65C}"/>
+                <a16:creationId xmlns:a16="http://schemas.microsoft.com/office/drawing/2014/main" id="{39B174FE-6367-5942-A419-22ADA79CE723}"/>
               </a:ext>
             </a:extLst>
           </p:cNvPr>
@@ -4502,91 +6503,208 @@
         </p:nvSpPr>
         <p:spPr/>
         <p:txBody>
-          <a:bodyPr/>
-          <a:lstStyle/>
-          <a:p>
-            <a:r>
-              <a:rPr lang="en-US" sz="2800" b="0" dirty="0">
+          <a:bodyPr>
+            <a:normAutofit fontScale="92500" lnSpcReduction="10000"/>
+          </a:bodyPr>
+          <a:lstStyle/>
+          <a:p>
+            <a:pPr marL="0" indent="0">
+              <a:buNone/>
+            </a:pPr>
+            <a:r>
+              <a:rPr lang="en-US" sz="2000" b="0" i="0" u="none" strike="noStrike" dirty="0">
+                <a:solidFill>
+                  <a:srgbClr val="292929"/>
+                </a:solidFill>
                 <a:effectLst/>
               </a:rPr>
-              <a:t>Harsh </a:t>
-            </a:r>
-            <a:r>
-              <a:rPr lang="en-US" sz="2800" b="0" dirty="0" err="1">
+              <a:t>Leverage Spotify API + Genius Lyrics for Data Science Tasks in Python </a:t>
+            </a:r>
+            <a:endParaRPr lang="en-US" sz="2000" b="0" dirty="0">
+              <a:solidFill>
+                <a:srgbClr val="292929"/>
+              </a:solidFill>
+            </a:endParaRPr>
+          </a:p>
+          <a:p>
+            <a:r>
+              <a:rPr lang="en-US" b="1" i="0" u="none" strike="noStrike" dirty="0">
+                <a:solidFill>
+                  <a:srgbClr val="292929"/>
+                </a:solidFill>
                 <a:effectLst/>
               </a:rPr>
-              <a:t>Bolakani</a:t>
-            </a:r>
-            <a:endParaRPr lang="en-US" sz="2800" b="0" dirty="0">
+              <a:t>Install Libraries</a:t>
+            </a:r>
+          </a:p>
+          <a:p>
+            <a:pPr lvl="1"/>
+            <a:r>
+              <a:rPr lang="en-US" i="0" u="none" strike="noStrike" dirty="0">
+                <a:solidFill>
+                  <a:srgbClr val="292929"/>
+                </a:solidFill>
+                <a:effectLst/>
+              </a:rPr>
+              <a:t>Libraries here…</a:t>
+            </a:r>
+          </a:p>
+          <a:p>
+            <a:r>
+              <a:rPr lang="en-US" b="1" i="0" u="none" strike="noStrike" dirty="0">
+                <a:solidFill>
+                  <a:srgbClr val="292929"/>
+                </a:solidFill>
+                <a:effectLst/>
+              </a:rPr>
+              <a:t>Connecting To Spotify API</a:t>
+            </a:r>
+          </a:p>
+          <a:p>
+            <a:pPr lvl="1"/>
+            <a:r>
+              <a:rPr lang="en-US" b="0" i="0" u="none" strike="noStrike" dirty="0">
+                <a:solidFill>
+                  <a:srgbClr val="292929"/>
+                </a:solidFill>
+                <a:effectLst/>
+              </a:rPr>
+              <a:t>register for a Spotify developer account</a:t>
+            </a:r>
+            <a:endParaRPr lang="en-US" b="1" dirty="0">
+              <a:solidFill>
+                <a:srgbClr val="292929"/>
+              </a:solidFill>
+            </a:endParaRPr>
+          </a:p>
+          <a:p>
+            <a:pPr lvl="1"/>
+            <a:r>
+              <a:rPr lang="en-US" b="0" i="0" u="none" strike="noStrike" dirty="0">
+                <a:solidFill>
+                  <a:srgbClr val="292929"/>
+                </a:solidFill>
+                <a:effectLst/>
+              </a:rPr>
+              <a:t>access to unique tokens which will allow for a seamless connection (client id and secret key)</a:t>
+            </a:r>
+            <a:endParaRPr lang="en-US" b="1" i="0" u="none" strike="noStrike" dirty="0">
+              <a:solidFill>
+                <a:srgbClr val="292929"/>
+              </a:solidFill>
               <a:effectLst/>
             </a:endParaRPr>
           </a:p>
           <a:p>
+            <a:r>
+              <a:rPr lang="en-US" b="1" i="0" u="none" strike="noStrike" dirty="0">
+                <a:solidFill>
+                  <a:srgbClr val="292929"/>
+                </a:solidFill>
+                <a:effectLst/>
+              </a:rPr>
+              <a:t>Extrapolating Data From Spotify API</a:t>
+            </a:r>
+          </a:p>
+          <a:p>
             <a:pPr lvl="1"/>
             <a:r>
-              <a:rPr lang="en-US" dirty="0"/>
-              <a:t>Words…</a:t>
-            </a:r>
-          </a:p>
-          <a:p>
-            <a:pPr lvl="1"/>
-            <a:r>
-              <a:rPr lang="en-US" dirty="0"/>
-              <a:t>Words…</a:t>
-            </a:r>
-            <a:endParaRPr lang="en-US" b="0" dirty="0">
+              <a:rPr lang="en-US" b="0" i="0" u="none" strike="noStrike" dirty="0">
+                <a:solidFill>
+                  <a:srgbClr val="292929"/>
+                </a:solidFill>
+                <a:effectLst/>
+              </a:rPr>
+              <a:t>create a function that will take all the songs from any given album and insert the relevant information into a pandas </a:t>
+            </a:r>
+            <a:r>
+              <a:rPr lang="en-US" b="0" i="0" u="none" strike="noStrike" dirty="0" err="1">
+                <a:solidFill>
+                  <a:srgbClr val="292929"/>
+                </a:solidFill>
+                <a:effectLst/>
+              </a:rPr>
+              <a:t>dataframe</a:t>
+            </a:r>
+            <a:r>
+              <a:rPr lang="en-US" b="0" i="0" u="none" strike="noStrike" dirty="0">
+                <a:solidFill>
+                  <a:srgbClr val="292929"/>
+                </a:solidFill>
+                <a:effectLst/>
+              </a:rPr>
+              <a:t>.</a:t>
+            </a:r>
+            <a:endParaRPr lang="en-US" b="1" i="0" u="none" strike="noStrike" dirty="0">
+              <a:solidFill>
+                <a:srgbClr val="292929"/>
+              </a:solidFill>
               <a:effectLst/>
             </a:endParaRPr>
           </a:p>
           <a:p>
             <a:r>
-              <a:rPr lang="en-US" sz="2800" b="0" dirty="0">
+              <a:rPr lang="en-US" b="1" i="0" u="none" strike="noStrike" dirty="0">
+                <a:solidFill>
+                  <a:srgbClr val="292929"/>
+                </a:solidFill>
                 <a:effectLst/>
               </a:rPr>
-              <a:t>Greg Morgan</a:t>
-            </a:r>
-          </a:p>
-          <a:p>
-            <a:pPr lvl="1"/>
-            <a:r>
-              <a:rPr lang="en-US" dirty="0"/>
-              <a:t>Words…</a:t>
-            </a:r>
-          </a:p>
-          <a:p>
-            <a:pPr lvl="1"/>
-            <a:r>
-              <a:rPr lang="en-US" dirty="0"/>
-              <a:t>Words…</a:t>
-            </a:r>
-            <a:endParaRPr lang="en-US" b="0" dirty="0">
+              <a:t>Attaching Song Lyrics From </a:t>
+            </a:r>
+            <a:r>
+              <a:rPr lang="en-US" b="1" i="0" u="none" strike="noStrike" dirty="0" err="1">
+                <a:solidFill>
+                  <a:srgbClr val="292929"/>
+                </a:solidFill>
+                <a:effectLst/>
+              </a:rPr>
+              <a:t>Genius.com</a:t>
+            </a:r>
+            <a:endParaRPr lang="en-US" b="1" i="0" u="none" strike="noStrike" dirty="0">
+              <a:solidFill>
+                <a:srgbClr val="292929"/>
+              </a:solidFill>
               <a:effectLst/>
             </a:endParaRPr>
           </a:p>
           <a:p>
-            <a:r>
-              <a:rPr lang="en-US" sz="2800" b="0" dirty="0">
+            <a:pPr lvl="1"/>
+            <a:r>
+              <a:rPr lang="en-US" b="0" i="0" u="none" strike="noStrike" dirty="0">
+                <a:solidFill>
+                  <a:srgbClr val="292929"/>
+                </a:solidFill>
                 <a:effectLst/>
               </a:rPr>
-              <a:t>Trevor Pawlewicz</a:t>
-            </a:r>
-          </a:p>
-          <a:p>
-            <a:pPr lvl="1"/>
-            <a:r>
-              <a:rPr lang="en-US" dirty="0"/>
-              <a:t>Words…</a:t>
-            </a:r>
-          </a:p>
-          <a:p>
-            <a:pPr lvl="1"/>
-            <a:r>
-              <a:rPr lang="en-US" dirty="0"/>
-              <a:t>Words…</a:t>
-            </a:r>
-          </a:p>
-          <a:p>
-            <a:pPr lvl="1"/>
+              <a:t>web scrapping Genius to attach the lyrics of the songs to our </a:t>
+            </a:r>
+            <a:r>
+              <a:rPr lang="en-US" b="0" i="0" u="none" strike="noStrike" dirty="0" err="1">
+                <a:solidFill>
+                  <a:srgbClr val="292929"/>
+                </a:solidFill>
+                <a:effectLst/>
+              </a:rPr>
+              <a:t>dataframe</a:t>
+            </a:r>
+            <a:r>
+              <a:rPr lang="en-US" b="0" i="0" u="none" strike="noStrike" dirty="0">
+                <a:solidFill>
+                  <a:srgbClr val="292929"/>
+                </a:solidFill>
+                <a:effectLst/>
+              </a:rPr>
+              <a:t>.</a:t>
+            </a:r>
+            <a:endParaRPr lang="en-US" b="1" i="0" u="none" strike="noStrike" dirty="0">
+              <a:solidFill>
+                <a:srgbClr val="292929"/>
+              </a:solidFill>
+              <a:effectLst/>
+            </a:endParaRPr>
+          </a:p>
+          <a:p>
             <a:endParaRPr lang="en-US" dirty="0"/>
           </a:p>
         </p:txBody>
@@ -4594,7 +6712,7 @@
     </p:spTree>
     <p:extLst>
       <p:ext uri="{BB962C8B-B14F-4D97-AF65-F5344CB8AC3E}">
-        <p14:creationId xmlns:p14="http://schemas.microsoft.com/office/powerpoint/2010/main" val="4008387317"/>
+        <p14:creationId xmlns:p14="http://schemas.microsoft.com/office/powerpoint/2010/main" val="2249389748"/>
       </p:ext>
     </p:extLst>
   </p:cSld>
@@ -4604,7 +6722,7 @@
 </p:sld>
 </file>
 
-<file path=ppt/slides/slide2.xml><?xml version="1.0" encoding="utf-8"?>
+<file path=ppt/slides/slide15.xml><?xml version="1.0" encoding="utf-8"?>
 <p:sld xmlns:a="http://schemas.openxmlformats.org/drawingml/2006/main" xmlns:r="http://schemas.openxmlformats.org/officeDocument/2006/relationships" xmlns:p="http://schemas.openxmlformats.org/presentationml/2006/main">
   <p:cSld>
     <p:spTree>
@@ -4626,7 +6744,7 @@
           <p:cNvPr id="2" name="Title 1">
             <a:extLst>
               <a:ext uri="{FF2B5EF4-FFF2-40B4-BE49-F238E27FC236}">
-                <a16:creationId xmlns:a16="http://schemas.microsoft.com/office/drawing/2014/main" id="{5C4F02F6-349D-954F-B02F-78EBD3017252}"/>
+                <a16:creationId xmlns:a16="http://schemas.microsoft.com/office/drawing/2014/main" id="{FCCC1219-0C6D-034C-B5AE-66B28FE2AF5A}"/>
               </a:ext>
             </a:extLst>
           </p:cNvPr>
@@ -4644,7 +6762,11 @@
           <a:p>
             <a:r>
               <a:rPr lang="en-US" dirty="0"/>
-              <a:t>Introduction and Purpose of Dataset</a:t>
+              <a:t>Approach to Acquiring the Data: </a:t>
+            </a:r>
+            <a:r>
+              <a:rPr lang="en-US" sz="4000" dirty="0"/>
+              <a:t>Web Scraping</a:t>
             </a:r>
           </a:p>
         </p:txBody>
@@ -4654,7 +6776,7 @@
           <p:cNvPr id="3" name="Content Placeholder 2">
             <a:extLst>
               <a:ext uri="{FF2B5EF4-FFF2-40B4-BE49-F238E27FC236}">
-                <a16:creationId xmlns:a16="http://schemas.microsoft.com/office/drawing/2014/main" id="{3A721E59-1DC4-3845-9DB3-10F69E64143F}"/>
+                <a16:creationId xmlns:a16="http://schemas.microsoft.com/office/drawing/2014/main" id="{39B174FE-6367-5942-A419-22ADA79CE723}"/>
               </a:ext>
             </a:extLst>
           </p:cNvPr>
@@ -4665,29 +6787,496 @@
             <p:ph idx="1"/>
           </p:nvPr>
         </p:nvSpPr>
+        <p:spPr>
+          <a:xfrm>
+            <a:off x="746235" y="1825625"/>
+            <a:ext cx="10752082" cy="4351338"/>
+          </a:xfrm>
+        </p:spPr>
+        <p:txBody>
+          <a:bodyPr>
+            <a:normAutofit lnSpcReduction="10000"/>
+          </a:bodyPr>
+          <a:lstStyle/>
+          <a:p>
+            <a:pPr marL="0" indent="0">
+              <a:buNone/>
+            </a:pPr>
+            <a:r>
+              <a:rPr lang="en-US" sz="1400" b="1" dirty="0"/>
+              <a:t>Web scraping</a:t>
+            </a:r>
+            <a:r>
+              <a:rPr lang="en-US" sz="1400" dirty="0"/>
+              <a:t> is the process of gathering information from the Internet. Even copying and pasting the lyrics of your favorite song is a form of web scraping!</a:t>
+            </a:r>
+            <a:endParaRPr lang="en-US" sz="1400" b="1" dirty="0">
+              <a:solidFill>
+                <a:srgbClr val="292929"/>
+              </a:solidFill>
+            </a:endParaRPr>
+          </a:p>
+          <a:p>
+            <a:pPr marL="0" indent="0">
+              <a:buNone/>
+            </a:pPr>
+            <a:r>
+              <a:rPr lang="en-US" sz="2400" b="1" dirty="0"/>
+              <a:t>Step 1: Inspect Your Data Source (Explore the Website)</a:t>
+            </a:r>
+          </a:p>
+          <a:p>
+            <a:r>
+              <a:rPr lang="en-US" sz="1600" dirty="0"/>
+              <a:t>Understand the site structure to extract the information that’s relevant for you.</a:t>
+            </a:r>
+          </a:p>
+          <a:p>
+            <a:r>
+              <a:rPr lang="en-US" sz="1600" dirty="0"/>
+              <a:t>Decipher the Information in URLs</a:t>
+            </a:r>
+          </a:p>
+          <a:p>
+            <a:r>
+              <a:rPr lang="en-US" sz="1700" dirty="0"/>
+              <a:t>Inspect the Site Using Developer Tools</a:t>
+            </a:r>
+            <a:endParaRPr lang="en-US" sz="1600" dirty="0"/>
+          </a:p>
+          <a:p>
+            <a:pPr marL="0" indent="0">
+              <a:buNone/>
+            </a:pPr>
+            <a:r>
+              <a:rPr lang="en-US" sz="2400" b="1" dirty="0"/>
+              <a:t>Step 2: Scrape HTML Content From a Page</a:t>
+            </a:r>
+          </a:p>
+          <a:p>
+            <a:r>
+              <a:rPr lang="en-US" sz="1600" dirty="0"/>
+              <a:t>Find Elements by HTML class name</a:t>
+            </a:r>
+            <a:endParaRPr lang="en-US" sz="2400" dirty="0"/>
+          </a:p>
+          <a:p>
+            <a:pPr marL="0" indent="0">
+              <a:buNone/>
+            </a:pPr>
+            <a:r>
+              <a:rPr lang="en-US" sz="2400" b="1" dirty="0"/>
+              <a:t>Step 3: Parse HTML Code With Beautiful Soup</a:t>
+            </a:r>
+          </a:p>
+          <a:p>
+            <a:r>
+              <a:rPr lang="en-US" sz="1600" dirty="0"/>
+              <a:t>Find Elements and extract by ID, class name, …</a:t>
+            </a:r>
+          </a:p>
+          <a:p>
+            <a:r>
+              <a:rPr lang="en-US" sz="1600" dirty="0"/>
+              <a:t>Extract Text From HTML Elements</a:t>
+            </a:r>
+          </a:p>
+          <a:p>
+            <a:r>
+              <a:rPr lang="en-US" sz="1600" dirty="0"/>
+              <a:t>Pass a Function to a Beautiful Soup Method</a:t>
+            </a:r>
+          </a:p>
+          <a:p>
+            <a:pPr marL="0" indent="0">
+              <a:buNone/>
+            </a:pPr>
+            <a:r>
+              <a:rPr lang="en-US" sz="1300" dirty="0">
+                <a:hlinkClick r:id="rId3"/>
+              </a:rPr>
+              <a:t>https://realpython.com/beautiful-soup-web-scraper-python/#step-1-inspect-your-data-source</a:t>
+            </a:r>
+            <a:endParaRPr lang="en-US" sz="1300" dirty="0"/>
+          </a:p>
+          <a:p>
+            <a:pPr marL="0" indent="0">
+              <a:buNone/>
+            </a:pPr>
+            <a:endParaRPr lang="en-US" dirty="0"/>
+          </a:p>
+        </p:txBody>
+      </p:sp>
+    </p:spTree>
+    <p:extLst>
+      <p:ext uri="{BB962C8B-B14F-4D97-AF65-F5344CB8AC3E}">
+        <p14:creationId xmlns:p14="http://schemas.microsoft.com/office/powerpoint/2010/main" val="2604059689"/>
+      </p:ext>
+    </p:extLst>
+  </p:cSld>
+  <p:clrMapOvr>
+    <a:masterClrMapping/>
+  </p:clrMapOvr>
+</p:sld>
+</file>
+
+<file path=ppt/slides/slide16.xml><?xml version="1.0" encoding="utf-8"?>
+<p:sld xmlns:a="http://schemas.openxmlformats.org/drawingml/2006/main" xmlns:r="http://schemas.openxmlformats.org/officeDocument/2006/relationships" xmlns:p="http://schemas.openxmlformats.org/presentationml/2006/main">
+  <p:cSld>
+    <p:spTree>
+      <p:nvGrpSpPr>
+        <p:cNvPr id="1" name=""/>
+        <p:cNvGrpSpPr/>
+        <p:nvPr/>
+      </p:nvGrpSpPr>
+      <p:grpSpPr>
+        <a:xfrm>
+          <a:off x="0" y="0"/>
+          <a:ext cx="0" cy="0"/>
+          <a:chOff x="0" y="0"/>
+          <a:chExt cx="0" cy="0"/>
+        </a:xfrm>
+      </p:grpSpPr>
+      <p:sp>
+        <p:nvSpPr>
+          <p:cNvPr id="2" name="Title 1">
+            <a:extLst>
+              <a:ext uri="{FF2B5EF4-FFF2-40B4-BE49-F238E27FC236}">
+                <a16:creationId xmlns:a16="http://schemas.microsoft.com/office/drawing/2014/main" id="{FCCC1219-0C6D-034C-B5AE-66B28FE2AF5A}"/>
+              </a:ext>
+            </a:extLst>
+          </p:cNvPr>
+          <p:cNvSpPr>
+            <a:spLocks noGrp="1"/>
+          </p:cNvSpPr>
+          <p:nvPr>
+            <p:ph type="title"/>
+          </p:nvPr>
+        </p:nvSpPr>
         <p:spPr/>
+        <p:txBody>
+          <a:bodyPr/>
+          <a:lstStyle/>
+          <a:p>
+            <a:r>
+              <a:rPr lang="en-US" dirty="0"/>
+              <a:t>Approach to Acquiring the Data: </a:t>
+            </a:r>
+            <a:r>
+              <a:rPr lang="en-US" sz="4000" dirty="0"/>
+              <a:t>Web Scraping</a:t>
+            </a:r>
+          </a:p>
+        </p:txBody>
+      </p:sp>
+      <p:sp>
+        <p:nvSpPr>
+          <p:cNvPr id="3" name="Content Placeholder 2">
+            <a:extLst>
+              <a:ext uri="{FF2B5EF4-FFF2-40B4-BE49-F238E27FC236}">
+                <a16:creationId xmlns:a16="http://schemas.microsoft.com/office/drawing/2014/main" id="{39B174FE-6367-5942-A419-22ADA79CE723}"/>
+              </a:ext>
+            </a:extLst>
+          </p:cNvPr>
+          <p:cNvSpPr>
+            <a:spLocks noGrp="1"/>
+          </p:cNvSpPr>
+          <p:nvPr>
+            <p:ph idx="1"/>
+          </p:nvPr>
+        </p:nvSpPr>
+        <p:spPr>
+          <a:xfrm>
+            <a:off x="746235" y="1825625"/>
+            <a:ext cx="10752082" cy="4351338"/>
+          </a:xfrm>
+        </p:spPr>
         <p:txBody>
           <a:bodyPr>
             <a:normAutofit/>
           </a:bodyPr>
           <a:lstStyle/>
           <a:p>
+            <a:pPr>
+              <a:buFont typeface="+mj-lt"/>
+              <a:buAutoNum type="arabicPeriod"/>
+            </a:pPr>
+            <a:r>
+              <a:rPr lang="en-US" dirty="0"/>
+              <a:t>Fetch the main URL HTML code.</a:t>
+            </a:r>
+          </a:p>
+          <a:p>
+            <a:pPr>
+              <a:buFont typeface="+mj-lt"/>
+              <a:buAutoNum type="arabicPeriod"/>
+            </a:pPr>
+            <a:r>
+              <a:rPr lang="en-US" dirty="0"/>
+              <a:t>Feed that HTML to </a:t>
+            </a:r>
+            <a:r>
+              <a:rPr lang="en-US" dirty="0" err="1"/>
+              <a:t>BeautifulSoup</a:t>
+            </a:r>
+            <a:r>
+              <a:rPr lang="en-US" dirty="0"/>
+              <a:t>.</a:t>
+            </a:r>
+          </a:p>
+          <a:p>
+            <a:pPr>
+              <a:buFont typeface="+mj-lt"/>
+              <a:buAutoNum type="arabicPeriod"/>
+            </a:pPr>
+            <a:r>
+              <a:rPr lang="en-US" dirty="0"/>
+              <a:t>Extract each song from the list and get the wiki link of each book.</a:t>
+            </a:r>
+          </a:p>
+          <a:p>
+            <a:pPr>
+              <a:buFont typeface="+mj-lt"/>
+              <a:buAutoNum type="arabicPeriod"/>
+            </a:pPr>
+            <a:r>
+              <a:rPr lang="en-US" dirty="0"/>
+              <a:t>Obtain lyrical data for each song.</a:t>
+            </a:r>
+          </a:p>
+          <a:p>
+            <a:pPr>
+              <a:buFont typeface="+mj-lt"/>
+              <a:buAutoNum type="arabicPeriod"/>
+            </a:pPr>
+            <a:r>
+              <a:rPr lang="en-US" dirty="0"/>
+              <a:t>Get all songs lyrical data, clean, and plot final results.</a:t>
+            </a:r>
+          </a:p>
+          <a:p>
             <a:pPr marL="0" indent="0">
               <a:buNone/>
             </a:pPr>
-            <a:r>
-              <a:rPr lang="en-US" b="0" dirty="0">
-                <a:effectLst/>
-              </a:rPr>
-              <a:t>We will explore the area of music and lyrical content, possibly notes and chord progressions, to find trends in popular music.</a:t>
-            </a:r>
-          </a:p>
+            <a:endParaRPr lang="en-US" dirty="0"/>
+          </a:p>
+        </p:txBody>
+      </p:sp>
+    </p:spTree>
+    <p:extLst>
+      <p:ext uri="{BB962C8B-B14F-4D97-AF65-F5344CB8AC3E}">
+        <p14:creationId xmlns:p14="http://schemas.microsoft.com/office/powerpoint/2010/main" val="711782481"/>
+      </p:ext>
+    </p:extLst>
+  </p:cSld>
+  <p:clrMapOvr>
+    <a:masterClrMapping/>
+  </p:clrMapOvr>
+</p:sld>
+</file>
+
+<file path=ppt/slides/slide2.xml><?xml version="1.0" encoding="utf-8"?>
+<p:sld xmlns:a="http://schemas.openxmlformats.org/drawingml/2006/main" xmlns:r="http://schemas.openxmlformats.org/officeDocument/2006/relationships" xmlns:p="http://schemas.openxmlformats.org/presentationml/2006/main">
+  <p:cSld>
+    <p:bg>
+      <p:bgPr>
+        <a:solidFill>
+          <a:schemeClr val="bg1"/>
+        </a:solidFill>
+        <a:effectLst/>
+      </p:bgPr>
+    </p:bg>
+    <p:spTree>
+      <p:nvGrpSpPr>
+        <p:cNvPr id="1" name=""/>
+        <p:cNvGrpSpPr/>
+        <p:nvPr/>
+      </p:nvGrpSpPr>
+      <p:grpSpPr>
+        <a:xfrm>
+          <a:off x="0" y="0"/>
+          <a:ext cx="0" cy="0"/>
+          <a:chOff x="0" y="0"/>
+          <a:chExt cx="0" cy="0"/>
+        </a:xfrm>
+      </p:grpSpPr>
+      <p:sp useBgFill="1">
+        <p:nvSpPr>
+          <p:cNvPr id="8" name="Rectangle 7">
+            <a:extLst>
+              <a:ext uri="{FF2B5EF4-FFF2-40B4-BE49-F238E27FC236}">
+                <a16:creationId xmlns:a16="http://schemas.microsoft.com/office/drawing/2014/main" id="{979E27D9-03C7-44E2-9FF8-15D0C8506AF7}"/>
+              </a:ext>
+              <a:ext uri="{C183D7F6-B498-43B3-948B-1728B52AA6E4}">
+                <adec:decorative xmlns:adec="http://schemas.microsoft.com/office/drawing/2017/decorative" val="1"/>
+              </a:ext>
+            </a:extLst>
+          </p:cNvPr>
+          <p:cNvSpPr>
+            <a:spLocks noGrp="1" noRot="1" noChangeAspect="1" noMove="1" noResize="1" noEditPoints="1" noAdjustHandles="1" noChangeArrowheads="1" noChangeShapeType="1" noTextEdit="1"/>
+          </p:cNvSpPr>
+          <p:nvPr>
+            <p:extLst>
+              <p:ext uri="{386F3935-93C4-4BCD-93E2-E3B085C9AB24}">
+                <p16:designElem xmlns:p16="http://schemas.microsoft.com/office/powerpoint/2015/main" val="1"/>
+              </p:ext>
+            </p:extLst>
+          </p:nvPr>
+        </p:nvSpPr>
+        <p:spPr>
+          <a:xfrm>
+            <a:off x="0" y="0"/>
+            <a:ext cx="12192000" cy="6858000"/>
+          </a:xfrm>
+          <a:prstGeom prst="rect">
+            <a:avLst/>
+          </a:prstGeom>
+          <a:ln w="12700" cap="flat" cmpd="sng" algn="ctr">
+            <a:noFill/>
+            <a:prstDash val="solid"/>
+            <a:miter lim="800000"/>
+          </a:ln>
+          <a:effectLst/>
+          <a:extLst>
+            <a:ext uri="{91240B29-F687-4F45-9708-019B960494DF}">
+              <a14:hiddenLine xmlns:a14="http://schemas.microsoft.com/office/drawing/2010/main" w="12700" cap="flat" cmpd="sng" algn="ctr">
+                <a:solidFill>
+                  <a:schemeClr val="accent1">
+                    <a:shade val="50000"/>
+                  </a:schemeClr>
+                </a:solidFill>
+                <a:prstDash val="solid"/>
+                <a:miter lim="800000"/>
+              </a14:hiddenLine>
+            </a:ext>
+          </a:extLst>
+        </p:spPr>
+        <p:style>
+          <a:lnRef idx="2">
+            <a:schemeClr val="accent1">
+              <a:shade val="50000"/>
+            </a:schemeClr>
+          </a:lnRef>
+          <a:fillRef idx="1">
+            <a:schemeClr val="accent1"/>
+          </a:fillRef>
+          <a:effectRef idx="0">
+            <a:schemeClr val="accent1"/>
+          </a:effectRef>
+          <a:fontRef idx="minor">
+            <a:schemeClr val="lt1"/>
+          </a:fontRef>
+        </p:style>
+        <p:txBody>
+          <a:bodyPr rtlCol="0" anchor="ctr"/>
+          <a:lstStyle/>
+          <a:p>
+            <a:pPr algn="ctr"/>
+            <a:endParaRPr lang="en-US"/>
+          </a:p>
+        </p:txBody>
+      </p:sp>
+      <p:sp>
+        <p:nvSpPr>
+          <p:cNvPr id="2" name="Title 1">
+            <a:extLst>
+              <a:ext uri="{FF2B5EF4-FFF2-40B4-BE49-F238E27FC236}">
+                <a16:creationId xmlns:a16="http://schemas.microsoft.com/office/drawing/2014/main" id="{5C4F02F6-349D-954F-B02F-78EBD3017252}"/>
+              </a:ext>
+            </a:extLst>
+          </p:cNvPr>
+          <p:cNvSpPr>
+            <a:spLocks noGrp="1"/>
+          </p:cNvSpPr>
+          <p:nvPr>
+            <p:ph type="title"/>
+          </p:nvPr>
+        </p:nvSpPr>
+        <p:spPr>
+          <a:xfrm>
+            <a:off x="1136397" y="502022"/>
+            <a:ext cx="9688296" cy="1388356"/>
+          </a:xfrm>
+        </p:spPr>
+        <p:txBody>
+          <a:bodyPr anchor="b">
+            <a:normAutofit/>
+          </a:bodyPr>
+          <a:lstStyle/>
+          <a:p>
+            <a:r>
+              <a:rPr lang="en-US" sz="4000" b="1" dirty="0"/>
+              <a:t>Introduction and Purpose of Dataset</a:t>
+            </a:r>
+          </a:p>
+        </p:txBody>
+      </p:sp>
+      <p:sp>
+        <p:nvSpPr>
+          <p:cNvPr id="3" name="Content Placeholder 2">
+            <a:extLst>
+              <a:ext uri="{FF2B5EF4-FFF2-40B4-BE49-F238E27FC236}">
+                <a16:creationId xmlns:a16="http://schemas.microsoft.com/office/drawing/2014/main" id="{3A721E59-1DC4-3845-9DB3-10F69E64143F}"/>
+              </a:ext>
+            </a:extLst>
+          </p:cNvPr>
+          <p:cNvSpPr>
+            <a:spLocks noGrp="1"/>
+          </p:cNvSpPr>
+          <p:nvPr>
+            <p:ph idx="1"/>
+          </p:nvPr>
+        </p:nvSpPr>
+        <p:spPr>
+          <a:xfrm>
+            <a:off x="1136397" y="2418409"/>
+            <a:ext cx="9688296" cy="3454358"/>
+          </a:xfrm>
+        </p:spPr>
+        <p:txBody>
+          <a:bodyPr anchor="t">
+            <a:normAutofit/>
+          </a:bodyPr>
+          <a:lstStyle/>
           <a:p>
             <a:pPr marL="0" indent="0">
               <a:buNone/>
             </a:pPr>
             <a:r>
-              <a:rPr lang="en-US" b="0" dirty="0">
+              <a:rPr lang="en-US" sz="2000" b="0" dirty="0">
+                <a:effectLst/>
+              </a:rPr>
+              <a:t>We will explore the area of music and lyrical content</a:t>
+            </a:r>
+            <a:r>
+              <a:rPr lang="en-US" sz="2000" dirty="0"/>
+              <a:t> </a:t>
+            </a:r>
+            <a:r>
+              <a:rPr lang="en-US" sz="2000" b="0" dirty="0">
+                <a:effectLst/>
+              </a:rPr>
+              <a:t>to find trends in popular music according to </a:t>
+            </a:r>
+            <a:r>
+              <a:rPr lang="en-US" sz="2000" b="0" i="1" dirty="0">
+                <a:effectLst/>
+              </a:rPr>
+              <a:t>genre</a:t>
+            </a:r>
+            <a:r>
+              <a:rPr lang="en-US" sz="2000" b="0" dirty="0">
+                <a:effectLst/>
+              </a:rPr>
+              <a:t>.</a:t>
+            </a:r>
+          </a:p>
+          <a:p>
+            <a:pPr marL="0" indent="0">
+              <a:buNone/>
+            </a:pPr>
+            <a:r>
+              <a:rPr lang="en-US" sz="2000" b="0" dirty="0">
                 <a:effectLst/>
               </a:rPr>
               <a:t>We will ask if popular hit music (chart ranking and top selling songs) have trends in the following way:</a:t>
@@ -4696,7 +7285,7 @@
           <a:p>
             <a:pPr lvl="1"/>
             <a:r>
-              <a:rPr lang="en-US" b="0" dirty="0">
+              <a:rPr lang="en-US" sz="2000" b="0" dirty="0">
                 <a:effectLst/>
               </a:rPr>
               <a:t>Are there common words and/or phrases?</a:t>
@@ -4705,7 +7294,7 @@
           <a:p>
             <a:pPr lvl="1"/>
             <a:r>
-              <a:rPr lang="en-US" b="0" dirty="0">
+              <a:rPr lang="en-US" sz="2000" b="0" dirty="0">
                 <a:effectLst/>
               </a:rPr>
               <a:t>Are the common themes?</a:t>
@@ -4714,23 +7303,171 @@
           <a:p>
             <a:pPr lvl="1"/>
             <a:r>
-              <a:rPr lang="en-US" b="0" dirty="0">
+              <a:rPr lang="en-US" sz="2000" b="0" dirty="0">
                 <a:effectLst/>
               </a:rPr>
-              <a:t>Are there common notes and chords?</a:t>
-            </a:r>
-          </a:p>
-          <a:p>
-            <a:pPr lvl="1"/>
-            <a:r>
-              <a:rPr lang="en-US" b="0" dirty="0">
-                <a:effectLst/>
-              </a:rPr>
-              <a:t>Is there a structure in notes/chords that make certain moods?</a:t>
-            </a:r>
-          </a:p>
-          <a:p>
-            <a:endParaRPr lang="en-US" dirty="0"/>
+              <a:t>What words can be used in a specific genre to write a popular song lyric?</a:t>
+            </a:r>
+          </a:p>
+          <a:p>
+            <a:pPr marL="457200" lvl="1" indent="0">
+              <a:buNone/>
+            </a:pPr>
+            <a:endParaRPr lang="en-US" sz="2000" b="0" dirty="0">
+              <a:effectLst/>
+            </a:endParaRPr>
+          </a:p>
+          <a:p>
+            <a:r>
+              <a:rPr lang="en-US" sz="2000" dirty="0"/>
+              <a:t>We would like to give developers a dataset to create phrases to help write a popular song in a specific genre.</a:t>
+            </a:r>
+          </a:p>
+        </p:txBody>
+      </p:sp>
+      <p:sp>
+        <p:nvSpPr>
+          <p:cNvPr id="10" name="Rectangle 9">
+            <a:extLst>
+              <a:ext uri="{FF2B5EF4-FFF2-40B4-BE49-F238E27FC236}">
+                <a16:creationId xmlns:a16="http://schemas.microsoft.com/office/drawing/2014/main" id="{EEBF1590-3B36-48EE-A89D-3B6F3CB256AB}"/>
+              </a:ext>
+              <a:ext uri="{C183D7F6-B498-43B3-948B-1728B52AA6E4}">
+                <adec:decorative xmlns:adec="http://schemas.microsoft.com/office/drawing/2017/decorative" val="1"/>
+              </a:ext>
+            </a:extLst>
+          </p:cNvPr>
+          <p:cNvSpPr>
+            <a:spLocks noGrp="1" noRot="1" noChangeAspect="1" noMove="1" noResize="1" noEditPoints="1" noAdjustHandles="1" noChangeArrowheads="1" noChangeShapeType="1" noTextEdit="1"/>
+          </p:cNvSpPr>
+          <p:nvPr>
+            <p:extLst>
+              <p:ext uri="{386F3935-93C4-4BCD-93E2-E3B085C9AB24}">
+                <p16:designElem xmlns:p16="http://schemas.microsoft.com/office/powerpoint/2015/main" val="1"/>
+              </p:ext>
+            </p:extLst>
+          </p:nvPr>
+        </p:nvSpPr>
+        <p:spPr>
+          <a:xfrm rot="10800000" flipH="1">
+            <a:off x="0" y="6400799"/>
+            <a:ext cx="12192000" cy="456773"/>
+          </a:xfrm>
+          <a:prstGeom prst="rect">
+            <a:avLst/>
+          </a:prstGeom>
+          <a:gradFill>
+            <a:gsLst>
+              <a:gs pos="0">
+                <a:schemeClr val="accent1"/>
+              </a:gs>
+              <a:gs pos="78000">
+                <a:srgbClr val="000000"/>
+              </a:gs>
+            </a:gsLst>
+            <a:lin ang="2400000" scaled="0"/>
+          </a:gradFill>
+          <a:ln>
+            <a:noFill/>
+          </a:ln>
+        </p:spPr>
+        <p:style>
+          <a:lnRef idx="2">
+            <a:schemeClr val="accent1">
+              <a:shade val="50000"/>
+            </a:schemeClr>
+          </a:lnRef>
+          <a:fillRef idx="1">
+            <a:schemeClr val="accent1"/>
+          </a:fillRef>
+          <a:effectRef idx="0">
+            <a:schemeClr val="accent1"/>
+          </a:effectRef>
+          <a:fontRef idx="minor">
+            <a:schemeClr val="lt1"/>
+          </a:fontRef>
+        </p:style>
+        <p:txBody>
+          <a:bodyPr rtlCol="0" anchor="ctr"/>
+          <a:lstStyle/>
+          <a:p>
+            <a:pPr algn="ctr"/>
+            <a:endParaRPr lang="en-US"/>
+          </a:p>
+        </p:txBody>
+      </p:sp>
+      <p:sp>
+        <p:nvSpPr>
+          <p:cNvPr id="12" name="Rectangle 11">
+            <a:extLst>
+              <a:ext uri="{FF2B5EF4-FFF2-40B4-BE49-F238E27FC236}">
+                <a16:creationId xmlns:a16="http://schemas.microsoft.com/office/drawing/2014/main" id="{AC8F6C8C-AB5A-4548-942D-E3FD40ACBC49}"/>
+              </a:ext>
+              <a:ext uri="{C183D7F6-B498-43B3-948B-1728B52AA6E4}">
+                <adec:decorative xmlns:adec="http://schemas.microsoft.com/office/drawing/2017/decorative" val="1"/>
+              </a:ext>
+            </a:extLst>
+          </p:cNvPr>
+          <p:cNvSpPr>
+            <a:spLocks noGrp="1" noRot="1" noChangeAspect="1" noMove="1" noResize="1" noEditPoints="1" noAdjustHandles="1" noChangeArrowheads="1" noChangeShapeType="1" noTextEdit="1"/>
+          </p:cNvSpPr>
+          <p:nvPr>
+            <p:extLst>
+              <p:ext uri="{386F3935-93C4-4BCD-93E2-E3B085C9AB24}">
+                <p16:designElem xmlns:p16="http://schemas.microsoft.com/office/powerpoint/2015/main" val="1"/>
+              </p:ext>
+            </p:extLst>
+          </p:nvPr>
+        </p:nvSpPr>
+        <p:spPr>
+          <a:xfrm flipH="1">
+            <a:off x="4038600" y="6400799"/>
+            <a:ext cx="8153398" cy="456772"/>
+          </a:xfrm>
+          <a:prstGeom prst="rect">
+            <a:avLst/>
+          </a:prstGeom>
+          <a:gradFill>
+            <a:gsLst>
+              <a:gs pos="0">
+                <a:srgbClr val="000000">
+                  <a:alpha val="63000"/>
+                </a:srgbClr>
+              </a:gs>
+              <a:gs pos="100000">
+                <a:schemeClr val="accent1">
+                  <a:lumMod val="75000"/>
+                </a:schemeClr>
+              </a:gs>
+            </a:gsLst>
+            <a:lin ang="13800000" scaled="0"/>
+          </a:gradFill>
+          <a:ln>
+            <a:noFill/>
+          </a:ln>
+        </p:spPr>
+        <p:style>
+          <a:lnRef idx="2">
+            <a:schemeClr val="accent1">
+              <a:shade val="50000"/>
+            </a:schemeClr>
+          </a:lnRef>
+          <a:fillRef idx="1">
+            <a:schemeClr val="accent1"/>
+          </a:fillRef>
+          <a:effectRef idx="0">
+            <a:schemeClr val="accent1"/>
+          </a:effectRef>
+          <a:fontRef idx="minor">
+            <a:schemeClr val="lt1"/>
+          </a:fontRef>
+        </p:style>
+        <p:txBody>
+          <a:bodyPr rtlCol="0" anchor="ctr"/>
+          <a:lstStyle/>
+          <a:p>
+            <a:pPr algn="ctr"/>
+            <a:endParaRPr lang="en-US"/>
           </a:p>
         </p:txBody>
       </p:sp>
@@ -4750,6 +7487,14 @@
 <file path=ppt/slides/slide3.xml><?xml version="1.0" encoding="utf-8"?>
 <p:sld xmlns:a="http://schemas.openxmlformats.org/drawingml/2006/main" xmlns:r="http://schemas.openxmlformats.org/officeDocument/2006/relationships" xmlns:p="http://schemas.openxmlformats.org/presentationml/2006/main">
   <p:cSld>
+    <p:bg>
+      <p:bgPr>
+        <a:solidFill>
+          <a:schemeClr val="bg1"/>
+        </a:solidFill>
+        <a:effectLst/>
+      </p:bgPr>
+    </p:bg>
     <p:spTree>
       <p:nvGrpSpPr>
         <p:cNvPr id="1" name=""/>
@@ -4764,6 +7509,82 @@
           <a:chExt cx="0" cy="0"/>
         </a:xfrm>
       </p:grpSpPr>
+      <p:sp useBgFill="1">
+        <p:nvSpPr>
+          <p:cNvPr id="8" name="Rectangle 7">
+            <a:extLst>
+              <a:ext uri="{FF2B5EF4-FFF2-40B4-BE49-F238E27FC236}">
+                <a16:creationId xmlns:a16="http://schemas.microsoft.com/office/drawing/2014/main" id="{979E27D9-03C7-44E2-9FF8-15D0C8506AF7}"/>
+              </a:ext>
+              <a:ext uri="{C183D7F6-B498-43B3-948B-1728B52AA6E4}">
+                <adec:decorative xmlns:adec="http://schemas.microsoft.com/office/drawing/2017/decorative" val="1"/>
+              </a:ext>
+            </a:extLst>
+          </p:cNvPr>
+          <p:cNvSpPr>
+            <a:spLocks noGrp="1" noRot="1" noChangeAspect="1" noMove="1" noResize="1" noEditPoints="1" noAdjustHandles="1" noChangeArrowheads="1" noChangeShapeType="1" noTextEdit="1"/>
+          </p:cNvSpPr>
+          <p:nvPr>
+            <p:extLst>
+              <p:ext uri="{386F3935-93C4-4BCD-93E2-E3B085C9AB24}">
+                <p16:designElem xmlns:p16="http://schemas.microsoft.com/office/powerpoint/2015/main" val="1"/>
+              </p:ext>
+            </p:extLst>
+          </p:nvPr>
+        </p:nvSpPr>
+        <p:spPr>
+          <a:xfrm>
+            <a:off x="0" y="0"/>
+            <a:ext cx="12192000" cy="6858000"/>
+          </a:xfrm>
+          <a:prstGeom prst="rect">
+            <a:avLst/>
+          </a:prstGeom>
+          <a:ln w="12700" cap="flat" cmpd="sng" algn="ctr">
+            <a:noFill/>
+            <a:prstDash val="solid"/>
+            <a:miter lim="800000"/>
+          </a:ln>
+          <a:effectLst/>
+          <a:extLst>
+            <a:ext uri="{91240B29-F687-4F45-9708-019B960494DF}">
+              <a14:hiddenLine xmlns:a14="http://schemas.microsoft.com/office/drawing/2010/main" w="12700" cap="flat" cmpd="sng" algn="ctr">
+                <a:solidFill>
+                  <a:schemeClr val="accent1">
+                    <a:shade val="50000"/>
+                  </a:schemeClr>
+                </a:solidFill>
+                <a:prstDash val="solid"/>
+                <a:miter lim="800000"/>
+              </a14:hiddenLine>
+            </a:ext>
+          </a:extLst>
+        </p:spPr>
+        <p:style>
+          <a:lnRef idx="2">
+            <a:schemeClr val="accent1">
+              <a:shade val="50000"/>
+            </a:schemeClr>
+          </a:lnRef>
+          <a:fillRef idx="1">
+            <a:schemeClr val="accent1"/>
+          </a:fillRef>
+          <a:effectRef idx="0">
+            <a:schemeClr val="accent1"/>
+          </a:effectRef>
+          <a:fontRef idx="minor">
+            <a:schemeClr val="lt1"/>
+          </a:fontRef>
+        </p:style>
+        <p:txBody>
+          <a:bodyPr rtlCol="0" anchor="ctr"/>
+          <a:lstStyle/>
+          <a:p>
+            <a:pPr algn="ctr"/>
+            <a:endParaRPr lang="en-US"/>
+          </a:p>
+        </p:txBody>
+      </p:sp>
       <p:sp>
         <p:nvSpPr>
           <p:cNvPr id="2" name="Title 1">
@@ -4780,13 +7601,21 @@
             <p:ph type="title"/>
           </p:nvPr>
         </p:nvSpPr>
-        <p:spPr/>
-        <p:txBody>
-          <a:bodyPr/>
-          <a:lstStyle/>
-          <a:p>
-            <a:r>
-              <a:rPr lang="en-US" dirty="0"/>
+        <p:spPr>
+          <a:xfrm>
+            <a:off x="656823" y="962166"/>
+            <a:ext cx="3103808" cy="4421876"/>
+          </a:xfrm>
+        </p:spPr>
+        <p:txBody>
+          <a:bodyPr anchor="t">
+            <a:normAutofit/>
+          </a:bodyPr>
+          <a:lstStyle/>
+          <a:p>
+            <a:pPr algn="r"/>
+            <a:r>
+              <a:rPr lang="en-US" sz="4000" b="1" dirty="0"/>
               <a:t>Potential Users and Applications</a:t>
             </a:r>
           </a:p>
@@ -4808,55 +7637,62 @@
             <p:ph idx="1"/>
           </p:nvPr>
         </p:nvSpPr>
-        <p:spPr/>
-        <p:txBody>
-          <a:bodyPr>
-            <a:normAutofit fontScale="92500" lnSpcReduction="20000"/>
+        <p:spPr>
+          <a:xfrm>
+            <a:off x="4088929" y="962167"/>
+            <a:ext cx="6858113" cy="4743174"/>
+          </a:xfrm>
+        </p:spPr>
+        <p:txBody>
+          <a:bodyPr anchor="t">
+            <a:normAutofit/>
           </a:bodyPr>
           <a:lstStyle/>
           <a:p>
             <a:r>
-              <a:rPr lang="en-US" b="0" i="1" dirty="0">
+              <a:rPr lang="en-US" sz="2000" b="0" i="1" dirty="0">
                 <a:effectLst/>
               </a:rPr>
               <a:t>Create inspiration for musicians.</a:t>
             </a:r>
-            <a:endParaRPr lang="en-US" b="0" dirty="0">
+            <a:endParaRPr lang="en-US" sz="2000" b="0" dirty="0">
               <a:effectLst/>
             </a:endParaRPr>
           </a:p>
           <a:p>
             <a:r>
-              <a:rPr lang="en-US" b="0" i="1" dirty="0">
+              <a:rPr lang="en-US" sz="2000" b="0" i="1" dirty="0">
                 <a:effectLst/>
               </a:rPr>
               <a:t>Help musicians over creative road-blocks.</a:t>
             </a:r>
-            <a:endParaRPr lang="en-US" b="0" dirty="0">
+            <a:endParaRPr lang="en-US" sz="2000" b="0" dirty="0">
               <a:effectLst/>
             </a:endParaRPr>
           </a:p>
           <a:p>
             <a:r>
-              <a:rPr lang="en-US" b="0" i="1" dirty="0">
+              <a:rPr lang="en-US" sz="2000" b="0" i="1" dirty="0">
                 <a:effectLst/>
               </a:rPr>
               <a:t>Assist content producers in creating the perfect song to fit their needs.</a:t>
             </a:r>
-            <a:endParaRPr lang="en-US" b="0" dirty="0">
+            <a:endParaRPr lang="en-US" sz="2000" b="0" dirty="0">
               <a:effectLst/>
             </a:endParaRPr>
           </a:p>
           <a:p>
             <a:r>
-              <a:rPr lang="en-US" b="0" i="1" dirty="0">
+              <a:rPr lang="en-US" sz="2000" b="0" i="1" dirty="0">
                 <a:effectLst/>
               </a:rPr>
-              <a:t>Looking at trends in genres.</a:t>
-            </a:r>
-          </a:p>
-          <a:p>
-            <a:endParaRPr lang="en-US" b="0" i="1" dirty="0">
+              <a:t>Looking at trends in genres</a:t>
+            </a:r>
+            <a:r>
+              <a:rPr lang="en-US" sz="2000" i="1" dirty="0"/>
+              <a:t> to collect a dataset for lyrical inspiration.</a:t>
+            </a:r>
+            <a:endParaRPr lang="en-US" sz="2000" b="0" i="1" dirty="0">
               <a:effectLst/>
             </a:endParaRPr>
           </a:p>
@@ -4864,62 +7700,205 @@
             <a:pPr marL="0" indent="0">
               <a:buNone/>
             </a:pPr>
-            <a:r>
-              <a:rPr lang="en-US" i="1" dirty="0"/>
-              <a:t>For and audience…</a:t>
-            </a:r>
-          </a:p>
-          <a:p>
-            <a:r>
-              <a:rPr lang="en-US" b="0" i="1" dirty="0">
+            <a:endParaRPr lang="en-US" sz="2000" b="0" i="1" dirty="0">
+              <a:effectLst/>
+            </a:endParaRPr>
+          </a:p>
+          <a:p>
+            <a:pPr marL="0" indent="0">
+              <a:buNone/>
+            </a:pPr>
+            <a:r>
+              <a:rPr lang="en-US" sz="2000" i="1" dirty="0"/>
+              <a:t>For an audience of…</a:t>
+            </a:r>
+          </a:p>
+          <a:p>
+            <a:r>
+              <a:rPr lang="en-US" sz="2000" b="0" i="1" dirty="0">
                 <a:effectLst/>
               </a:rPr>
               <a:t>Musicians</a:t>
             </a:r>
-            <a:endParaRPr lang="en-US" b="0" dirty="0">
+            <a:endParaRPr lang="en-US" sz="2000" b="0" dirty="0">
               <a:effectLst/>
             </a:endParaRPr>
           </a:p>
           <a:p>
             <a:r>
-              <a:rPr lang="en-US" b="0" i="1" dirty="0">
+              <a:rPr lang="en-US" sz="2000" b="0" i="1" dirty="0">
                 <a:effectLst/>
               </a:rPr>
               <a:t>Writers</a:t>
             </a:r>
-            <a:endParaRPr lang="en-US" b="0" dirty="0">
+            <a:endParaRPr lang="en-US" sz="2000" b="0" dirty="0">
               <a:effectLst/>
             </a:endParaRPr>
           </a:p>
           <a:p>
             <a:r>
-              <a:rPr lang="en-US" b="0" i="1" dirty="0">
+              <a:rPr lang="en-US" sz="2000" b="0" i="1" dirty="0">
                 <a:effectLst/>
               </a:rPr>
               <a:t>Producers</a:t>
             </a:r>
-            <a:endParaRPr lang="en-US" b="0" dirty="0">
+            <a:endParaRPr lang="en-US" sz="2000" b="0" dirty="0">
               <a:effectLst/>
             </a:endParaRPr>
           </a:p>
           <a:p>
-            <a:r>
-              <a:rPr lang="en-US" b="0" i="1" dirty="0">
-                <a:effectLst/>
-              </a:rPr>
-              <a:t>Music Industry Professionals</a:t>
-            </a:r>
-            <a:endParaRPr lang="en-US" b="0" dirty="0">
+            <a:endParaRPr lang="en-US" sz="2000" b="0" dirty="0">
               <a:effectLst/>
             </a:endParaRPr>
           </a:p>
           <a:p>
-            <a:endParaRPr lang="en-US" b="0" dirty="0">
-              <a:effectLst/>
-            </a:endParaRPr>
-          </a:p>
-          <a:p>
-            <a:endParaRPr lang="en-US" dirty="0"/>
+            <a:endParaRPr lang="en-US" sz="2000" dirty="0"/>
+          </a:p>
+        </p:txBody>
+      </p:sp>
+      <p:sp>
+        <p:nvSpPr>
+          <p:cNvPr id="10" name="Rectangle 9">
+            <a:extLst>
+              <a:ext uri="{FF2B5EF4-FFF2-40B4-BE49-F238E27FC236}">
+                <a16:creationId xmlns:a16="http://schemas.microsoft.com/office/drawing/2014/main" id="{EEBF1590-3B36-48EE-A89D-3B6F3CB256AB}"/>
+              </a:ext>
+              <a:ext uri="{C183D7F6-B498-43B3-948B-1728B52AA6E4}">
+                <adec:decorative xmlns:adec="http://schemas.microsoft.com/office/drawing/2017/decorative" val="1"/>
+              </a:ext>
+            </a:extLst>
+          </p:cNvPr>
+          <p:cNvSpPr>
+            <a:spLocks noGrp="1" noRot="1" noChangeAspect="1" noMove="1" noResize="1" noEditPoints="1" noAdjustHandles="1" noChangeArrowheads="1" noChangeShapeType="1" noTextEdit="1"/>
+          </p:cNvSpPr>
+          <p:nvPr>
+            <p:extLst>
+              <p:ext uri="{386F3935-93C4-4BCD-93E2-E3B085C9AB24}">
+                <p16:designElem xmlns:p16="http://schemas.microsoft.com/office/powerpoint/2015/main" val="1"/>
+              </p:ext>
+            </p:extLst>
+          </p:nvPr>
+        </p:nvSpPr>
+        <p:spPr>
+          <a:xfrm rot="10800000" flipH="1">
+            <a:off x="0" y="6400799"/>
+            <a:ext cx="12192000" cy="456773"/>
+          </a:xfrm>
+          <a:prstGeom prst="rect">
+            <a:avLst/>
+          </a:prstGeom>
+          <a:gradFill>
+            <a:gsLst>
+              <a:gs pos="0">
+                <a:schemeClr val="accent1"/>
+              </a:gs>
+              <a:gs pos="100000">
+                <a:schemeClr val="accent1">
+                  <a:lumMod val="50000"/>
+                </a:schemeClr>
+              </a:gs>
+            </a:gsLst>
+            <a:lin ang="6600000" scaled="0"/>
+          </a:gradFill>
+          <a:ln>
+            <a:noFill/>
+          </a:ln>
+        </p:spPr>
+        <p:style>
+          <a:lnRef idx="2">
+            <a:schemeClr val="accent1">
+              <a:shade val="50000"/>
+            </a:schemeClr>
+          </a:lnRef>
+          <a:fillRef idx="1">
+            <a:schemeClr val="accent1"/>
+          </a:fillRef>
+          <a:effectRef idx="0">
+            <a:schemeClr val="accent1"/>
+          </a:effectRef>
+          <a:fontRef idx="minor">
+            <a:schemeClr val="lt1"/>
+          </a:fontRef>
+        </p:style>
+        <p:txBody>
+          <a:bodyPr rtlCol="0" anchor="ctr"/>
+          <a:lstStyle/>
+          <a:p>
+            <a:pPr algn="ctr"/>
+            <a:endParaRPr lang="en-US"/>
+          </a:p>
+        </p:txBody>
+      </p:sp>
+      <p:sp>
+        <p:nvSpPr>
+          <p:cNvPr id="12" name="Rectangle 11">
+            <a:extLst>
+              <a:ext uri="{FF2B5EF4-FFF2-40B4-BE49-F238E27FC236}">
+                <a16:creationId xmlns:a16="http://schemas.microsoft.com/office/drawing/2014/main" id="{AC8F6C8C-AB5A-4548-942D-E3FD40ACBC49}"/>
+              </a:ext>
+              <a:ext uri="{C183D7F6-B498-43B3-948B-1728B52AA6E4}">
+                <adec:decorative xmlns:adec="http://schemas.microsoft.com/office/drawing/2017/decorative" val="1"/>
+              </a:ext>
+            </a:extLst>
+          </p:cNvPr>
+          <p:cNvSpPr>
+            <a:spLocks noGrp="1" noRot="1" noChangeAspect="1" noMove="1" noResize="1" noEditPoints="1" noAdjustHandles="1" noChangeArrowheads="1" noChangeShapeType="1" noTextEdit="1"/>
+          </p:cNvSpPr>
+          <p:nvPr>
+            <p:extLst>
+              <p:ext uri="{386F3935-93C4-4BCD-93E2-E3B085C9AB24}">
+                <p16:designElem xmlns:p16="http://schemas.microsoft.com/office/powerpoint/2015/main" val="1"/>
+              </p:ext>
+            </p:extLst>
+          </p:nvPr>
+        </p:nvSpPr>
+        <p:spPr>
+          <a:xfrm flipH="1">
+            <a:off x="4038600" y="6400799"/>
+            <a:ext cx="8153398" cy="456772"/>
+          </a:xfrm>
+          <a:prstGeom prst="rect">
+            <a:avLst/>
+          </a:prstGeom>
+          <a:gradFill>
+            <a:gsLst>
+              <a:gs pos="0">
+                <a:srgbClr val="000000">
+                  <a:alpha val="76000"/>
+                </a:srgbClr>
+              </a:gs>
+              <a:gs pos="100000">
+                <a:schemeClr val="accent1"/>
+              </a:gs>
+            </a:gsLst>
+            <a:lin ang="17400000" scaled="0"/>
+          </a:gradFill>
+          <a:ln>
+            <a:noFill/>
+          </a:ln>
+        </p:spPr>
+        <p:style>
+          <a:lnRef idx="2">
+            <a:schemeClr val="accent1">
+              <a:shade val="50000"/>
+            </a:schemeClr>
+          </a:lnRef>
+          <a:fillRef idx="1">
+            <a:schemeClr val="accent1"/>
+          </a:fillRef>
+          <a:effectRef idx="0">
+            <a:schemeClr val="accent1"/>
+          </a:effectRef>
+          <a:fontRef idx="minor">
+            <a:schemeClr val="lt1"/>
+          </a:fontRef>
+        </p:style>
+        <p:txBody>
+          <a:bodyPr rtlCol="0" anchor="ctr"/>
+          <a:lstStyle/>
+          <a:p>
+            <a:pPr algn="ctr"/>
+            <a:endParaRPr lang="en-US"/>
           </a:p>
         </p:txBody>
       </p:sp>
@@ -4939,6 +7918,14 @@
 <file path=ppt/slides/slide4.xml><?xml version="1.0" encoding="utf-8"?>
 <p:sld xmlns:a="http://schemas.openxmlformats.org/drawingml/2006/main" xmlns:r="http://schemas.openxmlformats.org/officeDocument/2006/relationships" xmlns:p="http://schemas.openxmlformats.org/presentationml/2006/main">
   <p:cSld>
+    <p:bg>
+      <p:bgPr>
+        <a:solidFill>
+          <a:schemeClr val="bg1"/>
+        </a:solidFill>
+        <a:effectLst/>
+      </p:bgPr>
+    </p:bg>
     <p:spTree>
       <p:nvGrpSpPr>
         <p:cNvPr id="1" name=""/>
@@ -4953,6 +7940,82 @@
           <a:chExt cx="0" cy="0"/>
         </a:xfrm>
       </p:grpSpPr>
+      <p:sp useBgFill="1">
+        <p:nvSpPr>
+          <p:cNvPr id="10" name="Rectangle 9">
+            <a:extLst>
+              <a:ext uri="{FF2B5EF4-FFF2-40B4-BE49-F238E27FC236}">
+                <a16:creationId xmlns:a16="http://schemas.microsoft.com/office/drawing/2014/main" id="{3346177D-ADC4-4968-B747-5CFCD390B5B9}"/>
+              </a:ext>
+              <a:ext uri="{C183D7F6-B498-43B3-948B-1728B52AA6E4}">
+                <adec:decorative xmlns:adec="http://schemas.microsoft.com/office/drawing/2017/decorative" val="1"/>
+              </a:ext>
+            </a:extLst>
+          </p:cNvPr>
+          <p:cNvSpPr>
+            <a:spLocks noGrp="1" noRot="1" noChangeAspect="1" noMove="1" noResize="1" noEditPoints="1" noAdjustHandles="1" noChangeArrowheads="1" noChangeShapeType="1" noTextEdit="1"/>
+          </p:cNvSpPr>
+          <p:nvPr>
+            <p:extLst>
+              <p:ext uri="{386F3935-93C4-4BCD-93E2-E3B085C9AB24}">
+                <p16:designElem xmlns:p16="http://schemas.microsoft.com/office/powerpoint/2015/main" val="1"/>
+              </p:ext>
+            </p:extLst>
+          </p:nvPr>
+        </p:nvSpPr>
+        <p:spPr>
+          <a:xfrm>
+            <a:off x="0" y="0"/>
+            <a:ext cx="12192000" cy="6858000"/>
+          </a:xfrm>
+          <a:prstGeom prst="rect">
+            <a:avLst/>
+          </a:prstGeom>
+          <a:ln w="12700" cap="flat" cmpd="sng" algn="ctr">
+            <a:noFill/>
+            <a:prstDash val="solid"/>
+            <a:miter lim="800000"/>
+          </a:ln>
+          <a:effectLst/>
+          <a:extLst>
+            <a:ext uri="{91240B29-F687-4F45-9708-019B960494DF}">
+              <a14:hiddenLine xmlns:a14="http://schemas.microsoft.com/office/drawing/2010/main" w="12700" cap="flat" cmpd="sng" algn="ctr">
+                <a:solidFill>
+                  <a:schemeClr val="accent1">
+                    <a:shade val="50000"/>
+                  </a:schemeClr>
+                </a:solidFill>
+                <a:prstDash val="solid"/>
+                <a:miter lim="800000"/>
+              </a14:hiddenLine>
+            </a:ext>
+          </a:extLst>
+        </p:spPr>
+        <p:style>
+          <a:lnRef idx="2">
+            <a:schemeClr val="accent1">
+              <a:shade val="50000"/>
+            </a:schemeClr>
+          </a:lnRef>
+          <a:fillRef idx="1">
+            <a:schemeClr val="accent1"/>
+          </a:fillRef>
+          <a:effectRef idx="0">
+            <a:schemeClr val="accent1"/>
+          </a:effectRef>
+          <a:fontRef idx="minor">
+            <a:schemeClr val="lt1"/>
+          </a:fontRef>
+        </p:style>
+        <p:txBody>
+          <a:bodyPr rtlCol="0" anchor="ctr"/>
+          <a:lstStyle/>
+          <a:p>
+            <a:pPr algn="ctr"/>
+            <a:endParaRPr lang="en-US"/>
+          </a:p>
+        </p:txBody>
+      </p:sp>
       <p:sp>
         <p:nvSpPr>
           <p:cNvPr id="2" name="Title 1">
@@ -4969,18 +8032,55 @@
             <p:ph type="title"/>
           </p:nvPr>
         </p:nvSpPr>
-        <p:spPr/>
-        <p:txBody>
-          <a:bodyPr/>
-          <a:lstStyle/>
-          <a:p>
-            <a:r>
-              <a:rPr lang="en-US" dirty="0"/>
+        <p:spPr>
+          <a:xfrm>
+            <a:off x="5596501" y="489509"/>
+            <a:ext cx="5754896" cy="785562"/>
+          </a:xfrm>
+        </p:spPr>
+        <p:txBody>
+          <a:bodyPr anchor="b">
+            <a:normAutofit/>
+          </a:bodyPr>
+          <a:lstStyle/>
+          <a:p>
+            <a:r>
+              <a:rPr lang="en-US" sz="4000" b="1" dirty="0"/>
               <a:t>Source of Data</a:t>
             </a:r>
           </a:p>
         </p:txBody>
       </p:sp>
+      <p:pic>
+        <p:nvPicPr>
+          <p:cNvPr id="5" name="Picture 4">
+            <a:extLst>
+              <a:ext uri="{FF2B5EF4-FFF2-40B4-BE49-F238E27FC236}">
+                <a16:creationId xmlns:a16="http://schemas.microsoft.com/office/drawing/2014/main" id="{5656DBCB-4246-3424-8BF4-9B7FD47CD472}"/>
+              </a:ext>
+            </a:extLst>
+          </p:cNvPr>
+          <p:cNvPicPr>
+            <a:picLocks noChangeAspect="1"/>
+          </p:cNvPicPr>
+          <p:nvPr/>
+        </p:nvPicPr>
+        <p:blipFill>
+          <a:blip r:embed="rId3"/>
+          <a:stretch>
+            <a:fillRect/>
+          </a:stretch>
+        </p:blipFill>
+        <p:spPr>
+          <a:xfrm>
+            <a:off x="1068130" y="1275070"/>
+            <a:ext cx="3876165" cy="3876165"/>
+          </a:xfrm>
+          <a:prstGeom prst="rect">
+            <a:avLst/>
+          </a:prstGeom>
+        </p:spPr>
+      </p:pic>
       <p:sp>
         <p:nvSpPr>
           <p:cNvPr id="3" name="Content Placeholder 2">
@@ -4997,10 +8097,15 @@
             <p:ph idx="1"/>
           </p:nvPr>
         </p:nvSpPr>
-        <p:spPr/>
-        <p:txBody>
-          <a:bodyPr>
-            <a:normAutofit fontScale="70000" lnSpcReduction="20000"/>
+        <p:spPr>
+          <a:xfrm>
+            <a:off x="5596502" y="1537855"/>
+            <a:ext cx="5930480" cy="4599709"/>
+          </a:xfrm>
+        </p:spPr>
+        <p:txBody>
+          <a:bodyPr anchor="t">
+            <a:normAutofit lnSpcReduction="10000"/>
           </a:bodyPr>
           <a:lstStyle/>
           <a:p>
@@ -5008,270 +8113,280 @@
               <a:buNone/>
             </a:pPr>
             <a:r>
-              <a:rPr lang="en-US" b="0" i="1" dirty="0" err="1">
+              <a:rPr lang="en-US" b="1" i="0" u="none" strike="noStrike" dirty="0" err="1">
+                <a:effectLst/>
+              </a:rPr>
+              <a:t>Musixmatch</a:t>
+            </a:r>
+            <a:r>
+              <a:rPr lang="en-US" b="1" i="0" u="none" strike="noStrike" dirty="0">
+                <a:effectLst/>
+              </a:rPr>
+              <a:t> lyrics API </a:t>
+            </a:r>
+          </a:p>
+          <a:p>
+            <a:pPr marL="0" indent="0">
+              <a:buNone/>
+            </a:pPr>
+            <a:endParaRPr lang="en-US" sz="1800" dirty="0"/>
+          </a:p>
+          <a:p>
+            <a:pPr marL="0" indent="0">
+              <a:buNone/>
+            </a:pPr>
+            <a:r>
+              <a:rPr lang="en-US" sz="2400" i="0" u="none" strike="noStrike" dirty="0" err="1">
                 <a:solidFill>
-                  <a:srgbClr val="0070C0"/>
+                  <a:srgbClr val="002060"/>
                 </a:solidFill>
                 <a:effectLst/>
               </a:rPr>
-              <a:t>MusixMatch</a:t>
-            </a:r>
-            <a:r>
-              <a:rPr lang="en-US" b="0" i="1" dirty="0">
+              <a:t>Musixmatch</a:t>
+            </a:r>
+            <a:r>
+              <a:rPr lang="en-US" sz="2400" i="0" u="none" strike="noStrike" dirty="0">
                 <a:solidFill>
-                  <a:srgbClr val="0070C0"/>
+                  <a:srgbClr val="002060"/>
                 </a:solidFill>
                 <a:effectLst/>
               </a:rPr>
-              <a:t> API</a:t>
-            </a:r>
-            <a:endParaRPr lang="en-US" b="0" dirty="0">
+              <a:t> is the world’s leading music data company with </a:t>
+            </a:r>
+            <a:r>
+              <a:rPr lang="en-US" sz="2400" b="0" i="0" u="none" strike="noStrike" dirty="0">
+                <a:solidFill>
+                  <a:srgbClr val="002060"/>
+                </a:solidFill>
+                <a:effectLst/>
+              </a:rPr>
+              <a:t>largest lyrics database with more than 14 million lyrics in over 50 distinct languages.</a:t>
+            </a:r>
+            <a:endParaRPr lang="en-US" sz="2400" i="0" u="none" strike="noStrike" dirty="0">
               <a:solidFill>
-                <a:srgbClr val="0070C0"/>
+                <a:srgbClr val="002060"/>
               </a:solidFill>
               <a:effectLst/>
             </a:endParaRPr>
           </a:p>
           <a:p>
-            <a:pPr marL="0" indent="0">
+            <a:pPr marL="0" indent="0" algn="l">
               <a:buNone/>
             </a:pPr>
-            <a:br>
-              <a:rPr lang="en-US" b="0" dirty="0">
+            <a:r>
+              <a:rPr lang="en-US" sz="2400" i="0" u="none" strike="noStrike" dirty="0">
+                <a:solidFill>
+                  <a:srgbClr val="002060"/>
+                </a:solidFill>
                 <a:effectLst/>
               </a:rPr>
-            </a:br>
-            <a:r>
-              <a:rPr lang="en-US" b="0" dirty="0" err="1">
+              <a:t>The fastest, most powerful and legal way to display lyrics on your website or in your application.</a:t>
+            </a:r>
+          </a:p>
+          <a:p>
+            <a:pPr marL="0" indent="0" algn="l">
+              <a:buNone/>
+            </a:pPr>
+            <a:r>
+              <a:rPr lang="en-US" sz="2400" i="0" u="none" strike="noStrike" dirty="0" err="1">
+                <a:solidFill>
+                  <a:srgbClr val="002060"/>
+                </a:solidFill>
                 <a:effectLst/>
               </a:rPr>
               <a:t>Musixmatch</a:t>
             </a:r>
             <a:r>
-              <a:rPr lang="en-US" b="0" dirty="0">
-                <a:effectLst/>
-              </a:rPr>
-              <a:t> is a large catalog of song lyrics and translations. The </a:t>
-            </a:r>
-            <a:r>
-              <a:rPr lang="en-US" b="0" dirty="0" err="1">
-                <a:effectLst/>
-              </a:rPr>
-              <a:t>Musixmatch</a:t>
-            </a:r>
-            <a:r>
-              <a:rPr lang="en-US" b="0" dirty="0">
-                <a:effectLst/>
-              </a:rPr>
-              <a:t> lyrics </a:t>
-            </a:r>
-            <a:r>
-              <a:rPr lang="en-US" b="0" dirty="0" err="1">
-                <a:effectLst/>
-              </a:rPr>
-              <a:t>APITrack</a:t>
-            </a:r>
-            <a:r>
-              <a:rPr lang="en-US" b="0" dirty="0">
-                <a:effectLst/>
-              </a:rPr>
-              <a:t> this API enables users to legally search for songs by artist, title or lyrics. Get requests return lyrics in JSON or XML formats. The API also provides detailed metadata about the artists who performed it, the genre, influences, related artists and more.</a:t>
-            </a:r>
-          </a:p>
-          <a:p>
-            <a:pPr marL="0" indent="0">
-              <a:buNone/>
-            </a:pPr>
-            <a:br>
-              <a:rPr lang="en-US" sz="2000" b="0" dirty="0">
+              <a:rPr lang="en-US" sz="2400" i="0" u="none" strike="noStrike" dirty="0">
                 <a:solidFill>
-                  <a:srgbClr val="0070C0"/>
+                  <a:srgbClr val="002060"/>
                 </a:solidFill>
                 <a:effectLst/>
               </a:rPr>
-            </a:br>
-            <a:r>
-              <a:rPr lang="en-US" sz="2000" b="0" dirty="0">
+              <a:t> lyrics API is a robust service that permits you to search and retrieve lyrics in the simplest possible way. </a:t>
+            </a:r>
+          </a:p>
+          <a:p>
+            <a:pPr marL="0" indent="0" algn="l">
+              <a:buNone/>
+            </a:pPr>
+            <a:r>
+              <a:rPr lang="en-US" sz="1400" b="0" dirty="0">
                 <a:solidFill>
-                  <a:srgbClr val="0070C0"/>
+                  <a:srgbClr val="00B0F0"/>
                 </a:solidFill>
                 <a:effectLst/>
               </a:rPr>
               <a:t>https://</a:t>
             </a:r>
             <a:r>
-              <a:rPr lang="en-US" sz="2000" b="0" dirty="0" err="1">
+              <a:rPr lang="en-US" sz="1400" b="0" dirty="0" err="1">
                 <a:solidFill>
-                  <a:srgbClr val="0070C0"/>
+                  <a:srgbClr val="00B0F0"/>
                 </a:solidFill>
                 <a:effectLst/>
               </a:rPr>
-              <a:t>www.programmableweb.com</a:t>
-            </a:r>
-            <a:r>
-              <a:rPr lang="en-US" sz="2000" b="0" dirty="0">
-                <a:solidFill>
-                  <a:srgbClr val="0070C0"/>
-                </a:solidFill>
-                <a:effectLst/>
-              </a:rPr>
-              <a:t>/</a:t>
-            </a:r>
-            <a:r>
-              <a:rPr lang="en-US" sz="2000" b="0" dirty="0" err="1">
-                <a:solidFill>
-                  <a:srgbClr val="0070C0"/>
-                </a:solidFill>
-                <a:effectLst/>
-              </a:rPr>
-              <a:t>api</a:t>
-            </a:r>
-            <a:r>
-              <a:rPr lang="en-US" sz="2000" b="0" dirty="0">
-                <a:solidFill>
-                  <a:srgbClr val="0070C0"/>
-                </a:solidFill>
-                <a:effectLst/>
-              </a:rPr>
-              <a:t>/</a:t>
-            </a:r>
-            <a:r>
-              <a:rPr lang="en-US" sz="2000" b="0" dirty="0" err="1">
-                <a:solidFill>
-                  <a:srgbClr val="0070C0"/>
-                </a:solidFill>
-                <a:effectLst/>
-              </a:rPr>
-              <a:t>musixmatch</a:t>
-            </a:r>
-            <a:endParaRPr lang="en-US" sz="2000" b="0" dirty="0">
+              <a:t>developer.musixmatch.com</a:t>
+            </a:r>
+            <a:endParaRPr lang="en-US" sz="1400" b="0" dirty="0">
               <a:solidFill>
-                <a:srgbClr val="0070C0"/>
+                <a:srgbClr val="00B0F0"/>
               </a:solidFill>
               <a:effectLst/>
             </a:endParaRPr>
           </a:p>
-          <a:p>
-            <a:pPr marL="0" indent="0">
-              <a:buNone/>
-            </a:pPr>
-            <a:endParaRPr lang="en-US" i="1" dirty="0">
-              <a:solidFill>
-                <a:srgbClr val="0070C0"/>
-              </a:solidFill>
-            </a:endParaRPr>
-          </a:p>
-          <a:p>
-            <a:pPr marL="0" indent="0">
-              <a:buNone/>
-            </a:pPr>
-            <a:r>
-              <a:rPr lang="en-US" b="0" i="1" dirty="0">
-                <a:solidFill>
-                  <a:srgbClr val="0070C0"/>
-                </a:solidFill>
-                <a:effectLst/>
-              </a:rPr>
-              <a:t>Spotify Web API</a:t>
-            </a:r>
-            <a:endParaRPr lang="en-US" b="0" dirty="0">
-              <a:solidFill>
-                <a:srgbClr val="0070C0"/>
-              </a:solidFill>
-              <a:effectLst/>
-            </a:endParaRPr>
-          </a:p>
-          <a:p>
-            <a:pPr marL="0" indent="0">
-              <a:buNone/>
-            </a:pPr>
-            <a:br>
-              <a:rPr lang="en-US" sz="2900" b="0" dirty="0">
-                <a:effectLst/>
-              </a:rPr>
-            </a:br>
-            <a:r>
-              <a:rPr lang="en-US" sz="2900" b="0" dirty="0">
-                <a:effectLst/>
-              </a:rPr>
-              <a:t>You can use Spotify's Web API to discover music and podcasts, manage your Spotify library, control audio playback, and much more.</a:t>
-            </a:r>
-            <a:br>
-              <a:rPr lang="en-US" sz="2900" b="0" dirty="0">
-                <a:effectLst/>
-              </a:rPr>
-            </a:br>
-            <a:r>
-              <a:rPr lang="en-US" sz="2900" b="0" dirty="0">
-                <a:effectLst/>
-              </a:rPr>
-              <a:t>In order to make successful Web API requests your app will need a valid access token. One can be obtained through OAuth 2.0.</a:t>
-            </a:r>
-            <a:br>
-              <a:rPr lang="en-US" sz="2900" b="0" dirty="0">
-                <a:effectLst/>
-              </a:rPr>
-            </a:br>
-            <a:br>
-              <a:rPr lang="en-US" b="0" dirty="0">
-                <a:effectLst/>
-              </a:rPr>
-            </a:br>
-            <a:r>
-              <a:rPr lang="en-US" sz="2000" b="0" dirty="0">
-                <a:solidFill>
-                  <a:srgbClr val="0070C0"/>
-                </a:solidFill>
-                <a:effectLst/>
-              </a:rPr>
-              <a:t>https://</a:t>
-            </a:r>
-            <a:r>
-              <a:rPr lang="en-US" sz="2000" b="0" dirty="0" err="1">
-                <a:solidFill>
-                  <a:srgbClr val="0070C0"/>
-                </a:solidFill>
-                <a:effectLst/>
-              </a:rPr>
-              <a:t>developer.spotify.com</a:t>
-            </a:r>
-            <a:r>
-              <a:rPr lang="en-US" sz="2000" b="0" dirty="0">
-                <a:solidFill>
-                  <a:srgbClr val="0070C0"/>
-                </a:solidFill>
-                <a:effectLst/>
-              </a:rPr>
-              <a:t>/documentation/web-</a:t>
-            </a:r>
-            <a:r>
-              <a:rPr lang="en-US" sz="2000" b="0" dirty="0" err="1">
-                <a:solidFill>
-                  <a:srgbClr val="0070C0"/>
-                </a:solidFill>
-                <a:effectLst/>
-              </a:rPr>
-              <a:t>api</a:t>
-            </a:r>
-            <a:r>
-              <a:rPr lang="en-US" sz="2000" b="0" dirty="0">
-                <a:solidFill>
-                  <a:srgbClr val="0070C0"/>
-                </a:solidFill>
-                <a:effectLst/>
-              </a:rPr>
-              <a:t>/reference/#/</a:t>
-            </a:r>
-          </a:p>
-          <a:p>
-            <a:endParaRPr lang="en-US" dirty="0"/>
+        </p:txBody>
+      </p:sp>
+      <p:sp>
+        <p:nvSpPr>
+          <p:cNvPr id="12" name="Rectangle 11">
+            <a:extLst>
+              <a:ext uri="{FF2B5EF4-FFF2-40B4-BE49-F238E27FC236}">
+                <a16:creationId xmlns:a16="http://schemas.microsoft.com/office/drawing/2014/main" id="{0844A943-BF79-4FEA-ABB1-3BD54D236606}"/>
+              </a:ext>
+              <a:ext uri="{C183D7F6-B498-43B3-948B-1728B52AA6E4}">
+                <adec:decorative xmlns:adec="http://schemas.microsoft.com/office/drawing/2017/decorative" val="1"/>
+              </a:ext>
+            </a:extLst>
+          </p:cNvPr>
+          <p:cNvSpPr>
+            <a:spLocks noGrp="1" noRot="1" noChangeAspect="1" noMove="1" noResize="1" noEditPoints="1" noAdjustHandles="1" noChangeArrowheads="1" noChangeShapeType="1" noTextEdit="1"/>
+          </p:cNvSpPr>
+          <p:nvPr>
+            <p:extLst>
+              <p:ext uri="{386F3935-93C4-4BCD-93E2-E3B085C9AB24}">
+                <p16:designElem xmlns:p16="http://schemas.microsoft.com/office/powerpoint/2015/main" val="1"/>
+              </p:ext>
+            </p:extLst>
+          </p:nvPr>
+        </p:nvSpPr>
+        <p:spPr>
+          <a:xfrm rot="10800000" flipH="1">
+            <a:off x="0" y="6400799"/>
+            <a:ext cx="12192000" cy="456773"/>
+          </a:xfrm>
+          <a:prstGeom prst="rect">
+            <a:avLst/>
+          </a:prstGeom>
+          <a:gradFill>
+            <a:gsLst>
+              <a:gs pos="0">
+                <a:schemeClr val="accent1"/>
+              </a:gs>
+              <a:gs pos="90000">
+                <a:srgbClr val="000000"/>
+              </a:gs>
+            </a:gsLst>
+            <a:lin ang="2400000" scaled="0"/>
+          </a:gradFill>
+          <a:ln>
+            <a:noFill/>
+          </a:ln>
+        </p:spPr>
+        <p:style>
+          <a:lnRef idx="2">
+            <a:schemeClr val="accent1">
+              <a:shade val="50000"/>
+            </a:schemeClr>
+          </a:lnRef>
+          <a:fillRef idx="1">
+            <a:schemeClr val="accent1"/>
+          </a:fillRef>
+          <a:effectRef idx="0">
+            <a:schemeClr val="accent1"/>
+          </a:effectRef>
+          <a:fontRef idx="minor">
+            <a:schemeClr val="lt1"/>
+          </a:fontRef>
+        </p:style>
+        <p:txBody>
+          <a:bodyPr rtlCol="0" anchor="ctr"/>
+          <a:lstStyle/>
+          <a:p>
+            <a:pPr algn="ctr"/>
+            <a:endParaRPr lang="en-US"/>
+          </a:p>
+        </p:txBody>
+      </p:sp>
+      <p:sp>
+        <p:nvSpPr>
+          <p:cNvPr id="14" name="Rectangle 13">
+            <a:extLst>
+              <a:ext uri="{FF2B5EF4-FFF2-40B4-BE49-F238E27FC236}">
+                <a16:creationId xmlns:a16="http://schemas.microsoft.com/office/drawing/2014/main" id="{6437CC72-F4A8-4DC3-AFAB-D22C482C8100}"/>
+              </a:ext>
+              <a:ext uri="{C183D7F6-B498-43B3-948B-1728B52AA6E4}">
+                <adec:decorative xmlns:adec="http://schemas.microsoft.com/office/drawing/2017/decorative" val="1"/>
+              </a:ext>
+            </a:extLst>
+          </p:cNvPr>
+          <p:cNvSpPr>
+            <a:spLocks noGrp="1" noRot="1" noChangeAspect="1" noMove="1" noResize="1" noEditPoints="1" noAdjustHandles="1" noChangeArrowheads="1" noChangeShapeType="1" noTextEdit="1"/>
+          </p:cNvSpPr>
+          <p:nvPr>
+            <p:extLst>
+              <p:ext uri="{386F3935-93C4-4BCD-93E2-E3B085C9AB24}">
+                <p16:designElem xmlns:p16="http://schemas.microsoft.com/office/powerpoint/2015/main" val="1"/>
+              </p:ext>
+            </p:extLst>
+          </p:nvPr>
+        </p:nvSpPr>
+        <p:spPr>
+          <a:xfrm flipH="1">
+            <a:off x="4038600" y="6400799"/>
+            <a:ext cx="8153398" cy="456772"/>
+          </a:xfrm>
+          <a:prstGeom prst="rect">
+            <a:avLst/>
+          </a:prstGeom>
+          <a:gradFill>
+            <a:gsLst>
+              <a:gs pos="0">
+                <a:srgbClr val="000000">
+                  <a:alpha val="50000"/>
+                </a:srgbClr>
+              </a:gs>
+              <a:gs pos="100000">
+                <a:schemeClr val="accent1">
+                  <a:lumMod val="75000"/>
+                </a:schemeClr>
+              </a:gs>
+            </a:gsLst>
+            <a:lin ang="13800000" scaled="0"/>
+          </a:gradFill>
+          <a:ln>
+            <a:noFill/>
+          </a:ln>
+        </p:spPr>
+        <p:style>
+          <a:lnRef idx="2">
+            <a:schemeClr val="accent1">
+              <a:shade val="50000"/>
+            </a:schemeClr>
+          </a:lnRef>
+          <a:fillRef idx="1">
+            <a:schemeClr val="accent1"/>
+          </a:fillRef>
+          <a:effectRef idx="0">
+            <a:schemeClr val="accent1"/>
+          </a:effectRef>
+          <a:fontRef idx="minor">
+            <a:schemeClr val="lt1"/>
+          </a:fontRef>
+        </p:style>
+        <p:txBody>
+          <a:bodyPr rtlCol="0" anchor="ctr"/>
+          <a:lstStyle/>
+          <a:p>
+            <a:pPr algn="ctr"/>
+            <a:endParaRPr lang="en-US"/>
           </a:p>
         </p:txBody>
       </p:sp>
     </p:spTree>
     <p:extLst>
       <p:ext uri="{BB962C8B-B14F-4D97-AF65-F5344CB8AC3E}">
-        <p14:creationId xmlns:p14="http://schemas.microsoft.com/office/powerpoint/2010/main" val="3298431866"/>
+        <p14:creationId xmlns:p14="http://schemas.microsoft.com/office/powerpoint/2010/main" val="3001573324"/>
       </p:ext>
     </p:extLst>
   </p:cSld>
@@ -5284,6 +8399,14 @@
 <file path=ppt/slides/slide5.xml><?xml version="1.0" encoding="utf-8"?>
 <p:sld xmlns:a="http://schemas.openxmlformats.org/drawingml/2006/main" xmlns:r="http://schemas.openxmlformats.org/officeDocument/2006/relationships" xmlns:p="http://schemas.openxmlformats.org/presentationml/2006/main">
   <p:cSld>
+    <p:bg>
+      <p:bgPr>
+        <a:solidFill>
+          <a:schemeClr val="bg1"/>
+        </a:solidFill>
+        <a:effectLst/>
+      </p:bgPr>
+    </p:bg>
     <p:spTree>
       <p:nvGrpSpPr>
         <p:cNvPr id="1" name=""/>
@@ -5298,12 +8421,88 @@
           <a:chExt cx="0" cy="0"/>
         </a:xfrm>
       </p:grpSpPr>
+      <p:sp useBgFill="1">
+        <p:nvSpPr>
+          <p:cNvPr id="10" name="Rectangle 9">
+            <a:extLst>
+              <a:ext uri="{FF2B5EF4-FFF2-40B4-BE49-F238E27FC236}">
+                <a16:creationId xmlns:a16="http://schemas.microsoft.com/office/drawing/2014/main" id="{3346177D-ADC4-4968-B747-5CFCD390B5B9}"/>
+              </a:ext>
+              <a:ext uri="{C183D7F6-B498-43B3-948B-1728B52AA6E4}">
+                <adec:decorative xmlns:adec="http://schemas.microsoft.com/office/drawing/2017/decorative" val="1"/>
+              </a:ext>
+            </a:extLst>
+          </p:cNvPr>
+          <p:cNvSpPr>
+            <a:spLocks noGrp="1" noRot="1" noChangeAspect="1" noMove="1" noResize="1" noEditPoints="1" noAdjustHandles="1" noChangeArrowheads="1" noChangeShapeType="1" noTextEdit="1"/>
+          </p:cNvSpPr>
+          <p:nvPr>
+            <p:extLst>
+              <p:ext uri="{386F3935-93C4-4BCD-93E2-E3B085C9AB24}">
+                <p16:designElem xmlns:p16="http://schemas.microsoft.com/office/powerpoint/2015/main" val="1"/>
+              </p:ext>
+            </p:extLst>
+          </p:nvPr>
+        </p:nvSpPr>
+        <p:spPr>
+          <a:xfrm>
+            <a:off x="0" y="0"/>
+            <a:ext cx="12192000" cy="6858000"/>
+          </a:xfrm>
+          <a:prstGeom prst="rect">
+            <a:avLst/>
+          </a:prstGeom>
+          <a:ln w="12700" cap="flat" cmpd="sng" algn="ctr">
+            <a:noFill/>
+            <a:prstDash val="solid"/>
+            <a:miter lim="800000"/>
+          </a:ln>
+          <a:effectLst/>
+          <a:extLst>
+            <a:ext uri="{91240B29-F687-4F45-9708-019B960494DF}">
+              <a14:hiddenLine xmlns:a14="http://schemas.microsoft.com/office/drawing/2010/main" w="12700" cap="flat" cmpd="sng" algn="ctr">
+                <a:solidFill>
+                  <a:schemeClr val="accent1">
+                    <a:shade val="50000"/>
+                  </a:schemeClr>
+                </a:solidFill>
+                <a:prstDash val="solid"/>
+                <a:miter lim="800000"/>
+              </a14:hiddenLine>
+            </a:ext>
+          </a:extLst>
+        </p:spPr>
+        <p:style>
+          <a:lnRef idx="2">
+            <a:schemeClr val="accent1">
+              <a:shade val="50000"/>
+            </a:schemeClr>
+          </a:lnRef>
+          <a:fillRef idx="1">
+            <a:schemeClr val="accent1"/>
+          </a:fillRef>
+          <a:effectRef idx="0">
+            <a:schemeClr val="accent1"/>
+          </a:effectRef>
+          <a:fontRef idx="minor">
+            <a:schemeClr val="lt1"/>
+          </a:fontRef>
+        </p:style>
+        <p:txBody>
+          <a:bodyPr rtlCol="0" anchor="ctr"/>
+          <a:lstStyle/>
+          <a:p>
+            <a:pPr algn="ctr"/>
+            <a:endParaRPr lang="en-US"/>
+          </a:p>
+        </p:txBody>
+      </p:sp>
       <p:sp>
         <p:nvSpPr>
           <p:cNvPr id="2" name="Title 1">
             <a:extLst>
               <a:ext uri="{FF2B5EF4-FFF2-40B4-BE49-F238E27FC236}">
-                <a16:creationId xmlns:a16="http://schemas.microsoft.com/office/drawing/2014/main" id="{FCCC1219-0C6D-034C-B5AE-66B28FE2AF5A}"/>
+                <a16:creationId xmlns:a16="http://schemas.microsoft.com/office/drawing/2014/main" id="{1518A51C-AC5C-224B-83E1-BE4285E72E3E}"/>
               </a:ext>
             </a:extLst>
           </p:cNvPr>
@@ -5314,24 +8513,61 @@
             <p:ph type="title"/>
           </p:nvPr>
         </p:nvSpPr>
-        <p:spPr/>
-        <p:txBody>
-          <a:bodyPr/>
-          <a:lstStyle/>
-          <a:p>
-            <a:r>
-              <a:rPr lang="en-US" dirty="0"/>
-              <a:t>Approach to Acquiring the Data: API</a:t>
-            </a:r>
-          </a:p>
-        </p:txBody>
-      </p:sp>
+        <p:spPr>
+          <a:xfrm>
+            <a:off x="5596501" y="489509"/>
+            <a:ext cx="5754896" cy="785562"/>
+          </a:xfrm>
+        </p:spPr>
+        <p:txBody>
+          <a:bodyPr anchor="b">
+            <a:normAutofit/>
+          </a:bodyPr>
+          <a:lstStyle/>
+          <a:p>
+            <a:r>
+              <a:rPr lang="en-US" sz="4000" b="1" dirty="0"/>
+              <a:t>Source of Data</a:t>
+            </a:r>
+          </a:p>
+        </p:txBody>
+      </p:sp>
+      <p:pic>
+        <p:nvPicPr>
+          <p:cNvPr id="5" name="Picture 4">
+            <a:extLst>
+              <a:ext uri="{FF2B5EF4-FFF2-40B4-BE49-F238E27FC236}">
+                <a16:creationId xmlns:a16="http://schemas.microsoft.com/office/drawing/2014/main" id="{5656DBCB-4246-3424-8BF4-9B7FD47CD472}"/>
+              </a:ext>
+            </a:extLst>
+          </p:cNvPr>
+          <p:cNvPicPr>
+            <a:picLocks noChangeAspect="1"/>
+          </p:cNvPicPr>
+          <p:nvPr/>
+        </p:nvPicPr>
+        <p:blipFill>
+          <a:blip r:embed="rId3"/>
+          <a:stretch>
+            <a:fillRect/>
+          </a:stretch>
+        </p:blipFill>
+        <p:spPr>
+          <a:xfrm>
+            <a:off x="1068130" y="1275070"/>
+            <a:ext cx="3876165" cy="3876165"/>
+          </a:xfrm>
+          <a:prstGeom prst="rect">
+            <a:avLst/>
+          </a:prstGeom>
+        </p:spPr>
+      </p:pic>
       <p:sp>
         <p:nvSpPr>
           <p:cNvPr id="3" name="Content Placeholder 2">
             <a:extLst>
               <a:ext uri="{FF2B5EF4-FFF2-40B4-BE49-F238E27FC236}">
-                <a16:creationId xmlns:a16="http://schemas.microsoft.com/office/drawing/2014/main" id="{39B174FE-6367-5942-A419-22ADA79CE723}"/>
+                <a16:creationId xmlns:a16="http://schemas.microsoft.com/office/drawing/2014/main" id="{69AB92F3-2775-4B46-A098-FE988824A88C}"/>
               </a:ext>
             </a:extLst>
           </p:cNvPr>
@@ -5342,218 +8578,203 @@
             <p:ph idx="1"/>
           </p:nvPr>
         </p:nvSpPr>
-        <p:spPr/>
-        <p:txBody>
-          <a:bodyPr>
-            <a:normAutofit fontScale="92500" lnSpcReduction="10000"/>
+        <p:spPr>
+          <a:xfrm>
+            <a:off x="5596502" y="1537855"/>
+            <a:ext cx="5930480" cy="4599709"/>
+          </a:xfrm>
+        </p:spPr>
+        <p:txBody>
+          <a:bodyPr anchor="t">
+            <a:normAutofit/>
           </a:bodyPr>
           <a:lstStyle/>
           <a:p>
-            <a:pPr marL="0" indent="0">
+            <a:pPr marL="0" indent="0" algn="l">
               <a:buNone/>
             </a:pPr>
             <a:r>
-              <a:rPr lang="en-US" sz="2000" b="0" i="0" u="none" strike="noStrike" dirty="0">
+              <a:rPr lang="en-US" b="0" i="0" u="none" strike="noStrike" dirty="0" err="1">
                 <a:solidFill>
                   <a:srgbClr val="292929"/>
                 </a:solidFill>
                 <a:effectLst/>
+                <a:latin typeface="fell"/>
               </a:rPr>
-              <a:t>Leverage Spotify API + Genius Lyrics for Data Science Tasks in Python </a:t>
-            </a:r>
-            <a:endParaRPr lang="en-US" sz="2000" b="0" dirty="0">
-              <a:solidFill>
-                <a:srgbClr val="292929"/>
-              </a:solidFill>
-            </a:endParaRPr>
-          </a:p>
-          <a:p>
-            <a:r>
-              <a:rPr lang="en-US" b="1" i="0" u="none" strike="noStrike" dirty="0">
-                <a:solidFill>
-                  <a:srgbClr val="292929"/>
-                </a:solidFill>
-                <a:effectLst/>
-              </a:rPr>
-              <a:t>Install Libraries</a:t>
-            </a:r>
-          </a:p>
-          <a:p>
-            <a:pPr lvl="1"/>
-            <a:r>
-              <a:rPr lang="en-US" i="0" u="none" strike="noStrike" dirty="0">
-                <a:solidFill>
-                  <a:srgbClr val="292929"/>
-                </a:solidFill>
-                <a:effectLst/>
-              </a:rPr>
-              <a:t>Libraries here…</a:t>
-            </a:r>
-          </a:p>
-          <a:p>
-            <a:r>
-              <a:rPr lang="en-US" b="1" i="0" u="none" strike="noStrike" dirty="0">
-                <a:solidFill>
-                  <a:srgbClr val="292929"/>
-                </a:solidFill>
-                <a:effectLst/>
-              </a:rPr>
-              <a:t>Connecting To Spotify API</a:t>
-            </a:r>
-          </a:p>
-          <a:p>
-            <a:pPr lvl="1"/>
+              <a:t>Genius.com</a:t>
+            </a:r>
             <a:r>
               <a:rPr lang="en-US" b="0" i="0" u="none" strike="noStrike" dirty="0">
                 <a:solidFill>
                   <a:srgbClr val="292929"/>
                 </a:solidFill>
                 <a:effectLst/>
+                <a:latin typeface="fell"/>
               </a:rPr>
-              <a:t>register for a Spotify developer account</a:t>
-            </a:r>
-            <a:endParaRPr lang="en-US" b="1" dirty="0">
-              <a:solidFill>
-                <a:srgbClr val="292929"/>
-              </a:solidFill>
-            </a:endParaRPr>
-          </a:p>
-          <a:p>
-            <a:pPr lvl="1"/>
-            <a:r>
-              <a:rPr lang="en-US" b="0" i="0" u="none" strike="noStrike" dirty="0">
-                <a:solidFill>
-                  <a:srgbClr val="292929"/>
-                </a:solidFill>
-                <a:effectLst/>
-              </a:rPr>
-              <a:t>access to unique tokens which will allow for a seamless connection (client id and secret key)</a:t>
-            </a:r>
-            <a:endParaRPr lang="en-US" b="1" i="0" u="none" strike="noStrike" dirty="0">
-              <a:solidFill>
-                <a:srgbClr val="292929"/>
-              </a:solidFill>
-              <a:effectLst/>
-            </a:endParaRPr>
-          </a:p>
-          <a:p>
-            <a:r>
-              <a:rPr lang="en-US" b="1" i="0" u="none" strike="noStrike" dirty="0">
-                <a:solidFill>
-                  <a:srgbClr val="292929"/>
-                </a:solidFill>
-                <a:effectLst/>
-              </a:rPr>
-              <a:t>Extrapolating Data From Spotify API</a:t>
-            </a:r>
-          </a:p>
-          <a:p>
-            <a:pPr lvl="1"/>
-            <a:r>
-              <a:rPr lang="en-US" b="0" i="0" u="none" strike="noStrike" dirty="0">
-                <a:solidFill>
-                  <a:srgbClr val="292929"/>
-                </a:solidFill>
-                <a:effectLst/>
-              </a:rPr>
-              <a:t>create a function that will take all the songs from any given album and insert the relevant information into a pandas </a:t>
-            </a:r>
-            <a:r>
-              <a:rPr lang="en-US" b="0" i="0" u="none" strike="noStrike" dirty="0" err="1">
-                <a:solidFill>
-                  <a:srgbClr val="292929"/>
-                </a:solidFill>
-                <a:effectLst/>
-              </a:rPr>
-              <a:t>dataframe</a:t>
-            </a:r>
-            <a:r>
-              <a:rPr lang="en-US" b="0" i="0" u="none" strike="noStrike" dirty="0">
-                <a:solidFill>
-                  <a:srgbClr val="292929"/>
-                </a:solidFill>
-                <a:effectLst/>
-              </a:rPr>
-              <a:t>.</a:t>
-            </a:r>
-            <a:endParaRPr lang="en-US" b="1" i="0" u="none" strike="noStrike" dirty="0">
-              <a:solidFill>
-                <a:srgbClr val="292929"/>
-              </a:solidFill>
-              <a:effectLst/>
-            </a:endParaRPr>
-          </a:p>
-          <a:p>
-            <a:r>
-              <a:rPr lang="en-US" b="1" i="0" u="none" strike="noStrike" dirty="0">
-                <a:solidFill>
-                  <a:srgbClr val="292929"/>
-                </a:solidFill>
-                <a:effectLst/>
-              </a:rPr>
-              <a:t>Attaching Song Lyrics From </a:t>
-            </a:r>
-            <a:r>
-              <a:rPr lang="en-US" b="1" i="0" u="none" strike="noStrike" dirty="0" err="1">
-                <a:solidFill>
-                  <a:srgbClr val="292929"/>
-                </a:solidFill>
-                <a:effectLst/>
-              </a:rPr>
-              <a:t>Genius.com</a:t>
-            </a:r>
-            <a:endParaRPr lang="en-US" b="1" i="0" u="none" strike="noStrike" dirty="0">
-              <a:solidFill>
-                <a:srgbClr val="292929"/>
-              </a:solidFill>
-              <a:effectLst/>
-            </a:endParaRPr>
-          </a:p>
-          <a:p>
-            <a:pPr lvl="1"/>
-            <a:r>
-              <a:rPr lang="en-US" b="0" i="0" u="none" strike="noStrike" dirty="0">
-                <a:solidFill>
-                  <a:srgbClr val="292929"/>
-                </a:solidFill>
-                <a:effectLst/>
-              </a:rPr>
-              <a:t>web scrapping Genius to attach the lyrics of the songs to our </a:t>
-            </a:r>
-            <a:r>
-              <a:rPr lang="en-US" b="0" i="0" u="none" strike="noStrike" dirty="0" err="1">
-                <a:solidFill>
-                  <a:srgbClr val="292929"/>
-                </a:solidFill>
-                <a:effectLst/>
-              </a:rPr>
-              <a:t>dataframe</a:t>
-            </a:r>
-            <a:r>
-              <a:rPr lang="en-US" b="0" i="0" u="none" strike="noStrike" dirty="0">
-                <a:solidFill>
-                  <a:srgbClr val="292929"/>
-                </a:solidFill>
-                <a:effectLst/>
-              </a:rPr>
-              <a:t>.</a:t>
-            </a:r>
-            <a:endParaRPr lang="en-US" b="1" i="0" u="none" strike="noStrike" dirty="0">
-              <a:solidFill>
-                <a:srgbClr val="292929"/>
-              </a:solidFill>
-              <a:effectLst/>
-            </a:endParaRPr>
-          </a:p>
-          <a:p>
-            <a:endParaRPr lang="en-US" dirty="0"/>
+              <a:t> for Web scraping song lyrics</a:t>
+            </a:r>
+          </a:p>
+          <a:p>
+            <a:pPr marL="0" indent="0">
+              <a:buNone/>
+            </a:pPr>
+            <a:r>
+              <a:rPr lang="en-US" sz="1800" dirty="0"/>
+              <a:t>Words…</a:t>
+            </a:r>
+          </a:p>
+        </p:txBody>
+      </p:sp>
+      <p:sp>
+        <p:nvSpPr>
+          <p:cNvPr id="12" name="Rectangle 11">
+            <a:extLst>
+              <a:ext uri="{FF2B5EF4-FFF2-40B4-BE49-F238E27FC236}">
+                <a16:creationId xmlns:a16="http://schemas.microsoft.com/office/drawing/2014/main" id="{0844A943-BF79-4FEA-ABB1-3BD54D236606}"/>
+              </a:ext>
+              <a:ext uri="{C183D7F6-B498-43B3-948B-1728B52AA6E4}">
+                <adec:decorative xmlns:adec="http://schemas.microsoft.com/office/drawing/2017/decorative" val="1"/>
+              </a:ext>
+            </a:extLst>
+          </p:cNvPr>
+          <p:cNvSpPr>
+            <a:spLocks noGrp="1" noRot="1" noChangeAspect="1" noMove="1" noResize="1" noEditPoints="1" noAdjustHandles="1" noChangeArrowheads="1" noChangeShapeType="1" noTextEdit="1"/>
+          </p:cNvSpPr>
+          <p:nvPr>
+            <p:extLst>
+              <p:ext uri="{386F3935-93C4-4BCD-93E2-E3B085C9AB24}">
+                <p16:designElem xmlns:p16="http://schemas.microsoft.com/office/powerpoint/2015/main" val="1"/>
+              </p:ext>
+            </p:extLst>
+          </p:nvPr>
+        </p:nvSpPr>
+        <p:spPr>
+          <a:xfrm rot="10800000" flipH="1">
+            <a:off x="0" y="6400799"/>
+            <a:ext cx="12192000" cy="456773"/>
+          </a:xfrm>
+          <a:prstGeom prst="rect">
+            <a:avLst/>
+          </a:prstGeom>
+          <a:gradFill>
+            <a:gsLst>
+              <a:gs pos="0">
+                <a:schemeClr val="accent1"/>
+              </a:gs>
+              <a:gs pos="90000">
+                <a:srgbClr val="000000"/>
+              </a:gs>
+            </a:gsLst>
+            <a:lin ang="2400000" scaled="0"/>
+          </a:gradFill>
+          <a:ln>
+            <a:noFill/>
+          </a:ln>
+        </p:spPr>
+        <p:style>
+          <a:lnRef idx="2">
+            <a:schemeClr val="accent1">
+              <a:shade val="50000"/>
+            </a:schemeClr>
+          </a:lnRef>
+          <a:fillRef idx="1">
+            <a:schemeClr val="accent1"/>
+          </a:fillRef>
+          <a:effectRef idx="0">
+            <a:schemeClr val="accent1"/>
+          </a:effectRef>
+          <a:fontRef idx="minor">
+            <a:schemeClr val="lt1"/>
+          </a:fontRef>
+        </p:style>
+        <p:txBody>
+          <a:bodyPr rtlCol="0" anchor="ctr"/>
+          <a:lstStyle/>
+          <a:p>
+            <a:pPr algn="ctr"/>
+            <a:endParaRPr lang="en-US"/>
+          </a:p>
+        </p:txBody>
+      </p:sp>
+      <p:sp>
+        <p:nvSpPr>
+          <p:cNvPr id="14" name="Rectangle 13">
+            <a:extLst>
+              <a:ext uri="{FF2B5EF4-FFF2-40B4-BE49-F238E27FC236}">
+                <a16:creationId xmlns:a16="http://schemas.microsoft.com/office/drawing/2014/main" id="{6437CC72-F4A8-4DC3-AFAB-D22C482C8100}"/>
+              </a:ext>
+              <a:ext uri="{C183D7F6-B498-43B3-948B-1728B52AA6E4}">
+                <adec:decorative xmlns:adec="http://schemas.microsoft.com/office/drawing/2017/decorative" val="1"/>
+              </a:ext>
+            </a:extLst>
+          </p:cNvPr>
+          <p:cNvSpPr>
+            <a:spLocks noGrp="1" noRot="1" noChangeAspect="1" noMove="1" noResize="1" noEditPoints="1" noAdjustHandles="1" noChangeArrowheads="1" noChangeShapeType="1" noTextEdit="1"/>
+          </p:cNvSpPr>
+          <p:nvPr>
+            <p:extLst>
+              <p:ext uri="{386F3935-93C4-4BCD-93E2-E3B085C9AB24}">
+                <p16:designElem xmlns:p16="http://schemas.microsoft.com/office/powerpoint/2015/main" val="1"/>
+              </p:ext>
+            </p:extLst>
+          </p:nvPr>
+        </p:nvSpPr>
+        <p:spPr>
+          <a:xfrm flipH="1">
+            <a:off x="4038600" y="6400799"/>
+            <a:ext cx="8153398" cy="456772"/>
+          </a:xfrm>
+          <a:prstGeom prst="rect">
+            <a:avLst/>
+          </a:prstGeom>
+          <a:gradFill>
+            <a:gsLst>
+              <a:gs pos="0">
+                <a:srgbClr val="000000">
+                  <a:alpha val="50000"/>
+                </a:srgbClr>
+              </a:gs>
+              <a:gs pos="100000">
+                <a:schemeClr val="accent1">
+                  <a:lumMod val="75000"/>
+                </a:schemeClr>
+              </a:gs>
+            </a:gsLst>
+            <a:lin ang="13800000" scaled="0"/>
+          </a:gradFill>
+          <a:ln>
+            <a:noFill/>
+          </a:ln>
+        </p:spPr>
+        <p:style>
+          <a:lnRef idx="2">
+            <a:schemeClr val="accent1">
+              <a:shade val="50000"/>
+            </a:schemeClr>
+          </a:lnRef>
+          <a:fillRef idx="1">
+            <a:schemeClr val="accent1"/>
+          </a:fillRef>
+          <a:effectRef idx="0">
+            <a:schemeClr val="accent1"/>
+          </a:effectRef>
+          <a:fontRef idx="minor">
+            <a:schemeClr val="lt1"/>
+          </a:fontRef>
+        </p:style>
+        <p:txBody>
+          <a:bodyPr rtlCol="0" anchor="ctr"/>
+          <a:lstStyle/>
+          <a:p>
+            <a:pPr algn="ctr"/>
+            <a:endParaRPr lang="en-US"/>
           </a:p>
         </p:txBody>
       </p:sp>
     </p:spTree>
     <p:extLst>
       <p:ext uri="{BB962C8B-B14F-4D97-AF65-F5344CB8AC3E}">
-        <p14:creationId xmlns:p14="http://schemas.microsoft.com/office/powerpoint/2010/main" val="2249389748"/>
+        <p14:creationId xmlns:p14="http://schemas.microsoft.com/office/powerpoint/2010/main" val="3873974125"/>
       </p:ext>
     </p:extLst>
   </p:cSld>
@@ -5566,6 +8787,14 @@
 <file path=ppt/slides/slide6.xml><?xml version="1.0" encoding="utf-8"?>
 <p:sld xmlns:a="http://schemas.openxmlformats.org/drawingml/2006/main" xmlns:r="http://schemas.openxmlformats.org/officeDocument/2006/relationships" xmlns:p="http://schemas.openxmlformats.org/presentationml/2006/main">
   <p:cSld>
+    <p:bg>
+      <p:bgPr>
+        <a:solidFill>
+          <a:schemeClr val="bg1"/>
+        </a:solidFill>
+        <a:effectLst/>
+      </p:bgPr>
+    </p:bg>
     <p:spTree>
       <p:nvGrpSpPr>
         <p:cNvPr id="1" name=""/>
@@ -5580,178 +8809,443 @@
           <a:chExt cx="0" cy="0"/>
         </a:xfrm>
       </p:grpSpPr>
-      <p:sp>
-        <p:nvSpPr>
-          <p:cNvPr id="2" name="Title 1">
-            <a:extLst>
-              <a:ext uri="{FF2B5EF4-FFF2-40B4-BE49-F238E27FC236}">
-                <a16:creationId xmlns:a16="http://schemas.microsoft.com/office/drawing/2014/main" id="{FCCC1219-0C6D-034C-B5AE-66B28FE2AF5A}"/>
-              </a:ext>
-            </a:extLst>
-          </p:cNvPr>
-          <p:cNvSpPr>
-            <a:spLocks noGrp="1"/>
-          </p:cNvSpPr>
-          <p:nvPr>
-            <p:ph type="title"/>
-          </p:nvPr>
-        </p:nvSpPr>
-        <p:spPr/>
-        <p:txBody>
-          <a:bodyPr/>
-          <a:lstStyle/>
-          <a:p>
-            <a:r>
-              <a:rPr lang="en-US" dirty="0"/>
-              <a:t>Approach to Acquiring the Data: </a:t>
-            </a:r>
-            <a:r>
-              <a:rPr lang="en-US" sz="4000" dirty="0"/>
-              <a:t>Web Scraping</a:t>
-            </a:r>
-          </a:p>
-        </p:txBody>
-      </p:sp>
-      <p:sp>
-        <p:nvSpPr>
-          <p:cNvPr id="3" name="Content Placeholder 2">
-            <a:extLst>
-              <a:ext uri="{FF2B5EF4-FFF2-40B4-BE49-F238E27FC236}">
-                <a16:creationId xmlns:a16="http://schemas.microsoft.com/office/drawing/2014/main" id="{39B174FE-6367-5942-A419-22ADA79CE723}"/>
-              </a:ext>
-            </a:extLst>
-          </p:cNvPr>
-          <p:cNvSpPr>
-            <a:spLocks noGrp="1"/>
-          </p:cNvSpPr>
-          <p:nvPr>
-            <p:ph idx="1"/>
+      <p:sp useBgFill="1">
+        <p:nvSpPr>
+          <p:cNvPr id="10" name="Rectangle 9">
+            <a:extLst>
+              <a:ext uri="{FF2B5EF4-FFF2-40B4-BE49-F238E27FC236}">
+                <a16:creationId xmlns:a16="http://schemas.microsoft.com/office/drawing/2014/main" id="{3346177D-ADC4-4968-B747-5CFCD390B5B9}"/>
+              </a:ext>
+              <a:ext uri="{C183D7F6-B498-43B3-948B-1728B52AA6E4}">
+                <adec:decorative xmlns:adec="http://schemas.microsoft.com/office/drawing/2017/decorative" val="1"/>
+              </a:ext>
+            </a:extLst>
+          </p:cNvPr>
+          <p:cNvSpPr>
+            <a:spLocks noGrp="1" noRot="1" noChangeAspect="1" noMove="1" noResize="1" noEditPoints="1" noAdjustHandles="1" noChangeArrowheads="1" noChangeShapeType="1" noTextEdit="1"/>
+          </p:cNvSpPr>
+          <p:nvPr>
+            <p:extLst>
+              <p:ext uri="{386F3935-93C4-4BCD-93E2-E3B085C9AB24}">
+                <p16:designElem xmlns:p16="http://schemas.microsoft.com/office/powerpoint/2015/main" val="1"/>
+              </p:ext>
+            </p:extLst>
           </p:nvPr>
         </p:nvSpPr>
         <p:spPr>
           <a:xfrm>
-            <a:off x="746235" y="1825625"/>
-            <a:ext cx="10752082" cy="4351338"/>
+            <a:off x="0" y="0"/>
+            <a:ext cx="12192000" cy="6858000"/>
+          </a:xfrm>
+          <a:prstGeom prst="rect">
+            <a:avLst/>
+          </a:prstGeom>
+          <a:ln w="12700" cap="flat" cmpd="sng" algn="ctr">
+            <a:noFill/>
+            <a:prstDash val="solid"/>
+            <a:miter lim="800000"/>
+          </a:ln>
+          <a:effectLst/>
+          <a:extLst>
+            <a:ext uri="{91240B29-F687-4F45-9708-019B960494DF}">
+              <a14:hiddenLine xmlns:a14="http://schemas.microsoft.com/office/drawing/2010/main" w="12700" cap="flat" cmpd="sng" algn="ctr">
+                <a:solidFill>
+                  <a:schemeClr val="accent1">
+                    <a:shade val="50000"/>
+                  </a:schemeClr>
+                </a:solidFill>
+                <a:prstDash val="solid"/>
+                <a:miter lim="800000"/>
+              </a14:hiddenLine>
+            </a:ext>
+          </a:extLst>
+        </p:spPr>
+        <p:style>
+          <a:lnRef idx="2">
+            <a:schemeClr val="accent1">
+              <a:shade val="50000"/>
+            </a:schemeClr>
+          </a:lnRef>
+          <a:fillRef idx="1">
+            <a:schemeClr val="accent1"/>
+          </a:fillRef>
+          <a:effectRef idx="0">
+            <a:schemeClr val="accent1"/>
+          </a:effectRef>
+          <a:fontRef idx="minor">
+            <a:schemeClr val="lt1"/>
+          </a:fontRef>
+        </p:style>
+        <p:txBody>
+          <a:bodyPr rtlCol="0" anchor="ctr"/>
+          <a:lstStyle/>
+          <a:p>
+            <a:pPr algn="ctr"/>
+            <a:endParaRPr lang="en-US"/>
+          </a:p>
+        </p:txBody>
+      </p:sp>
+      <p:sp>
+        <p:nvSpPr>
+          <p:cNvPr id="2" name="Title 1">
+            <a:extLst>
+              <a:ext uri="{FF2B5EF4-FFF2-40B4-BE49-F238E27FC236}">
+                <a16:creationId xmlns:a16="http://schemas.microsoft.com/office/drawing/2014/main" id="{1518A51C-AC5C-224B-83E1-BE4285E72E3E}"/>
+              </a:ext>
+            </a:extLst>
+          </p:cNvPr>
+          <p:cNvSpPr>
+            <a:spLocks noGrp="1"/>
+          </p:cNvSpPr>
+          <p:nvPr>
+            <p:ph type="title"/>
+          </p:nvPr>
+        </p:nvSpPr>
+        <p:spPr>
+          <a:xfrm>
+            <a:off x="613459" y="489509"/>
+            <a:ext cx="10996648" cy="785562"/>
           </a:xfrm>
         </p:spPr>
         <p:txBody>
-          <a:bodyPr>
-            <a:normAutofit lnSpcReduction="10000"/>
+          <a:bodyPr anchor="b">
+            <a:noAutofit/>
           </a:bodyPr>
           <a:lstStyle/>
           <a:p>
-            <a:pPr marL="0" indent="0">
-              <a:buNone/>
+            <a:r>
+              <a:rPr lang="en-US" sz="4000" b="1" dirty="0"/>
+              <a:t>Building the Dataset</a:t>
+            </a:r>
+          </a:p>
+        </p:txBody>
+      </p:sp>
+      <p:sp>
+        <p:nvSpPr>
+          <p:cNvPr id="3" name="Content Placeholder 2">
+            <a:extLst>
+              <a:ext uri="{FF2B5EF4-FFF2-40B4-BE49-F238E27FC236}">
+                <a16:creationId xmlns:a16="http://schemas.microsoft.com/office/drawing/2014/main" id="{69AB92F3-2775-4B46-A098-FE988824A88C}"/>
+              </a:ext>
+            </a:extLst>
+          </p:cNvPr>
+          <p:cNvSpPr>
+            <a:spLocks noGrp="1"/>
+          </p:cNvSpPr>
+          <p:nvPr>
+            <p:ph idx="1"/>
+          </p:nvPr>
+        </p:nvSpPr>
+        <p:spPr>
+          <a:xfrm>
+            <a:off x="613459" y="1537855"/>
+            <a:ext cx="10996650" cy="4599709"/>
+          </a:xfrm>
+        </p:spPr>
+        <p:txBody>
+          <a:bodyPr anchor="t">
+            <a:normAutofit/>
+          </a:bodyPr>
+          <a:lstStyle/>
+          <a:p>
+            <a:pPr marL="457200" indent="-457200" algn="l">
+              <a:buFont typeface="+mj-lt"/>
+              <a:buAutoNum type="arabicPeriod"/>
             </a:pPr>
             <a:r>
-              <a:rPr lang="en-US" sz="1400" b="1" dirty="0"/>
-              <a:t>Web scraping</a:t>
-            </a:r>
-            <a:r>
-              <a:rPr lang="en-US" sz="1400" dirty="0"/>
-              <a:t> is the process of gathering information from the Internet. Even copying and pasting the lyrics of your favorite song is a form of web scraping!</a:t>
-            </a:r>
-            <a:endParaRPr lang="en-US" sz="1400" b="1" dirty="0">
-              <a:solidFill>
-                <a:srgbClr val="292929"/>
-              </a:solidFill>
-            </a:endParaRPr>
-          </a:p>
-          <a:p>
-            <a:pPr marL="0" indent="0">
-              <a:buNone/>
+              <a:rPr lang="en-US" sz="2400" i="0" u="none" strike="noStrike" dirty="0">
+                <a:solidFill>
+                  <a:srgbClr val="002060"/>
+                </a:solidFill>
+                <a:effectLst/>
+              </a:rPr>
+              <a:t>Register for an API key</a:t>
+            </a:r>
+          </a:p>
+          <a:p>
+            <a:pPr marL="457200" indent="-457200">
+              <a:buFont typeface="+mj-lt"/>
+              <a:buAutoNum type="arabicPeriod"/>
             </a:pPr>
             <a:r>
-              <a:rPr lang="en-US" sz="2400" b="1" dirty="0"/>
-              <a:t>Step 1: Inspect Your Data Source (Explore the Website)</a:t>
-            </a:r>
-          </a:p>
-          <a:p>
-            <a:r>
-              <a:rPr lang="en-US" sz="1600" dirty="0"/>
-              <a:t>Understand the site structure to extract the information that’s relevant for you.</a:t>
-            </a:r>
-          </a:p>
-          <a:p>
-            <a:r>
-              <a:rPr lang="en-US" sz="1600" dirty="0"/>
-              <a:t>Decipher the Information in URLs</a:t>
-            </a:r>
-          </a:p>
-          <a:p>
-            <a:r>
-              <a:rPr lang="en-US" sz="1700" dirty="0"/>
-              <a:t>Inspect the Site Using Developer Tools</a:t>
-            </a:r>
-            <a:endParaRPr lang="en-US" sz="1600" dirty="0"/>
-          </a:p>
-          <a:p>
-            <a:pPr marL="0" indent="0">
-              <a:buNone/>
+              <a:rPr lang="en-US" sz="2400" i="0" u="none" strike="noStrike" dirty="0">
+                <a:solidFill>
+                  <a:srgbClr val="002060"/>
+                </a:solidFill>
+                <a:effectLst/>
+              </a:rPr>
+              <a:t>Setup Imports and API Authentication</a:t>
+            </a:r>
+          </a:p>
+          <a:p>
+            <a:pPr marL="457200" indent="-457200">
+              <a:buFont typeface="+mj-lt"/>
+              <a:buAutoNum type="arabicPeriod"/>
             </a:pPr>
             <a:r>
-              <a:rPr lang="en-US" sz="2400" b="1" dirty="0"/>
-              <a:t>Step 2: Scrape HTML Content From a Page</a:t>
-            </a:r>
-          </a:p>
-          <a:p>
-            <a:r>
-              <a:rPr lang="en-US" sz="1600" dirty="0"/>
-              <a:t>Find Elements by HTML class name</a:t>
-            </a:r>
-            <a:endParaRPr lang="en-US" sz="2400" dirty="0"/>
-          </a:p>
-          <a:p>
-            <a:pPr marL="0" indent="0">
-              <a:buNone/>
+              <a:rPr lang="en-US" sz="2400" i="0" u="none" strike="noStrike" dirty="0">
+                <a:solidFill>
+                  <a:srgbClr val="002060"/>
+                </a:solidFill>
+                <a:effectLst/>
+              </a:rPr>
+              <a:t>Retrieve </a:t>
+            </a:r>
+            <a:r>
+              <a:rPr lang="en-US" sz="2400" dirty="0">
+                <a:solidFill>
+                  <a:srgbClr val="002060"/>
+                </a:solidFill>
+              </a:rPr>
+              <a:t>s</a:t>
+            </a:r>
+            <a:r>
+              <a:rPr lang="en-US" sz="2400" i="0" u="none" strike="noStrike" dirty="0">
+                <a:solidFill>
+                  <a:srgbClr val="002060"/>
+                </a:solidFill>
+                <a:effectLst/>
+              </a:rPr>
+              <a:t>ong list from URL with parameters for a data query </a:t>
+            </a:r>
+          </a:p>
+          <a:p>
+            <a:pPr marL="457200" indent="-457200">
+              <a:buFont typeface="+mj-lt"/>
+              <a:buAutoNum type="arabicPeriod"/>
             </a:pPr>
             <a:r>
-              <a:rPr lang="en-US" sz="2400" b="1" dirty="0"/>
-              <a:t>Step 3: Parse HTML Code With Beautiful Soup</a:t>
-            </a:r>
-          </a:p>
-          <a:p>
-            <a:r>
-              <a:rPr lang="en-US" sz="1600" dirty="0"/>
-              <a:t>Find Elements and extract by ID, class name, …</a:t>
-            </a:r>
-          </a:p>
-          <a:p>
-            <a:r>
-              <a:rPr lang="en-US" sz="1600" dirty="0"/>
-              <a:t>Extract Text From HTML Elements</a:t>
-            </a:r>
-          </a:p>
-          <a:p>
-            <a:r>
-              <a:rPr lang="en-US" sz="1600" dirty="0"/>
-              <a:t>Pass a Function to a Beautiful Soup Method</a:t>
-            </a:r>
-          </a:p>
-          <a:p>
-            <a:pPr marL="0" indent="0">
-              <a:buNone/>
+              <a:rPr lang="en-US" sz="2400" i="0" u="none" strike="noStrike" dirty="0">
+                <a:solidFill>
+                  <a:srgbClr val="002060"/>
+                </a:solidFill>
+                <a:effectLst/>
+              </a:rPr>
+              <a:t>Scrape Lyric Data with Beautiful Soup</a:t>
+            </a:r>
+          </a:p>
+          <a:p>
+            <a:pPr marL="457200" indent="-457200">
+              <a:buFont typeface="+mj-lt"/>
+              <a:buAutoNum type="arabicPeriod"/>
             </a:pPr>
             <a:r>
-              <a:rPr lang="en-US" sz="1300" dirty="0">
-                <a:hlinkClick r:id="rId3"/>
+              <a:rPr lang="en-US" sz="2400" i="0" u="none" strike="noStrike" dirty="0">
+                <a:solidFill>
+                  <a:srgbClr val="002060"/>
+                </a:solidFill>
+                <a:effectLst/>
               </a:rPr>
-              <a:t>https://realpython.com/beautiful-soup-web-scraper-python/#step-1-inspect-your-data-source</a:t>
-            </a:r>
-            <a:endParaRPr lang="en-US" sz="1300" dirty="0"/>
-          </a:p>
-          <a:p>
-            <a:pPr marL="0" indent="0">
-              <a:buNone/>
+              <a:t>Collect and Merge Data</a:t>
+            </a:r>
+          </a:p>
+          <a:p>
+            <a:pPr marL="457200" indent="-457200">
+              <a:buFont typeface="+mj-lt"/>
+              <a:buAutoNum type="arabicPeriod"/>
             </a:pPr>
-            <a:endParaRPr lang="en-US" dirty="0"/>
+            <a:r>
+              <a:rPr lang="en-US" sz="2400" i="0" u="none" strike="noStrike" dirty="0">
+                <a:solidFill>
+                  <a:srgbClr val="002060"/>
+                </a:solidFill>
+                <a:effectLst/>
+              </a:rPr>
+              <a:t>Process Data</a:t>
+            </a:r>
+          </a:p>
+          <a:p>
+            <a:pPr marL="457200" indent="-457200">
+              <a:buFont typeface="+mj-lt"/>
+              <a:buAutoNum type="arabicPeriod"/>
+            </a:pPr>
+            <a:r>
+              <a:rPr lang="en-US" sz="2400" i="0" u="none" strike="noStrike" dirty="0">
+                <a:solidFill>
+                  <a:srgbClr val="002060"/>
+                </a:solidFill>
+                <a:effectLst/>
+              </a:rPr>
+              <a:t>Remove Stop Words</a:t>
+            </a:r>
+          </a:p>
+          <a:p>
+            <a:pPr marL="457200" indent="-457200">
+              <a:buFont typeface="+mj-lt"/>
+              <a:buAutoNum type="arabicPeriod"/>
+            </a:pPr>
+            <a:r>
+              <a:rPr lang="en-US" sz="2400" i="0" u="none" strike="noStrike" dirty="0">
+                <a:solidFill>
+                  <a:srgbClr val="002060"/>
+                </a:solidFill>
+                <a:effectLst/>
+              </a:rPr>
+              <a:t>Output </a:t>
+            </a:r>
+            <a:r>
+              <a:rPr lang="en-US" sz="2400" i="0" u="none" strike="noStrike" dirty="0">
+                <a:solidFill>
+                  <a:srgbClr val="002060"/>
+                </a:solidFill>
+                <a:effectLst/>
+                <a:latin typeface="-apple-system"/>
+              </a:rPr>
+              <a:t>the Dataset</a:t>
+            </a:r>
+          </a:p>
+        </p:txBody>
+      </p:sp>
+      <p:sp>
+        <p:nvSpPr>
+          <p:cNvPr id="12" name="Rectangle 11">
+            <a:extLst>
+              <a:ext uri="{FF2B5EF4-FFF2-40B4-BE49-F238E27FC236}">
+                <a16:creationId xmlns:a16="http://schemas.microsoft.com/office/drawing/2014/main" id="{0844A943-BF79-4FEA-ABB1-3BD54D236606}"/>
+              </a:ext>
+              <a:ext uri="{C183D7F6-B498-43B3-948B-1728B52AA6E4}">
+                <adec:decorative xmlns:adec="http://schemas.microsoft.com/office/drawing/2017/decorative" val="1"/>
+              </a:ext>
+            </a:extLst>
+          </p:cNvPr>
+          <p:cNvSpPr>
+            <a:spLocks noGrp="1" noRot="1" noChangeAspect="1" noMove="1" noResize="1" noEditPoints="1" noAdjustHandles="1" noChangeArrowheads="1" noChangeShapeType="1" noTextEdit="1"/>
+          </p:cNvSpPr>
+          <p:nvPr>
+            <p:extLst>
+              <p:ext uri="{386F3935-93C4-4BCD-93E2-E3B085C9AB24}">
+                <p16:designElem xmlns:p16="http://schemas.microsoft.com/office/powerpoint/2015/main" val="1"/>
+              </p:ext>
+            </p:extLst>
+          </p:nvPr>
+        </p:nvSpPr>
+        <p:spPr>
+          <a:xfrm rot="10800000" flipH="1">
+            <a:off x="0" y="6400799"/>
+            <a:ext cx="12192000" cy="456773"/>
+          </a:xfrm>
+          <a:prstGeom prst="rect">
+            <a:avLst/>
+          </a:prstGeom>
+          <a:gradFill>
+            <a:gsLst>
+              <a:gs pos="0">
+                <a:schemeClr val="accent1"/>
+              </a:gs>
+              <a:gs pos="90000">
+                <a:srgbClr val="000000"/>
+              </a:gs>
+            </a:gsLst>
+            <a:lin ang="2400000" scaled="0"/>
+          </a:gradFill>
+          <a:ln>
+            <a:noFill/>
+          </a:ln>
+        </p:spPr>
+        <p:style>
+          <a:lnRef idx="2">
+            <a:schemeClr val="accent1">
+              <a:shade val="50000"/>
+            </a:schemeClr>
+          </a:lnRef>
+          <a:fillRef idx="1">
+            <a:schemeClr val="accent1"/>
+          </a:fillRef>
+          <a:effectRef idx="0">
+            <a:schemeClr val="accent1"/>
+          </a:effectRef>
+          <a:fontRef idx="minor">
+            <a:schemeClr val="lt1"/>
+          </a:fontRef>
+        </p:style>
+        <p:txBody>
+          <a:bodyPr rtlCol="0" anchor="ctr"/>
+          <a:lstStyle/>
+          <a:p>
+            <a:pPr algn="ctr"/>
+            <a:endParaRPr lang="en-US"/>
+          </a:p>
+        </p:txBody>
+      </p:sp>
+      <p:sp>
+        <p:nvSpPr>
+          <p:cNvPr id="14" name="Rectangle 13">
+            <a:extLst>
+              <a:ext uri="{FF2B5EF4-FFF2-40B4-BE49-F238E27FC236}">
+                <a16:creationId xmlns:a16="http://schemas.microsoft.com/office/drawing/2014/main" id="{6437CC72-F4A8-4DC3-AFAB-D22C482C8100}"/>
+              </a:ext>
+              <a:ext uri="{C183D7F6-B498-43B3-948B-1728B52AA6E4}">
+                <adec:decorative xmlns:adec="http://schemas.microsoft.com/office/drawing/2017/decorative" val="1"/>
+              </a:ext>
+            </a:extLst>
+          </p:cNvPr>
+          <p:cNvSpPr>
+            <a:spLocks noGrp="1" noRot="1" noChangeAspect="1" noMove="1" noResize="1" noEditPoints="1" noAdjustHandles="1" noChangeArrowheads="1" noChangeShapeType="1" noTextEdit="1"/>
+          </p:cNvSpPr>
+          <p:nvPr>
+            <p:extLst>
+              <p:ext uri="{386F3935-93C4-4BCD-93E2-E3B085C9AB24}">
+                <p16:designElem xmlns:p16="http://schemas.microsoft.com/office/powerpoint/2015/main" val="1"/>
+              </p:ext>
+            </p:extLst>
+          </p:nvPr>
+        </p:nvSpPr>
+        <p:spPr>
+          <a:xfrm flipH="1">
+            <a:off x="4038600" y="6400799"/>
+            <a:ext cx="8153398" cy="456772"/>
+          </a:xfrm>
+          <a:prstGeom prst="rect">
+            <a:avLst/>
+          </a:prstGeom>
+          <a:gradFill>
+            <a:gsLst>
+              <a:gs pos="0">
+                <a:srgbClr val="000000">
+                  <a:alpha val="50000"/>
+                </a:srgbClr>
+              </a:gs>
+              <a:gs pos="100000">
+                <a:schemeClr val="accent1">
+                  <a:lumMod val="75000"/>
+                </a:schemeClr>
+              </a:gs>
+            </a:gsLst>
+            <a:lin ang="13800000" scaled="0"/>
+          </a:gradFill>
+          <a:ln>
+            <a:noFill/>
+          </a:ln>
+        </p:spPr>
+        <p:style>
+          <a:lnRef idx="2">
+            <a:schemeClr val="accent1">
+              <a:shade val="50000"/>
+            </a:schemeClr>
+          </a:lnRef>
+          <a:fillRef idx="1">
+            <a:schemeClr val="accent1"/>
+          </a:fillRef>
+          <a:effectRef idx="0">
+            <a:schemeClr val="accent1"/>
+          </a:effectRef>
+          <a:fontRef idx="minor">
+            <a:schemeClr val="lt1"/>
+          </a:fontRef>
+        </p:style>
+        <p:txBody>
+          <a:bodyPr rtlCol="0" anchor="ctr"/>
+          <a:lstStyle/>
+          <a:p>
+            <a:pPr algn="ctr"/>
+            <a:endParaRPr lang="en-US"/>
           </a:p>
         </p:txBody>
       </p:sp>
     </p:spTree>
     <p:extLst>
       <p:ext uri="{BB962C8B-B14F-4D97-AF65-F5344CB8AC3E}">
-        <p14:creationId xmlns:p14="http://schemas.microsoft.com/office/powerpoint/2010/main" val="2604059689"/>
+        <p14:creationId xmlns:p14="http://schemas.microsoft.com/office/powerpoint/2010/main" val="1863215149"/>
       </p:ext>
     </p:extLst>
   </p:cSld>
@@ -5764,6 +9258,14 @@
 <file path=ppt/slides/slide7.xml><?xml version="1.0" encoding="utf-8"?>
 <p:sld xmlns:a="http://schemas.openxmlformats.org/drawingml/2006/main" xmlns:r="http://schemas.openxmlformats.org/officeDocument/2006/relationships" xmlns:p="http://schemas.openxmlformats.org/presentationml/2006/main">
   <p:cSld>
+    <p:bg>
+      <p:bgPr>
+        <a:solidFill>
+          <a:schemeClr val="bg1"/>
+        </a:solidFill>
+        <a:effectLst/>
+      </p:bgPr>
+    </p:bg>
     <p:spTree>
       <p:nvGrpSpPr>
         <p:cNvPr id="1" name=""/>
@@ -5778,135 +9280,297 @@
           <a:chExt cx="0" cy="0"/>
         </a:xfrm>
       </p:grpSpPr>
-      <p:sp>
-        <p:nvSpPr>
-          <p:cNvPr id="2" name="Title 1">
-            <a:extLst>
-              <a:ext uri="{FF2B5EF4-FFF2-40B4-BE49-F238E27FC236}">
-                <a16:creationId xmlns:a16="http://schemas.microsoft.com/office/drawing/2014/main" id="{FCCC1219-0C6D-034C-B5AE-66B28FE2AF5A}"/>
-              </a:ext>
-            </a:extLst>
-          </p:cNvPr>
-          <p:cNvSpPr>
-            <a:spLocks noGrp="1"/>
-          </p:cNvSpPr>
-          <p:nvPr>
-            <p:ph type="title"/>
-          </p:nvPr>
-        </p:nvSpPr>
-        <p:spPr/>
-        <p:txBody>
-          <a:bodyPr/>
-          <a:lstStyle/>
-          <a:p>
-            <a:r>
-              <a:rPr lang="en-US" dirty="0"/>
-              <a:t>Approach to Acquiring the Data: </a:t>
-            </a:r>
-            <a:r>
-              <a:rPr lang="en-US" sz="4000" dirty="0"/>
-              <a:t>Web Scraping</a:t>
-            </a:r>
-          </a:p>
-        </p:txBody>
-      </p:sp>
-      <p:sp>
-        <p:nvSpPr>
-          <p:cNvPr id="3" name="Content Placeholder 2">
-            <a:extLst>
-              <a:ext uri="{FF2B5EF4-FFF2-40B4-BE49-F238E27FC236}">
-                <a16:creationId xmlns:a16="http://schemas.microsoft.com/office/drawing/2014/main" id="{39B174FE-6367-5942-A419-22ADA79CE723}"/>
-              </a:ext>
-            </a:extLst>
-          </p:cNvPr>
-          <p:cNvSpPr>
-            <a:spLocks noGrp="1"/>
-          </p:cNvSpPr>
-          <p:nvPr>
-            <p:ph idx="1"/>
+      <p:sp useBgFill="1">
+        <p:nvSpPr>
+          <p:cNvPr id="10" name="Rectangle 9">
+            <a:extLst>
+              <a:ext uri="{FF2B5EF4-FFF2-40B4-BE49-F238E27FC236}">
+                <a16:creationId xmlns:a16="http://schemas.microsoft.com/office/drawing/2014/main" id="{3346177D-ADC4-4968-B747-5CFCD390B5B9}"/>
+              </a:ext>
+              <a:ext uri="{C183D7F6-B498-43B3-948B-1728B52AA6E4}">
+                <adec:decorative xmlns:adec="http://schemas.microsoft.com/office/drawing/2017/decorative" val="1"/>
+              </a:ext>
+            </a:extLst>
+          </p:cNvPr>
+          <p:cNvSpPr>
+            <a:spLocks noGrp="1" noRot="1" noChangeAspect="1" noMove="1" noResize="1" noEditPoints="1" noAdjustHandles="1" noChangeArrowheads="1" noChangeShapeType="1" noTextEdit="1"/>
+          </p:cNvSpPr>
+          <p:nvPr>
+            <p:extLst>
+              <p:ext uri="{386F3935-93C4-4BCD-93E2-E3B085C9AB24}">
+                <p16:designElem xmlns:p16="http://schemas.microsoft.com/office/powerpoint/2015/main" val="1"/>
+              </p:ext>
+            </p:extLst>
           </p:nvPr>
         </p:nvSpPr>
         <p:spPr>
           <a:xfrm>
-            <a:off x="746235" y="1825625"/>
-            <a:ext cx="10752082" cy="4351338"/>
+            <a:off x="0" y="0"/>
+            <a:ext cx="12192000" cy="6858000"/>
+          </a:xfrm>
+          <a:prstGeom prst="rect">
+            <a:avLst/>
+          </a:prstGeom>
+          <a:ln w="12700" cap="flat" cmpd="sng" algn="ctr">
+            <a:noFill/>
+            <a:prstDash val="solid"/>
+            <a:miter lim="800000"/>
+          </a:ln>
+          <a:effectLst/>
+          <a:extLst>
+            <a:ext uri="{91240B29-F687-4F45-9708-019B960494DF}">
+              <a14:hiddenLine xmlns:a14="http://schemas.microsoft.com/office/drawing/2010/main" w="12700" cap="flat" cmpd="sng" algn="ctr">
+                <a:solidFill>
+                  <a:schemeClr val="accent1">
+                    <a:shade val="50000"/>
+                  </a:schemeClr>
+                </a:solidFill>
+                <a:prstDash val="solid"/>
+                <a:miter lim="800000"/>
+              </a14:hiddenLine>
+            </a:ext>
+          </a:extLst>
+        </p:spPr>
+        <p:style>
+          <a:lnRef idx="2">
+            <a:schemeClr val="accent1">
+              <a:shade val="50000"/>
+            </a:schemeClr>
+          </a:lnRef>
+          <a:fillRef idx="1">
+            <a:schemeClr val="accent1"/>
+          </a:fillRef>
+          <a:effectRef idx="0">
+            <a:schemeClr val="accent1"/>
+          </a:effectRef>
+          <a:fontRef idx="minor">
+            <a:schemeClr val="lt1"/>
+          </a:fontRef>
+        </p:style>
+        <p:txBody>
+          <a:bodyPr rtlCol="0" anchor="ctr"/>
+          <a:lstStyle/>
+          <a:p>
+            <a:pPr algn="ctr"/>
+            <a:endParaRPr lang="en-US"/>
+          </a:p>
+        </p:txBody>
+      </p:sp>
+      <p:sp>
+        <p:nvSpPr>
+          <p:cNvPr id="2" name="Title 1">
+            <a:extLst>
+              <a:ext uri="{FF2B5EF4-FFF2-40B4-BE49-F238E27FC236}">
+                <a16:creationId xmlns:a16="http://schemas.microsoft.com/office/drawing/2014/main" id="{1518A51C-AC5C-224B-83E1-BE4285E72E3E}"/>
+              </a:ext>
+            </a:extLst>
+          </p:cNvPr>
+          <p:cNvSpPr>
+            <a:spLocks noGrp="1"/>
+          </p:cNvSpPr>
+          <p:nvPr>
+            <p:ph type="title"/>
+          </p:nvPr>
+        </p:nvSpPr>
+        <p:spPr>
+          <a:xfrm>
+            <a:off x="429491" y="489509"/>
+            <a:ext cx="11180616" cy="785562"/>
           </a:xfrm>
         </p:spPr>
         <p:txBody>
-          <a:bodyPr>
-            <a:normAutofit/>
+          <a:bodyPr anchor="b">
+            <a:noAutofit/>
           </a:bodyPr>
           <a:lstStyle/>
           <a:p>
-            <a:pPr>
-              <a:buFont typeface="+mj-lt"/>
-              <a:buAutoNum type="arabicPeriod"/>
-            </a:pPr>
-            <a:r>
-              <a:rPr lang="en-US" dirty="0"/>
-              <a:t>Fetch the main URL HTML code.</a:t>
-            </a:r>
-          </a:p>
-          <a:p>
-            <a:pPr>
-              <a:buFont typeface="+mj-lt"/>
-              <a:buAutoNum type="arabicPeriod"/>
-            </a:pPr>
-            <a:r>
-              <a:rPr lang="en-US" dirty="0"/>
-              <a:t>Feed that HTML to </a:t>
-            </a:r>
-            <a:r>
-              <a:rPr lang="en-US" dirty="0" err="1"/>
-              <a:t>BeautifulSoup</a:t>
-            </a:r>
-            <a:r>
-              <a:rPr lang="en-US" dirty="0"/>
-              <a:t>.</a:t>
-            </a:r>
-          </a:p>
-          <a:p>
-            <a:pPr>
-              <a:buFont typeface="+mj-lt"/>
-              <a:buAutoNum type="arabicPeriod"/>
-            </a:pPr>
-            <a:r>
-              <a:rPr lang="en-US" dirty="0"/>
-              <a:t>Extract each song from the list and get the wiki link of each book.</a:t>
-            </a:r>
-          </a:p>
-          <a:p>
-            <a:pPr>
-              <a:buFont typeface="+mj-lt"/>
-              <a:buAutoNum type="arabicPeriod"/>
-            </a:pPr>
-            <a:r>
-              <a:rPr lang="en-US" dirty="0"/>
-              <a:t>Obtain lyrical data for each song.</a:t>
-            </a:r>
-          </a:p>
-          <a:p>
-            <a:pPr>
-              <a:buFont typeface="+mj-lt"/>
-              <a:buAutoNum type="arabicPeriod"/>
-            </a:pPr>
-            <a:r>
-              <a:rPr lang="en-US" dirty="0"/>
-              <a:t>Get all songs lyrical data, clean, and plot final results.</a:t>
-            </a:r>
-          </a:p>
-          <a:p>
-            <a:pPr marL="0" indent="0">
-              <a:buNone/>
-            </a:pPr>
-            <a:endParaRPr lang="en-US" dirty="0"/>
+            <a:r>
+              <a:rPr lang="en-US" sz="4000" b="1"/>
+              <a:t>Preprocessing Our Data</a:t>
+            </a:r>
+            <a:endParaRPr lang="en-US" sz="4000" b="1" dirty="0"/>
+          </a:p>
+        </p:txBody>
+      </p:sp>
+      <p:pic>
+        <p:nvPicPr>
+          <p:cNvPr id="6" name="Content Placeholder 5" descr="Graphical user interface, text, application&#10;&#10;Description automatically generated">
+            <a:extLst>
+              <a:ext uri="{FF2B5EF4-FFF2-40B4-BE49-F238E27FC236}">
+                <a16:creationId xmlns:a16="http://schemas.microsoft.com/office/drawing/2014/main" id="{B71A4868-74B9-377A-FDB4-083F8B492653}"/>
+              </a:ext>
+            </a:extLst>
+          </p:cNvPr>
+          <p:cNvPicPr>
+            <a:picLocks noGrp="1" noChangeAspect="1"/>
+          </p:cNvPicPr>
+          <p:nvPr>
+            <p:ph idx="1"/>
+          </p:nvPr>
+        </p:nvPicPr>
+        <p:blipFill>
+          <a:blip r:embed="rId3"/>
+          <a:stretch>
+            <a:fillRect/>
+          </a:stretch>
+        </p:blipFill>
+        <p:spPr>
+          <a:xfrm>
+            <a:off x="1690254" y="1602263"/>
+            <a:ext cx="8659089" cy="4249663"/>
+          </a:xfrm>
+        </p:spPr>
+      </p:pic>
+      <p:sp>
+        <p:nvSpPr>
+          <p:cNvPr id="12" name="Rectangle 11">
+            <a:extLst>
+              <a:ext uri="{FF2B5EF4-FFF2-40B4-BE49-F238E27FC236}">
+                <a16:creationId xmlns:a16="http://schemas.microsoft.com/office/drawing/2014/main" id="{0844A943-BF79-4FEA-ABB1-3BD54D236606}"/>
+              </a:ext>
+              <a:ext uri="{C183D7F6-B498-43B3-948B-1728B52AA6E4}">
+                <adec:decorative xmlns:adec="http://schemas.microsoft.com/office/drawing/2017/decorative" val="1"/>
+              </a:ext>
+            </a:extLst>
+          </p:cNvPr>
+          <p:cNvSpPr>
+            <a:spLocks noGrp="1" noRot="1" noChangeAspect="1" noMove="1" noResize="1" noEditPoints="1" noAdjustHandles="1" noChangeArrowheads="1" noChangeShapeType="1" noTextEdit="1"/>
+          </p:cNvSpPr>
+          <p:nvPr>
+            <p:extLst>
+              <p:ext uri="{386F3935-93C4-4BCD-93E2-E3B085C9AB24}">
+                <p16:designElem xmlns:p16="http://schemas.microsoft.com/office/powerpoint/2015/main" val="1"/>
+              </p:ext>
+            </p:extLst>
+          </p:nvPr>
+        </p:nvSpPr>
+        <p:spPr>
+          <a:xfrm rot="10800000" flipH="1">
+            <a:off x="0" y="6400799"/>
+            <a:ext cx="12192000" cy="456773"/>
+          </a:xfrm>
+          <a:prstGeom prst="rect">
+            <a:avLst/>
+          </a:prstGeom>
+          <a:gradFill>
+            <a:gsLst>
+              <a:gs pos="0">
+                <a:schemeClr val="accent1"/>
+              </a:gs>
+              <a:gs pos="90000">
+                <a:srgbClr val="000000"/>
+              </a:gs>
+            </a:gsLst>
+            <a:lin ang="2400000" scaled="0"/>
+          </a:gradFill>
+          <a:ln>
+            <a:noFill/>
+          </a:ln>
+        </p:spPr>
+        <p:style>
+          <a:lnRef idx="2">
+            <a:schemeClr val="accent1">
+              <a:shade val="50000"/>
+            </a:schemeClr>
+          </a:lnRef>
+          <a:fillRef idx="1">
+            <a:schemeClr val="accent1"/>
+          </a:fillRef>
+          <a:effectRef idx="0">
+            <a:schemeClr val="accent1"/>
+          </a:effectRef>
+          <a:fontRef idx="minor">
+            <a:schemeClr val="lt1"/>
+          </a:fontRef>
+        </p:style>
+        <p:txBody>
+          <a:bodyPr rtlCol="0" anchor="ctr"/>
+          <a:lstStyle/>
+          <a:p>
+            <a:pPr algn="ctr"/>
+            <a:endParaRPr lang="en-US"/>
+          </a:p>
+        </p:txBody>
+      </p:sp>
+      <p:sp>
+        <p:nvSpPr>
+          <p:cNvPr id="14" name="Rectangle 13">
+            <a:extLst>
+              <a:ext uri="{FF2B5EF4-FFF2-40B4-BE49-F238E27FC236}">
+                <a16:creationId xmlns:a16="http://schemas.microsoft.com/office/drawing/2014/main" id="{6437CC72-F4A8-4DC3-AFAB-D22C482C8100}"/>
+              </a:ext>
+              <a:ext uri="{C183D7F6-B498-43B3-948B-1728B52AA6E4}">
+                <adec:decorative xmlns:adec="http://schemas.microsoft.com/office/drawing/2017/decorative" val="1"/>
+              </a:ext>
+            </a:extLst>
+          </p:cNvPr>
+          <p:cNvSpPr>
+            <a:spLocks noGrp="1" noRot="1" noChangeAspect="1" noMove="1" noResize="1" noEditPoints="1" noAdjustHandles="1" noChangeArrowheads="1" noChangeShapeType="1" noTextEdit="1"/>
+          </p:cNvSpPr>
+          <p:nvPr>
+            <p:extLst>
+              <p:ext uri="{386F3935-93C4-4BCD-93E2-E3B085C9AB24}">
+                <p16:designElem xmlns:p16="http://schemas.microsoft.com/office/powerpoint/2015/main" val="1"/>
+              </p:ext>
+            </p:extLst>
+          </p:nvPr>
+        </p:nvSpPr>
+        <p:spPr>
+          <a:xfrm flipH="1">
+            <a:off x="4038600" y="6400799"/>
+            <a:ext cx="8153398" cy="456772"/>
+          </a:xfrm>
+          <a:prstGeom prst="rect">
+            <a:avLst/>
+          </a:prstGeom>
+          <a:gradFill>
+            <a:gsLst>
+              <a:gs pos="0">
+                <a:srgbClr val="000000">
+                  <a:alpha val="50000"/>
+                </a:srgbClr>
+              </a:gs>
+              <a:gs pos="100000">
+                <a:schemeClr val="accent1">
+                  <a:lumMod val="75000"/>
+                </a:schemeClr>
+              </a:gs>
+            </a:gsLst>
+            <a:lin ang="13800000" scaled="0"/>
+          </a:gradFill>
+          <a:ln>
+            <a:noFill/>
+          </a:ln>
+        </p:spPr>
+        <p:style>
+          <a:lnRef idx="2">
+            <a:schemeClr val="accent1">
+              <a:shade val="50000"/>
+            </a:schemeClr>
+          </a:lnRef>
+          <a:fillRef idx="1">
+            <a:schemeClr val="accent1"/>
+          </a:fillRef>
+          <a:effectRef idx="0">
+            <a:schemeClr val="accent1"/>
+          </a:effectRef>
+          <a:fontRef idx="minor">
+            <a:schemeClr val="lt1"/>
+          </a:fontRef>
+        </p:style>
+        <p:txBody>
+          <a:bodyPr rtlCol="0" anchor="ctr"/>
+          <a:lstStyle/>
+          <a:p>
+            <a:pPr algn="ctr"/>
+            <a:endParaRPr lang="en-US"/>
           </a:p>
         </p:txBody>
       </p:sp>
     </p:spTree>
     <p:extLst>
       <p:ext uri="{BB962C8B-B14F-4D97-AF65-F5344CB8AC3E}">
-        <p14:creationId xmlns:p14="http://schemas.microsoft.com/office/powerpoint/2010/main" val="711782481"/>
+        <p14:creationId xmlns:p14="http://schemas.microsoft.com/office/powerpoint/2010/main" val="2381066860"/>
       </p:ext>
     </p:extLst>
   </p:cSld>
@@ -5938,7 +9602,7 @@
           <p:cNvPr id="2" name="Title 1">
             <a:extLst>
               <a:ext uri="{FF2B5EF4-FFF2-40B4-BE49-F238E27FC236}">
-                <a16:creationId xmlns:a16="http://schemas.microsoft.com/office/drawing/2014/main" id="{E312C33B-C395-284A-8535-98395D1F6E71}"/>
+                <a16:creationId xmlns:a16="http://schemas.microsoft.com/office/drawing/2014/main" id="{F54CD119-5868-0A44-B523-6F9234BC943E}"/>
               </a:ext>
             </a:extLst>
           </p:cNvPr>
@@ -5955,139 +9619,44 @@
           <a:lstStyle/>
           <a:p>
             <a:r>
+              <a:rPr lang="en-US" b="1" dirty="0"/>
+              <a:t>Distribution Approach</a:t>
+            </a:r>
+          </a:p>
+        </p:txBody>
+      </p:sp>
+      <p:sp>
+        <p:nvSpPr>
+          <p:cNvPr id="3" name="Content Placeholder 2">
+            <a:extLst>
+              <a:ext uri="{FF2B5EF4-FFF2-40B4-BE49-F238E27FC236}">
+                <a16:creationId xmlns:a16="http://schemas.microsoft.com/office/drawing/2014/main" id="{05E2C9C3-D3B6-134D-A713-56229C7F4D3B}"/>
+              </a:ext>
+            </a:extLst>
+          </p:cNvPr>
+          <p:cNvSpPr>
+            <a:spLocks noGrp="1"/>
+          </p:cNvSpPr>
+          <p:nvPr>
+            <p:ph idx="1"/>
+          </p:nvPr>
+        </p:nvSpPr>
+        <p:spPr/>
+        <p:txBody>
+          <a:bodyPr/>
+          <a:lstStyle/>
+          <a:p>
+            <a:r>
               <a:rPr lang="en-US" dirty="0"/>
-              <a:t>Approach to Preprocessing Data</a:t>
-            </a:r>
-          </a:p>
-        </p:txBody>
-      </p:sp>
-      <p:sp>
-        <p:nvSpPr>
-          <p:cNvPr id="3" name="Content Placeholder 2">
-            <a:extLst>
-              <a:ext uri="{FF2B5EF4-FFF2-40B4-BE49-F238E27FC236}">
-                <a16:creationId xmlns:a16="http://schemas.microsoft.com/office/drawing/2014/main" id="{F55CFF0D-D572-3142-A36C-5EE8C0B06137}"/>
-              </a:ext>
-            </a:extLst>
-          </p:cNvPr>
-          <p:cNvSpPr>
-            <a:spLocks noGrp="1"/>
-          </p:cNvSpPr>
-          <p:nvPr>
-            <p:ph idx="1"/>
-          </p:nvPr>
-        </p:nvSpPr>
-        <p:spPr/>
-        <p:txBody>
-          <a:bodyPr>
-            <a:normAutofit/>
-          </a:bodyPr>
-          <a:lstStyle/>
-          <a:p>
-            <a:pPr marL="457200" indent="-457200">
-              <a:buFont typeface="+mj-lt"/>
-              <a:buAutoNum type="arabicPeriod"/>
-            </a:pPr>
-            <a:r>
-              <a:rPr lang="en-US" sz="2400" b="0" dirty="0">
-                <a:effectLst/>
-              </a:rPr>
-              <a:t>get a list of tracks from </a:t>
-            </a:r>
-            <a:r>
-              <a:rPr lang="en-US" sz="2400" b="0" dirty="0" err="1">
-                <a:effectLst/>
-              </a:rPr>
-              <a:t>musix</a:t>
-            </a:r>
-            <a:r>
-              <a:rPr lang="en-US" sz="2400" b="0" dirty="0">
-                <a:effectLst/>
-              </a:rPr>
-              <a:t> match.</a:t>
-            </a:r>
-          </a:p>
-          <a:p>
-            <a:pPr marL="457200" indent="-457200">
-              <a:buFont typeface="+mj-lt"/>
-              <a:buAutoNum type="arabicPeriod"/>
-            </a:pPr>
-            <a:r>
-              <a:rPr lang="en-US" sz="2400" b="0" dirty="0">
-                <a:effectLst/>
-              </a:rPr>
-              <a:t>acquire the lyrics data for those tracks (either from API or scrapping). </a:t>
-            </a:r>
-          </a:p>
-          <a:p>
-            <a:pPr marL="457200" indent="-457200">
-              <a:buFont typeface="+mj-lt"/>
-              <a:buAutoNum type="arabicPeriod"/>
-            </a:pPr>
-            <a:r>
-              <a:rPr lang="en-US" sz="2400" b="0" dirty="0">
-                <a:effectLst/>
-              </a:rPr>
-              <a:t>acquire the mood data for each track. </a:t>
-            </a:r>
-          </a:p>
-          <a:p>
-            <a:pPr marL="457200" indent="-457200">
-              <a:buFont typeface="+mj-lt"/>
-              <a:buAutoNum type="arabicPeriod"/>
-            </a:pPr>
-            <a:r>
-              <a:rPr lang="en-US" sz="2400" b="0" dirty="0">
-                <a:effectLst/>
-              </a:rPr>
-              <a:t>for each track count the words. </a:t>
-            </a:r>
-          </a:p>
-          <a:p>
-            <a:pPr marL="457200" indent="-457200">
-              <a:buFont typeface="+mj-lt"/>
-              <a:buAutoNum type="arabicPeriod"/>
-            </a:pPr>
-            <a:r>
-              <a:rPr lang="en-US" sz="2400" b="0" dirty="0">
-                <a:effectLst/>
-              </a:rPr>
-              <a:t>assign to the word counts to a mood based on the mood of the track.</a:t>
-            </a:r>
-          </a:p>
-          <a:p>
-            <a:pPr marL="457200" indent="-457200">
-              <a:buFont typeface="+mj-lt"/>
-              <a:buAutoNum type="arabicPeriod"/>
-            </a:pPr>
-            <a:r>
-              <a:rPr lang="en-US" sz="2400" b="0" dirty="0">
-                <a:effectLst/>
-              </a:rPr>
-              <a:t>order the words for each mood based on count.</a:t>
-            </a:r>
-          </a:p>
-          <a:p>
-            <a:pPr marL="457200" indent="-457200">
-              <a:buFont typeface="+mj-lt"/>
-              <a:buAutoNum type="arabicPeriod"/>
-            </a:pPr>
-            <a:r>
-              <a:rPr lang="en-US" sz="2400" b="0" dirty="0">
-                <a:effectLst/>
-              </a:rPr>
-              <a:t>output finalized dataset to a file.</a:t>
-            </a:r>
-          </a:p>
-          <a:p>
-            <a:endParaRPr lang="en-US" sz="2400" dirty="0"/>
+              <a:t>JSON file…</a:t>
+            </a:r>
           </a:p>
         </p:txBody>
       </p:sp>
     </p:spTree>
     <p:extLst>
       <p:ext uri="{BB962C8B-B14F-4D97-AF65-F5344CB8AC3E}">
-        <p14:creationId xmlns:p14="http://schemas.microsoft.com/office/powerpoint/2010/main" val="1612097646"/>
+        <p14:creationId xmlns:p14="http://schemas.microsoft.com/office/powerpoint/2010/main" val="2781622621"/>
       </p:ext>
     </p:extLst>
   </p:cSld>
@@ -6119,7 +9688,7 @@
           <p:cNvPr id="2" name="Title 1">
             <a:extLst>
               <a:ext uri="{FF2B5EF4-FFF2-40B4-BE49-F238E27FC236}">
-                <a16:creationId xmlns:a16="http://schemas.microsoft.com/office/drawing/2014/main" id="{F54CD119-5868-0A44-B523-6F9234BC943E}"/>
+                <a16:creationId xmlns:a16="http://schemas.microsoft.com/office/drawing/2014/main" id="{D56A079E-9CD9-D84F-AC45-14A954F929FD}"/>
               </a:ext>
             </a:extLst>
           </p:cNvPr>
@@ -6136,8 +9705,8 @@
           <a:lstStyle/>
           <a:p>
             <a:r>
-              <a:rPr lang="en-US" dirty="0"/>
-              <a:t>Distribution Approach</a:t>
+              <a:rPr lang="en-US" b="1" dirty="0"/>
+              <a:t>Discussion of Access Rights</a:t>
             </a:r>
           </a:p>
         </p:txBody>
@@ -6147,7 +9716,7 @@
           <p:cNvPr id="3" name="Content Placeholder 2">
             <a:extLst>
               <a:ext uri="{FF2B5EF4-FFF2-40B4-BE49-F238E27FC236}">
-                <a16:creationId xmlns:a16="http://schemas.microsoft.com/office/drawing/2014/main" id="{05E2C9C3-D3B6-134D-A713-56229C7F4D3B}"/>
+                <a16:creationId xmlns:a16="http://schemas.microsoft.com/office/drawing/2014/main" id="{D83F7FD3-C115-7C41-AA01-0FEA687163C6}"/>
               </a:ext>
             </a:extLst>
           </p:cNvPr>
@@ -6160,17 +9729,47 @@
         </p:nvSpPr>
         <p:spPr/>
         <p:txBody>
-          <a:bodyPr/>
-          <a:lstStyle/>
-          <a:p>
-            <a:endParaRPr lang="en-US"/>
+          <a:bodyPr>
+            <a:normAutofit/>
+          </a:bodyPr>
+          <a:lstStyle/>
+          <a:p>
+            <a:pPr marL="0" indent="0">
+              <a:buNone/>
+            </a:pPr>
+            <a:r>
+              <a:rPr lang="en-US" b="0" dirty="0" err="1">
+                <a:solidFill>
+                  <a:srgbClr val="0070C0"/>
+                </a:solidFill>
+                <a:effectLst/>
+              </a:rPr>
+              <a:t>Musixmatch</a:t>
+            </a:r>
+            <a:r>
+              <a:rPr lang="en-US" b="0" dirty="0">
+                <a:effectLst/>
+              </a:rPr>
+              <a:t>: </a:t>
+            </a:r>
+          </a:p>
+          <a:p>
+            <a:r>
+              <a:rPr lang="en-US" b="0" dirty="0">
+                <a:effectLst/>
+              </a:rPr>
+              <a:t>offer our large-scale lyrics dataset designed to allow machine learning companies and researchers use a wide range of applications like lyrics text analysis which creates music recommendations and provides insights.</a:t>
+            </a:r>
+          </a:p>
+          <a:p>
+            <a:endParaRPr lang="en-US" dirty="0"/>
           </a:p>
         </p:txBody>
       </p:sp>
     </p:spTree>
     <p:extLst>
       <p:ext uri="{BB962C8B-B14F-4D97-AF65-F5344CB8AC3E}">
-        <p14:creationId xmlns:p14="http://schemas.microsoft.com/office/powerpoint/2010/main" val="2781622621"/>
+        <p14:creationId xmlns:p14="http://schemas.microsoft.com/office/powerpoint/2010/main" val="3288101558"/>
       </p:ext>
     </p:extLst>
   </p:cSld>

--- a/Presentation PowerPoint/Project-Presentation-Template.pptx
+++ b/Presentation PowerPoint/Project-Presentation-Template.pptx
@@ -5021,7 +5021,9 @@
         </p:nvSpPr>
         <p:spPr/>
         <p:txBody>
-          <a:bodyPr/>
+          <a:bodyPr>
+            <a:normAutofit lnSpcReduction="10000"/>
+          </a:bodyPr>
           <a:lstStyle/>
           <a:p>
             <a:pPr marL="0" indent="0">
@@ -5046,60 +5048,90 @@
           <a:p>
             <a:pPr lvl="1"/>
             <a:r>
-              <a:rPr lang="en-US" sz="1800" b="0" i="1" dirty="0">
+              <a:rPr lang="en-US" b="0" i="1" dirty="0">
+                <a:solidFill>
+                  <a:srgbClr val="002060"/>
+                </a:solidFill>
                 <a:effectLst/>
               </a:rPr>
               <a:t>Free</a:t>
             </a:r>
-            <a:endParaRPr lang="en-US" sz="1800" b="0" dirty="0">
+            <a:endParaRPr lang="en-US" b="0" dirty="0">
+              <a:solidFill>
+                <a:srgbClr val="002060"/>
+              </a:solidFill>
               <a:effectLst/>
             </a:endParaRPr>
           </a:p>
           <a:p>
             <a:pPr lvl="1"/>
             <a:r>
-              <a:rPr lang="en-US" sz="1800" b="0" i="1" dirty="0">
+              <a:rPr lang="en-US" b="0" i="1" dirty="0">
+                <a:solidFill>
+                  <a:srgbClr val="002060"/>
+                </a:solidFill>
                 <a:effectLst/>
               </a:rPr>
               <a:t>Limited to 2k API Calls daily</a:t>
             </a:r>
-            <a:endParaRPr lang="en-US" sz="1800" b="0" dirty="0">
+            <a:endParaRPr lang="en-US" b="0" dirty="0">
+              <a:solidFill>
+                <a:srgbClr val="002060"/>
+              </a:solidFill>
               <a:effectLst/>
             </a:endParaRPr>
           </a:p>
           <a:p>
             <a:pPr lvl="1"/>
             <a:r>
-              <a:rPr lang="en-US" sz="1800" b="0" i="1" dirty="0">
+              <a:rPr lang="en-US" b="0" i="1" dirty="0">
+                <a:solidFill>
+                  <a:srgbClr val="002060"/>
+                </a:solidFill>
                 <a:effectLst/>
               </a:rPr>
               <a:t>Free testing plan for evaluation only</a:t>
             </a:r>
-            <a:endParaRPr lang="en-US" sz="1800" b="0" dirty="0">
+            <a:endParaRPr lang="en-US" b="0" dirty="0">
+              <a:solidFill>
+                <a:srgbClr val="002060"/>
+              </a:solidFill>
               <a:effectLst/>
             </a:endParaRPr>
           </a:p>
           <a:p>
             <a:pPr lvl="1"/>
             <a:r>
-              <a:rPr lang="en-US" sz="1800" b="0" i="1" dirty="0">
+              <a:rPr lang="en-US" b="0" i="1" dirty="0">
+                <a:solidFill>
+                  <a:srgbClr val="002060"/>
+                </a:solidFill>
                 <a:effectLst/>
               </a:rPr>
               <a:t>Access to ONLY 30% of lyrics per song</a:t>
             </a:r>
-            <a:endParaRPr lang="en-US" sz="1800" b="0" dirty="0">
+            <a:endParaRPr lang="en-US" b="0" dirty="0">
+              <a:solidFill>
+                <a:srgbClr val="002060"/>
+              </a:solidFill>
               <a:effectLst/>
             </a:endParaRPr>
           </a:p>
           <a:p>
             <a:pPr lvl="1"/>
             <a:r>
-              <a:rPr lang="en-US" sz="1800" b="0" i="1" dirty="0">
+              <a:rPr lang="en-US" b="0" i="1" dirty="0">
+                <a:solidFill>
+                  <a:srgbClr val="002060"/>
+                </a:solidFill>
                 <a:effectLst/>
               </a:rPr>
               <a:t>Understanding which part of the song (beginning, middle, end) contains the lyrics that are needed to be best analyzed for our dataset.</a:t>
             </a:r>
-            <a:endParaRPr lang="en-US" sz="1800" b="0" dirty="0">
+            <a:endParaRPr lang="en-US" b="0" dirty="0">
+              <a:solidFill>
+                <a:srgbClr val="002060"/>
+              </a:solidFill>
               <a:effectLst/>
             </a:endParaRPr>
           </a:p>
@@ -5109,7 +5141,46 @@
             </a:endParaRPr>
           </a:p>
           <a:p>
-            <a:endParaRPr lang="en-US" dirty="0"/>
+            <a:r>
+              <a:rPr lang="en-US" dirty="0" err="1">
+                <a:solidFill>
+                  <a:srgbClr val="FFC000"/>
+                </a:solidFill>
+              </a:rPr>
+              <a:t>Genius.com</a:t>
+            </a:r>
+            <a:r>
+              <a:rPr lang="en-US" dirty="0">
+                <a:solidFill>
+                  <a:srgbClr val="FFC000"/>
+                </a:solidFill>
+              </a:rPr>
+              <a:t> </a:t>
+            </a:r>
+            <a:r>
+              <a:rPr lang="en-US" dirty="0">
+                <a:solidFill>
+                  <a:srgbClr val="002060"/>
+                </a:solidFill>
+              </a:rPr>
+              <a:t>was web scrapped to get full lyrical content of songs as a solution to only having access to the </a:t>
+            </a:r>
+            <a:r>
+              <a:rPr lang="en-US" dirty="0" err="1">
+                <a:solidFill>
+                  <a:srgbClr val="002060"/>
+                </a:solidFill>
+              </a:rPr>
+              <a:t>musixmatch</a:t>
+            </a:r>
+            <a:r>
+              <a:rPr lang="en-US" dirty="0">
+                <a:solidFill>
+                  <a:srgbClr val="002060"/>
+                </a:solidFill>
+              </a:rPr>
+              <a:t> free 30% of lyrics per song.</a:t>
+            </a:r>
           </a:p>
         </p:txBody>
       </p:sp>
@@ -5194,40 +5265,63 @@
           <a:p>
             <a:r>
               <a:rPr lang="en-US" sz="2800" b="0" dirty="0">
+                <a:solidFill>
+                  <a:srgbClr val="0070C0"/>
+                </a:solidFill>
                 <a:effectLst/>
               </a:rPr>
               <a:t>Harsh </a:t>
             </a:r>
             <a:r>
               <a:rPr lang="en-US" sz="2800" b="0" dirty="0" err="1">
+                <a:solidFill>
+                  <a:srgbClr val="0070C0"/>
+                </a:solidFill>
                 <a:effectLst/>
               </a:rPr>
               <a:t>Bolakani</a:t>
             </a:r>
             <a:endParaRPr lang="en-US" sz="2800" b="0" dirty="0">
+              <a:solidFill>
+                <a:srgbClr val="0070C0"/>
+              </a:solidFill>
               <a:effectLst/>
             </a:endParaRPr>
           </a:p>
           <a:p>
             <a:pPr lvl="1"/>
             <a:r>
-              <a:rPr lang="en-US" dirty="0"/>
+              <a:rPr lang="en-US" dirty="0">
+                <a:solidFill>
+                  <a:srgbClr val="0070C0"/>
+                </a:solidFill>
+              </a:rPr>
               <a:t>Words…</a:t>
             </a:r>
           </a:p>
           <a:p>
             <a:pPr lvl="1"/>
             <a:r>
-              <a:rPr lang="en-US" dirty="0"/>
+              <a:rPr lang="en-US" dirty="0">
+                <a:solidFill>
+                  <a:srgbClr val="0070C0"/>
+                </a:solidFill>
+              </a:rPr>
               <a:t>Words…</a:t>
             </a:r>
             <a:endParaRPr lang="en-US" b="0" dirty="0">
+              <a:solidFill>
+                <a:srgbClr val="0070C0"/>
+              </a:solidFill>
               <a:effectLst/>
             </a:endParaRPr>
           </a:p>
           <a:p>
             <a:r>
               <a:rPr lang="en-US" sz="2800" b="0" dirty="0">
+                <a:solidFill>
+                  <a:srgbClr val="002060"/>
+                </a:solidFill>
                 <a:effectLst/>
               </a:rPr>
               <a:t>Greg Morgan</a:t>
@@ -5236,23 +5330,37 @@
           <a:p>
             <a:pPr lvl="1"/>
             <a:r>
-              <a:rPr lang="en-US" dirty="0"/>
+              <a:rPr lang="en-US" dirty="0">
+                <a:solidFill>
+                  <a:srgbClr val="002060"/>
+                </a:solidFill>
+              </a:rPr>
               <a:t>Words…</a:t>
             </a:r>
           </a:p>
           <a:p>
             <a:pPr lvl="1"/>
             <a:r>
-              <a:rPr lang="en-US" dirty="0"/>
+              <a:rPr lang="en-US" dirty="0">
+                <a:solidFill>
+                  <a:srgbClr val="002060"/>
+                </a:solidFill>
+              </a:rPr>
               <a:t>Words…</a:t>
             </a:r>
             <a:endParaRPr lang="en-US" b="0" dirty="0">
+              <a:solidFill>
+                <a:srgbClr val="002060"/>
+              </a:solidFill>
               <a:effectLst/>
             </a:endParaRPr>
           </a:p>
           <a:p>
             <a:r>
               <a:rPr lang="en-US" sz="2800" b="0" dirty="0">
+                <a:solidFill>
+                  <a:srgbClr val="7030A0"/>
+                </a:solidFill>
                 <a:effectLst/>
               </a:rPr>
               <a:t>Trevor Pawlewicz</a:t>
@@ -5261,20 +5369,24 @@
           <a:p>
             <a:pPr lvl="1"/>
             <a:r>
-              <a:rPr lang="en-US" dirty="0"/>
-              <a:t>Words…</a:t>
+              <a:rPr lang="en-US" dirty="0">
+                <a:solidFill>
+                  <a:srgbClr val="7030A0"/>
+                </a:solidFill>
+              </a:rPr>
+              <a:t>Idea concept</a:t>
             </a:r>
           </a:p>
           <a:p>
             <a:pPr lvl="1"/>
             <a:r>
-              <a:rPr lang="en-US" dirty="0"/>
-              <a:t>Words…</a:t>
-            </a:r>
-          </a:p>
-          <a:p>
-            <a:pPr lvl="1"/>
-            <a:endParaRPr lang="en-US" dirty="0"/>
+              <a:rPr lang="en-US" dirty="0">
+                <a:solidFill>
+                  <a:srgbClr val="7030A0"/>
+                </a:solidFill>
+              </a:rPr>
+              <a:t>Product management</a:t>
+            </a:r>
           </a:p>
         </p:txBody>
       </p:sp>
@@ -8548,9 +8660,8 @@
         </p:nvPicPr>
         <p:blipFill>
           <a:blip r:embed="rId3"/>
-          <a:stretch>
-            <a:fillRect/>
-          </a:stretch>
+          <a:srcRect/>
+          <a:stretch/>
         </p:blipFill>
         <p:spPr>
           <a:xfrm>
@@ -8581,12 +8692,12 @@
         <p:spPr>
           <a:xfrm>
             <a:off x="5596502" y="1537855"/>
-            <a:ext cx="5930480" cy="4599709"/>
+            <a:ext cx="5930480" cy="4862517"/>
           </a:xfrm>
         </p:spPr>
         <p:txBody>
           <a:bodyPr anchor="t">
-            <a:normAutofit/>
+            <a:normAutofit fontScale="92500" lnSpcReduction="10000"/>
           </a:bodyPr>
           <a:lstStyle/>
           <a:p>
@@ -8594,33 +8705,122 @@
               <a:buNone/>
             </a:pPr>
             <a:r>
-              <a:rPr lang="en-US" b="0" i="0" u="none" strike="noStrike" dirty="0" err="1">
+              <a:rPr lang="en-US" b="1" i="0" u="none" strike="noStrike" dirty="0" err="1">
                 <a:solidFill>
                   <a:srgbClr val="292929"/>
                 </a:solidFill>
                 <a:effectLst/>
-                <a:latin typeface="fell"/>
               </a:rPr>
               <a:t>Genius.com</a:t>
             </a:r>
             <a:r>
-              <a:rPr lang="en-US" b="0" i="0" u="none" strike="noStrike" dirty="0">
+              <a:rPr lang="en-US" b="1" dirty="0">
                 <a:solidFill>
                   <a:srgbClr val="292929"/>
                 </a:solidFill>
+              </a:rPr>
+              <a:t>:</a:t>
+            </a:r>
+            <a:r>
+              <a:rPr lang="en-US" b="1" i="0" u="none" strike="noStrike" dirty="0">
+                <a:solidFill>
+                  <a:srgbClr val="292929"/>
+                </a:solidFill>
                 <a:effectLst/>
-                <a:latin typeface="fell"/>
-              </a:rPr>
-              <a:t> for Web scraping song lyrics</a:t>
-            </a:r>
+              </a:rPr>
+              <a:t> web scraping song lyrics</a:t>
+            </a:r>
+          </a:p>
+          <a:p>
+            <a:pPr marL="0" indent="0" algn="l">
+              <a:buNone/>
+            </a:pPr>
+            <a:endParaRPr lang="en-US" b="1" i="0" u="none" strike="noStrike" dirty="0">
+              <a:solidFill>
+                <a:srgbClr val="292929"/>
+              </a:solidFill>
+              <a:effectLst/>
+            </a:endParaRPr>
           </a:p>
           <a:p>
             <a:pPr marL="0" indent="0">
               <a:buNone/>
             </a:pPr>
             <a:r>
-              <a:rPr lang="en-US" sz="1800" dirty="0"/>
-              <a:t>Words…</a:t>
+              <a:rPr lang="en-US" sz="2600" dirty="0">
+                <a:solidFill>
+                  <a:srgbClr val="002060"/>
+                </a:solidFill>
+              </a:rPr>
+              <a:t>The world's biggest music encyclopedia with a passionate community of more than two million contributors, Genius is a destination for artists, creatives, and superfans to discuss and deconstruct all things music.</a:t>
+            </a:r>
+          </a:p>
+          <a:p>
+            <a:pPr marL="0" indent="0">
+              <a:buNone/>
+            </a:pPr>
+            <a:endParaRPr lang="en-US" sz="2600" dirty="0">
+              <a:solidFill>
+                <a:srgbClr val="002060"/>
+              </a:solidFill>
+            </a:endParaRPr>
+          </a:p>
+          <a:p>
+            <a:pPr marL="0" indent="0">
+              <a:buNone/>
+            </a:pPr>
+            <a:r>
+              <a:rPr lang="en-US" sz="2600" dirty="0">
+                <a:solidFill>
+                  <a:srgbClr val="002060"/>
+                </a:solidFill>
+              </a:rPr>
+              <a:t>Founded in 2009, Genius is a unique media company that serves music knowledge to over 100 million people each month on </a:t>
+            </a:r>
+            <a:r>
+              <a:rPr lang="en-US" sz="2600" dirty="0" err="1">
+                <a:solidFill>
+                  <a:srgbClr val="002060"/>
+                </a:solidFill>
+              </a:rPr>
+              <a:t>Genius.com</a:t>
+            </a:r>
+            <a:r>
+              <a:rPr lang="en-US" sz="2600" dirty="0">
+                <a:solidFill>
+                  <a:srgbClr val="002060"/>
+                </a:solidFill>
+              </a:rPr>
+              <a:t> and everywhere music fans connect across the internet.</a:t>
+            </a:r>
+          </a:p>
+          <a:p>
+            <a:pPr marL="0" indent="0">
+              <a:buNone/>
+            </a:pPr>
+            <a:r>
+              <a:rPr lang="en-US" sz="1500" dirty="0">
+                <a:solidFill>
+                  <a:srgbClr val="00B0F0"/>
+                </a:solidFill>
+              </a:rPr>
+              <a:t>https://</a:t>
+            </a:r>
+            <a:r>
+              <a:rPr lang="en-US" sz="1500" dirty="0" err="1">
+                <a:solidFill>
+                  <a:srgbClr val="00B0F0"/>
+                </a:solidFill>
+              </a:rPr>
+              <a:t>genius.com</a:t>
+            </a:r>
+            <a:r>
+              <a:rPr lang="en-US" sz="1500" dirty="0">
+                <a:solidFill>
+                  <a:srgbClr val="00B0F0"/>
+                </a:solidFill>
+              </a:rPr>
+              <a:t>/</a:t>
             </a:r>
           </a:p>
         </p:txBody>
@@ -8959,7 +9159,25 @@
                 </a:solidFill>
                 <a:effectLst/>
               </a:rPr>
-              <a:t>Register for an API key</a:t>
+              <a:t>Register for an API key (</a:t>
+            </a:r>
+            <a:r>
+              <a:rPr lang="en-US" sz="2400" i="0" u="none" strike="noStrike" dirty="0" err="1">
+                <a:solidFill>
+                  <a:srgbClr val="FF4376"/>
+                </a:solidFill>
+                <a:effectLst/>
+              </a:rPr>
+              <a:t>musixmatch</a:t>
+            </a:r>
+            <a:r>
+              <a:rPr lang="en-US" sz="2400" i="0" u="none" strike="noStrike" dirty="0">
+                <a:solidFill>
+                  <a:srgbClr val="002060"/>
+                </a:solidFill>
+                <a:effectLst/>
+              </a:rPr>
+              <a:t>)</a:t>
             </a:r>
           </a:p>
           <a:p>
@@ -8974,7 +9192,25 @@
                 </a:solidFill>
                 <a:effectLst/>
               </a:rPr>
-              <a:t>Setup Imports and API Authentication</a:t>
+              <a:t>Setup Imports and API Authentication (</a:t>
+            </a:r>
+            <a:r>
+              <a:rPr lang="en-US" sz="2400" i="0" u="none" strike="noStrike" dirty="0" err="1">
+                <a:solidFill>
+                  <a:srgbClr val="FF4376"/>
+                </a:solidFill>
+                <a:effectLst/>
+              </a:rPr>
+              <a:t>musixmatch</a:t>
+            </a:r>
+            <a:r>
+              <a:rPr lang="en-US" sz="2400" i="0" u="none" strike="noStrike" dirty="0">
+                <a:solidFill>
+                  <a:srgbClr val="002060"/>
+                </a:solidFill>
+                <a:effectLst/>
+              </a:rPr>
+              <a:t>)</a:t>
             </a:r>
           </a:p>
           <a:p>
@@ -9006,7 +9242,25 @@
                 </a:solidFill>
                 <a:effectLst/>
               </a:rPr>
-              <a:t>ong list from URL with parameters for a data query </a:t>
+              <a:t>ong list from URL with parameters for a data query (</a:t>
+            </a:r>
+            <a:r>
+              <a:rPr lang="en-US" sz="2400" i="0" u="none" strike="noStrike" dirty="0">
+                <a:solidFill>
+                  <a:srgbClr val="FFC000"/>
+                </a:solidFill>
+                <a:effectLst/>
+              </a:rPr>
+              <a:t>genius</a:t>
+            </a:r>
+            <a:r>
+              <a:rPr lang="en-US" sz="2400" i="0" u="none" strike="noStrike" dirty="0">
+                <a:solidFill>
+                  <a:srgbClr val="002060"/>
+                </a:solidFill>
+                <a:effectLst/>
+              </a:rPr>
+              <a:t>)</a:t>
             </a:r>
           </a:p>
           <a:p>
@@ -9021,7 +9275,25 @@
                 </a:solidFill>
                 <a:effectLst/>
               </a:rPr>
-              <a:t>Scrape Lyric Data with Beautiful Soup</a:t>
+              <a:t>Scrape Lyric Data with Beautiful Soup (</a:t>
+            </a:r>
+            <a:r>
+              <a:rPr lang="en-US" sz="2400" i="0" u="none" strike="noStrike" dirty="0">
+                <a:solidFill>
+                  <a:srgbClr val="FFC000"/>
+                </a:solidFill>
+                <a:effectLst/>
+              </a:rPr>
+              <a:t>genius</a:t>
+            </a:r>
+            <a:r>
+              <a:rPr lang="en-US" sz="2400" i="0" u="none" strike="noStrike" dirty="0">
+                <a:solidFill>
+                  <a:srgbClr val="002060"/>
+                </a:solidFill>
+                <a:effectLst/>
+              </a:rPr>
+              <a:t>)</a:t>
             </a:r>
           </a:p>
           <a:p>
@@ -9755,14 +10027,109 @@
           </a:p>
           <a:p>
             <a:r>
-              <a:rPr lang="en-US" b="0" dirty="0">
-                <a:effectLst/>
-              </a:rPr>
-              <a:t>offer our large-scale lyrics dataset designed to allow machine learning companies and researchers use a wide range of applications like lyrics text analysis which creates music recommendations and provides insights.</a:t>
-            </a:r>
-          </a:p>
-          <a:p>
-            <a:endParaRPr lang="en-US" dirty="0"/>
+              <a:rPr lang="en-US" dirty="0">
+                <a:solidFill>
+                  <a:srgbClr val="002060"/>
+                </a:solidFill>
+              </a:rPr>
+              <a:t>Must register in order to get your </a:t>
+            </a:r>
+            <a:r>
+              <a:rPr lang="en-US" b="1" dirty="0">
+                <a:solidFill>
+                  <a:srgbClr val="002060"/>
+                </a:solidFill>
+              </a:rPr>
+              <a:t>API</a:t>
+            </a:r>
+            <a:r>
+              <a:rPr lang="en-US" dirty="0">
+                <a:solidFill>
+                  <a:srgbClr val="002060"/>
+                </a:solidFill>
+              </a:rPr>
+              <a:t> key, a mandatory parameter for most of </a:t>
+            </a:r>
+            <a:r>
+              <a:rPr lang="en-US" dirty="0" err="1">
+                <a:solidFill>
+                  <a:srgbClr val="002060"/>
+                </a:solidFill>
+              </a:rPr>
+              <a:t>musixmatch</a:t>
+            </a:r>
+            <a:r>
+              <a:rPr lang="en-US" dirty="0">
+                <a:solidFill>
+                  <a:srgbClr val="002060"/>
+                </a:solidFill>
+              </a:rPr>
+              <a:t> </a:t>
+            </a:r>
+            <a:r>
+              <a:rPr lang="en-US" b="1" dirty="0">
+                <a:solidFill>
+                  <a:srgbClr val="002060"/>
+                </a:solidFill>
+              </a:rPr>
+              <a:t>API</a:t>
+            </a:r>
+            <a:r>
+              <a:rPr lang="en-US" dirty="0">
+                <a:solidFill>
+                  <a:srgbClr val="002060"/>
+                </a:solidFill>
+              </a:rPr>
+              <a:t> calls. It’s your personal identifier and should be kept secret.</a:t>
+            </a:r>
+          </a:p>
+          <a:p>
+            <a:r>
+              <a:rPr lang="en-US" dirty="0">
+                <a:solidFill>
+                  <a:srgbClr val="002060"/>
+                </a:solidFill>
+              </a:rPr>
+              <a:t>Implement two </a:t>
+            </a:r>
+            <a:r>
+              <a:rPr lang="en-US" b="1" dirty="0">
+                <a:solidFill>
+                  <a:srgbClr val="002060"/>
+                </a:solidFill>
+              </a:rPr>
+              <a:t>API</a:t>
+            </a:r>
+            <a:r>
+              <a:rPr lang="en-US" dirty="0">
+                <a:solidFill>
+                  <a:srgbClr val="002060"/>
+                </a:solidFill>
+              </a:rPr>
+              <a:t> calls: </a:t>
+            </a:r>
+          </a:p>
+          <a:p>
+            <a:pPr lvl="1"/>
+            <a:r>
+              <a:rPr lang="en-US" dirty="0">
+                <a:solidFill>
+                  <a:srgbClr val="002060"/>
+                </a:solidFill>
+              </a:rPr>
+              <a:t>The first call is to match your catalog to ours using the search function.</a:t>
+            </a:r>
+          </a:p>
+          <a:p>
+            <a:pPr lvl="1"/>
+            <a:r>
+              <a:rPr lang="en-US" dirty="0">
+                <a:solidFill>
+                  <a:srgbClr val="002060"/>
+                </a:solidFill>
+              </a:rPr>
+              <a:t>The second is to get the lyrics.</a:t>
+            </a:r>
           </a:p>
         </p:txBody>
       </p:sp>

--- a/Presentation PowerPoint/Project-Presentation-Template.pptx
+++ b/Presentation PowerPoint/Project-Presentation-Template.pptx
@@ -15,7 +15,7 @@
     <p:sldId id="273" r:id="rId6"/>
     <p:sldId id="269" r:id="rId7"/>
     <p:sldId id="272" r:id="rId8"/>
-    <p:sldId id="261" r:id="rId9"/>
+    <p:sldId id="274" r:id="rId9"/>
     <p:sldId id="264" r:id="rId10"/>
     <p:sldId id="262" r:id="rId11"/>
     <p:sldId id="265" r:id="rId12"/>
@@ -130,6 +130,2757 @@
 </p:presentation>
 </file>
 
+<file path=ppt/diagrams/colors1.xml><?xml version="1.0" encoding="utf-8"?>
+<dgm:colorsDef xmlns:dgm="http://schemas.openxmlformats.org/drawingml/2006/diagram" xmlns:a="http://schemas.openxmlformats.org/drawingml/2006/main" uniqueId="urn:microsoft.com/office/officeart/2005/8/colors/accent1_2">
+  <dgm:title val=""/>
+  <dgm:desc val=""/>
+  <dgm:catLst>
+    <dgm:cat type="accent1" pri="11200"/>
+  </dgm:catLst>
+  <dgm:styleLbl name="node0">
+    <dgm:fillClrLst meth="repeat">
+      <a:schemeClr val="accent1"/>
+    </dgm:fillClrLst>
+    <dgm:linClrLst meth="repeat">
+      <a:schemeClr val="lt1"/>
+    </dgm:linClrLst>
+    <dgm:effectClrLst/>
+    <dgm:txLinClrLst/>
+    <dgm:txFillClrLst/>
+    <dgm:txEffectClrLst/>
+  </dgm:styleLbl>
+  <dgm:styleLbl name="alignNode1">
+    <dgm:fillClrLst meth="repeat">
+      <a:schemeClr val="accent1"/>
+    </dgm:fillClrLst>
+    <dgm:linClrLst meth="repeat">
+      <a:schemeClr val="accent1"/>
+    </dgm:linClrLst>
+    <dgm:effectClrLst/>
+    <dgm:txLinClrLst/>
+    <dgm:txFillClrLst/>
+    <dgm:txEffectClrLst/>
+  </dgm:styleLbl>
+  <dgm:styleLbl name="node1">
+    <dgm:fillClrLst meth="repeat">
+      <a:schemeClr val="accent1"/>
+    </dgm:fillClrLst>
+    <dgm:linClrLst meth="repeat">
+      <a:schemeClr val="lt1"/>
+    </dgm:linClrLst>
+    <dgm:effectClrLst/>
+    <dgm:txLinClrLst/>
+    <dgm:txFillClrLst/>
+    <dgm:txEffectClrLst/>
+  </dgm:styleLbl>
+  <dgm:styleLbl name="lnNode1">
+    <dgm:fillClrLst meth="repeat">
+      <a:schemeClr val="accent1"/>
+    </dgm:fillClrLst>
+    <dgm:linClrLst meth="repeat">
+      <a:schemeClr val="lt1"/>
+    </dgm:linClrLst>
+    <dgm:effectClrLst/>
+    <dgm:txLinClrLst/>
+    <dgm:txFillClrLst/>
+    <dgm:txEffectClrLst/>
+  </dgm:styleLbl>
+  <dgm:styleLbl name="vennNode1">
+    <dgm:fillClrLst meth="repeat">
+      <a:schemeClr val="accent1">
+        <a:alpha val="50000"/>
+      </a:schemeClr>
+    </dgm:fillClrLst>
+    <dgm:linClrLst meth="repeat">
+      <a:schemeClr val="lt1"/>
+    </dgm:linClrLst>
+    <dgm:effectClrLst/>
+    <dgm:txLinClrLst/>
+    <dgm:txFillClrLst/>
+    <dgm:txEffectClrLst/>
+  </dgm:styleLbl>
+  <dgm:styleLbl name="node2">
+    <dgm:fillClrLst meth="repeat">
+      <a:schemeClr val="accent1"/>
+    </dgm:fillClrLst>
+    <dgm:linClrLst meth="repeat">
+      <a:schemeClr val="lt1"/>
+    </dgm:linClrLst>
+    <dgm:effectClrLst/>
+    <dgm:txLinClrLst/>
+    <dgm:txFillClrLst/>
+    <dgm:txEffectClrLst/>
+  </dgm:styleLbl>
+  <dgm:styleLbl name="node3">
+    <dgm:fillClrLst meth="repeat">
+      <a:schemeClr val="accent1"/>
+    </dgm:fillClrLst>
+    <dgm:linClrLst meth="repeat">
+      <a:schemeClr val="lt1"/>
+    </dgm:linClrLst>
+    <dgm:effectClrLst/>
+    <dgm:txLinClrLst/>
+    <dgm:txFillClrLst/>
+    <dgm:txEffectClrLst/>
+  </dgm:styleLbl>
+  <dgm:styleLbl name="node4">
+    <dgm:fillClrLst meth="repeat">
+      <a:schemeClr val="accent1"/>
+    </dgm:fillClrLst>
+    <dgm:linClrLst meth="repeat">
+      <a:schemeClr val="lt1"/>
+    </dgm:linClrLst>
+    <dgm:effectClrLst/>
+    <dgm:txLinClrLst/>
+    <dgm:txFillClrLst/>
+    <dgm:txEffectClrLst/>
+  </dgm:styleLbl>
+  <dgm:styleLbl name="fgImgPlace1">
+    <dgm:fillClrLst meth="repeat">
+      <a:schemeClr val="accent1">
+        <a:tint val="50000"/>
+      </a:schemeClr>
+    </dgm:fillClrLst>
+    <dgm:linClrLst meth="repeat">
+      <a:schemeClr val="lt1"/>
+    </dgm:linClrLst>
+    <dgm:effectClrLst/>
+    <dgm:txLinClrLst/>
+    <dgm:txFillClrLst meth="repeat">
+      <a:schemeClr val="lt1"/>
+    </dgm:txFillClrLst>
+    <dgm:txEffectClrLst/>
+  </dgm:styleLbl>
+  <dgm:styleLbl name="alignImgPlace1">
+    <dgm:fillClrLst meth="repeat">
+      <a:schemeClr val="accent1">
+        <a:tint val="50000"/>
+      </a:schemeClr>
+    </dgm:fillClrLst>
+    <dgm:linClrLst meth="repeat">
+      <a:schemeClr val="lt1"/>
+    </dgm:linClrLst>
+    <dgm:effectClrLst/>
+    <dgm:txLinClrLst/>
+    <dgm:txFillClrLst meth="repeat">
+      <a:schemeClr val="lt1"/>
+    </dgm:txFillClrLst>
+    <dgm:txEffectClrLst/>
+  </dgm:styleLbl>
+  <dgm:styleLbl name="bgImgPlace1">
+    <dgm:fillClrLst meth="repeat">
+      <a:schemeClr val="accent1">
+        <a:tint val="50000"/>
+      </a:schemeClr>
+    </dgm:fillClrLst>
+    <dgm:linClrLst meth="repeat">
+      <a:schemeClr val="lt1"/>
+    </dgm:linClrLst>
+    <dgm:effectClrLst/>
+    <dgm:txLinClrLst/>
+    <dgm:txFillClrLst meth="repeat">
+      <a:schemeClr val="lt1"/>
+    </dgm:txFillClrLst>
+    <dgm:txEffectClrLst/>
+  </dgm:styleLbl>
+  <dgm:styleLbl name="sibTrans2D1">
+    <dgm:fillClrLst meth="repeat">
+      <a:schemeClr val="accent1">
+        <a:tint val="60000"/>
+      </a:schemeClr>
+    </dgm:fillClrLst>
+    <dgm:linClrLst meth="repeat">
+      <a:schemeClr val="accent1">
+        <a:tint val="60000"/>
+      </a:schemeClr>
+    </dgm:linClrLst>
+    <dgm:effectClrLst/>
+    <dgm:txLinClrLst/>
+    <dgm:txFillClrLst/>
+    <dgm:txEffectClrLst/>
+  </dgm:styleLbl>
+  <dgm:styleLbl name="fgSibTrans2D1">
+    <dgm:fillClrLst meth="repeat">
+      <a:schemeClr val="accent1">
+        <a:tint val="60000"/>
+      </a:schemeClr>
+    </dgm:fillClrLst>
+    <dgm:linClrLst meth="repeat">
+      <a:schemeClr val="accent1">
+        <a:tint val="60000"/>
+      </a:schemeClr>
+    </dgm:linClrLst>
+    <dgm:effectClrLst/>
+    <dgm:txLinClrLst/>
+    <dgm:txFillClrLst/>
+    <dgm:txEffectClrLst/>
+  </dgm:styleLbl>
+  <dgm:styleLbl name="bgSibTrans2D1">
+    <dgm:fillClrLst meth="repeat">
+      <a:schemeClr val="accent1">
+        <a:tint val="60000"/>
+      </a:schemeClr>
+    </dgm:fillClrLst>
+    <dgm:linClrLst meth="repeat">
+      <a:schemeClr val="accent1">
+        <a:tint val="60000"/>
+      </a:schemeClr>
+    </dgm:linClrLst>
+    <dgm:effectClrLst/>
+    <dgm:txLinClrLst/>
+    <dgm:txFillClrLst/>
+    <dgm:txEffectClrLst/>
+  </dgm:styleLbl>
+  <dgm:styleLbl name="sibTrans1D1">
+    <dgm:fillClrLst meth="repeat">
+      <a:schemeClr val="accent1"/>
+    </dgm:fillClrLst>
+    <dgm:linClrLst meth="repeat">
+      <a:schemeClr val="accent1"/>
+    </dgm:linClrLst>
+    <dgm:effectClrLst/>
+    <dgm:txLinClrLst/>
+    <dgm:txFillClrLst meth="repeat">
+      <a:schemeClr val="tx1"/>
+    </dgm:txFillClrLst>
+    <dgm:txEffectClrLst/>
+  </dgm:styleLbl>
+  <dgm:styleLbl name="callout">
+    <dgm:fillClrLst meth="repeat">
+      <a:schemeClr val="accent1"/>
+    </dgm:fillClrLst>
+    <dgm:linClrLst meth="repeat">
+      <a:schemeClr val="accent1">
+        <a:tint val="50000"/>
+      </a:schemeClr>
+    </dgm:linClrLst>
+    <dgm:effectClrLst/>
+    <dgm:txLinClrLst/>
+    <dgm:txFillClrLst meth="repeat">
+      <a:schemeClr val="tx1"/>
+    </dgm:txFillClrLst>
+    <dgm:txEffectClrLst/>
+  </dgm:styleLbl>
+  <dgm:styleLbl name="asst0">
+    <dgm:fillClrLst meth="repeat">
+      <a:schemeClr val="accent1"/>
+    </dgm:fillClrLst>
+    <dgm:linClrLst meth="repeat">
+      <a:schemeClr val="lt1"/>
+    </dgm:linClrLst>
+    <dgm:effectClrLst/>
+    <dgm:txLinClrLst/>
+    <dgm:txFillClrLst/>
+    <dgm:txEffectClrLst/>
+  </dgm:styleLbl>
+  <dgm:styleLbl name="asst1">
+    <dgm:fillClrLst meth="repeat">
+      <a:schemeClr val="accent1"/>
+    </dgm:fillClrLst>
+    <dgm:linClrLst meth="repeat">
+      <a:schemeClr val="lt1"/>
+    </dgm:linClrLst>
+    <dgm:effectClrLst/>
+    <dgm:txLinClrLst/>
+    <dgm:txFillClrLst/>
+    <dgm:txEffectClrLst/>
+  </dgm:styleLbl>
+  <dgm:styleLbl name="asst2">
+    <dgm:fillClrLst meth="repeat">
+      <a:schemeClr val="accent1"/>
+    </dgm:fillClrLst>
+    <dgm:linClrLst meth="repeat">
+      <a:schemeClr val="lt1"/>
+    </dgm:linClrLst>
+    <dgm:effectClrLst/>
+    <dgm:txLinClrLst/>
+    <dgm:txFillClrLst/>
+    <dgm:txEffectClrLst/>
+  </dgm:styleLbl>
+  <dgm:styleLbl name="asst3">
+    <dgm:fillClrLst meth="repeat">
+      <a:schemeClr val="accent1"/>
+    </dgm:fillClrLst>
+    <dgm:linClrLst meth="repeat">
+      <a:schemeClr val="lt1"/>
+    </dgm:linClrLst>
+    <dgm:effectClrLst/>
+    <dgm:txLinClrLst/>
+    <dgm:txFillClrLst/>
+    <dgm:txEffectClrLst/>
+  </dgm:styleLbl>
+  <dgm:styleLbl name="asst4">
+    <dgm:fillClrLst meth="repeat">
+      <a:schemeClr val="accent1"/>
+    </dgm:fillClrLst>
+    <dgm:linClrLst meth="repeat">
+      <a:schemeClr val="lt1"/>
+    </dgm:linClrLst>
+    <dgm:effectClrLst/>
+    <dgm:txLinClrLst/>
+    <dgm:txFillClrLst/>
+    <dgm:txEffectClrLst/>
+  </dgm:styleLbl>
+  <dgm:styleLbl name="parChTrans2D1">
+    <dgm:fillClrLst meth="repeat">
+      <a:schemeClr val="accent1">
+        <a:tint val="60000"/>
+      </a:schemeClr>
+    </dgm:fillClrLst>
+    <dgm:linClrLst meth="repeat">
+      <a:schemeClr val="accent1">
+        <a:tint val="60000"/>
+      </a:schemeClr>
+    </dgm:linClrLst>
+    <dgm:effectClrLst/>
+    <dgm:txLinClrLst/>
+    <dgm:txFillClrLst meth="repeat">
+      <a:schemeClr val="lt1"/>
+    </dgm:txFillClrLst>
+    <dgm:txEffectClrLst/>
+  </dgm:styleLbl>
+  <dgm:styleLbl name="parChTrans2D2">
+    <dgm:fillClrLst meth="repeat">
+      <a:schemeClr val="accent1"/>
+    </dgm:fillClrLst>
+    <dgm:linClrLst meth="repeat">
+      <a:schemeClr val="accent1"/>
+    </dgm:linClrLst>
+    <dgm:effectClrLst/>
+    <dgm:txLinClrLst/>
+    <dgm:txFillClrLst meth="repeat">
+      <a:schemeClr val="lt1"/>
+    </dgm:txFillClrLst>
+    <dgm:txEffectClrLst/>
+  </dgm:styleLbl>
+  <dgm:styleLbl name="parChTrans2D3">
+    <dgm:fillClrLst meth="repeat">
+      <a:schemeClr val="accent1"/>
+    </dgm:fillClrLst>
+    <dgm:linClrLst meth="repeat">
+      <a:schemeClr val="accent1"/>
+    </dgm:linClrLst>
+    <dgm:effectClrLst/>
+    <dgm:txLinClrLst/>
+    <dgm:txFillClrLst meth="repeat">
+      <a:schemeClr val="lt1"/>
+    </dgm:txFillClrLst>
+    <dgm:txEffectClrLst/>
+  </dgm:styleLbl>
+  <dgm:styleLbl name="parChTrans2D4">
+    <dgm:fillClrLst meth="repeat">
+      <a:schemeClr val="accent1"/>
+    </dgm:fillClrLst>
+    <dgm:linClrLst meth="repeat">
+      <a:schemeClr val="accent1"/>
+    </dgm:linClrLst>
+    <dgm:effectClrLst/>
+    <dgm:txLinClrLst/>
+    <dgm:txFillClrLst meth="repeat">
+      <a:schemeClr val="lt1"/>
+    </dgm:txFillClrLst>
+    <dgm:txEffectClrLst/>
+  </dgm:styleLbl>
+  <dgm:styleLbl name="parChTrans1D1">
+    <dgm:fillClrLst meth="repeat">
+      <a:schemeClr val="accent1"/>
+    </dgm:fillClrLst>
+    <dgm:linClrLst meth="repeat">
+      <a:schemeClr val="accent1">
+        <a:shade val="60000"/>
+      </a:schemeClr>
+    </dgm:linClrLst>
+    <dgm:effectClrLst/>
+    <dgm:txLinClrLst/>
+    <dgm:txFillClrLst meth="repeat">
+      <a:schemeClr val="tx1"/>
+    </dgm:txFillClrLst>
+    <dgm:txEffectClrLst/>
+  </dgm:styleLbl>
+  <dgm:styleLbl name="parChTrans1D2">
+    <dgm:fillClrLst meth="repeat">
+      <a:schemeClr val="accent1"/>
+    </dgm:fillClrLst>
+    <dgm:linClrLst meth="repeat">
+      <a:schemeClr val="accent1">
+        <a:shade val="60000"/>
+      </a:schemeClr>
+    </dgm:linClrLst>
+    <dgm:effectClrLst/>
+    <dgm:txLinClrLst/>
+    <dgm:txFillClrLst meth="repeat">
+      <a:schemeClr val="tx1"/>
+    </dgm:txFillClrLst>
+    <dgm:txEffectClrLst/>
+  </dgm:styleLbl>
+  <dgm:styleLbl name="parChTrans1D3">
+    <dgm:fillClrLst meth="repeat">
+      <a:schemeClr val="accent1"/>
+    </dgm:fillClrLst>
+    <dgm:linClrLst meth="repeat">
+      <a:schemeClr val="accent1">
+        <a:shade val="80000"/>
+      </a:schemeClr>
+    </dgm:linClrLst>
+    <dgm:effectClrLst/>
+    <dgm:txLinClrLst/>
+    <dgm:txFillClrLst meth="repeat">
+      <a:schemeClr val="tx1"/>
+    </dgm:txFillClrLst>
+    <dgm:txEffectClrLst/>
+  </dgm:styleLbl>
+  <dgm:styleLbl name="parChTrans1D4">
+    <dgm:fillClrLst meth="repeat">
+      <a:schemeClr val="accent1"/>
+    </dgm:fillClrLst>
+    <dgm:linClrLst meth="repeat">
+      <a:schemeClr val="accent1">
+        <a:shade val="80000"/>
+      </a:schemeClr>
+    </dgm:linClrLst>
+    <dgm:effectClrLst/>
+    <dgm:txLinClrLst/>
+    <dgm:txFillClrLst meth="repeat">
+      <a:schemeClr val="tx1"/>
+    </dgm:txFillClrLst>
+    <dgm:txEffectClrLst/>
+  </dgm:styleLbl>
+  <dgm:styleLbl name="fgAcc1">
+    <dgm:fillClrLst meth="repeat">
+      <a:schemeClr val="lt1">
+        <a:alpha val="90000"/>
+      </a:schemeClr>
+    </dgm:fillClrLst>
+    <dgm:linClrLst meth="repeat">
+      <a:schemeClr val="accent1"/>
+    </dgm:linClrLst>
+    <dgm:effectClrLst/>
+    <dgm:txLinClrLst/>
+    <dgm:txFillClrLst meth="repeat">
+      <a:schemeClr val="dk1"/>
+    </dgm:txFillClrLst>
+    <dgm:txEffectClrLst/>
+  </dgm:styleLbl>
+  <dgm:styleLbl name="conFgAcc1">
+    <dgm:fillClrLst meth="repeat">
+      <a:schemeClr val="lt1">
+        <a:alpha val="90000"/>
+      </a:schemeClr>
+    </dgm:fillClrLst>
+    <dgm:linClrLst meth="repeat">
+      <a:schemeClr val="accent1"/>
+    </dgm:linClrLst>
+    <dgm:effectClrLst/>
+    <dgm:txLinClrLst/>
+    <dgm:txFillClrLst meth="repeat">
+      <a:schemeClr val="dk1"/>
+    </dgm:txFillClrLst>
+    <dgm:txEffectClrLst/>
+  </dgm:styleLbl>
+  <dgm:styleLbl name="alignAcc1">
+    <dgm:fillClrLst meth="repeat">
+      <a:schemeClr val="lt1">
+        <a:alpha val="90000"/>
+      </a:schemeClr>
+    </dgm:fillClrLst>
+    <dgm:linClrLst meth="repeat">
+      <a:schemeClr val="accent1"/>
+    </dgm:linClrLst>
+    <dgm:effectClrLst/>
+    <dgm:txLinClrLst/>
+    <dgm:txFillClrLst meth="repeat">
+      <a:schemeClr val="dk1"/>
+    </dgm:txFillClrLst>
+    <dgm:txEffectClrLst/>
+  </dgm:styleLbl>
+  <dgm:styleLbl name="trAlignAcc1">
+    <dgm:fillClrLst meth="repeat">
+      <a:schemeClr val="lt1">
+        <a:alpha val="40000"/>
+      </a:schemeClr>
+    </dgm:fillClrLst>
+    <dgm:linClrLst meth="repeat">
+      <a:schemeClr val="accent1"/>
+    </dgm:linClrLst>
+    <dgm:effectClrLst/>
+    <dgm:txLinClrLst/>
+    <dgm:txFillClrLst meth="repeat">
+      <a:schemeClr val="dk1"/>
+    </dgm:txFillClrLst>
+    <dgm:txEffectClrLst/>
+  </dgm:styleLbl>
+  <dgm:styleLbl name="bgAcc1">
+    <dgm:fillClrLst meth="repeat">
+      <a:schemeClr val="lt1">
+        <a:alpha val="90000"/>
+      </a:schemeClr>
+    </dgm:fillClrLst>
+    <dgm:linClrLst meth="repeat">
+      <a:schemeClr val="accent1"/>
+    </dgm:linClrLst>
+    <dgm:effectClrLst/>
+    <dgm:txLinClrLst/>
+    <dgm:txFillClrLst meth="repeat">
+      <a:schemeClr val="dk1"/>
+    </dgm:txFillClrLst>
+    <dgm:txEffectClrLst/>
+  </dgm:styleLbl>
+  <dgm:styleLbl name="solidFgAcc1">
+    <dgm:fillClrLst meth="repeat">
+      <a:schemeClr val="lt1"/>
+    </dgm:fillClrLst>
+    <dgm:linClrLst meth="repeat">
+      <a:schemeClr val="accent1"/>
+    </dgm:linClrLst>
+    <dgm:effectClrLst/>
+    <dgm:txLinClrLst/>
+    <dgm:txFillClrLst meth="repeat">
+      <a:schemeClr val="dk1"/>
+    </dgm:txFillClrLst>
+    <dgm:txEffectClrLst/>
+  </dgm:styleLbl>
+  <dgm:styleLbl name="solidAlignAcc1">
+    <dgm:fillClrLst meth="repeat">
+      <a:schemeClr val="lt1"/>
+    </dgm:fillClrLst>
+    <dgm:linClrLst meth="repeat">
+      <a:schemeClr val="accent1"/>
+    </dgm:linClrLst>
+    <dgm:effectClrLst/>
+    <dgm:txLinClrLst/>
+    <dgm:txFillClrLst meth="repeat">
+      <a:schemeClr val="dk1"/>
+    </dgm:txFillClrLst>
+    <dgm:txEffectClrLst/>
+  </dgm:styleLbl>
+  <dgm:styleLbl name="solidBgAcc1">
+    <dgm:fillClrLst meth="repeat">
+      <a:schemeClr val="lt1"/>
+    </dgm:fillClrLst>
+    <dgm:linClrLst meth="repeat">
+      <a:schemeClr val="accent1"/>
+    </dgm:linClrLst>
+    <dgm:effectClrLst/>
+    <dgm:txLinClrLst/>
+    <dgm:txFillClrLst meth="repeat">
+      <a:schemeClr val="dk1"/>
+    </dgm:txFillClrLst>
+    <dgm:txEffectClrLst/>
+  </dgm:styleLbl>
+  <dgm:styleLbl name="fgAccFollowNode1">
+    <dgm:fillClrLst meth="repeat">
+      <a:schemeClr val="accent1">
+        <a:alpha val="90000"/>
+        <a:tint val="40000"/>
+      </a:schemeClr>
+    </dgm:fillClrLst>
+    <dgm:linClrLst meth="repeat">
+      <a:schemeClr val="accent1">
+        <a:alpha val="90000"/>
+        <a:tint val="40000"/>
+      </a:schemeClr>
+    </dgm:linClrLst>
+    <dgm:effectClrLst/>
+    <dgm:txLinClrLst/>
+    <dgm:txFillClrLst meth="repeat">
+      <a:schemeClr val="dk1"/>
+    </dgm:txFillClrLst>
+    <dgm:txEffectClrLst/>
+  </dgm:styleLbl>
+  <dgm:styleLbl name="alignAccFollowNode1">
+    <dgm:fillClrLst meth="repeat">
+      <a:schemeClr val="accent1">
+        <a:alpha val="90000"/>
+        <a:tint val="40000"/>
+      </a:schemeClr>
+    </dgm:fillClrLst>
+    <dgm:linClrLst meth="repeat">
+      <a:schemeClr val="accent1">
+        <a:alpha val="90000"/>
+        <a:tint val="40000"/>
+      </a:schemeClr>
+    </dgm:linClrLst>
+    <dgm:effectClrLst/>
+    <dgm:txLinClrLst/>
+    <dgm:txFillClrLst meth="repeat">
+      <a:schemeClr val="dk1"/>
+    </dgm:txFillClrLst>
+    <dgm:txEffectClrLst/>
+  </dgm:styleLbl>
+  <dgm:styleLbl name="bgAccFollowNode1">
+    <dgm:fillClrLst meth="repeat">
+      <a:schemeClr val="accent1">
+        <a:alpha val="90000"/>
+        <a:tint val="40000"/>
+      </a:schemeClr>
+    </dgm:fillClrLst>
+    <dgm:linClrLst meth="repeat">
+      <a:schemeClr val="accent1">
+        <a:alpha val="90000"/>
+        <a:tint val="40000"/>
+      </a:schemeClr>
+    </dgm:linClrLst>
+    <dgm:effectClrLst/>
+    <dgm:txLinClrLst/>
+    <dgm:txFillClrLst meth="repeat">
+      <a:schemeClr val="dk1"/>
+    </dgm:txFillClrLst>
+    <dgm:txEffectClrLst/>
+  </dgm:styleLbl>
+  <dgm:styleLbl name="fgAcc0">
+    <dgm:fillClrLst meth="repeat">
+      <a:schemeClr val="lt1">
+        <a:alpha val="90000"/>
+      </a:schemeClr>
+    </dgm:fillClrLst>
+    <dgm:linClrLst meth="repeat">
+      <a:schemeClr val="accent1"/>
+    </dgm:linClrLst>
+    <dgm:effectClrLst/>
+    <dgm:txLinClrLst/>
+    <dgm:txFillClrLst meth="repeat">
+      <a:schemeClr val="dk1"/>
+    </dgm:txFillClrLst>
+    <dgm:txEffectClrLst/>
+  </dgm:styleLbl>
+  <dgm:styleLbl name="fgAcc2">
+    <dgm:fillClrLst meth="repeat">
+      <a:schemeClr val="lt1">
+        <a:alpha val="90000"/>
+      </a:schemeClr>
+    </dgm:fillClrLst>
+    <dgm:linClrLst meth="repeat">
+      <a:schemeClr val="accent1"/>
+    </dgm:linClrLst>
+    <dgm:effectClrLst/>
+    <dgm:txLinClrLst/>
+    <dgm:txFillClrLst meth="repeat">
+      <a:schemeClr val="dk1"/>
+    </dgm:txFillClrLst>
+    <dgm:txEffectClrLst/>
+  </dgm:styleLbl>
+  <dgm:styleLbl name="fgAcc3">
+    <dgm:fillClrLst meth="repeat">
+      <a:schemeClr val="lt1">
+        <a:alpha val="90000"/>
+      </a:schemeClr>
+    </dgm:fillClrLst>
+    <dgm:linClrLst meth="repeat">
+      <a:schemeClr val="accent1"/>
+    </dgm:linClrLst>
+    <dgm:effectClrLst/>
+    <dgm:txLinClrLst/>
+    <dgm:txFillClrLst meth="repeat">
+      <a:schemeClr val="dk1"/>
+    </dgm:txFillClrLst>
+    <dgm:txEffectClrLst/>
+  </dgm:styleLbl>
+  <dgm:styleLbl name="fgAcc4">
+    <dgm:fillClrLst meth="repeat">
+      <a:schemeClr val="lt1">
+        <a:alpha val="90000"/>
+      </a:schemeClr>
+    </dgm:fillClrLst>
+    <dgm:linClrLst meth="repeat">
+      <a:schemeClr val="accent1"/>
+    </dgm:linClrLst>
+    <dgm:effectClrLst/>
+    <dgm:txLinClrLst/>
+    <dgm:txFillClrLst meth="repeat">
+      <a:schemeClr val="dk1"/>
+    </dgm:txFillClrLst>
+    <dgm:txEffectClrLst/>
+  </dgm:styleLbl>
+  <dgm:styleLbl name="bgShp">
+    <dgm:fillClrLst meth="repeat">
+      <a:schemeClr val="accent1">
+        <a:tint val="40000"/>
+      </a:schemeClr>
+    </dgm:fillClrLst>
+    <dgm:linClrLst meth="repeat">
+      <a:schemeClr val="accent1"/>
+    </dgm:linClrLst>
+    <dgm:effectClrLst/>
+    <dgm:txLinClrLst/>
+    <dgm:txFillClrLst meth="repeat">
+      <a:schemeClr val="dk1"/>
+    </dgm:txFillClrLst>
+    <dgm:txEffectClrLst/>
+  </dgm:styleLbl>
+  <dgm:styleLbl name="dkBgShp">
+    <dgm:fillClrLst meth="repeat">
+      <a:schemeClr val="accent1">
+        <a:shade val="80000"/>
+      </a:schemeClr>
+    </dgm:fillClrLst>
+    <dgm:linClrLst meth="repeat">
+      <a:schemeClr val="accent1"/>
+    </dgm:linClrLst>
+    <dgm:effectClrLst/>
+    <dgm:txLinClrLst/>
+    <dgm:txFillClrLst meth="repeat">
+      <a:schemeClr val="lt1"/>
+    </dgm:txFillClrLst>
+    <dgm:txEffectClrLst/>
+  </dgm:styleLbl>
+  <dgm:styleLbl name="trBgShp">
+    <dgm:fillClrLst meth="repeat">
+      <a:schemeClr val="accent1">
+        <a:tint val="50000"/>
+        <a:alpha val="40000"/>
+      </a:schemeClr>
+    </dgm:fillClrLst>
+    <dgm:linClrLst meth="repeat">
+      <a:schemeClr val="accent1"/>
+    </dgm:linClrLst>
+    <dgm:effectClrLst/>
+    <dgm:txLinClrLst/>
+    <dgm:txFillClrLst meth="repeat">
+      <a:schemeClr val="lt1"/>
+    </dgm:txFillClrLst>
+    <dgm:txEffectClrLst/>
+  </dgm:styleLbl>
+  <dgm:styleLbl name="fgShp">
+    <dgm:fillClrLst meth="repeat">
+      <a:schemeClr val="accent1">
+        <a:tint val="60000"/>
+      </a:schemeClr>
+    </dgm:fillClrLst>
+    <dgm:linClrLst meth="repeat">
+      <a:schemeClr val="lt1"/>
+    </dgm:linClrLst>
+    <dgm:effectClrLst/>
+    <dgm:txLinClrLst/>
+    <dgm:txFillClrLst meth="repeat">
+      <a:schemeClr val="dk1"/>
+    </dgm:txFillClrLst>
+    <dgm:txEffectClrLst/>
+  </dgm:styleLbl>
+  <dgm:styleLbl name="revTx">
+    <dgm:fillClrLst meth="repeat">
+      <a:schemeClr val="lt1">
+        <a:alpha val="0"/>
+      </a:schemeClr>
+    </dgm:fillClrLst>
+    <dgm:linClrLst meth="repeat">
+      <a:schemeClr val="dk1">
+        <a:alpha val="0"/>
+      </a:schemeClr>
+    </dgm:linClrLst>
+    <dgm:effectClrLst/>
+    <dgm:txLinClrLst/>
+    <dgm:txFillClrLst meth="repeat">
+      <a:schemeClr val="tx1"/>
+    </dgm:txFillClrLst>
+    <dgm:txEffectClrLst/>
+  </dgm:styleLbl>
+</dgm:colorsDef>
+</file>
+
+<file path=ppt/diagrams/data1.xml><?xml version="1.0" encoding="utf-8"?>
+<dgm:dataModel xmlns:dgm="http://schemas.openxmlformats.org/drawingml/2006/diagram" xmlns:a="http://schemas.openxmlformats.org/drawingml/2006/main">
+  <dgm:ptLst>
+    <dgm:pt modelId="{F19630F1-CB49-477D-8C26-F49836C58B68}" type="doc">
+      <dgm:prSet loTypeId="urn:microsoft.com/office/officeart/2018/2/layout/IconLabelDescriptionList" loCatId="icon" qsTypeId="urn:microsoft.com/office/officeart/2005/8/quickstyle/simple1" qsCatId="simple" csTypeId="urn:microsoft.com/office/officeart/2005/8/colors/accent1_2" csCatId="accent1" phldr="1"/>
+      <dgm:spPr/>
+      <dgm:t>
+        <a:bodyPr/>
+        <a:lstStyle/>
+        <a:p>
+          <a:endParaRPr lang="en-US"/>
+        </a:p>
+      </dgm:t>
+    </dgm:pt>
+    <dgm:pt modelId="{DADF1E12-8281-49BA-BFC9-22E63C8CF38B}">
+      <dgm:prSet/>
+      <dgm:spPr/>
+      <dgm:t>
+        <a:bodyPr/>
+        <a:lstStyle/>
+        <a:p>
+          <a:pPr>
+            <a:lnSpc>
+              <a:spcPct val="100000"/>
+            </a:lnSpc>
+            <a:defRPr b="1"/>
+          </a:pPr>
+          <a:r>
+            <a:rPr lang="en-US"/>
+            <a:t>Output dataset as JSON file hosted in a Public GitHub Repository.</a:t>
+          </a:r>
+        </a:p>
+      </dgm:t>
+    </dgm:pt>
+    <dgm:pt modelId="{24BF238B-FB63-4864-A8F1-D0ED1CC9C0FD}" type="parTrans" cxnId="{1BC0EECD-258B-45CA-8455-A23D49A83F14}">
+      <dgm:prSet/>
+      <dgm:spPr/>
+      <dgm:t>
+        <a:bodyPr/>
+        <a:lstStyle/>
+        <a:p>
+          <a:endParaRPr lang="en-US"/>
+        </a:p>
+      </dgm:t>
+    </dgm:pt>
+    <dgm:pt modelId="{E523A4A4-B7DB-4A74-A192-D8B64D29E443}" type="sibTrans" cxnId="{1BC0EECD-258B-45CA-8455-A23D49A83F14}">
+      <dgm:prSet/>
+      <dgm:spPr/>
+      <dgm:t>
+        <a:bodyPr/>
+        <a:lstStyle/>
+        <a:p>
+          <a:endParaRPr lang="en-US"/>
+        </a:p>
+      </dgm:t>
+    </dgm:pt>
+    <dgm:pt modelId="{89FA8665-1465-470D-94B4-7F3A9742DBE5}">
+      <dgm:prSet/>
+      <dgm:spPr/>
+      <dgm:t>
+        <a:bodyPr/>
+        <a:lstStyle/>
+        <a:p>
+          <a:pPr>
+            <a:lnSpc>
+              <a:spcPct val="100000"/>
+            </a:lnSpc>
+          </a:pPr>
+          <a:r>
+            <a:rPr lang="en-US"/>
+            <a:t>No Access rights</a:t>
+          </a:r>
+        </a:p>
+      </dgm:t>
+    </dgm:pt>
+    <dgm:pt modelId="{A389C9CC-2DFD-4FA7-BBD3-1ACD6C6BB3B2}" type="parTrans" cxnId="{89790656-9A16-4BA1-829B-944BEC28243B}">
+      <dgm:prSet/>
+      <dgm:spPr/>
+      <dgm:t>
+        <a:bodyPr/>
+        <a:lstStyle/>
+        <a:p>
+          <a:endParaRPr lang="en-US"/>
+        </a:p>
+      </dgm:t>
+    </dgm:pt>
+    <dgm:pt modelId="{D0162BEB-022E-4295-87B9-593D23CBF9DE}" type="sibTrans" cxnId="{89790656-9A16-4BA1-829B-944BEC28243B}">
+      <dgm:prSet/>
+      <dgm:spPr/>
+      <dgm:t>
+        <a:bodyPr/>
+        <a:lstStyle/>
+        <a:p>
+          <a:endParaRPr lang="en-US"/>
+        </a:p>
+      </dgm:t>
+    </dgm:pt>
+    <dgm:pt modelId="{B95A98D2-B79A-4303-BCB2-6C8CE91FD295}">
+      <dgm:prSet/>
+      <dgm:spPr/>
+      <dgm:t>
+        <a:bodyPr/>
+        <a:lstStyle/>
+        <a:p>
+          <a:pPr>
+            <a:lnSpc>
+              <a:spcPct val="100000"/>
+            </a:lnSpc>
+          </a:pPr>
+          <a:r>
+            <a:rPr lang="en-US"/>
+            <a:t>Open to public consumption</a:t>
+          </a:r>
+        </a:p>
+      </dgm:t>
+    </dgm:pt>
+    <dgm:pt modelId="{FCC4FC55-B3FD-45C2-94D0-0B39BF1593D3}" type="parTrans" cxnId="{28CA0DB1-92D0-4DD1-9285-B4394925C875}">
+      <dgm:prSet/>
+      <dgm:spPr/>
+      <dgm:t>
+        <a:bodyPr/>
+        <a:lstStyle/>
+        <a:p>
+          <a:endParaRPr lang="en-US"/>
+        </a:p>
+      </dgm:t>
+    </dgm:pt>
+    <dgm:pt modelId="{3E202610-CF0F-4901-9721-8A1E531611D9}" type="sibTrans" cxnId="{28CA0DB1-92D0-4DD1-9285-B4394925C875}">
+      <dgm:prSet/>
+      <dgm:spPr/>
+      <dgm:t>
+        <a:bodyPr/>
+        <a:lstStyle/>
+        <a:p>
+          <a:endParaRPr lang="en-US"/>
+        </a:p>
+      </dgm:t>
+    </dgm:pt>
+    <dgm:pt modelId="{55D17FC3-D586-44DD-9F19-AF5711B98568}">
+      <dgm:prSet/>
+      <dgm:spPr/>
+      <dgm:t>
+        <a:bodyPr/>
+        <a:lstStyle/>
+        <a:p>
+          <a:pPr>
+            <a:lnSpc>
+              <a:spcPct val="100000"/>
+            </a:lnSpc>
+            <a:defRPr b="1"/>
+          </a:pPr>
+          <a:r>
+            <a:rPr lang="en-US"/>
+            <a:t>We are not Publishing entire lyrical data.</a:t>
+          </a:r>
+        </a:p>
+      </dgm:t>
+    </dgm:pt>
+    <dgm:pt modelId="{F987B9DC-7A08-4A41-9C15-2798E886C098}" type="parTrans" cxnId="{8D96FD3B-8BA8-46DB-ADCD-BE111F662798}">
+      <dgm:prSet/>
+      <dgm:spPr/>
+      <dgm:t>
+        <a:bodyPr/>
+        <a:lstStyle/>
+        <a:p>
+          <a:endParaRPr lang="en-US"/>
+        </a:p>
+      </dgm:t>
+    </dgm:pt>
+    <dgm:pt modelId="{EEFDB201-9CD9-4868-A3FD-9AE1628BE216}" type="sibTrans" cxnId="{8D96FD3B-8BA8-46DB-ADCD-BE111F662798}">
+      <dgm:prSet/>
+      <dgm:spPr/>
+      <dgm:t>
+        <a:bodyPr/>
+        <a:lstStyle/>
+        <a:p>
+          <a:endParaRPr lang="en-US"/>
+        </a:p>
+      </dgm:t>
+    </dgm:pt>
+    <dgm:pt modelId="{27738144-4AC7-4086-B737-2DE6C6770773}">
+      <dgm:prSet/>
+      <dgm:spPr/>
+      <dgm:t>
+        <a:bodyPr/>
+        <a:lstStyle/>
+        <a:p>
+          <a:pPr>
+            <a:lnSpc>
+              <a:spcPct val="100000"/>
+            </a:lnSpc>
+          </a:pPr>
+          <a:r>
+            <a:rPr lang="en-US"/>
+            <a:t>Word counts vs. Copyrighted Lyrics</a:t>
+          </a:r>
+        </a:p>
+      </dgm:t>
+    </dgm:pt>
+    <dgm:pt modelId="{7BEA6D21-DD9F-43BB-9E63-CE99B90AC62A}" type="parTrans" cxnId="{9BCA49F7-41D4-4E47-9784-4F78DFFC737B}">
+      <dgm:prSet/>
+      <dgm:spPr/>
+      <dgm:t>
+        <a:bodyPr/>
+        <a:lstStyle/>
+        <a:p>
+          <a:endParaRPr lang="en-US"/>
+        </a:p>
+      </dgm:t>
+    </dgm:pt>
+    <dgm:pt modelId="{751AB7A3-4E77-430D-A767-602B8ABDF3ED}" type="sibTrans" cxnId="{9BCA49F7-41D4-4E47-9784-4F78DFFC737B}">
+      <dgm:prSet/>
+      <dgm:spPr/>
+      <dgm:t>
+        <a:bodyPr/>
+        <a:lstStyle/>
+        <a:p>
+          <a:endParaRPr lang="en-US"/>
+        </a:p>
+      </dgm:t>
+    </dgm:pt>
+    <dgm:pt modelId="{04FC8716-5AF1-4FF6-8717-368430429073}" type="pres">
+      <dgm:prSet presAssocID="{F19630F1-CB49-477D-8C26-F49836C58B68}" presName="root" presStyleCnt="0">
+        <dgm:presLayoutVars>
+          <dgm:dir/>
+          <dgm:resizeHandles val="exact"/>
+        </dgm:presLayoutVars>
+      </dgm:prSet>
+      <dgm:spPr/>
+    </dgm:pt>
+    <dgm:pt modelId="{B59249E2-16E0-417B-AE26-C0626EB4757F}" type="pres">
+      <dgm:prSet presAssocID="{DADF1E12-8281-49BA-BFC9-22E63C8CF38B}" presName="compNode" presStyleCnt="0"/>
+      <dgm:spPr/>
+    </dgm:pt>
+    <dgm:pt modelId="{F5769191-049E-46DD-B52B-0DC7E446C993}" type="pres">
+      <dgm:prSet presAssocID="{DADF1E12-8281-49BA-BFC9-22E63C8CF38B}" presName="iconRect" presStyleLbl="node1" presStyleIdx="0" presStyleCnt="2"/>
+      <dgm:spPr>
+        <a:blipFill>
+          <a:blip xmlns:r="http://schemas.openxmlformats.org/officeDocument/2006/relationships" r:embed="rId1">
+            <a:extLst>
+              <a:ext uri="{28A0092B-C50C-407E-A947-70E740481C1C}">
+                <a14:useLocalDpi xmlns:a14="http://schemas.microsoft.com/office/drawing/2010/main" val="0"/>
+              </a:ext>
+              <a:ext uri="{96DAC541-7B7A-43D3-8B79-37D633B846F1}">
+                <asvg:svgBlip xmlns:asvg="http://schemas.microsoft.com/office/drawing/2016/SVG/main" r:embed="rId2"/>
+              </a:ext>
+            </a:extLst>
+          </a:blip>
+          <a:stretch>
+            <a:fillRect/>
+          </a:stretch>
+        </a:blipFill>
+      </dgm:spPr>
+      <dgm:extLst>
+        <a:ext uri="{E40237B7-FDA0-4F09-8148-C483321AD2D9}">
+          <dgm14:cNvPr xmlns:dgm14="http://schemas.microsoft.com/office/drawing/2010/diagram" id="0" name="" descr="Database"/>
+        </a:ext>
+      </dgm:extLst>
+    </dgm:pt>
+    <dgm:pt modelId="{09AA4108-28E6-4090-B1A6-5F50D8828D50}" type="pres">
+      <dgm:prSet presAssocID="{DADF1E12-8281-49BA-BFC9-22E63C8CF38B}" presName="iconSpace" presStyleCnt="0"/>
+      <dgm:spPr/>
+    </dgm:pt>
+    <dgm:pt modelId="{C88F5AB1-943B-4D96-8812-A64F16C912D6}" type="pres">
+      <dgm:prSet presAssocID="{DADF1E12-8281-49BA-BFC9-22E63C8CF38B}" presName="parTx" presStyleLbl="revTx" presStyleIdx="0" presStyleCnt="4">
+        <dgm:presLayoutVars>
+          <dgm:chMax val="0"/>
+          <dgm:chPref val="0"/>
+        </dgm:presLayoutVars>
+      </dgm:prSet>
+      <dgm:spPr/>
+    </dgm:pt>
+    <dgm:pt modelId="{47B8682B-9B20-4FE5-ACFC-7BCA381881B1}" type="pres">
+      <dgm:prSet presAssocID="{DADF1E12-8281-49BA-BFC9-22E63C8CF38B}" presName="txSpace" presStyleCnt="0"/>
+      <dgm:spPr/>
+    </dgm:pt>
+    <dgm:pt modelId="{1C519E30-8064-4D84-BDE8-89476DEFBBB5}" type="pres">
+      <dgm:prSet presAssocID="{DADF1E12-8281-49BA-BFC9-22E63C8CF38B}" presName="desTx" presStyleLbl="revTx" presStyleIdx="1" presStyleCnt="4">
+        <dgm:presLayoutVars/>
+      </dgm:prSet>
+      <dgm:spPr/>
+    </dgm:pt>
+    <dgm:pt modelId="{3EB167DF-9B1C-483F-A0ED-095FFF246543}" type="pres">
+      <dgm:prSet presAssocID="{E523A4A4-B7DB-4A74-A192-D8B64D29E443}" presName="sibTrans" presStyleCnt="0"/>
+      <dgm:spPr/>
+    </dgm:pt>
+    <dgm:pt modelId="{DB983FCE-205E-44DD-9BCC-E0136F0BDB46}" type="pres">
+      <dgm:prSet presAssocID="{55D17FC3-D586-44DD-9F19-AF5711B98568}" presName="compNode" presStyleCnt="0"/>
+      <dgm:spPr/>
+    </dgm:pt>
+    <dgm:pt modelId="{DFF5DCC4-93BA-486C-B64B-348843557107}" type="pres">
+      <dgm:prSet presAssocID="{55D17FC3-D586-44DD-9F19-AF5711B98568}" presName="iconRect" presStyleLbl="node1" presStyleIdx="1" presStyleCnt="2"/>
+      <dgm:spPr>
+        <a:blipFill>
+          <a:blip xmlns:r="http://schemas.openxmlformats.org/officeDocument/2006/relationships" r:embed="rId3">
+            <a:extLst>
+              <a:ext uri="{28A0092B-C50C-407E-A947-70E740481C1C}">
+                <a14:useLocalDpi xmlns:a14="http://schemas.microsoft.com/office/drawing/2010/main" val="0"/>
+              </a:ext>
+              <a:ext uri="{96DAC541-7B7A-43D3-8B79-37D633B846F1}">
+                <asvg:svgBlip xmlns:asvg="http://schemas.microsoft.com/office/drawing/2016/SVG/main" r:embed="rId4"/>
+              </a:ext>
+            </a:extLst>
+          </a:blip>
+          <a:stretch>
+            <a:fillRect/>
+          </a:stretch>
+        </a:blipFill>
+      </dgm:spPr>
+      <dgm:extLst>
+        <a:ext uri="{E40237B7-FDA0-4F09-8148-C483321AD2D9}">
+          <dgm14:cNvPr xmlns:dgm14="http://schemas.microsoft.com/office/drawing/2010/diagram" id="0" name="" descr="Music"/>
+        </a:ext>
+      </dgm:extLst>
+    </dgm:pt>
+    <dgm:pt modelId="{BFB4DA73-1B12-45F5-803C-CCD981B9C2D9}" type="pres">
+      <dgm:prSet presAssocID="{55D17FC3-D586-44DD-9F19-AF5711B98568}" presName="iconSpace" presStyleCnt="0"/>
+      <dgm:spPr/>
+    </dgm:pt>
+    <dgm:pt modelId="{334027E2-77F2-4E75-A9ED-2BCF96DB8E2F}" type="pres">
+      <dgm:prSet presAssocID="{55D17FC3-D586-44DD-9F19-AF5711B98568}" presName="parTx" presStyleLbl="revTx" presStyleIdx="2" presStyleCnt="4">
+        <dgm:presLayoutVars>
+          <dgm:chMax val="0"/>
+          <dgm:chPref val="0"/>
+        </dgm:presLayoutVars>
+      </dgm:prSet>
+      <dgm:spPr/>
+    </dgm:pt>
+    <dgm:pt modelId="{3264FF36-7AB3-460B-91F5-B7BA2741EC3C}" type="pres">
+      <dgm:prSet presAssocID="{55D17FC3-D586-44DD-9F19-AF5711B98568}" presName="txSpace" presStyleCnt="0"/>
+      <dgm:spPr/>
+    </dgm:pt>
+    <dgm:pt modelId="{88DC4327-2DC1-4ADE-AF17-21C6421EEA1B}" type="pres">
+      <dgm:prSet presAssocID="{55D17FC3-D586-44DD-9F19-AF5711B98568}" presName="desTx" presStyleLbl="revTx" presStyleIdx="3" presStyleCnt="4">
+        <dgm:presLayoutVars/>
+      </dgm:prSet>
+      <dgm:spPr/>
+    </dgm:pt>
+  </dgm:ptLst>
+  <dgm:cxnLst>
+    <dgm:cxn modelId="{898C860B-45CF-44DD-9001-6DFE4B7D3E34}" type="presOf" srcId="{F19630F1-CB49-477D-8C26-F49836C58B68}" destId="{04FC8716-5AF1-4FF6-8717-368430429073}" srcOrd="0" destOrd="0" presId="urn:microsoft.com/office/officeart/2018/2/layout/IconLabelDescriptionList"/>
+    <dgm:cxn modelId="{90AEBD21-6873-4305-A2D4-1827B3179D4A}" type="presOf" srcId="{DADF1E12-8281-49BA-BFC9-22E63C8CF38B}" destId="{C88F5AB1-943B-4D96-8812-A64F16C912D6}" srcOrd="0" destOrd="0" presId="urn:microsoft.com/office/officeart/2018/2/layout/IconLabelDescriptionList"/>
+    <dgm:cxn modelId="{0A355A38-F214-4FD0-82E3-9B9FE4C68855}" type="presOf" srcId="{B95A98D2-B79A-4303-BCB2-6C8CE91FD295}" destId="{1C519E30-8064-4D84-BDE8-89476DEFBBB5}" srcOrd="0" destOrd="1" presId="urn:microsoft.com/office/officeart/2018/2/layout/IconLabelDescriptionList"/>
+    <dgm:cxn modelId="{8D96FD3B-8BA8-46DB-ADCD-BE111F662798}" srcId="{F19630F1-CB49-477D-8C26-F49836C58B68}" destId="{55D17FC3-D586-44DD-9F19-AF5711B98568}" srcOrd="1" destOrd="0" parTransId="{F987B9DC-7A08-4A41-9C15-2798E886C098}" sibTransId="{EEFDB201-9CD9-4868-A3FD-9AE1628BE216}"/>
+    <dgm:cxn modelId="{89790656-9A16-4BA1-829B-944BEC28243B}" srcId="{DADF1E12-8281-49BA-BFC9-22E63C8CF38B}" destId="{89FA8665-1465-470D-94B4-7F3A9742DBE5}" srcOrd="0" destOrd="0" parTransId="{A389C9CC-2DFD-4FA7-BBD3-1ACD6C6BB3B2}" sibTransId="{D0162BEB-022E-4295-87B9-593D23CBF9DE}"/>
+    <dgm:cxn modelId="{AF07AFA4-018F-4250-AE8A-73A441504695}" type="presOf" srcId="{89FA8665-1465-470D-94B4-7F3A9742DBE5}" destId="{1C519E30-8064-4D84-BDE8-89476DEFBBB5}" srcOrd="0" destOrd="0" presId="urn:microsoft.com/office/officeart/2018/2/layout/IconLabelDescriptionList"/>
+    <dgm:cxn modelId="{28CA0DB1-92D0-4DD1-9285-B4394925C875}" srcId="{DADF1E12-8281-49BA-BFC9-22E63C8CF38B}" destId="{B95A98D2-B79A-4303-BCB2-6C8CE91FD295}" srcOrd="1" destOrd="0" parTransId="{FCC4FC55-B3FD-45C2-94D0-0B39BF1593D3}" sibTransId="{3E202610-CF0F-4901-9721-8A1E531611D9}"/>
+    <dgm:cxn modelId="{1BC0EECD-258B-45CA-8455-A23D49A83F14}" srcId="{F19630F1-CB49-477D-8C26-F49836C58B68}" destId="{DADF1E12-8281-49BA-BFC9-22E63C8CF38B}" srcOrd="0" destOrd="0" parTransId="{24BF238B-FB63-4864-A8F1-D0ED1CC9C0FD}" sibTransId="{E523A4A4-B7DB-4A74-A192-D8B64D29E443}"/>
+    <dgm:cxn modelId="{4B91F6CF-5394-4802-B8E4-100BAFEDDEB9}" type="presOf" srcId="{55D17FC3-D586-44DD-9F19-AF5711B98568}" destId="{334027E2-77F2-4E75-A9ED-2BCF96DB8E2F}" srcOrd="0" destOrd="0" presId="urn:microsoft.com/office/officeart/2018/2/layout/IconLabelDescriptionList"/>
+    <dgm:cxn modelId="{9BCA49F7-41D4-4E47-9784-4F78DFFC737B}" srcId="{55D17FC3-D586-44DD-9F19-AF5711B98568}" destId="{27738144-4AC7-4086-B737-2DE6C6770773}" srcOrd="0" destOrd="0" parTransId="{7BEA6D21-DD9F-43BB-9E63-CE99B90AC62A}" sibTransId="{751AB7A3-4E77-430D-A767-602B8ABDF3ED}"/>
+    <dgm:cxn modelId="{BB8D52F9-77B2-426B-A387-67DB9A4C63A4}" type="presOf" srcId="{27738144-4AC7-4086-B737-2DE6C6770773}" destId="{88DC4327-2DC1-4ADE-AF17-21C6421EEA1B}" srcOrd="0" destOrd="0" presId="urn:microsoft.com/office/officeart/2018/2/layout/IconLabelDescriptionList"/>
+    <dgm:cxn modelId="{8A363C61-5253-4467-97F2-D033DB780B31}" type="presParOf" srcId="{04FC8716-5AF1-4FF6-8717-368430429073}" destId="{B59249E2-16E0-417B-AE26-C0626EB4757F}" srcOrd="0" destOrd="0" presId="urn:microsoft.com/office/officeart/2018/2/layout/IconLabelDescriptionList"/>
+    <dgm:cxn modelId="{1B2AF97C-18BB-4281-BCFE-A1E0D8A145CA}" type="presParOf" srcId="{B59249E2-16E0-417B-AE26-C0626EB4757F}" destId="{F5769191-049E-46DD-B52B-0DC7E446C993}" srcOrd="0" destOrd="0" presId="urn:microsoft.com/office/officeart/2018/2/layout/IconLabelDescriptionList"/>
+    <dgm:cxn modelId="{D601023E-7C9D-4609-ACD3-5A71725415E3}" type="presParOf" srcId="{B59249E2-16E0-417B-AE26-C0626EB4757F}" destId="{09AA4108-28E6-4090-B1A6-5F50D8828D50}" srcOrd="1" destOrd="0" presId="urn:microsoft.com/office/officeart/2018/2/layout/IconLabelDescriptionList"/>
+    <dgm:cxn modelId="{3E289BB0-2586-4C67-88F9-DE899900ED0F}" type="presParOf" srcId="{B59249E2-16E0-417B-AE26-C0626EB4757F}" destId="{C88F5AB1-943B-4D96-8812-A64F16C912D6}" srcOrd="2" destOrd="0" presId="urn:microsoft.com/office/officeart/2018/2/layout/IconLabelDescriptionList"/>
+    <dgm:cxn modelId="{0ED202F0-FCF6-41EA-B83A-EE43BCF61BBF}" type="presParOf" srcId="{B59249E2-16E0-417B-AE26-C0626EB4757F}" destId="{47B8682B-9B20-4FE5-ACFC-7BCA381881B1}" srcOrd="3" destOrd="0" presId="urn:microsoft.com/office/officeart/2018/2/layout/IconLabelDescriptionList"/>
+    <dgm:cxn modelId="{F9C73A12-4A9A-48AC-BEC7-98981AC2CB21}" type="presParOf" srcId="{B59249E2-16E0-417B-AE26-C0626EB4757F}" destId="{1C519E30-8064-4D84-BDE8-89476DEFBBB5}" srcOrd="4" destOrd="0" presId="urn:microsoft.com/office/officeart/2018/2/layout/IconLabelDescriptionList"/>
+    <dgm:cxn modelId="{6185D31D-0F9C-4F7F-A9A0-1285F6100BA3}" type="presParOf" srcId="{04FC8716-5AF1-4FF6-8717-368430429073}" destId="{3EB167DF-9B1C-483F-A0ED-095FFF246543}" srcOrd="1" destOrd="0" presId="urn:microsoft.com/office/officeart/2018/2/layout/IconLabelDescriptionList"/>
+    <dgm:cxn modelId="{3F95410D-9736-41A9-8CCB-896E3F8A5C27}" type="presParOf" srcId="{04FC8716-5AF1-4FF6-8717-368430429073}" destId="{DB983FCE-205E-44DD-9BCC-E0136F0BDB46}" srcOrd="2" destOrd="0" presId="urn:microsoft.com/office/officeart/2018/2/layout/IconLabelDescriptionList"/>
+    <dgm:cxn modelId="{394AB1BE-904C-495F-828F-184E4184CF6C}" type="presParOf" srcId="{DB983FCE-205E-44DD-9BCC-E0136F0BDB46}" destId="{DFF5DCC4-93BA-486C-B64B-348843557107}" srcOrd="0" destOrd="0" presId="urn:microsoft.com/office/officeart/2018/2/layout/IconLabelDescriptionList"/>
+    <dgm:cxn modelId="{B7907261-18C5-4804-89F2-897D3A9F603C}" type="presParOf" srcId="{DB983FCE-205E-44DD-9BCC-E0136F0BDB46}" destId="{BFB4DA73-1B12-45F5-803C-CCD981B9C2D9}" srcOrd="1" destOrd="0" presId="urn:microsoft.com/office/officeart/2018/2/layout/IconLabelDescriptionList"/>
+    <dgm:cxn modelId="{E6AE56C0-8117-45F8-80AC-7354211F3AC3}" type="presParOf" srcId="{DB983FCE-205E-44DD-9BCC-E0136F0BDB46}" destId="{334027E2-77F2-4E75-A9ED-2BCF96DB8E2F}" srcOrd="2" destOrd="0" presId="urn:microsoft.com/office/officeart/2018/2/layout/IconLabelDescriptionList"/>
+    <dgm:cxn modelId="{361E1905-EDD5-451B-A541-AF01911186B4}" type="presParOf" srcId="{DB983FCE-205E-44DD-9BCC-E0136F0BDB46}" destId="{3264FF36-7AB3-460B-91F5-B7BA2741EC3C}" srcOrd="3" destOrd="0" presId="urn:microsoft.com/office/officeart/2018/2/layout/IconLabelDescriptionList"/>
+    <dgm:cxn modelId="{DF8D4D1A-8056-43D3-84F2-41C2BA894E89}" type="presParOf" srcId="{DB983FCE-205E-44DD-9BCC-E0136F0BDB46}" destId="{88DC4327-2DC1-4ADE-AF17-21C6421EEA1B}" srcOrd="4" destOrd="0" presId="urn:microsoft.com/office/officeart/2018/2/layout/IconLabelDescriptionList"/>
+  </dgm:cxnLst>
+  <dgm:bg/>
+  <dgm:whole/>
+  <dgm:extLst>
+    <a:ext uri="http://schemas.microsoft.com/office/drawing/2008/diagram">
+      <dsp:dataModelExt xmlns:dsp="http://schemas.microsoft.com/office/drawing/2008/diagram" relId="rId7" minVer="http://schemas.openxmlformats.org/drawingml/2006/diagram"/>
+    </a:ext>
+  </dgm:extLst>
+</dgm:dataModel>
+</file>
+
+<file path=ppt/diagrams/drawing1.xml><?xml version="1.0" encoding="utf-8"?>
+<dsp:drawing xmlns:dgm="http://schemas.openxmlformats.org/drawingml/2006/diagram" xmlns:dsp="http://schemas.microsoft.com/office/drawing/2008/diagram" xmlns:a="http://schemas.openxmlformats.org/drawingml/2006/main">
+  <dsp:spTree>
+    <dsp:nvGrpSpPr>
+      <dsp:cNvPr id="0" name=""/>
+      <dsp:cNvGrpSpPr/>
+    </dsp:nvGrpSpPr>
+    <dsp:grpSpPr/>
+    <dsp:sp modelId="{F5769191-049E-46DD-B52B-0DC7E446C993}">
+      <dsp:nvSpPr>
+        <dsp:cNvPr id="0" name=""/>
+        <dsp:cNvSpPr/>
+      </dsp:nvSpPr>
+      <dsp:spPr>
+        <a:xfrm>
+          <a:off x="559800" y="730038"/>
+          <a:ext cx="1512000" cy="1512000"/>
+        </a:xfrm>
+        <a:prstGeom prst="rect">
+          <a:avLst/>
+        </a:prstGeom>
+        <a:blipFill>
+          <a:blip xmlns:r="http://schemas.openxmlformats.org/officeDocument/2006/relationships" r:embed="rId1">
+            <a:extLst>
+              <a:ext uri="{28A0092B-C50C-407E-A947-70E740481C1C}">
+                <a14:useLocalDpi xmlns:a14="http://schemas.microsoft.com/office/drawing/2010/main" val="0"/>
+              </a:ext>
+              <a:ext uri="{96DAC541-7B7A-43D3-8B79-37D633B846F1}">
+                <asvg:svgBlip xmlns:asvg="http://schemas.microsoft.com/office/drawing/2016/SVG/main" r:embed="rId2"/>
+              </a:ext>
+            </a:extLst>
+          </a:blip>
+          <a:stretch>
+            <a:fillRect/>
+          </a:stretch>
+        </a:blipFill>
+        <a:ln w="12700" cap="flat" cmpd="sng" algn="ctr">
+          <a:solidFill>
+            <a:schemeClr val="lt1">
+              <a:hueOff val="0"/>
+              <a:satOff val="0"/>
+              <a:lumOff val="0"/>
+              <a:alphaOff val="0"/>
+            </a:schemeClr>
+          </a:solidFill>
+          <a:prstDash val="solid"/>
+          <a:miter lim="800000"/>
+        </a:ln>
+        <a:effectLst/>
+      </dsp:spPr>
+      <dsp:style>
+        <a:lnRef idx="2">
+          <a:scrgbClr r="0" g="0" b="0"/>
+        </a:lnRef>
+        <a:fillRef idx="1">
+          <a:scrgbClr r="0" g="0" b="0"/>
+        </a:fillRef>
+        <a:effectRef idx="0">
+          <a:scrgbClr r="0" g="0" b="0"/>
+        </a:effectRef>
+        <a:fontRef idx="minor">
+          <a:schemeClr val="lt1"/>
+        </a:fontRef>
+      </dsp:style>
+    </dsp:sp>
+    <dsp:sp modelId="{C88F5AB1-943B-4D96-8812-A64F16C912D6}">
+      <dsp:nvSpPr>
+        <dsp:cNvPr id="0" name=""/>
+        <dsp:cNvSpPr/>
+      </dsp:nvSpPr>
+      <dsp:spPr>
+        <a:xfrm>
+          <a:off x="559800" y="2366363"/>
+          <a:ext cx="4320000" cy="648000"/>
+        </a:xfrm>
+        <a:prstGeom prst="rect">
+          <a:avLst/>
+        </a:prstGeom>
+        <a:noFill/>
+        <a:ln>
+          <a:noFill/>
+        </a:ln>
+        <a:effectLst/>
+      </dsp:spPr>
+      <dsp:style>
+        <a:lnRef idx="0">
+          <a:scrgbClr r="0" g="0" b="0"/>
+        </a:lnRef>
+        <a:fillRef idx="0">
+          <a:scrgbClr r="0" g="0" b="0"/>
+        </a:fillRef>
+        <a:effectRef idx="0">
+          <a:scrgbClr r="0" g="0" b="0"/>
+        </a:effectRef>
+        <a:fontRef idx="minor"/>
+      </dsp:style>
+      <dsp:txBody>
+        <a:bodyPr spcFirstLastPara="0" vert="horz" wrap="square" lIns="0" tIns="0" rIns="0" bIns="0" numCol="1" spcCol="1270" anchor="t" anchorCtr="0">
+          <a:noAutofit/>
+        </a:bodyPr>
+        <a:lstStyle/>
+        <a:p>
+          <a:pPr marL="0" lvl="0" indent="0" algn="l" defTabSz="889000">
+            <a:lnSpc>
+              <a:spcPct val="100000"/>
+            </a:lnSpc>
+            <a:spcBef>
+              <a:spcPct val="0"/>
+            </a:spcBef>
+            <a:spcAft>
+              <a:spcPct val="35000"/>
+            </a:spcAft>
+            <a:buNone/>
+            <a:defRPr b="1"/>
+          </a:pPr>
+          <a:r>
+            <a:rPr lang="en-US" sz="2000" kern="1200"/>
+            <a:t>Output dataset as JSON file hosted in a Public GitHub Repository.</a:t>
+          </a:r>
+        </a:p>
+      </dsp:txBody>
+      <dsp:txXfrm>
+        <a:off x="559800" y="2366363"/>
+        <a:ext cx="4320000" cy="648000"/>
+      </dsp:txXfrm>
+    </dsp:sp>
+    <dsp:sp modelId="{1C519E30-8064-4D84-BDE8-89476DEFBBB5}">
+      <dsp:nvSpPr>
+        <dsp:cNvPr id="0" name=""/>
+        <dsp:cNvSpPr/>
+      </dsp:nvSpPr>
+      <dsp:spPr>
+        <a:xfrm>
+          <a:off x="559800" y="3072188"/>
+          <a:ext cx="4320000" cy="549110"/>
+        </a:xfrm>
+        <a:prstGeom prst="rect">
+          <a:avLst/>
+        </a:prstGeom>
+        <a:noFill/>
+        <a:ln>
+          <a:noFill/>
+        </a:ln>
+        <a:effectLst/>
+      </dsp:spPr>
+      <dsp:style>
+        <a:lnRef idx="0">
+          <a:scrgbClr r="0" g="0" b="0"/>
+        </a:lnRef>
+        <a:fillRef idx="0">
+          <a:scrgbClr r="0" g="0" b="0"/>
+        </a:fillRef>
+        <a:effectRef idx="0">
+          <a:scrgbClr r="0" g="0" b="0"/>
+        </a:effectRef>
+        <a:fontRef idx="minor"/>
+      </dsp:style>
+      <dsp:txBody>
+        <a:bodyPr spcFirstLastPara="0" vert="horz" wrap="square" lIns="0" tIns="0" rIns="0" bIns="0" numCol="1" spcCol="1270" anchor="t" anchorCtr="0">
+          <a:noAutofit/>
+        </a:bodyPr>
+        <a:lstStyle/>
+        <a:p>
+          <a:pPr marL="0" lvl="0" indent="0" algn="l" defTabSz="666750">
+            <a:lnSpc>
+              <a:spcPct val="100000"/>
+            </a:lnSpc>
+            <a:spcBef>
+              <a:spcPct val="0"/>
+            </a:spcBef>
+            <a:spcAft>
+              <a:spcPct val="35000"/>
+            </a:spcAft>
+            <a:buNone/>
+          </a:pPr>
+          <a:r>
+            <a:rPr lang="en-US" sz="1500" kern="1200"/>
+            <a:t>No Access rights</a:t>
+          </a:r>
+        </a:p>
+        <a:p>
+          <a:pPr marL="0" lvl="0" indent="0" algn="l" defTabSz="666750">
+            <a:lnSpc>
+              <a:spcPct val="100000"/>
+            </a:lnSpc>
+            <a:spcBef>
+              <a:spcPct val="0"/>
+            </a:spcBef>
+            <a:spcAft>
+              <a:spcPct val="35000"/>
+            </a:spcAft>
+            <a:buNone/>
+          </a:pPr>
+          <a:r>
+            <a:rPr lang="en-US" sz="1500" kern="1200"/>
+            <a:t>Open to public consumption</a:t>
+          </a:r>
+        </a:p>
+      </dsp:txBody>
+      <dsp:txXfrm>
+        <a:off x="559800" y="3072188"/>
+        <a:ext cx="4320000" cy="549110"/>
+      </dsp:txXfrm>
+    </dsp:sp>
+    <dsp:sp modelId="{DFF5DCC4-93BA-486C-B64B-348843557107}">
+      <dsp:nvSpPr>
+        <dsp:cNvPr id="0" name=""/>
+        <dsp:cNvSpPr/>
+      </dsp:nvSpPr>
+      <dsp:spPr>
+        <a:xfrm>
+          <a:off x="5635800" y="730038"/>
+          <a:ext cx="1512000" cy="1512000"/>
+        </a:xfrm>
+        <a:prstGeom prst="rect">
+          <a:avLst/>
+        </a:prstGeom>
+        <a:blipFill>
+          <a:blip xmlns:r="http://schemas.openxmlformats.org/officeDocument/2006/relationships" r:embed="rId3">
+            <a:extLst>
+              <a:ext uri="{28A0092B-C50C-407E-A947-70E740481C1C}">
+                <a14:useLocalDpi xmlns:a14="http://schemas.microsoft.com/office/drawing/2010/main" val="0"/>
+              </a:ext>
+              <a:ext uri="{96DAC541-7B7A-43D3-8B79-37D633B846F1}">
+                <asvg:svgBlip xmlns:asvg="http://schemas.microsoft.com/office/drawing/2016/SVG/main" r:embed="rId4"/>
+              </a:ext>
+            </a:extLst>
+          </a:blip>
+          <a:stretch>
+            <a:fillRect/>
+          </a:stretch>
+        </a:blipFill>
+        <a:ln w="12700" cap="flat" cmpd="sng" algn="ctr">
+          <a:solidFill>
+            <a:schemeClr val="lt1">
+              <a:hueOff val="0"/>
+              <a:satOff val="0"/>
+              <a:lumOff val="0"/>
+              <a:alphaOff val="0"/>
+            </a:schemeClr>
+          </a:solidFill>
+          <a:prstDash val="solid"/>
+          <a:miter lim="800000"/>
+        </a:ln>
+        <a:effectLst/>
+      </dsp:spPr>
+      <dsp:style>
+        <a:lnRef idx="2">
+          <a:scrgbClr r="0" g="0" b="0"/>
+        </a:lnRef>
+        <a:fillRef idx="1">
+          <a:scrgbClr r="0" g="0" b="0"/>
+        </a:fillRef>
+        <a:effectRef idx="0">
+          <a:scrgbClr r="0" g="0" b="0"/>
+        </a:effectRef>
+        <a:fontRef idx="minor">
+          <a:schemeClr val="lt1"/>
+        </a:fontRef>
+      </dsp:style>
+    </dsp:sp>
+    <dsp:sp modelId="{334027E2-77F2-4E75-A9ED-2BCF96DB8E2F}">
+      <dsp:nvSpPr>
+        <dsp:cNvPr id="0" name=""/>
+        <dsp:cNvSpPr/>
+      </dsp:nvSpPr>
+      <dsp:spPr>
+        <a:xfrm>
+          <a:off x="5635800" y="2366363"/>
+          <a:ext cx="4320000" cy="648000"/>
+        </a:xfrm>
+        <a:prstGeom prst="rect">
+          <a:avLst/>
+        </a:prstGeom>
+        <a:noFill/>
+        <a:ln>
+          <a:noFill/>
+        </a:ln>
+        <a:effectLst/>
+      </dsp:spPr>
+      <dsp:style>
+        <a:lnRef idx="0">
+          <a:scrgbClr r="0" g="0" b="0"/>
+        </a:lnRef>
+        <a:fillRef idx="0">
+          <a:scrgbClr r="0" g="0" b="0"/>
+        </a:fillRef>
+        <a:effectRef idx="0">
+          <a:scrgbClr r="0" g="0" b="0"/>
+        </a:effectRef>
+        <a:fontRef idx="minor"/>
+      </dsp:style>
+      <dsp:txBody>
+        <a:bodyPr spcFirstLastPara="0" vert="horz" wrap="square" lIns="0" tIns="0" rIns="0" bIns="0" numCol="1" spcCol="1270" anchor="t" anchorCtr="0">
+          <a:noAutofit/>
+        </a:bodyPr>
+        <a:lstStyle/>
+        <a:p>
+          <a:pPr marL="0" lvl="0" indent="0" algn="l" defTabSz="889000">
+            <a:lnSpc>
+              <a:spcPct val="100000"/>
+            </a:lnSpc>
+            <a:spcBef>
+              <a:spcPct val="0"/>
+            </a:spcBef>
+            <a:spcAft>
+              <a:spcPct val="35000"/>
+            </a:spcAft>
+            <a:buNone/>
+            <a:defRPr b="1"/>
+          </a:pPr>
+          <a:r>
+            <a:rPr lang="en-US" sz="2000" kern="1200"/>
+            <a:t>We are not Publishing entire lyrical data.</a:t>
+          </a:r>
+        </a:p>
+      </dsp:txBody>
+      <dsp:txXfrm>
+        <a:off x="5635800" y="2366363"/>
+        <a:ext cx="4320000" cy="648000"/>
+      </dsp:txXfrm>
+    </dsp:sp>
+    <dsp:sp modelId="{88DC4327-2DC1-4ADE-AF17-21C6421EEA1B}">
+      <dsp:nvSpPr>
+        <dsp:cNvPr id="0" name=""/>
+        <dsp:cNvSpPr/>
+      </dsp:nvSpPr>
+      <dsp:spPr>
+        <a:xfrm>
+          <a:off x="5635800" y="3072188"/>
+          <a:ext cx="4320000" cy="549110"/>
+        </a:xfrm>
+        <a:prstGeom prst="rect">
+          <a:avLst/>
+        </a:prstGeom>
+        <a:noFill/>
+        <a:ln>
+          <a:noFill/>
+        </a:ln>
+        <a:effectLst/>
+      </dsp:spPr>
+      <dsp:style>
+        <a:lnRef idx="0">
+          <a:scrgbClr r="0" g="0" b="0"/>
+        </a:lnRef>
+        <a:fillRef idx="0">
+          <a:scrgbClr r="0" g="0" b="0"/>
+        </a:fillRef>
+        <a:effectRef idx="0">
+          <a:scrgbClr r="0" g="0" b="0"/>
+        </a:effectRef>
+        <a:fontRef idx="minor"/>
+      </dsp:style>
+      <dsp:txBody>
+        <a:bodyPr spcFirstLastPara="0" vert="horz" wrap="square" lIns="0" tIns="0" rIns="0" bIns="0" numCol="1" spcCol="1270" anchor="t" anchorCtr="0">
+          <a:noAutofit/>
+        </a:bodyPr>
+        <a:lstStyle/>
+        <a:p>
+          <a:pPr marL="0" lvl="0" indent="0" algn="l" defTabSz="666750">
+            <a:lnSpc>
+              <a:spcPct val="100000"/>
+            </a:lnSpc>
+            <a:spcBef>
+              <a:spcPct val="0"/>
+            </a:spcBef>
+            <a:spcAft>
+              <a:spcPct val="35000"/>
+            </a:spcAft>
+            <a:buNone/>
+          </a:pPr>
+          <a:r>
+            <a:rPr lang="en-US" sz="1500" kern="1200"/>
+            <a:t>Word counts vs. Copyrighted Lyrics</a:t>
+          </a:r>
+        </a:p>
+      </dsp:txBody>
+      <dsp:txXfrm>
+        <a:off x="5635800" y="3072188"/>
+        <a:ext cx="4320000" cy="549110"/>
+      </dsp:txXfrm>
+    </dsp:sp>
+  </dsp:spTree>
+</dsp:drawing>
+</file>
+
+<file path=ppt/diagrams/layout1.xml><?xml version="1.0" encoding="utf-8"?>
+<dgm:layoutDef xmlns:dgm="http://schemas.openxmlformats.org/drawingml/2006/diagram" xmlns:a="http://schemas.openxmlformats.org/drawingml/2006/main" uniqueId="urn:microsoft.com/office/officeart/2018/2/layout/IconLabelDescriptionList">
+  <dgm:title val="Icon Label Description List"/>
+  <dgm:desc val="Use to show non-sequential or grouped chunks of information. The placeholder holds an icon or small picture, and corresponding text boxes show Level 1 and Level 2 text respectively. Works well for minimal Level 1 text accompanied by lengthier Level two text."/>
+  <dgm:catLst>
+    <dgm:cat type="icon" pri="500"/>
+  </dgm:catLst>
+  <dgm:sampData useDef="1">
+    <dgm:dataModel>
+      <dgm:ptLst/>
+      <dgm:bg/>
+      <dgm:whole/>
+    </dgm:dataModel>
+  </dgm:sampData>
+  <dgm:styleData useDef="1">
+    <dgm:dataModel>
+      <dgm:ptLst/>
+      <dgm:bg/>
+      <dgm:whole/>
+    </dgm:dataModel>
+  </dgm:styleData>
+  <dgm:clrData useDef="1">
+    <dgm:dataModel>
+      <dgm:ptLst/>
+      <dgm:bg/>
+      <dgm:whole/>
+    </dgm:dataModel>
+  </dgm:clrData>
+  <dgm:layoutNode name="root">
+    <dgm:varLst>
+      <dgm:dir/>
+      <dgm:resizeHandles val="exact"/>
+    </dgm:varLst>
+    <dgm:choose name="Name0">
+      <dgm:if name="Name1" axis="self" func="var" arg="dir" op="equ" val="norm">
+        <dgm:alg type="lin"/>
+      </dgm:if>
+      <dgm:else name="Name2">
+        <dgm:alg type="lin">
+          <dgm:param type="linDir" val="fromR"/>
+        </dgm:alg>
+      </dgm:else>
+    </dgm:choose>
+    <dgm:shape xmlns:r="http://schemas.openxmlformats.org/officeDocument/2006/relationships" r:blip="">
+      <dgm:adjLst/>
+    </dgm:shape>
+    <dgm:presOf/>
+    <dgm:constrLst>
+      <dgm:constr type="h" for="ch" forName="compNode" refType="h" fact="0.45"/>
+      <dgm:constr type="w" for="ch" forName="compNode" val="120"/>
+      <dgm:constr type="w" for="ch" forName="sibTrans" refType="w" refFor="ch" refForName="compNode" fact="0.175"/>
+      <dgm:constr type="primFontSz" for="des" forName="parTx" val="36"/>
+      <dgm:constr type="primFontSz" for="des" forName="desTx" refType="primFontSz" refFor="des" refForName="parTx" op="lte" fact="0.75"/>
+      <dgm:constr type="h" for="des" forName="compNode" op="equ"/>
+      <dgm:constr type="h" for="des" forName="iconRect" op="equ"/>
+      <dgm:constr type="w" for="des" forName="iconRect" op="equ"/>
+      <dgm:constr type="h" for="des" forName="iconSpace" op="equ"/>
+      <dgm:constr type="h" for="des" forName="parTx" op="equ"/>
+      <dgm:constr type="h" for="des" forName="txSpace" op="equ"/>
+      <dgm:constr type="h" for="des" forName="desTx" op="equ"/>
+    </dgm:constrLst>
+    <dgm:ruleLst>
+      <dgm:rule type="w" for="ch" forName="compNode" val="0" fact="NaN" max="NaN"/>
+    </dgm:ruleLst>
+    <dgm:forEach name="Name3" axis="ch" ptType="node">
+      <dgm:layoutNode name="compNode">
+        <dgm:alg type="composite"/>
+        <dgm:shape xmlns:r="http://schemas.openxmlformats.org/officeDocument/2006/relationships" r:blip="">
+          <dgm:adjLst/>
+        </dgm:shape>
+        <dgm:presOf axis="self"/>
+        <dgm:constrLst>
+          <dgm:constr type="w" for="ch" forName="iconRect" refType="w" fact="0.35"/>
+          <dgm:constr type="h" for="ch" forName="iconRect" refType="w" refFor="ch" refForName="iconRect"/>
+          <dgm:constr type="l" for="ch" forName="iconRect"/>
+          <dgm:constr type="t" for="ch" forName="iconRect"/>
+          <dgm:constr type="w" for="ch" forName="iconSpace" refType="w"/>
+          <dgm:constr type="h" for="ch" forName="iconSpace" refType="h" fact="0.043"/>
+          <dgm:constr type="l" for="ch" forName="iconSpace"/>
+          <dgm:constr type="t" for="ch" forName="iconSpace" refType="b" refFor="ch" refForName="iconRect"/>
+          <dgm:constr type="w" for="ch" forName="parTx" refType="w"/>
+          <dgm:constr type="h" for="ch" forName="parTx" refType="w" fact="0.15"/>
+          <dgm:constr type="l" for="ch" forName="parTx"/>
+          <dgm:constr type="t" for="ch" forName="parTx" refType="b" refFor="ch" refForName="iconSpace"/>
+          <dgm:constr type="h" for="ch" forName="txSpace" refType="h" fact="0.02"/>
+          <dgm:constr type="w" for="ch" forName="txSpace" refType="w"/>
+          <dgm:constr type="l" for="ch" forName="txSpace"/>
+          <dgm:constr type="t" for="ch" forName="txSpace" refType="b" refFor="ch" refForName="parTx"/>
+          <dgm:constr type="w" for="ch" forName="desTx" refType="w"/>
+          <dgm:constr type="l" for="ch" forName="desTx"/>
+          <dgm:constr type="t" for="ch" forName="desTx" refType="b" refFor="ch" refForName="txSpace"/>
+        </dgm:constrLst>
+        <dgm:ruleLst>
+          <dgm:rule type="h" val="INF" fact="NaN" max="NaN"/>
+        </dgm:ruleLst>
+        <dgm:layoutNode name="iconRect" styleLbl="node1">
+          <dgm:alg type="sp"/>
+          <dgm:shape xmlns:r="http://schemas.openxmlformats.org/officeDocument/2006/relationships" type="rect" r:blip="" blipPhldr="1">
+            <dgm:adjLst/>
+          </dgm:shape>
+          <dgm:presOf/>
+          <dgm:constrLst/>
+          <dgm:ruleLst/>
+        </dgm:layoutNode>
+        <dgm:layoutNode name="iconSpace">
+          <dgm:alg type="sp"/>
+          <dgm:shape xmlns:r="http://schemas.openxmlformats.org/officeDocument/2006/relationships" r:blip="">
+            <dgm:adjLst/>
+          </dgm:shape>
+          <dgm:presOf/>
+          <dgm:constrLst/>
+          <dgm:ruleLst/>
+        </dgm:layoutNode>
+        <dgm:layoutNode name="parTx" styleLbl="revTx">
+          <dgm:varLst>
+            <dgm:chMax val="0"/>
+            <dgm:chPref val="0"/>
+          </dgm:varLst>
+          <dgm:alg type="tx">
+            <dgm:param type="txAnchorVert" val="t"/>
+            <dgm:param type="parTxLTRAlign" val="l"/>
+            <dgm:param type="shpTxLTRAlignCh" val="l"/>
+            <dgm:param type="parTxRTLAlign" val="r"/>
+            <dgm:param type="shpTxRTLAlignCh" val="r"/>
+          </dgm:alg>
+          <dgm:shape xmlns:r="http://schemas.openxmlformats.org/officeDocument/2006/relationships" type="rect" r:blip="">
+            <dgm:adjLst/>
+          </dgm:shape>
+          <dgm:presOf axis="self" ptType="node"/>
+          <dgm:constrLst>
+            <dgm:constr type="lMarg"/>
+            <dgm:constr type="rMarg"/>
+            <dgm:constr type="tMarg"/>
+            <dgm:constr type="bMarg"/>
+          </dgm:constrLst>
+          <dgm:ruleLst>
+            <dgm:rule type="primFontSz" val="14" fact="NaN" max="NaN"/>
+            <dgm:rule type="h" val="INF" fact="NaN" max="NaN"/>
+          </dgm:ruleLst>
+        </dgm:layoutNode>
+        <dgm:layoutNode name="txSpace">
+          <dgm:alg type="sp"/>
+          <dgm:shape xmlns:r="http://schemas.openxmlformats.org/officeDocument/2006/relationships" r:blip="">
+            <dgm:adjLst/>
+          </dgm:shape>
+          <dgm:presOf/>
+          <dgm:constrLst/>
+          <dgm:ruleLst/>
+        </dgm:layoutNode>
+        <dgm:layoutNode name="desTx" styleLbl="revTx">
+          <dgm:varLst/>
+          <dgm:alg type="tx">
+            <dgm:param type="stBulletLvl" val="0"/>
+            <dgm:param type="txAnchorVert" val="t"/>
+            <dgm:param type="parTxLTRAlign" val="l"/>
+            <dgm:param type="shpTxLTRAlignCh" val="l"/>
+            <dgm:param type="parTxRTLAlign" val="r"/>
+            <dgm:param type="shpTxRTLAlignCh" val="r"/>
+          </dgm:alg>
+          <dgm:shape xmlns:r="http://schemas.openxmlformats.org/officeDocument/2006/relationships" type="rect" r:blip="">
+            <dgm:adjLst/>
+          </dgm:shape>
+          <dgm:presOf axis="des" ptType="node"/>
+          <dgm:constrLst>
+            <dgm:constr type="secFontSz" refType="primFontSz"/>
+            <dgm:constr type="lMarg"/>
+            <dgm:constr type="rMarg"/>
+            <dgm:constr type="tMarg"/>
+            <dgm:constr type="bMarg"/>
+          </dgm:constrLst>
+          <dgm:ruleLst>
+            <dgm:rule type="primFontSz" val="NaN" fact="NaN" max="17"/>
+            <dgm:rule type="h" val="INF" fact="NaN" max="NaN"/>
+          </dgm:ruleLst>
+        </dgm:layoutNode>
+      </dgm:layoutNode>
+      <dgm:forEach name="Name4" axis="followSib" ptType="sibTrans" cnt="1">
+        <dgm:layoutNode name="sibTrans">
+          <dgm:alg type="sp"/>
+          <dgm:shape xmlns:r="http://schemas.openxmlformats.org/officeDocument/2006/relationships" r:blip="">
+            <dgm:adjLst/>
+          </dgm:shape>
+          <dgm:presOf axis="self"/>
+          <dgm:constrLst/>
+          <dgm:ruleLst/>
+        </dgm:layoutNode>
+      </dgm:forEach>
+    </dgm:forEach>
+  </dgm:layoutNode>
+  <dgm:extLst>
+    <a:ext uri="{68A01E43-0DF5-4B5B-8FA6-DAF915123BFB}">
+      <dgm1612:lstStyle xmlns:dgm1612="http://schemas.microsoft.com/office/drawing/2016/12/diagram">
+        <a:lvl1pPr>
+          <a:lnSpc>
+            <a:spcPct val="100000"/>
+          </a:lnSpc>
+          <a:defRPr b="1"/>
+        </a:lvl1pPr>
+        <a:lvl2pPr>
+          <a:lnSpc>
+            <a:spcPct val="100000"/>
+          </a:lnSpc>
+        </a:lvl2pPr>
+      </dgm1612:lstStyle>
+    </a:ext>
+  </dgm:extLst>
+</dgm:layoutDef>
+</file>
+
+<file path=ppt/diagrams/quickStyle1.xml><?xml version="1.0" encoding="utf-8"?>
+<dgm:styleDef xmlns:dgm="http://schemas.openxmlformats.org/drawingml/2006/diagram" xmlns:a="http://schemas.openxmlformats.org/drawingml/2006/main" uniqueId="urn:microsoft.com/office/officeart/2005/8/quickstyle/simple1">
+  <dgm:title val=""/>
+  <dgm:desc val=""/>
+  <dgm:catLst>
+    <dgm:cat type="simple" pri="10100"/>
+  </dgm:catLst>
+  <dgm:scene3d>
+    <a:camera prst="orthographicFront"/>
+    <a:lightRig rig="threePt" dir="t"/>
+  </dgm:scene3d>
+  <dgm:styleLbl name="node0">
+    <dgm:scene3d>
+      <a:camera prst="orthographicFront"/>
+      <a:lightRig rig="threePt" dir="t"/>
+    </dgm:scene3d>
+    <dgm:sp3d/>
+    <dgm:txPr/>
+    <dgm:style>
+      <a:lnRef idx="2">
+        <a:scrgbClr r="0" g="0" b="0"/>
+      </a:lnRef>
+      <a:fillRef idx="1">
+        <a:scrgbClr r="0" g="0" b="0"/>
+      </a:fillRef>
+      <a:effectRef idx="0">
+        <a:scrgbClr r="0" g="0" b="0"/>
+      </a:effectRef>
+      <a:fontRef idx="minor">
+        <a:schemeClr val="lt1"/>
+      </a:fontRef>
+    </dgm:style>
+  </dgm:styleLbl>
+  <dgm:styleLbl name="lnNode1">
+    <dgm:scene3d>
+      <a:camera prst="orthographicFront"/>
+      <a:lightRig rig="threePt" dir="t"/>
+    </dgm:scene3d>
+    <dgm:sp3d/>
+    <dgm:txPr/>
+    <dgm:style>
+      <a:lnRef idx="2">
+        <a:scrgbClr r="0" g="0" b="0"/>
+      </a:lnRef>
+      <a:fillRef idx="1">
+        <a:scrgbClr r="0" g="0" b="0"/>
+      </a:fillRef>
+      <a:effectRef idx="0">
+        <a:scrgbClr r="0" g="0" b="0"/>
+      </a:effectRef>
+      <a:fontRef idx="minor">
+        <a:schemeClr val="lt1"/>
+      </a:fontRef>
+    </dgm:style>
+  </dgm:styleLbl>
+  <dgm:styleLbl name="vennNode1">
+    <dgm:scene3d>
+      <a:camera prst="orthographicFront"/>
+      <a:lightRig rig="threePt" dir="t"/>
+    </dgm:scene3d>
+    <dgm:sp3d/>
+    <dgm:txPr/>
+    <dgm:style>
+      <a:lnRef idx="2">
+        <a:scrgbClr r="0" g="0" b="0"/>
+      </a:lnRef>
+      <a:fillRef idx="1">
+        <a:scrgbClr r="0" g="0" b="0"/>
+      </a:fillRef>
+      <a:effectRef idx="0">
+        <a:scrgbClr r="0" g="0" b="0"/>
+      </a:effectRef>
+      <a:fontRef idx="minor">
+        <a:schemeClr val="tx1"/>
+      </a:fontRef>
+    </dgm:style>
+  </dgm:styleLbl>
+  <dgm:styleLbl name="alignNode1">
+    <dgm:scene3d>
+      <a:camera prst="orthographicFront"/>
+      <a:lightRig rig="threePt" dir="t"/>
+    </dgm:scene3d>
+    <dgm:sp3d/>
+    <dgm:txPr/>
+    <dgm:style>
+      <a:lnRef idx="2">
+        <a:scrgbClr r="0" g="0" b="0"/>
+      </a:lnRef>
+      <a:fillRef idx="1">
+        <a:scrgbClr r="0" g="0" b="0"/>
+      </a:fillRef>
+      <a:effectRef idx="0">
+        <a:scrgbClr r="0" g="0" b="0"/>
+      </a:effectRef>
+      <a:fontRef idx="minor">
+        <a:schemeClr val="lt1"/>
+      </a:fontRef>
+    </dgm:style>
+  </dgm:styleLbl>
+  <dgm:styleLbl name="node1">
+    <dgm:scene3d>
+      <a:camera prst="orthographicFront"/>
+      <a:lightRig rig="threePt" dir="t"/>
+    </dgm:scene3d>
+    <dgm:sp3d/>
+    <dgm:txPr/>
+    <dgm:style>
+      <a:lnRef idx="2">
+        <a:scrgbClr r="0" g="0" b="0"/>
+      </a:lnRef>
+      <a:fillRef idx="1">
+        <a:scrgbClr r="0" g="0" b="0"/>
+      </a:fillRef>
+      <a:effectRef idx="0">
+        <a:scrgbClr r="0" g="0" b="0"/>
+      </a:effectRef>
+      <a:fontRef idx="minor">
+        <a:schemeClr val="lt1"/>
+      </a:fontRef>
+    </dgm:style>
+  </dgm:styleLbl>
+  <dgm:styleLbl name="node2">
+    <dgm:scene3d>
+      <a:camera prst="orthographicFront"/>
+      <a:lightRig rig="threePt" dir="t"/>
+    </dgm:scene3d>
+    <dgm:sp3d/>
+    <dgm:txPr/>
+    <dgm:style>
+      <a:lnRef idx="2">
+        <a:scrgbClr r="0" g="0" b="0"/>
+      </a:lnRef>
+      <a:fillRef idx="1">
+        <a:scrgbClr r="0" g="0" b="0"/>
+      </a:fillRef>
+      <a:effectRef idx="0">
+        <a:scrgbClr r="0" g="0" b="0"/>
+      </a:effectRef>
+      <a:fontRef idx="minor">
+        <a:schemeClr val="lt1"/>
+      </a:fontRef>
+    </dgm:style>
+  </dgm:styleLbl>
+  <dgm:styleLbl name="node3">
+    <dgm:scene3d>
+      <a:camera prst="orthographicFront"/>
+      <a:lightRig rig="threePt" dir="t"/>
+    </dgm:scene3d>
+    <dgm:sp3d/>
+    <dgm:txPr/>
+    <dgm:style>
+      <a:lnRef idx="2">
+        <a:scrgbClr r="0" g="0" b="0"/>
+      </a:lnRef>
+      <a:fillRef idx="1">
+        <a:scrgbClr r="0" g="0" b="0"/>
+      </a:fillRef>
+      <a:effectRef idx="0">
+        <a:scrgbClr r="0" g="0" b="0"/>
+      </a:effectRef>
+      <a:fontRef idx="minor">
+        <a:schemeClr val="lt1"/>
+      </a:fontRef>
+    </dgm:style>
+  </dgm:styleLbl>
+  <dgm:styleLbl name="node4">
+    <dgm:scene3d>
+      <a:camera prst="orthographicFront"/>
+      <a:lightRig rig="threePt" dir="t"/>
+    </dgm:scene3d>
+    <dgm:sp3d/>
+    <dgm:txPr/>
+    <dgm:style>
+      <a:lnRef idx="2">
+        <a:scrgbClr r="0" g="0" b="0"/>
+      </a:lnRef>
+      <a:fillRef idx="1">
+        <a:scrgbClr r="0" g="0" b="0"/>
+      </a:fillRef>
+      <a:effectRef idx="0">
+        <a:scrgbClr r="0" g="0" b="0"/>
+      </a:effectRef>
+      <a:fontRef idx="minor">
+        <a:schemeClr val="lt1"/>
+      </a:fontRef>
+    </dgm:style>
+  </dgm:styleLbl>
+  <dgm:styleLbl name="fgImgPlace1">
+    <dgm:scene3d>
+      <a:camera prst="orthographicFront"/>
+      <a:lightRig rig="threePt" dir="t"/>
+    </dgm:scene3d>
+    <dgm:sp3d/>
+    <dgm:txPr/>
+    <dgm:style>
+      <a:lnRef idx="2">
+        <a:scrgbClr r="0" g="0" b="0"/>
+      </a:lnRef>
+      <a:fillRef idx="1">
+        <a:scrgbClr r="0" g="0" b="0"/>
+      </a:fillRef>
+      <a:effectRef idx="0">
+        <a:scrgbClr r="0" g="0" b="0"/>
+      </a:effectRef>
+      <a:fontRef idx="minor"/>
+    </dgm:style>
+  </dgm:styleLbl>
+  <dgm:styleLbl name="alignImgPlace1">
+    <dgm:scene3d>
+      <a:camera prst="orthographicFront"/>
+      <a:lightRig rig="threePt" dir="t"/>
+    </dgm:scene3d>
+    <dgm:sp3d/>
+    <dgm:txPr/>
+    <dgm:style>
+      <a:lnRef idx="2">
+        <a:scrgbClr r="0" g="0" b="0"/>
+      </a:lnRef>
+      <a:fillRef idx="1">
+        <a:scrgbClr r="0" g="0" b="0"/>
+      </a:fillRef>
+      <a:effectRef idx="0">
+        <a:scrgbClr r="0" g="0" b="0"/>
+      </a:effectRef>
+      <a:fontRef idx="minor"/>
+    </dgm:style>
+  </dgm:styleLbl>
+  <dgm:styleLbl name="bgImgPlace1">
+    <dgm:scene3d>
+      <a:camera prst="orthographicFront"/>
+      <a:lightRig rig="threePt" dir="t"/>
+    </dgm:scene3d>
+    <dgm:sp3d/>
+    <dgm:txPr/>
+    <dgm:style>
+      <a:lnRef idx="2">
+        <a:scrgbClr r="0" g="0" b="0"/>
+      </a:lnRef>
+      <a:fillRef idx="1">
+        <a:scrgbClr r="0" g="0" b="0"/>
+      </a:fillRef>
+      <a:effectRef idx="0">
+        <a:scrgbClr r="0" g="0" b="0"/>
+      </a:effectRef>
+      <a:fontRef idx="minor"/>
+    </dgm:style>
+  </dgm:styleLbl>
+  <dgm:styleLbl name="sibTrans2D1">
+    <dgm:scene3d>
+      <a:camera prst="orthographicFront"/>
+      <a:lightRig rig="threePt" dir="t"/>
+    </dgm:scene3d>
+    <dgm:sp3d/>
+    <dgm:txPr/>
+    <dgm:style>
+      <a:lnRef idx="0">
+        <a:scrgbClr r="0" g="0" b="0"/>
+      </a:lnRef>
+      <a:fillRef idx="1">
+        <a:scrgbClr r="0" g="0" b="0"/>
+      </a:fillRef>
+      <a:effectRef idx="0">
+        <a:scrgbClr r="0" g="0" b="0"/>
+      </a:effectRef>
+      <a:fontRef idx="minor">
+        <a:schemeClr val="lt1"/>
+      </a:fontRef>
+    </dgm:style>
+  </dgm:styleLbl>
+  <dgm:styleLbl name="fgSibTrans2D1">
+    <dgm:scene3d>
+      <a:camera prst="orthographicFront"/>
+      <a:lightRig rig="threePt" dir="t"/>
+    </dgm:scene3d>
+    <dgm:sp3d/>
+    <dgm:txPr/>
+    <dgm:style>
+      <a:lnRef idx="0">
+        <a:scrgbClr r="0" g="0" b="0"/>
+      </a:lnRef>
+      <a:fillRef idx="1">
+        <a:scrgbClr r="0" g="0" b="0"/>
+      </a:fillRef>
+      <a:effectRef idx="0">
+        <a:scrgbClr r="0" g="0" b="0"/>
+      </a:effectRef>
+      <a:fontRef idx="minor">
+        <a:schemeClr val="lt1"/>
+      </a:fontRef>
+    </dgm:style>
+  </dgm:styleLbl>
+  <dgm:styleLbl name="bgSibTrans2D1">
+    <dgm:scene3d>
+      <a:camera prst="orthographicFront"/>
+      <a:lightRig rig="threePt" dir="t"/>
+    </dgm:scene3d>
+    <dgm:sp3d/>
+    <dgm:txPr/>
+    <dgm:style>
+      <a:lnRef idx="0">
+        <a:scrgbClr r="0" g="0" b="0"/>
+      </a:lnRef>
+      <a:fillRef idx="1">
+        <a:scrgbClr r="0" g="0" b="0"/>
+      </a:fillRef>
+      <a:effectRef idx="0">
+        <a:scrgbClr r="0" g="0" b="0"/>
+      </a:effectRef>
+      <a:fontRef idx="minor">
+        <a:schemeClr val="lt1"/>
+      </a:fontRef>
+    </dgm:style>
+  </dgm:styleLbl>
+  <dgm:styleLbl name="sibTrans1D1">
+    <dgm:scene3d>
+      <a:camera prst="orthographicFront"/>
+      <a:lightRig rig="threePt" dir="t"/>
+    </dgm:scene3d>
+    <dgm:sp3d/>
+    <dgm:txPr/>
+    <dgm:style>
+      <a:lnRef idx="1">
+        <a:scrgbClr r="0" g="0" b="0"/>
+      </a:lnRef>
+      <a:fillRef idx="0">
+        <a:scrgbClr r="0" g="0" b="0"/>
+      </a:fillRef>
+      <a:effectRef idx="0">
+        <a:scrgbClr r="0" g="0" b="0"/>
+      </a:effectRef>
+      <a:fontRef idx="minor"/>
+    </dgm:style>
+  </dgm:styleLbl>
+  <dgm:styleLbl name="callout">
+    <dgm:scene3d>
+      <a:camera prst="orthographicFront"/>
+      <a:lightRig rig="threePt" dir="t"/>
+    </dgm:scene3d>
+    <dgm:sp3d/>
+    <dgm:txPr/>
+    <dgm:style>
+      <a:lnRef idx="2">
+        <a:scrgbClr r="0" g="0" b="0"/>
+      </a:lnRef>
+      <a:fillRef idx="1">
+        <a:scrgbClr r="0" g="0" b="0"/>
+      </a:fillRef>
+      <a:effectRef idx="0">
+        <a:scrgbClr r="0" g="0" b="0"/>
+      </a:effectRef>
+      <a:fontRef idx="minor"/>
+    </dgm:style>
+  </dgm:styleLbl>
+  <dgm:styleLbl name="asst0">
+    <dgm:scene3d>
+      <a:camera prst="orthographicFront"/>
+      <a:lightRig rig="threePt" dir="t"/>
+    </dgm:scene3d>
+    <dgm:sp3d/>
+    <dgm:txPr/>
+    <dgm:style>
+      <a:lnRef idx="2">
+        <a:scrgbClr r="0" g="0" b="0"/>
+      </a:lnRef>
+      <a:fillRef idx="1">
+        <a:scrgbClr r="0" g="0" b="0"/>
+      </a:fillRef>
+      <a:effectRef idx="0">
+        <a:scrgbClr r="0" g="0" b="0"/>
+      </a:effectRef>
+      <a:fontRef idx="minor">
+        <a:schemeClr val="lt1"/>
+      </a:fontRef>
+    </dgm:style>
+  </dgm:styleLbl>
+  <dgm:styleLbl name="asst1">
+    <dgm:scene3d>
+      <a:camera prst="orthographicFront"/>
+      <a:lightRig rig="threePt" dir="t"/>
+    </dgm:scene3d>
+    <dgm:sp3d/>
+    <dgm:txPr/>
+    <dgm:style>
+      <a:lnRef idx="2">
+        <a:scrgbClr r="0" g="0" b="0"/>
+      </a:lnRef>
+      <a:fillRef idx="1">
+        <a:scrgbClr r="0" g="0" b="0"/>
+      </a:fillRef>
+      <a:effectRef idx="0">
+        <a:scrgbClr r="0" g="0" b="0"/>
+      </a:effectRef>
+      <a:fontRef idx="minor">
+        <a:schemeClr val="lt1"/>
+      </a:fontRef>
+    </dgm:style>
+  </dgm:styleLbl>
+  <dgm:styleLbl name="asst2">
+    <dgm:scene3d>
+      <a:camera prst="orthographicFront"/>
+      <a:lightRig rig="threePt" dir="t"/>
+    </dgm:scene3d>
+    <dgm:sp3d/>
+    <dgm:txPr/>
+    <dgm:style>
+      <a:lnRef idx="2">
+        <a:scrgbClr r="0" g="0" b="0"/>
+      </a:lnRef>
+      <a:fillRef idx="1">
+        <a:scrgbClr r="0" g="0" b="0"/>
+      </a:fillRef>
+      <a:effectRef idx="0">
+        <a:scrgbClr r="0" g="0" b="0"/>
+      </a:effectRef>
+      <a:fontRef idx="minor">
+        <a:schemeClr val="lt1"/>
+      </a:fontRef>
+    </dgm:style>
+  </dgm:styleLbl>
+  <dgm:styleLbl name="asst3">
+    <dgm:scene3d>
+      <a:camera prst="orthographicFront"/>
+      <a:lightRig rig="threePt" dir="t"/>
+    </dgm:scene3d>
+    <dgm:sp3d/>
+    <dgm:txPr/>
+    <dgm:style>
+      <a:lnRef idx="2">
+        <a:scrgbClr r="0" g="0" b="0"/>
+      </a:lnRef>
+      <a:fillRef idx="1">
+        <a:scrgbClr r="0" g="0" b="0"/>
+      </a:fillRef>
+      <a:effectRef idx="0">
+        <a:scrgbClr r="0" g="0" b="0"/>
+      </a:effectRef>
+      <a:fontRef idx="minor">
+        <a:schemeClr val="lt1"/>
+      </a:fontRef>
+    </dgm:style>
+  </dgm:styleLbl>
+  <dgm:styleLbl name="asst4">
+    <dgm:scene3d>
+      <a:camera prst="orthographicFront"/>
+      <a:lightRig rig="threePt" dir="t"/>
+    </dgm:scene3d>
+    <dgm:sp3d/>
+    <dgm:txPr/>
+    <dgm:style>
+      <a:lnRef idx="2">
+        <a:scrgbClr r="0" g="0" b="0"/>
+      </a:lnRef>
+      <a:fillRef idx="1">
+        <a:scrgbClr r="0" g="0" b="0"/>
+      </a:fillRef>
+      <a:effectRef idx="0">
+        <a:scrgbClr r="0" g="0" b="0"/>
+      </a:effectRef>
+      <a:fontRef idx="minor">
+        <a:schemeClr val="lt1"/>
+      </a:fontRef>
+    </dgm:style>
+  </dgm:styleLbl>
+  <dgm:styleLbl name="parChTrans2D1">
+    <dgm:scene3d>
+      <a:camera prst="orthographicFront"/>
+      <a:lightRig rig="threePt" dir="t"/>
+    </dgm:scene3d>
+    <dgm:sp3d/>
+    <dgm:txPr/>
+    <dgm:style>
+      <a:lnRef idx="2">
+        <a:scrgbClr r="0" g="0" b="0"/>
+      </a:lnRef>
+      <a:fillRef idx="1">
+        <a:scrgbClr r="0" g="0" b="0"/>
+      </a:fillRef>
+      <a:effectRef idx="0">
+        <a:scrgbClr r="0" g="0" b="0"/>
+      </a:effectRef>
+      <a:fontRef idx="minor">
+        <a:schemeClr val="lt1"/>
+      </a:fontRef>
+    </dgm:style>
+  </dgm:styleLbl>
+  <dgm:styleLbl name="parChTrans2D2">
+    <dgm:scene3d>
+      <a:camera prst="orthographicFront"/>
+      <a:lightRig rig="threePt" dir="t"/>
+    </dgm:scene3d>
+    <dgm:sp3d/>
+    <dgm:txPr/>
+    <dgm:style>
+      <a:lnRef idx="2">
+        <a:scrgbClr r="0" g="0" b="0"/>
+      </a:lnRef>
+      <a:fillRef idx="1">
+        <a:scrgbClr r="0" g="0" b="0"/>
+      </a:fillRef>
+      <a:effectRef idx="0">
+        <a:scrgbClr r="0" g="0" b="0"/>
+      </a:effectRef>
+      <a:fontRef idx="minor">
+        <a:schemeClr val="lt1"/>
+      </a:fontRef>
+    </dgm:style>
+  </dgm:styleLbl>
+  <dgm:styleLbl name="parChTrans2D3">
+    <dgm:scene3d>
+      <a:camera prst="orthographicFront"/>
+      <a:lightRig rig="threePt" dir="t"/>
+    </dgm:scene3d>
+    <dgm:sp3d/>
+    <dgm:txPr/>
+    <dgm:style>
+      <a:lnRef idx="2">
+        <a:scrgbClr r="0" g="0" b="0"/>
+      </a:lnRef>
+      <a:fillRef idx="1">
+        <a:scrgbClr r="0" g="0" b="0"/>
+      </a:fillRef>
+      <a:effectRef idx="0">
+        <a:scrgbClr r="0" g="0" b="0"/>
+      </a:effectRef>
+      <a:fontRef idx="minor">
+        <a:schemeClr val="lt1"/>
+      </a:fontRef>
+    </dgm:style>
+  </dgm:styleLbl>
+  <dgm:styleLbl name="parChTrans2D4">
+    <dgm:scene3d>
+      <a:camera prst="orthographicFront"/>
+      <a:lightRig rig="threePt" dir="t"/>
+    </dgm:scene3d>
+    <dgm:sp3d/>
+    <dgm:txPr/>
+    <dgm:style>
+      <a:lnRef idx="2">
+        <a:scrgbClr r="0" g="0" b="0"/>
+      </a:lnRef>
+      <a:fillRef idx="1">
+        <a:scrgbClr r="0" g="0" b="0"/>
+      </a:fillRef>
+      <a:effectRef idx="0">
+        <a:scrgbClr r="0" g="0" b="0"/>
+      </a:effectRef>
+      <a:fontRef idx="minor">
+        <a:schemeClr val="lt1"/>
+      </a:fontRef>
+    </dgm:style>
+  </dgm:styleLbl>
+  <dgm:styleLbl name="parChTrans1D1">
+    <dgm:scene3d>
+      <a:camera prst="orthographicFront"/>
+      <a:lightRig rig="threePt" dir="t"/>
+    </dgm:scene3d>
+    <dgm:sp3d/>
+    <dgm:txPr/>
+    <dgm:style>
+      <a:lnRef idx="2">
+        <a:scrgbClr r="0" g="0" b="0"/>
+      </a:lnRef>
+      <a:fillRef idx="0">
+        <a:scrgbClr r="0" g="0" b="0"/>
+      </a:fillRef>
+      <a:effectRef idx="0">
+        <a:scrgbClr r="0" g="0" b="0"/>
+      </a:effectRef>
+      <a:fontRef idx="minor"/>
+    </dgm:style>
+  </dgm:styleLbl>
+  <dgm:styleLbl name="parChTrans1D2">
+    <dgm:scene3d>
+      <a:camera prst="orthographicFront"/>
+      <a:lightRig rig="threePt" dir="t"/>
+    </dgm:scene3d>
+    <dgm:sp3d/>
+    <dgm:txPr/>
+    <dgm:style>
+      <a:lnRef idx="2">
+        <a:scrgbClr r="0" g="0" b="0"/>
+      </a:lnRef>
+      <a:fillRef idx="0">
+        <a:scrgbClr r="0" g="0" b="0"/>
+      </a:fillRef>
+      <a:effectRef idx="0">
+        <a:scrgbClr r="0" g="0" b="0"/>
+      </a:effectRef>
+      <a:fontRef idx="minor"/>
+    </dgm:style>
+  </dgm:styleLbl>
+  <dgm:styleLbl name="parChTrans1D3">
+    <dgm:scene3d>
+      <a:camera prst="orthographicFront"/>
+      <a:lightRig rig="threePt" dir="t"/>
+    </dgm:scene3d>
+    <dgm:sp3d/>
+    <dgm:txPr/>
+    <dgm:style>
+      <a:lnRef idx="2">
+        <a:scrgbClr r="0" g="0" b="0"/>
+      </a:lnRef>
+      <a:fillRef idx="0">
+        <a:scrgbClr r="0" g="0" b="0"/>
+      </a:fillRef>
+      <a:effectRef idx="0">
+        <a:scrgbClr r="0" g="0" b="0"/>
+      </a:effectRef>
+      <a:fontRef idx="minor"/>
+    </dgm:style>
+  </dgm:styleLbl>
+  <dgm:styleLbl name="parChTrans1D4">
+    <dgm:scene3d>
+      <a:camera prst="orthographicFront"/>
+      <a:lightRig rig="threePt" dir="t"/>
+    </dgm:scene3d>
+    <dgm:sp3d/>
+    <dgm:txPr/>
+    <dgm:style>
+      <a:lnRef idx="2">
+        <a:scrgbClr r="0" g="0" b="0"/>
+      </a:lnRef>
+      <a:fillRef idx="0">
+        <a:scrgbClr r="0" g="0" b="0"/>
+      </a:fillRef>
+      <a:effectRef idx="0">
+        <a:scrgbClr r="0" g="0" b="0"/>
+      </a:effectRef>
+      <a:fontRef idx="minor"/>
+    </dgm:style>
+  </dgm:styleLbl>
+  <dgm:styleLbl name="fgAcc1">
+    <dgm:scene3d>
+      <a:camera prst="orthographicFront"/>
+      <a:lightRig rig="threePt" dir="t"/>
+    </dgm:scene3d>
+    <dgm:sp3d/>
+    <dgm:txPr/>
+    <dgm:style>
+      <a:lnRef idx="2">
+        <a:scrgbClr r="0" g="0" b="0"/>
+      </a:lnRef>
+      <a:fillRef idx="1">
+        <a:scrgbClr r="0" g="0" b="0"/>
+      </a:fillRef>
+      <a:effectRef idx="0">
+        <a:scrgbClr r="0" g="0" b="0"/>
+      </a:effectRef>
+      <a:fontRef idx="minor"/>
+    </dgm:style>
+  </dgm:styleLbl>
+  <dgm:styleLbl name="conFgAcc1">
+    <dgm:scene3d>
+      <a:camera prst="orthographicFront"/>
+      <a:lightRig rig="threePt" dir="t"/>
+    </dgm:scene3d>
+    <dgm:sp3d/>
+    <dgm:txPr/>
+    <dgm:style>
+      <a:lnRef idx="2">
+        <a:scrgbClr r="0" g="0" b="0"/>
+      </a:lnRef>
+      <a:fillRef idx="1">
+        <a:scrgbClr r="0" g="0" b="0"/>
+      </a:fillRef>
+      <a:effectRef idx="0">
+        <a:scrgbClr r="0" g="0" b="0"/>
+      </a:effectRef>
+      <a:fontRef idx="minor"/>
+    </dgm:style>
+  </dgm:styleLbl>
+  <dgm:styleLbl name="alignAcc1">
+    <dgm:scene3d>
+      <a:camera prst="orthographicFront"/>
+      <a:lightRig rig="threePt" dir="t"/>
+    </dgm:scene3d>
+    <dgm:sp3d/>
+    <dgm:txPr/>
+    <dgm:style>
+      <a:lnRef idx="2">
+        <a:scrgbClr r="0" g="0" b="0"/>
+      </a:lnRef>
+      <a:fillRef idx="1">
+        <a:scrgbClr r="0" g="0" b="0"/>
+      </a:fillRef>
+      <a:effectRef idx="0">
+        <a:scrgbClr r="0" g="0" b="0"/>
+      </a:effectRef>
+      <a:fontRef idx="minor"/>
+    </dgm:style>
+  </dgm:styleLbl>
+  <dgm:styleLbl name="trAlignAcc1">
+    <dgm:scene3d>
+      <a:camera prst="orthographicFront"/>
+      <a:lightRig rig="threePt" dir="t"/>
+    </dgm:scene3d>
+    <dgm:sp3d/>
+    <dgm:txPr/>
+    <dgm:style>
+      <a:lnRef idx="1">
+        <a:scrgbClr r="0" g="0" b="0"/>
+      </a:lnRef>
+      <a:fillRef idx="1">
+        <a:scrgbClr r="0" g="0" b="0"/>
+      </a:fillRef>
+      <a:effectRef idx="0">
+        <a:scrgbClr r="0" g="0" b="0"/>
+      </a:effectRef>
+      <a:fontRef idx="minor"/>
+    </dgm:style>
+  </dgm:styleLbl>
+  <dgm:styleLbl name="bgAcc1">
+    <dgm:scene3d>
+      <a:camera prst="orthographicFront"/>
+      <a:lightRig rig="threePt" dir="t"/>
+    </dgm:scene3d>
+    <dgm:sp3d/>
+    <dgm:txPr/>
+    <dgm:style>
+      <a:lnRef idx="2">
+        <a:scrgbClr r="0" g="0" b="0"/>
+      </a:lnRef>
+      <a:fillRef idx="1">
+        <a:scrgbClr r="0" g="0" b="0"/>
+      </a:fillRef>
+      <a:effectRef idx="0">
+        <a:scrgbClr r="0" g="0" b="0"/>
+      </a:effectRef>
+      <a:fontRef idx="minor"/>
+    </dgm:style>
+  </dgm:styleLbl>
+  <dgm:styleLbl name="solidFgAcc1">
+    <dgm:scene3d>
+      <a:camera prst="orthographicFront"/>
+      <a:lightRig rig="threePt" dir="t"/>
+    </dgm:scene3d>
+    <dgm:sp3d/>
+    <dgm:txPr/>
+    <dgm:style>
+      <a:lnRef idx="2">
+        <a:scrgbClr r="0" g="0" b="0"/>
+      </a:lnRef>
+      <a:fillRef idx="1">
+        <a:scrgbClr r="0" g="0" b="0"/>
+      </a:fillRef>
+      <a:effectRef idx="0">
+        <a:scrgbClr r="0" g="0" b="0"/>
+      </a:effectRef>
+      <a:fontRef idx="minor"/>
+    </dgm:style>
+  </dgm:styleLbl>
+  <dgm:styleLbl name="solidAlignAcc1">
+    <dgm:scene3d>
+      <a:camera prst="orthographicFront"/>
+      <a:lightRig rig="threePt" dir="t"/>
+    </dgm:scene3d>
+    <dgm:sp3d/>
+    <dgm:txPr/>
+    <dgm:style>
+      <a:lnRef idx="2">
+        <a:scrgbClr r="0" g="0" b="0"/>
+      </a:lnRef>
+      <a:fillRef idx="1">
+        <a:scrgbClr r="0" g="0" b="0"/>
+      </a:fillRef>
+      <a:effectRef idx="0">
+        <a:scrgbClr r="0" g="0" b="0"/>
+      </a:effectRef>
+      <a:fontRef idx="minor"/>
+    </dgm:style>
+  </dgm:styleLbl>
+  <dgm:styleLbl name="solidBgAcc1">
+    <dgm:scene3d>
+      <a:camera prst="orthographicFront"/>
+      <a:lightRig rig="threePt" dir="t"/>
+    </dgm:scene3d>
+    <dgm:sp3d/>
+    <dgm:txPr/>
+    <dgm:style>
+      <a:lnRef idx="2">
+        <a:scrgbClr r="0" g="0" b="0"/>
+      </a:lnRef>
+      <a:fillRef idx="1">
+        <a:scrgbClr r="0" g="0" b="0"/>
+      </a:fillRef>
+      <a:effectRef idx="0">
+        <a:scrgbClr r="0" g="0" b="0"/>
+      </a:effectRef>
+      <a:fontRef idx="minor"/>
+    </dgm:style>
+  </dgm:styleLbl>
+  <dgm:styleLbl name="fgAccFollowNode1">
+    <dgm:scene3d>
+      <a:camera prst="orthographicFront"/>
+      <a:lightRig rig="threePt" dir="t"/>
+    </dgm:scene3d>
+    <dgm:sp3d/>
+    <dgm:txPr/>
+    <dgm:style>
+      <a:lnRef idx="2">
+        <a:scrgbClr r="0" g="0" b="0"/>
+      </a:lnRef>
+      <a:fillRef idx="1">
+        <a:scrgbClr r="0" g="0" b="0"/>
+      </a:fillRef>
+      <a:effectRef idx="0">
+        <a:scrgbClr r="0" g="0" b="0"/>
+      </a:effectRef>
+      <a:fontRef idx="minor"/>
+    </dgm:style>
+  </dgm:styleLbl>
+  <dgm:styleLbl name="alignAccFollowNode1">
+    <dgm:scene3d>
+      <a:camera prst="orthographicFront"/>
+      <a:lightRig rig="threePt" dir="t"/>
+    </dgm:scene3d>
+    <dgm:sp3d/>
+    <dgm:txPr/>
+    <dgm:style>
+      <a:lnRef idx="2">
+        <a:scrgbClr r="0" g="0" b="0"/>
+      </a:lnRef>
+      <a:fillRef idx="1">
+        <a:scrgbClr r="0" g="0" b="0"/>
+      </a:fillRef>
+      <a:effectRef idx="0">
+        <a:scrgbClr r="0" g="0" b="0"/>
+      </a:effectRef>
+      <a:fontRef idx="minor"/>
+    </dgm:style>
+  </dgm:styleLbl>
+  <dgm:styleLbl name="bgAccFollowNode1">
+    <dgm:scene3d>
+      <a:camera prst="orthographicFront"/>
+      <a:lightRig rig="threePt" dir="t"/>
+    </dgm:scene3d>
+    <dgm:sp3d/>
+    <dgm:txPr/>
+    <dgm:style>
+      <a:lnRef idx="2">
+        <a:scrgbClr r="0" g="0" b="0"/>
+      </a:lnRef>
+      <a:fillRef idx="1">
+        <a:scrgbClr r="0" g="0" b="0"/>
+      </a:fillRef>
+      <a:effectRef idx="0">
+        <a:scrgbClr r="0" g="0" b="0"/>
+      </a:effectRef>
+      <a:fontRef idx="minor"/>
+    </dgm:style>
+  </dgm:styleLbl>
+  <dgm:styleLbl name="fgAcc0">
+    <dgm:scene3d>
+      <a:camera prst="orthographicFront"/>
+      <a:lightRig rig="threePt" dir="t"/>
+    </dgm:scene3d>
+    <dgm:sp3d/>
+    <dgm:txPr/>
+    <dgm:style>
+      <a:lnRef idx="2">
+        <a:scrgbClr r="0" g="0" b="0"/>
+      </a:lnRef>
+      <a:fillRef idx="1">
+        <a:scrgbClr r="0" g="0" b="0"/>
+      </a:fillRef>
+      <a:effectRef idx="0">
+        <a:scrgbClr r="0" g="0" b="0"/>
+      </a:effectRef>
+      <a:fontRef idx="minor"/>
+    </dgm:style>
+  </dgm:styleLbl>
+  <dgm:styleLbl name="fgAcc2">
+    <dgm:scene3d>
+      <a:camera prst="orthographicFront"/>
+      <a:lightRig rig="threePt" dir="t"/>
+    </dgm:scene3d>
+    <dgm:sp3d/>
+    <dgm:txPr/>
+    <dgm:style>
+      <a:lnRef idx="2">
+        <a:scrgbClr r="0" g="0" b="0"/>
+      </a:lnRef>
+      <a:fillRef idx="1">
+        <a:scrgbClr r="0" g="0" b="0"/>
+      </a:fillRef>
+      <a:effectRef idx="0">
+        <a:scrgbClr r="0" g="0" b="0"/>
+      </a:effectRef>
+      <a:fontRef idx="minor"/>
+    </dgm:style>
+  </dgm:styleLbl>
+  <dgm:styleLbl name="fgAcc3">
+    <dgm:scene3d>
+      <a:camera prst="orthographicFront"/>
+      <a:lightRig rig="threePt" dir="t"/>
+    </dgm:scene3d>
+    <dgm:sp3d/>
+    <dgm:txPr/>
+    <dgm:style>
+      <a:lnRef idx="2">
+        <a:scrgbClr r="0" g="0" b="0"/>
+      </a:lnRef>
+      <a:fillRef idx="1">
+        <a:scrgbClr r="0" g="0" b="0"/>
+      </a:fillRef>
+      <a:effectRef idx="0">
+        <a:scrgbClr r="0" g="0" b="0"/>
+      </a:effectRef>
+      <a:fontRef idx="minor"/>
+    </dgm:style>
+  </dgm:styleLbl>
+  <dgm:styleLbl name="fgAcc4">
+    <dgm:scene3d>
+      <a:camera prst="orthographicFront"/>
+      <a:lightRig rig="threePt" dir="t"/>
+    </dgm:scene3d>
+    <dgm:sp3d/>
+    <dgm:txPr/>
+    <dgm:style>
+      <a:lnRef idx="2">
+        <a:scrgbClr r="0" g="0" b="0"/>
+      </a:lnRef>
+      <a:fillRef idx="1">
+        <a:scrgbClr r="0" g="0" b="0"/>
+      </a:fillRef>
+      <a:effectRef idx="0">
+        <a:scrgbClr r="0" g="0" b="0"/>
+      </a:effectRef>
+      <a:fontRef idx="minor"/>
+    </dgm:style>
+  </dgm:styleLbl>
+  <dgm:styleLbl name="bgShp">
+    <dgm:scene3d>
+      <a:camera prst="orthographicFront"/>
+      <a:lightRig rig="threePt" dir="t"/>
+    </dgm:scene3d>
+    <dgm:sp3d/>
+    <dgm:txPr/>
+    <dgm:style>
+      <a:lnRef idx="0">
+        <a:scrgbClr r="0" g="0" b="0"/>
+      </a:lnRef>
+      <a:fillRef idx="1">
+        <a:scrgbClr r="0" g="0" b="0"/>
+      </a:fillRef>
+      <a:effectRef idx="0">
+        <a:scrgbClr r="0" g="0" b="0"/>
+      </a:effectRef>
+      <a:fontRef idx="minor"/>
+    </dgm:style>
+  </dgm:styleLbl>
+  <dgm:styleLbl name="dkBgShp">
+    <dgm:scene3d>
+      <a:camera prst="orthographicFront"/>
+      <a:lightRig rig="threePt" dir="t"/>
+    </dgm:scene3d>
+    <dgm:sp3d/>
+    <dgm:txPr/>
+    <dgm:style>
+      <a:lnRef idx="0">
+        <a:scrgbClr r="0" g="0" b="0"/>
+      </a:lnRef>
+      <a:fillRef idx="1">
+        <a:scrgbClr r="0" g="0" b="0"/>
+      </a:fillRef>
+      <a:effectRef idx="0">
+        <a:scrgbClr r="0" g="0" b="0"/>
+      </a:effectRef>
+      <a:fontRef idx="minor"/>
+    </dgm:style>
+  </dgm:styleLbl>
+  <dgm:styleLbl name="trBgShp">
+    <dgm:scene3d>
+      <a:camera prst="orthographicFront"/>
+      <a:lightRig rig="threePt" dir="t"/>
+    </dgm:scene3d>
+    <dgm:sp3d/>
+    <dgm:txPr/>
+    <dgm:style>
+      <a:lnRef idx="0">
+        <a:scrgbClr r="0" g="0" b="0"/>
+      </a:lnRef>
+      <a:fillRef idx="1">
+        <a:scrgbClr r="0" g="0" b="0"/>
+      </a:fillRef>
+      <a:effectRef idx="0">
+        <a:scrgbClr r="0" g="0" b="0"/>
+      </a:effectRef>
+      <a:fontRef idx="minor"/>
+    </dgm:style>
+  </dgm:styleLbl>
+  <dgm:styleLbl name="fgShp">
+    <dgm:scene3d>
+      <a:camera prst="orthographicFront"/>
+      <a:lightRig rig="threePt" dir="t"/>
+    </dgm:scene3d>
+    <dgm:sp3d/>
+    <dgm:txPr/>
+    <dgm:style>
+      <a:lnRef idx="2">
+        <a:scrgbClr r="0" g="0" b="0"/>
+      </a:lnRef>
+      <a:fillRef idx="1">
+        <a:scrgbClr r="0" g="0" b="0"/>
+      </a:fillRef>
+      <a:effectRef idx="0">
+        <a:scrgbClr r="0" g="0" b="0"/>
+      </a:effectRef>
+      <a:fontRef idx="minor"/>
+    </dgm:style>
+  </dgm:styleLbl>
+  <dgm:styleLbl name="revTx">
+    <dgm:scene3d>
+      <a:camera prst="orthographicFront"/>
+      <a:lightRig rig="threePt" dir="t"/>
+    </dgm:scene3d>
+    <dgm:sp3d/>
+    <dgm:txPr/>
+    <dgm:style>
+      <a:lnRef idx="0">
+        <a:scrgbClr r="0" g="0" b="0"/>
+      </a:lnRef>
+      <a:fillRef idx="0">
+        <a:scrgbClr r="0" g="0" b="0"/>
+      </a:fillRef>
+      <a:effectRef idx="0">
+        <a:scrgbClr r="0" g="0" b="0"/>
+      </a:effectRef>
+      <a:fontRef idx="minor"/>
+    </dgm:style>
+  </dgm:styleLbl>
+</dgm:styleDef>
+</file>
+
 <file path=ppt/notesMasters/notesMaster1.xml><?xml version="1.0" encoding="utf-8"?>
 <p:notesMaster xmlns:a="http://schemas.openxmlformats.org/drawingml/2006/main" xmlns:r="http://schemas.openxmlformats.org/officeDocument/2006/relationships" xmlns:p="http://schemas.openxmlformats.org/presentationml/2006/main">
   <p:cSld>
@@ -212,7 +2963,7 @@
           <a:p>
             <a:fld id="{554293D9-CEF4-E549-8C2B-4C1F408488E2}" type="datetimeFigureOut">
               <a:rPr lang="en-US" smtClean="0"/>
-              <a:t>12/1/22</a:t>
+              <a:t>12/2/22</a:t>
             </a:fld>
             <a:endParaRPr lang="en-US"/>
           </a:p>
@@ -897,6 +3648,71 @@
               </a:rPr>
               <a:t>Output dataset to JSON file.</a:t>
             </a:r>
+          </a:p>
+          <a:p>
+            <a:pPr marL="0" indent="0">
+              <a:buNone/>
+            </a:pPr>
+            <a:endParaRPr lang="en-US" sz="2000" i="1" dirty="0">
+              <a:effectLst/>
+            </a:endParaRPr>
+          </a:p>
+          <a:p>
+            <a:pPr marL="0" marR="0" lvl="0" indent="0" algn="l" defTabSz="914400" rtl="0" eaLnBrk="1" fontAlgn="auto" latinLnBrk="0" hangingPunct="1">
+              <a:lnSpc>
+                <a:spcPct val="100000"/>
+              </a:lnSpc>
+              <a:spcBef>
+                <a:spcPts val="0"/>
+              </a:spcBef>
+              <a:spcAft>
+                <a:spcPts val="0"/>
+              </a:spcAft>
+              <a:buClrTx/>
+              <a:buSzTx/>
+              <a:buFontTx/>
+              <a:buNone/>
+              <a:tabLst/>
+              <a:defRPr/>
+            </a:pPr>
+            <a:r>
+              <a:rPr lang="en-US" sz="2000" dirty="0"/>
+              <a:t>https://</a:t>
+            </a:r>
+            <a:r>
+              <a:rPr lang="en-US" sz="2000" dirty="0" err="1"/>
+              <a:t>github.com</a:t>
+            </a:r>
+            <a:r>
+              <a:rPr lang="en-US" sz="2000" dirty="0"/>
+              <a:t>/</a:t>
+            </a:r>
+            <a:r>
+              <a:rPr lang="en-US" sz="2000" dirty="0" err="1"/>
+              <a:t>TrevorPawlewicz</a:t>
+            </a:r>
+            <a:r>
+              <a:rPr lang="en-US" sz="2000" dirty="0"/>
+              <a:t>/DSCI-511-Course-Project/blob/main/</a:t>
+            </a:r>
+            <a:r>
+              <a:rPr lang="en-US" sz="2000" dirty="0" err="1"/>
+              <a:t>FinalProject</a:t>
+            </a:r>
+            <a:r>
+              <a:rPr lang="en-US" sz="2000" dirty="0"/>
+              <a:t>/project-</a:t>
+            </a:r>
+            <a:r>
+              <a:rPr lang="en-US" sz="2000" dirty="0" err="1"/>
+              <a:t>code.ipynb</a:t>
+            </a:r>
+            <a:endParaRPr lang="en-US" sz="2000" dirty="0"/>
+          </a:p>
+          <a:p>
+            <a:pPr marL="228600" indent="-228600">
+              <a:buAutoNum type="arabicPeriod"/>
+            </a:pPr>
             <a:endParaRPr lang="en-US" dirty="0"/>
           </a:p>
         </p:txBody>
@@ -981,6 +3797,177 @@
           <a:bodyPr/>
           <a:lstStyle/>
           <a:p>
+            <a:pPr marL="228600" indent="-228600">
+              <a:buAutoNum type="arabicPeriod"/>
+            </a:pPr>
+            <a:endParaRPr lang="en-US" dirty="0"/>
+          </a:p>
+        </p:txBody>
+      </p:sp>
+      <p:sp>
+        <p:nvSpPr>
+          <p:cNvPr id="4" name="Slide Number Placeholder 3"/>
+          <p:cNvSpPr>
+            <a:spLocks noGrp="1"/>
+          </p:cNvSpPr>
+          <p:nvPr>
+            <p:ph type="sldNum" sz="quarter" idx="5"/>
+          </p:nvPr>
+        </p:nvSpPr>
+        <p:spPr/>
+        <p:txBody>
+          <a:bodyPr/>
+          <a:lstStyle/>
+          <a:p>
+            <a:fld id="{941248EB-719A-B944-B3C9-708649C4FE49}" type="slidenum">
+              <a:rPr lang="en-US" smtClean="0"/>
+              <a:t>8</a:t>
+            </a:fld>
+            <a:endParaRPr lang="en-US"/>
+          </a:p>
+        </p:txBody>
+      </p:sp>
+    </p:spTree>
+    <p:extLst>
+      <p:ext uri="{BB962C8B-B14F-4D97-AF65-F5344CB8AC3E}">
+        <p14:creationId xmlns:p14="http://schemas.microsoft.com/office/powerpoint/2010/main" val="3598065603"/>
+      </p:ext>
+    </p:extLst>
+  </p:cSld>
+  <p:clrMapOvr>
+    <a:masterClrMapping/>
+  </p:clrMapOvr>
+</p:notes>
+</file>
+
+<file path=ppt/notesSlides/notesSlide6.xml><?xml version="1.0" encoding="utf-8"?>
+<p:notes xmlns:a="http://schemas.openxmlformats.org/drawingml/2006/main" xmlns:r="http://schemas.openxmlformats.org/officeDocument/2006/relationships" xmlns:p="http://schemas.openxmlformats.org/presentationml/2006/main">
+  <p:cSld>
+    <p:spTree>
+      <p:nvGrpSpPr>
+        <p:cNvPr id="1" name=""/>
+        <p:cNvGrpSpPr/>
+        <p:nvPr/>
+      </p:nvGrpSpPr>
+      <p:grpSpPr>
+        <a:xfrm>
+          <a:off x="0" y="0"/>
+          <a:ext cx="0" cy="0"/>
+          <a:chOff x="0" y="0"/>
+          <a:chExt cx="0" cy="0"/>
+        </a:xfrm>
+      </p:grpSpPr>
+      <p:sp>
+        <p:nvSpPr>
+          <p:cNvPr id="2" name="Slide Image Placeholder 1"/>
+          <p:cNvSpPr>
+            <a:spLocks noGrp="1" noRot="1" noChangeAspect="1"/>
+          </p:cNvSpPr>
+          <p:nvPr>
+            <p:ph type="sldImg"/>
+          </p:nvPr>
+        </p:nvSpPr>
+        <p:spPr/>
+      </p:sp>
+      <p:sp>
+        <p:nvSpPr>
+          <p:cNvPr id="3" name="Notes Placeholder 2"/>
+          <p:cNvSpPr>
+            <a:spLocks noGrp="1"/>
+          </p:cNvSpPr>
+          <p:nvPr>
+            <p:ph type="body" idx="1"/>
+          </p:nvPr>
+        </p:nvSpPr>
+        <p:spPr/>
+        <p:txBody>
+          <a:bodyPr/>
+          <a:lstStyle/>
+          <a:p>
+            <a:endParaRPr lang="en-US" dirty="0"/>
+          </a:p>
+        </p:txBody>
+      </p:sp>
+      <p:sp>
+        <p:nvSpPr>
+          <p:cNvPr id="4" name="Slide Number Placeholder 3"/>
+          <p:cNvSpPr>
+            <a:spLocks noGrp="1"/>
+          </p:cNvSpPr>
+          <p:nvPr>
+            <p:ph type="sldNum" sz="quarter" idx="5"/>
+          </p:nvPr>
+        </p:nvSpPr>
+        <p:spPr/>
+        <p:txBody>
+          <a:bodyPr/>
+          <a:lstStyle/>
+          <a:p>
+            <a:fld id="{941248EB-719A-B944-B3C9-708649C4FE49}" type="slidenum">
+              <a:rPr lang="en-US" smtClean="0"/>
+              <a:t>9</a:t>
+            </a:fld>
+            <a:endParaRPr lang="en-US"/>
+          </a:p>
+        </p:txBody>
+      </p:sp>
+    </p:spTree>
+    <p:extLst>
+      <p:ext uri="{BB962C8B-B14F-4D97-AF65-F5344CB8AC3E}">
+        <p14:creationId xmlns:p14="http://schemas.microsoft.com/office/powerpoint/2010/main" val="407195159"/>
+      </p:ext>
+    </p:extLst>
+  </p:cSld>
+  <p:clrMapOvr>
+    <a:masterClrMapping/>
+  </p:clrMapOvr>
+</p:notes>
+</file>
+
+<file path=ppt/notesSlides/notesSlide7.xml><?xml version="1.0" encoding="utf-8"?>
+<p:notes xmlns:a="http://schemas.openxmlformats.org/drawingml/2006/main" xmlns:r="http://schemas.openxmlformats.org/officeDocument/2006/relationships" xmlns:p="http://schemas.openxmlformats.org/presentationml/2006/main">
+  <p:cSld>
+    <p:spTree>
+      <p:nvGrpSpPr>
+        <p:cNvPr id="1" name=""/>
+        <p:cNvGrpSpPr/>
+        <p:nvPr/>
+      </p:nvGrpSpPr>
+      <p:grpSpPr>
+        <a:xfrm>
+          <a:off x="0" y="0"/>
+          <a:ext cx="0" cy="0"/>
+          <a:chOff x="0" y="0"/>
+          <a:chExt cx="0" cy="0"/>
+        </a:xfrm>
+      </p:grpSpPr>
+      <p:sp>
+        <p:nvSpPr>
+          <p:cNvPr id="2" name="Slide Image Placeholder 1"/>
+          <p:cNvSpPr>
+            <a:spLocks noGrp="1" noRot="1" noChangeAspect="1"/>
+          </p:cNvSpPr>
+          <p:nvPr>
+            <p:ph type="sldImg"/>
+          </p:nvPr>
+        </p:nvSpPr>
+        <p:spPr/>
+      </p:sp>
+      <p:sp>
+        <p:nvSpPr>
+          <p:cNvPr id="3" name="Notes Placeholder 2"/>
+          <p:cNvSpPr>
+            <a:spLocks noGrp="1"/>
+          </p:cNvSpPr>
+          <p:nvPr>
+            <p:ph type="body" idx="1"/>
+          </p:nvPr>
+        </p:nvSpPr>
+        <p:spPr/>
+        <p:txBody>
+          <a:bodyPr/>
+          <a:lstStyle/>
+          <a:p>
             <a:r>
               <a:rPr lang="en-US" b="1" dirty="0"/>
               <a:t>Decipher the Information in URLs</a:t>
@@ -1091,7 +4078,7 @@
 </p:notes>
 </file>
 
-<file path=ppt/notesSlides/notesSlide6.xml><?xml version="1.0" encoding="utf-8"?>
+<file path=ppt/notesSlides/notesSlide8.xml><?xml version="1.0" encoding="utf-8"?>
 <p:notes xmlns:a="http://schemas.openxmlformats.org/drawingml/2006/main" xmlns:r="http://schemas.openxmlformats.org/officeDocument/2006/relationships" xmlns:p="http://schemas.openxmlformats.org/presentationml/2006/main">
   <p:cSld>
     <p:spTree>
@@ -1392,7 +4379,7 @@
           <a:p>
             <a:fld id="{3C5E3940-567D-0E4A-B27A-538E5CA3F251}" type="datetimeFigureOut">
               <a:rPr lang="en-US" smtClean="0"/>
-              <a:t>12/1/22</a:t>
+              <a:t>12/2/22</a:t>
             </a:fld>
             <a:endParaRPr lang="en-US"/>
           </a:p>
@@ -1590,7 +4577,7 @@
           <a:p>
             <a:fld id="{3C5E3940-567D-0E4A-B27A-538E5CA3F251}" type="datetimeFigureOut">
               <a:rPr lang="en-US" smtClean="0"/>
-              <a:t>12/1/22</a:t>
+              <a:t>12/2/22</a:t>
             </a:fld>
             <a:endParaRPr lang="en-US"/>
           </a:p>
@@ -1798,7 +4785,7 @@
           <a:p>
             <a:fld id="{3C5E3940-567D-0E4A-B27A-538E5CA3F251}" type="datetimeFigureOut">
               <a:rPr lang="en-US" smtClean="0"/>
-              <a:t>12/1/22</a:t>
+              <a:t>12/2/22</a:t>
             </a:fld>
             <a:endParaRPr lang="en-US"/>
           </a:p>
@@ -1996,7 +4983,7 @@
           <a:p>
             <a:fld id="{3C5E3940-567D-0E4A-B27A-538E5CA3F251}" type="datetimeFigureOut">
               <a:rPr lang="en-US" smtClean="0"/>
-              <a:t>12/1/22</a:t>
+              <a:t>12/2/22</a:t>
             </a:fld>
             <a:endParaRPr lang="en-US"/>
           </a:p>
@@ -2271,7 +5258,7 @@
           <a:p>
             <a:fld id="{3C5E3940-567D-0E4A-B27A-538E5CA3F251}" type="datetimeFigureOut">
               <a:rPr lang="en-US" smtClean="0"/>
-              <a:t>12/1/22</a:t>
+              <a:t>12/2/22</a:t>
             </a:fld>
             <a:endParaRPr lang="en-US"/>
           </a:p>
@@ -2536,7 +5523,7 @@
           <a:p>
             <a:fld id="{3C5E3940-567D-0E4A-B27A-538E5CA3F251}" type="datetimeFigureOut">
               <a:rPr lang="en-US" smtClean="0"/>
-              <a:t>12/1/22</a:t>
+              <a:t>12/2/22</a:t>
             </a:fld>
             <a:endParaRPr lang="en-US"/>
           </a:p>
@@ -2948,7 +5935,7 @@
           <a:p>
             <a:fld id="{3C5E3940-567D-0E4A-B27A-538E5CA3F251}" type="datetimeFigureOut">
               <a:rPr lang="en-US" smtClean="0"/>
-              <a:t>12/1/22</a:t>
+              <a:t>12/2/22</a:t>
             </a:fld>
             <a:endParaRPr lang="en-US"/>
           </a:p>
@@ -3089,7 +6076,7 @@
           <a:p>
             <a:fld id="{3C5E3940-567D-0E4A-B27A-538E5CA3F251}" type="datetimeFigureOut">
               <a:rPr lang="en-US" smtClean="0"/>
-              <a:t>12/1/22</a:t>
+              <a:t>12/2/22</a:t>
             </a:fld>
             <a:endParaRPr lang="en-US"/>
           </a:p>
@@ -3202,7 +6189,7 @@
           <a:p>
             <a:fld id="{3C5E3940-567D-0E4A-B27A-538E5CA3F251}" type="datetimeFigureOut">
               <a:rPr lang="en-US" smtClean="0"/>
-              <a:t>12/1/22</a:t>
+              <a:t>12/2/22</a:t>
             </a:fld>
             <a:endParaRPr lang="en-US"/>
           </a:p>
@@ -3513,7 +6500,7 @@
           <a:p>
             <a:fld id="{3C5E3940-567D-0E4A-B27A-538E5CA3F251}" type="datetimeFigureOut">
               <a:rPr lang="en-US" smtClean="0"/>
-              <a:t>12/1/22</a:t>
+              <a:t>12/2/22</a:t>
             </a:fld>
             <a:endParaRPr lang="en-US"/>
           </a:p>
@@ -3801,7 +6788,7 @@
           <a:p>
             <a:fld id="{3C5E3940-567D-0E4A-B27A-538E5CA3F251}" type="datetimeFigureOut">
               <a:rPr lang="en-US" smtClean="0"/>
-              <a:t>12/1/22</a:t>
+              <a:t>12/2/22</a:t>
             </a:fld>
             <a:endParaRPr lang="en-US"/>
           </a:p>
@@ -4042,7 +7029,7 @@
           <a:p>
             <a:fld id="{3C5E3940-567D-0E4A-B27A-538E5CA3F251}" type="datetimeFigureOut">
               <a:rPr lang="en-US" smtClean="0"/>
-              <a:t>12/1/22</a:t>
+              <a:t>12/2/22</a:t>
             </a:fld>
             <a:endParaRPr lang="en-US"/>
           </a:p>
@@ -4961,6 +7948,14 @@
 <file path=ppt/slides/slide10.xml><?xml version="1.0" encoding="utf-8"?>
 <p:sld xmlns:a="http://schemas.openxmlformats.org/drawingml/2006/main" xmlns:r="http://schemas.openxmlformats.org/officeDocument/2006/relationships" xmlns:p="http://schemas.openxmlformats.org/presentationml/2006/main">
   <p:cSld>
+    <p:bg>
+      <p:bgPr>
+        <a:solidFill>
+          <a:schemeClr val="bg1"/>
+        </a:solidFill>
+        <a:effectLst/>
+      </p:bgPr>
+    </p:bg>
     <p:spTree>
       <p:nvGrpSpPr>
         <p:cNvPr id="1" name=""/>
@@ -4975,6 +7970,82 @@
           <a:chExt cx="0" cy="0"/>
         </a:xfrm>
       </p:grpSpPr>
+      <p:sp useBgFill="1">
+        <p:nvSpPr>
+          <p:cNvPr id="8" name="Rectangle 7">
+            <a:extLst>
+              <a:ext uri="{FF2B5EF4-FFF2-40B4-BE49-F238E27FC236}">
+                <a16:creationId xmlns:a16="http://schemas.microsoft.com/office/drawing/2014/main" id="{979E27D9-03C7-44E2-9FF8-15D0C8506AF7}"/>
+              </a:ext>
+              <a:ext uri="{C183D7F6-B498-43B3-948B-1728B52AA6E4}">
+                <adec:decorative xmlns:adec="http://schemas.microsoft.com/office/drawing/2017/decorative" val="1"/>
+              </a:ext>
+            </a:extLst>
+          </p:cNvPr>
+          <p:cNvSpPr>
+            <a:spLocks noGrp="1" noRot="1" noChangeAspect="1" noMove="1" noResize="1" noEditPoints="1" noAdjustHandles="1" noChangeArrowheads="1" noChangeShapeType="1" noTextEdit="1"/>
+          </p:cNvSpPr>
+          <p:nvPr>
+            <p:extLst>
+              <p:ext uri="{386F3935-93C4-4BCD-93E2-E3B085C9AB24}">
+                <p16:designElem xmlns:p16="http://schemas.microsoft.com/office/powerpoint/2015/main" val="1"/>
+              </p:ext>
+            </p:extLst>
+          </p:nvPr>
+        </p:nvSpPr>
+        <p:spPr>
+          <a:xfrm>
+            <a:off x="0" y="0"/>
+            <a:ext cx="12192000" cy="6858000"/>
+          </a:xfrm>
+          <a:prstGeom prst="rect">
+            <a:avLst/>
+          </a:prstGeom>
+          <a:ln w="12700" cap="flat" cmpd="sng" algn="ctr">
+            <a:noFill/>
+            <a:prstDash val="solid"/>
+            <a:miter lim="800000"/>
+          </a:ln>
+          <a:effectLst/>
+          <a:extLst>
+            <a:ext uri="{91240B29-F687-4F45-9708-019B960494DF}">
+              <a14:hiddenLine xmlns:a14="http://schemas.microsoft.com/office/drawing/2010/main" w="12700" cap="flat" cmpd="sng" algn="ctr">
+                <a:solidFill>
+                  <a:schemeClr val="accent1">
+                    <a:shade val="50000"/>
+                  </a:schemeClr>
+                </a:solidFill>
+                <a:prstDash val="solid"/>
+                <a:miter lim="800000"/>
+              </a14:hiddenLine>
+            </a:ext>
+          </a:extLst>
+        </p:spPr>
+        <p:style>
+          <a:lnRef idx="2">
+            <a:schemeClr val="accent1">
+              <a:shade val="50000"/>
+            </a:schemeClr>
+          </a:lnRef>
+          <a:fillRef idx="1">
+            <a:schemeClr val="accent1"/>
+          </a:fillRef>
+          <a:effectRef idx="0">
+            <a:schemeClr val="accent1"/>
+          </a:effectRef>
+          <a:fontRef idx="minor">
+            <a:schemeClr val="lt1"/>
+          </a:fontRef>
+        </p:style>
+        <p:txBody>
+          <a:bodyPr rtlCol="0" anchor="ctr"/>
+          <a:lstStyle/>
+          <a:p>
+            <a:pPr algn="ctr"/>
+            <a:endParaRPr lang="en-US"/>
+          </a:p>
+        </p:txBody>
+      </p:sp>
       <p:sp>
         <p:nvSpPr>
           <p:cNvPr id="2" name="Title 1">
@@ -4991,14 +8062,22 @@
             <p:ph type="title"/>
           </p:nvPr>
         </p:nvSpPr>
-        <p:spPr/>
-        <p:txBody>
-          <a:bodyPr/>
+        <p:spPr>
+          <a:xfrm>
+            <a:off x="656823" y="962166"/>
+            <a:ext cx="3103808" cy="4421876"/>
+          </a:xfrm>
+        </p:spPr>
+        <p:txBody>
+          <a:bodyPr anchor="t">
+            <a:normAutofit/>
+          </a:bodyPr>
           <a:lstStyle/>
           <a:p>
-            <a:r>
-              <a:rPr lang="en-US" b="1" dirty="0"/>
-              <a:t>Issues and Limitations</a:t>
+            <a:pPr algn="r"/>
+            <a:r>
+              <a:rPr lang="en-US" sz="4000" b="1"/>
+              <a:t>Our Dataset Issues and Limitations</a:t>
             </a:r>
           </a:p>
         </p:txBody>
@@ -5019,10 +8098,15 @@
             <p:ph idx="1"/>
           </p:nvPr>
         </p:nvSpPr>
-        <p:spPr/>
-        <p:txBody>
-          <a:bodyPr>
-            <a:normAutofit lnSpcReduction="10000"/>
+        <p:spPr>
+          <a:xfrm>
+            <a:off x="4088929" y="962167"/>
+            <a:ext cx="6858113" cy="4743174"/>
+          </a:xfrm>
+        </p:spPr>
+        <p:txBody>
+          <a:bodyPr anchor="t">
+            <a:normAutofit/>
           </a:bodyPr>
           <a:lstStyle/>
           <a:p>
@@ -5030,157 +8114,231 @@
               <a:buNone/>
             </a:pPr>
             <a:r>
-              <a:rPr lang="en-US" sz="2400" b="0" i="1" dirty="0" err="1">
-                <a:solidFill>
-                  <a:srgbClr val="0070C0"/>
-                </a:solidFill>
+              <a:rPr lang="en-US" sz="2000" b="0" i="1">
                 <a:effectLst/>
               </a:rPr>
-              <a:t>Musixmatch</a:t>
-            </a:r>
-            <a:r>
-              <a:rPr lang="en-US" sz="1800" b="0" i="1" dirty="0">
-                <a:effectLst/>
-              </a:rPr>
-              <a:t>:</a:t>
+              <a:t>Musixmatch:</a:t>
             </a:r>
           </a:p>
           <a:p>
             <a:pPr lvl="1"/>
             <a:r>
-              <a:rPr lang="en-US" b="0" i="1" dirty="0">
-                <a:solidFill>
-                  <a:srgbClr val="002060"/>
-                </a:solidFill>
-                <a:effectLst/>
-              </a:rPr>
-              <a:t>Free</a:t>
-            </a:r>
-            <a:endParaRPr lang="en-US" b="0" dirty="0">
-              <a:solidFill>
-                <a:srgbClr val="002060"/>
-              </a:solidFill>
-              <a:effectLst/>
-            </a:endParaRPr>
-          </a:p>
-          <a:p>
-            <a:pPr lvl="1"/>
-            <a:r>
-              <a:rPr lang="en-US" b="0" i="1" dirty="0">
-                <a:solidFill>
-                  <a:srgbClr val="002060"/>
-                </a:solidFill>
+              <a:rPr lang="en-US" sz="2000" b="0" i="1">
                 <a:effectLst/>
               </a:rPr>
               <a:t>Limited to 2k API Calls daily</a:t>
             </a:r>
-            <a:endParaRPr lang="en-US" b="0" dirty="0">
-              <a:solidFill>
-                <a:srgbClr val="002060"/>
-              </a:solidFill>
+            <a:endParaRPr lang="en-US" sz="2000" b="0">
               <a:effectLst/>
             </a:endParaRPr>
           </a:p>
           <a:p>
             <a:pPr lvl="1"/>
             <a:r>
-              <a:rPr lang="en-US" b="0" i="1" dirty="0">
-                <a:solidFill>
-                  <a:srgbClr val="002060"/>
-                </a:solidFill>
+              <a:rPr lang="en-US" sz="2000" b="0" i="1">
                 <a:effectLst/>
               </a:rPr>
               <a:t>Free testing plan for evaluation only</a:t>
             </a:r>
-            <a:endParaRPr lang="en-US" b="0" dirty="0">
-              <a:solidFill>
-                <a:srgbClr val="002060"/>
-              </a:solidFill>
+            <a:endParaRPr lang="en-US" sz="2000" b="0">
               <a:effectLst/>
             </a:endParaRPr>
           </a:p>
           <a:p>
             <a:pPr lvl="1"/>
             <a:r>
-              <a:rPr lang="en-US" b="0" i="1" dirty="0">
-                <a:solidFill>
-                  <a:srgbClr val="002060"/>
-                </a:solidFill>
+              <a:rPr lang="en-US" sz="2000" b="0" i="1">
                 <a:effectLst/>
               </a:rPr>
               <a:t>Access to ONLY 30% of lyrics per song</a:t>
             </a:r>
-            <a:endParaRPr lang="en-US" b="0" dirty="0">
-              <a:solidFill>
-                <a:srgbClr val="002060"/>
-              </a:solidFill>
+            <a:endParaRPr lang="en-US" sz="2000" b="0">
               <a:effectLst/>
             </a:endParaRPr>
           </a:p>
           <a:p>
             <a:pPr lvl="1"/>
             <a:r>
-              <a:rPr lang="en-US" b="0" i="1" dirty="0">
-                <a:solidFill>
-                  <a:srgbClr val="002060"/>
-                </a:solidFill>
+              <a:rPr lang="en-US" sz="2000" b="0" i="1">
                 <a:effectLst/>
               </a:rPr>
               <a:t>Understanding which part of the song (beginning, middle, end) contains the lyrics that are needed to be best analyzed for our dataset.</a:t>
             </a:r>
-            <a:endParaRPr lang="en-US" b="0" dirty="0">
-              <a:solidFill>
-                <a:srgbClr val="002060"/>
-              </a:solidFill>
+            <a:endParaRPr lang="en-US" sz="2000" b="0">
               <a:effectLst/>
             </a:endParaRPr>
           </a:p>
           <a:p>
-            <a:endParaRPr lang="en-US" sz="2400" b="0" dirty="0">
+            <a:endParaRPr lang="en-US" sz="2000" b="0">
               <a:effectLst/>
             </a:endParaRPr>
           </a:p>
           <a:p>
             <a:r>
-              <a:rPr lang="en-US" dirty="0" err="1">
-                <a:solidFill>
-                  <a:srgbClr val="FFC000"/>
-                </a:solidFill>
-              </a:rPr>
-              <a:t>Genius.com</a:t>
-            </a:r>
-            <a:r>
-              <a:rPr lang="en-US" dirty="0">
-                <a:solidFill>
-                  <a:srgbClr val="FFC000"/>
-                </a:solidFill>
-              </a:rPr>
-              <a:t> </a:t>
-            </a:r>
-            <a:r>
-              <a:rPr lang="en-US" dirty="0">
-                <a:solidFill>
-                  <a:srgbClr val="002060"/>
-                </a:solidFill>
-              </a:rPr>
-              <a:t>was web scrapped to get full lyrical content of songs as a solution to only having access to the </a:t>
-            </a:r>
-            <a:r>
-              <a:rPr lang="en-US" dirty="0" err="1">
-                <a:solidFill>
-                  <a:srgbClr val="002060"/>
-                </a:solidFill>
-              </a:rPr>
-              <a:t>musixmatch</a:t>
-            </a:r>
-            <a:r>
-              <a:rPr lang="en-US" dirty="0">
-                <a:solidFill>
-                  <a:srgbClr val="002060"/>
-                </a:solidFill>
-              </a:rPr>
-              <a:t> free 30% of lyrics per song.</a:t>
-            </a:r>
+              <a:rPr lang="en-US" sz="2000" b="1"/>
+              <a:t>Genius.com </a:t>
+            </a:r>
+            <a:r>
+              <a:rPr lang="en-US" sz="2000"/>
+              <a:t>was used for web scrapping to get full lyrical content of songs as a solution to only having access to the Musixmatch free 30% of lyrics per song.</a:t>
+            </a:r>
+          </a:p>
+          <a:p>
+            <a:pPr lvl="1"/>
+            <a:r>
+              <a:rPr lang="en-US" sz="2000"/>
+              <a:t>Web scrapping decreased our dataset collecting performance.</a:t>
+            </a:r>
+          </a:p>
+          <a:p>
+            <a:pPr lvl="1"/>
+            <a:endParaRPr lang="en-US" sz="2000"/>
+          </a:p>
+        </p:txBody>
+      </p:sp>
+      <p:sp>
+        <p:nvSpPr>
+          <p:cNvPr id="10" name="Rectangle 9">
+            <a:extLst>
+              <a:ext uri="{FF2B5EF4-FFF2-40B4-BE49-F238E27FC236}">
+                <a16:creationId xmlns:a16="http://schemas.microsoft.com/office/drawing/2014/main" id="{EEBF1590-3B36-48EE-A89D-3B6F3CB256AB}"/>
+              </a:ext>
+              <a:ext uri="{C183D7F6-B498-43B3-948B-1728B52AA6E4}">
+                <adec:decorative xmlns:adec="http://schemas.microsoft.com/office/drawing/2017/decorative" val="1"/>
+              </a:ext>
+            </a:extLst>
+          </p:cNvPr>
+          <p:cNvSpPr>
+            <a:spLocks noGrp="1" noRot="1" noChangeAspect="1" noMove="1" noResize="1" noEditPoints="1" noAdjustHandles="1" noChangeArrowheads="1" noChangeShapeType="1" noTextEdit="1"/>
+          </p:cNvSpPr>
+          <p:nvPr>
+            <p:extLst>
+              <p:ext uri="{386F3935-93C4-4BCD-93E2-E3B085C9AB24}">
+                <p16:designElem xmlns:p16="http://schemas.microsoft.com/office/powerpoint/2015/main" val="1"/>
+              </p:ext>
+            </p:extLst>
+          </p:nvPr>
+        </p:nvSpPr>
+        <p:spPr>
+          <a:xfrm rot="10800000" flipH="1">
+            <a:off x="0" y="6400799"/>
+            <a:ext cx="12192000" cy="456773"/>
+          </a:xfrm>
+          <a:prstGeom prst="rect">
+            <a:avLst/>
+          </a:prstGeom>
+          <a:gradFill>
+            <a:gsLst>
+              <a:gs pos="0">
+                <a:schemeClr val="accent1"/>
+              </a:gs>
+              <a:gs pos="100000">
+                <a:schemeClr val="accent1">
+                  <a:lumMod val="50000"/>
+                </a:schemeClr>
+              </a:gs>
+            </a:gsLst>
+            <a:lin ang="6600000" scaled="0"/>
+          </a:gradFill>
+          <a:ln>
+            <a:noFill/>
+          </a:ln>
+        </p:spPr>
+        <p:style>
+          <a:lnRef idx="2">
+            <a:schemeClr val="accent1">
+              <a:shade val="50000"/>
+            </a:schemeClr>
+          </a:lnRef>
+          <a:fillRef idx="1">
+            <a:schemeClr val="accent1"/>
+          </a:fillRef>
+          <a:effectRef idx="0">
+            <a:schemeClr val="accent1"/>
+          </a:effectRef>
+          <a:fontRef idx="minor">
+            <a:schemeClr val="lt1"/>
+          </a:fontRef>
+        </p:style>
+        <p:txBody>
+          <a:bodyPr rtlCol="0" anchor="ctr"/>
+          <a:lstStyle/>
+          <a:p>
+            <a:pPr algn="ctr"/>
+            <a:endParaRPr lang="en-US"/>
+          </a:p>
+        </p:txBody>
+      </p:sp>
+      <p:sp>
+        <p:nvSpPr>
+          <p:cNvPr id="12" name="Rectangle 11">
+            <a:extLst>
+              <a:ext uri="{FF2B5EF4-FFF2-40B4-BE49-F238E27FC236}">
+                <a16:creationId xmlns:a16="http://schemas.microsoft.com/office/drawing/2014/main" id="{AC8F6C8C-AB5A-4548-942D-E3FD40ACBC49}"/>
+              </a:ext>
+              <a:ext uri="{C183D7F6-B498-43B3-948B-1728B52AA6E4}">
+                <adec:decorative xmlns:adec="http://schemas.microsoft.com/office/drawing/2017/decorative" val="1"/>
+              </a:ext>
+            </a:extLst>
+          </p:cNvPr>
+          <p:cNvSpPr>
+            <a:spLocks noGrp="1" noRot="1" noChangeAspect="1" noMove="1" noResize="1" noEditPoints="1" noAdjustHandles="1" noChangeArrowheads="1" noChangeShapeType="1" noTextEdit="1"/>
+          </p:cNvSpPr>
+          <p:nvPr>
+            <p:extLst>
+              <p:ext uri="{386F3935-93C4-4BCD-93E2-E3B085C9AB24}">
+                <p16:designElem xmlns:p16="http://schemas.microsoft.com/office/powerpoint/2015/main" val="1"/>
+              </p:ext>
+            </p:extLst>
+          </p:nvPr>
+        </p:nvSpPr>
+        <p:spPr>
+          <a:xfrm flipH="1">
+            <a:off x="4038600" y="6400799"/>
+            <a:ext cx="8153398" cy="456772"/>
+          </a:xfrm>
+          <a:prstGeom prst="rect">
+            <a:avLst/>
+          </a:prstGeom>
+          <a:gradFill>
+            <a:gsLst>
+              <a:gs pos="0">
+                <a:srgbClr val="000000">
+                  <a:alpha val="76000"/>
+                </a:srgbClr>
+              </a:gs>
+              <a:gs pos="100000">
+                <a:schemeClr val="accent1"/>
+              </a:gs>
+            </a:gsLst>
+            <a:lin ang="17400000" scaled="0"/>
+          </a:gradFill>
+          <a:ln>
+            <a:noFill/>
+          </a:ln>
+        </p:spPr>
+        <p:style>
+          <a:lnRef idx="2">
+            <a:schemeClr val="accent1">
+              <a:shade val="50000"/>
+            </a:schemeClr>
+          </a:lnRef>
+          <a:fillRef idx="1">
+            <a:schemeClr val="accent1"/>
+          </a:fillRef>
+          <a:effectRef idx="0">
+            <a:schemeClr val="accent1"/>
+          </a:effectRef>
+          <a:fontRef idx="minor">
+            <a:schemeClr val="lt1"/>
+          </a:fontRef>
+        </p:style>
+        <p:txBody>
+          <a:bodyPr rtlCol="0" anchor="ctr"/>
+          <a:lstStyle/>
+          <a:p>
+            <a:pPr algn="ctr"/>
+            <a:endParaRPr lang="en-US"/>
           </a:p>
         </p:txBody>
       </p:sp>
@@ -5200,6 +8358,14 @@
 <file path=ppt/slides/slide11.xml><?xml version="1.0" encoding="utf-8"?>
 <p:sld xmlns:a="http://schemas.openxmlformats.org/drawingml/2006/main" xmlns:r="http://schemas.openxmlformats.org/officeDocument/2006/relationships" xmlns:p="http://schemas.openxmlformats.org/presentationml/2006/main">
   <p:cSld>
+    <p:bg>
+      <p:bgPr>
+        <a:solidFill>
+          <a:schemeClr val="bg1"/>
+        </a:solidFill>
+        <a:effectLst/>
+      </p:bgPr>
+    </p:bg>
     <p:spTree>
       <p:nvGrpSpPr>
         <p:cNvPr id="1" name=""/>
@@ -5214,6 +8380,528 @@
           <a:chExt cx="0" cy="0"/>
         </a:xfrm>
       </p:grpSpPr>
+      <p:sp useBgFill="1">
+        <p:nvSpPr>
+          <p:cNvPr id="8" name="Rectangle 7">
+            <a:extLst>
+              <a:ext uri="{FF2B5EF4-FFF2-40B4-BE49-F238E27FC236}">
+                <a16:creationId xmlns:a16="http://schemas.microsoft.com/office/drawing/2014/main" id="{827B839B-9ADE-406B-8590-F1CAEDED45A1}"/>
+              </a:ext>
+              <a:ext uri="{C183D7F6-B498-43B3-948B-1728B52AA6E4}">
+                <adec:decorative xmlns:adec="http://schemas.microsoft.com/office/drawing/2017/decorative" val="1"/>
+              </a:ext>
+            </a:extLst>
+          </p:cNvPr>
+          <p:cNvSpPr>
+            <a:spLocks noGrp="1" noRot="1" noChangeAspect="1" noMove="1" noResize="1" noEditPoints="1" noAdjustHandles="1" noChangeArrowheads="1" noChangeShapeType="1" noTextEdit="1"/>
+          </p:cNvSpPr>
+          <p:nvPr>
+            <p:extLst>
+              <p:ext uri="{386F3935-93C4-4BCD-93E2-E3B085C9AB24}">
+                <p16:designElem xmlns:p16="http://schemas.microsoft.com/office/powerpoint/2015/main" val="1"/>
+              </p:ext>
+            </p:extLst>
+          </p:nvPr>
+        </p:nvSpPr>
+        <p:spPr>
+          <a:xfrm>
+            <a:off x="0" y="0"/>
+            <a:ext cx="12188952" cy="6858000"/>
+          </a:xfrm>
+          <a:prstGeom prst="rect">
+            <a:avLst/>
+          </a:prstGeom>
+          <a:ln>
+            <a:noFill/>
+          </a:ln>
+        </p:spPr>
+        <p:style>
+          <a:lnRef idx="2">
+            <a:schemeClr val="accent1">
+              <a:shade val="50000"/>
+            </a:schemeClr>
+          </a:lnRef>
+          <a:fillRef idx="1">
+            <a:schemeClr val="accent1"/>
+          </a:fillRef>
+          <a:effectRef idx="0">
+            <a:schemeClr val="accent1"/>
+          </a:effectRef>
+          <a:fontRef idx="minor">
+            <a:schemeClr val="lt1"/>
+          </a:fontRef>
+        </p:style>
+        <p:txBody>
+          <a:bodyPr rtlCol="0" anchor="ctr"/>
+          <a:lstStyle/>
+          <a:p>
+            <a:pPr algn="ctr"/>
+            <a:endParaRPr lang="en-US"/>
+          </a:p>
+        </p:txBody>
+      </p:sp>
+      <p:sp>
+        <p:nvSpPr>
+          <p:cNvPr id="10" name="Freeform 45">
+            <a:extLst>
+              <a:ext uri="{FF2B5EF4-FFF2-40B4-BE49-F238E27FC236}">
+                <a16:creationId xmlns:a16="http://schemas.microsoft.com/office/drawing/2014/main" id="{CFE45BF0-46DB-408C-B5F7-7B11716805D4}"/>
+              </a:ext>
+              <a:ext uri="{C183D7F6-B498-43B3-948B-1728B52AA6E4}">
+                <adec:decorative xmlns:adec="http://schemas.microsoft.com/office/drawing/2017/decorative" val="1"/>
+              </a:ext>
+            </a:extLst>
+          </p:cNvPr>
+          <p:cNvSpPr>
+            <a:spLocks noGrp="1" noRot="1" noChangeAspect="1" noMove="1" noResize="1" noEditPoints="1" noAdjustHandles="1" noChangeArrowheads="1" noChangeShapeType="1" noTextEdit="1"/>
+          </p:cNvSpPr>
+          <p:nvPr>
+            <p:extLst>
+              <p:ext uri="{386F3935-93C4-4BCD-93E2-E3B085C9AB24}">
+                <p16:designElem xmlns:p16="http://schemas.microsoft.com/office/powerpoint/2015/main" val="1"/>
+              </p:ext>
+            </p:extLst>
+          </p:nvPr>
+        </p:nvSpPr>
+        <p:spPr bwMode="auto">
+          <a:xfrm>
+            <a:off x="409710" y="1022350"/>
+            <a:ext cx="709612" cy="2095501"/>
+          </a:xfrm>
+          <a:custGeom>
+            <a:avLst/>
+            <a:gdLst>
+              <a:gd name="T0" fmla="*/ 447 w 447"/>
+              <a:gd name="T1" fmla="*/ 1363 h 1363"/>
+              <a:gd name="T2" fmla="*/ 0 w 447"/>
+              <a:gd name="T3" fmla="*/ 987 h 1363"/>
+              <a:gd name="T4" fmla="*/ 0 w 447"/>
+              <a:gd name="T5" fmla="*/ 0 h 1363"/>
+              <a:gd name="T6" fmla="*/ 447 w 447"/>
+              <a:gd name="T7" fmla="*/ 376 h 1363"/>
+              <a:gd name="T8" fmla="*/ 447 w 447"/>
+              <a:gd name="T9" fmla="*/ 1363 h 1363"/>
+            </a:gdLst>
+            <a:ahLst/>
+            <a:cxnLst>
+              <a:cxn ang="0">
+                <a:pos x="T0" y="T1"/>
+              </a:cxn>
+              <a:cxn ang="0">
+                <a:pos x="T2" y="T3"/>
+              </a:cxn>
+              <a:cxn ang="0">
+                <a:pos x="T4" y="T5"/>
+              </a:cxn>
+              <a:cxn ang="0">
+                <a:pos x="T6" y="T7"/>
+              </a:cxn>
+              <a:cxn ang="0">
+                <a:pos x="T8" y="T9"/>
+              </a:cxn>
+            </a:cxnLst>
+            <a:rect l="0" t="0" r="r" b="b"/>
+            <a:pathLst>
+              <a:path w="447" h="1363">
+                <a:moveTo>
+                  <a:pt x="447" y="1363"/>
+                </a:moveTo>
+                <a:lnTo>
+                  <a:pt x="0" y="987"/>
+                </a:lnTo>
+                <a:lnTo>
+                  <a:pt x="0" y="0"/>
+                </a:lnTo>
+                <a:lnTo>
+                  <a:pt x="447" y="376"/>
+                </a:lnTo>
+                <a:lnTo>
+                  <a:pt x="447" y="1363"/>
+                </a:lnTo>
+                <a:close/>
+              </a:path>
+            </a:pathLst>
+          </a:custGeom>
+          <a:solidFill>
+            <a:schemeClr val="accent1">
+              <a:lumMod val="50000"/>
+            </a:schemeClr>
+          </a:solidFill>
+          <a:ln>
+            <a:noFill/>
+          </a:ln>
+        </p:spPr>
+        <p:txBody>
+          <a:bodyPr vert="horz" wrap="square" lIns="91440" tIns="45720" rIns="91440" bIns="45720" numCol="1" anchor="t" anchorCtr="0" compatLnSpc="1">
+            <a:prstTxWarp prst="textNoShape">
+              <a:avLst/>
+            </a:prstTxWarp>
+          </a:bodyPr>
+          <a:lstStyle/>
+          <a:p>
+            <a:endParaRPr lang="en-US"/>
+          </a:p>
+        </p:txBody>
+      </p:sp>
+      <p:sp>
+        <p:nvSpPr>
+          <p:cNvPr id="12" name="Freeform 46">
+            <a:extLst>
+              <a:ext uri="{FF2B5EF4-FFF2-40B4-BE49-F238E27FC236}">
+                <a16:creationId xmlns:a16="http://schemas.microsoft.com/office/drawing/2014/main" id="{2AEBC8F2-97B1-41B4-93F1-2D289E197FBA}"/>
+              </a:ext>
+              <a:ext uri="{C183D7F6-B498-43B3-948B-1728B52AA6E4}">
+                <adec:decorative xmlns:adec="http://schemas.microsoft.com/office/drawing/2017/decorative" val="1"/>
+              </a:ext>
+            </a:extLst>
+          </p:cNvPr>
+          <p:cNvSpPr>
+            <a:spLocks noGrp="1" noRot="1" noChangeAspect="1" noMove="1" noResize="1" noEditPoints="1" noAdjustHandles="1" noChangeArrowheads="1" noChangeShapeType="1" noTextEdit="1"/>
+          </p:cNvSpPr>
+          <p:nvPr>
+            <p:extLst>
+              <p:ext uri="{386F3935-93C4-4BCD-93E2-E3B085C9AB24}">
+                <p16:designElem xmlns:p16="http://schemas.microsoft.com/office/powerpoint/2015/main" val="1"/>
+              </p:ext>
+            </p:extLst>
+          </p:nvPr>
+        </p:nvSpPr>
+        <p:spPr bwMode="auto">
+          <a:xfrm>
+            <a:off x="409710" y="837744"/>
+            <a:ext cx="403225" cy="1705431"/>
+          </a:xfrm>
+          <a:custGeom>
+            <a:avLst/>
+            <a:gdLst>
+              <a:gd name="T0" fmla="*/ 254 w 254"/>
+              <a:gd name="T1" fmla="*/ 987 h 1109"/>
+              <a:gd name="T2" fmla="*/ 0 w 254"/>
+              <a:gd name="T3" fmla="*/ 1109 h 1109"/>
+              <a:gd name="T4" fmla="*/ 0 w 254"/>
+              <a:gd name="T5" fmla="*/ 119 h 1109"/>
+              <a:gd name="T6" fmla="*/ 254 w 254"/>
+              <a:gd name="T7" fmla="*/ 0 h 1109"/>
+              <a:gd name="T8" fmla="*/ 254 w 254"/>
+              <a:gd name="T9" fmla="*/ 987 h 1109"/>
+            </a:gdLst>
+            <a:ahLst/>
+            <a:cxnLst>
+              <a:cxn ang="0">
+                <a:pos x="T0" y="T1"/>
+              </a:cxn>
+              <a:cxn ang="0">
+                <a:pos x="T2" y="T3"/>
+              </a:cxn>
+              <a:cxn ang="0">
+                <a:pos x="T4" y="T5"/>
+              </a:cxn>
+              <a:cxn ang="0">
+                <a:pos x="T6" y="T7"/>
+              </a:cxn>
+              <a:cxn ang="0">
+                <a:pos x="T8" y="T9"/>
+              </a:cxn>
+            </a:cxnLst>
+            <a:rect l="0" t="0" r="r" b="b"/>
+            <a:pathLst>
+              <a:path w="254" h="1109">
+                <a:moveTo>
+                  <a:pt x="254" y="987"/>
+                </a:moveTo>
+                <a:lnTo>
+                  <a:pt x="0" y="1109"/>
+                </a:lnTo>
+                <a:lnTo>
+                  <a:pt x="0" y="119"/>
+                </a:lnTo>
+                <a:lnTo>
+                  <a:pt x="254" y="0"/>
+                </a:lnTo>
+                <a:lnTo>
+                  <a:pt x="254" y="987"/>
+                </a:lnTo>
+                <a:close/>
+              </a:path>
+            </a:pathLst>
+          </a:custGeom>
+          <a:solidFill>
+            <a:schemeClr val="accent1">
+              <a:lumMod val="75000"/>
+            </a:schemeClr>
+          </a:solidFill>
+          <a:ln>
+            <a:noFill/>
+          </a:ln>
+        </p:spPr>
+        <p:txBody>
+          <a:bodyPr vert="horz" wrap="square" lIns="91440" tIns="45720" rIns="91440" bIns="45720" numCol="1" anchor="t" anchorCtr="0" compatLnSpc="1">
+            <a:prstTxWarp prst="textNoShape">
+              <a:avLst/>
+            </a:prstTxWarp>
+          </a:bodyPr>
+          <a:lstStyle/>
+          <a:p>
+            <a:endParaRPr lang="en-US"/>
+          </a:p>
+        </p:txBody>
+      </p:sp>
+      <p:sp>
+        <p:nvSpPr>
+          <p:cNvPr id="14" name="Freeform 47">
+            <a:extLst>
+              <a:ext uri="{FF2B5EF4-FFF2-40B4-BE49-F238E27FC236}">
+                <a16:creationId xmlns:a16="http://schemas.microsoft.com/office/drawing/2014/main" id="{472E3A19-F5D5-48FC-BB9C-48C2F68F598B}"/>
+              </a:ext>
+              <a:ext uri="{C183D7F6-B498-43B3-948B-1728B52AA6E4}">
+                <adec:decorative xmlns:adec="http://schemas.microsoft.com/office/drawing/2017/decorative" val="1"/>
+              </a:ext>
+            </a:extLst>
+          </p:cNvPr>
+          <p:cNvSpPr>
+            <a:spLocks noGrp="1" noRot="1" noChangeAspect="1" noMove="1" noResize="1" noEditPoints="1" noAdjustHandles="1" noChangeArrowheads="1" noChangeShapeType="1" noTextEdit="1"/>
+          </p:cNvSpPr>
+          <p:nvPr>
+            <p:extLst>
+              <p:ext uri="{386F3935-93C4-4BCD-93E2-E3B085C9AB24}">
+                <p16:designElem xmlns:p16="http://schemas.microsoft.com/office/powerpoint/2015/main" val="1"/>
+              </p:ext>
+            </p:extLst>
+          </p:nvPr>
+        </p:nvSpPr>
+        <p:spPr bwMode="auto">
+          <a:xfrm>
+            <a:off x="644660" y="640894"/>
+            <a:ext cx="168275" cy="1713195"/>
+          </a:xfrm>
+          <a:custGeom>
+            <a:avLst/>
+            <a:gdLst>
+              <a:gd name="T0" fmla="*/ 106 w 106"/>
+              <a:gd name="T1" fmla="*/ 1114 h 1114"/>
+              <a:gd name="T2" fmla="*/ 0 w 106"/>
+              <a:gd name="T3" fmla="*/ 1005 h 1114"/>
+              <a:gd name="T4" fmla="*/ 0 w 106"/>
+              <a:gd name="T5" fmla="*/ 0 h 1114"/>
+              <a:gd name="T6" fmla="*/ 106 w 106"/>
+              <a:gd name="T7" fmla="*/ 110 h 1114"/>
+              <a:gd name="T8" fmla="*/ 106 w 106"/>
+              <a:gd name="T9" fmla="*/ 1114 h 1114"/>
+            </a:gdLst>
+            <a:ahLst/>
+            <a:cxnLst>
+              <a:cxn ang="0">
+                <a:pos x="T0" y="T1"/>
+              </a:cxn>
+              <a:cxn ang="0">
+                <a:pos x="T2" y="T3"/>
+              </a:cxn>
+              <a:cxn ang="0">
+                <a:pos x="T4" y="T5"/>
+              </a:cxn>
+              <a:cxn ang="0">
+                <a:pos x="T6" y="T7"/>
+              </a:cxn>
+              <a:cxn ang="0">
+                <a:pos x="T8" y="T9"/>
+              </a:cxn>
+            </a:cxnLst>
+            <a:rect l="0" t="0" r="r" b="b"/>
+            <a:pathLst>
+              <a:path w="106" h="1114">
+                <a:moveTo>
+                  <a:pt x="106" y="1114"/>
+                </a:moveTo>
+                <a:lnTo>
+                  <a:pt x="0" y="1005"/>
+                </a:lnTo>
+                <a:lnTo>
+                  <a:pt x="0" y="0"/>
+                </a:lnTo>
+                <a:lnTo>
+                  <a:pt x="106" y="110"/>
+                </a:lnTo>
+                <a:lnTo>
+                  <a:pt x="106" y="1114"/>
+                </a:lnTo>
+                <a:close/>
+              </a:path>
+            </a:pathLst>
+          </a:custGeom>
+          <a:solidFill>
+            <a:schemeClr val="accent1">
+              <a:lumMod val="50000"/>
+            </a:schemeClr>
+          </a:solidFill>
+          <a:ln>
+            <a:noFill/>
+          </a:ln>
+        </p:spPr>
+        <p:txBody>
+          <a:bodyPr vert="horz" wrap="square" lIns="91440" tIns="45720" rIns="91440" bIns="45720" numCol="1" anchor="t" anchorCtr="0" compatLnSpc="1">
+            <a:prstTxWarp prst="textNoShape">
+              <a:avLst/>
+            </a:prstTxWarp>
+          </a:bodyPr>
+          <a:lstStyle/>
+          <a:p>
+            <a:endParaRPr lang="en-US"/>
+          </a:p>
+        </p:txBody>
+      </p:sp>
+      <p:sp>
+        <p:nvSpPr>
+          <p:cNvPr id="16" name="Freeform 44">
+            <a:extLst>
+              <a:ext uri="{FF2B5EF4-FFF2-40B4-BE49-F238E27FC236}">
+                <a16:creationId xmlns:a16="http://schemas.microsoft.com/office/drawing/2014/main" id="{7A62E32F-BB65-43A8-8EB5-92346890E549}"/>
+              </a:ext>
+              <a:ext uri="{C183D7F6-B498-43B3-948B-1728B52AA6E4}">
+                <adec:decorative xmlns:adec="http://schemas.microsoft.com/office/drawing/2017/decorative" val="1"/>
+              </a:ext>
+            </a:extLst>
+          </p:cNvPr>
+          <p:cNvSpPr>
+            <a:spLocks noGrp="1" noRot="1" noChangeAspect="1" noMove="1" noResize="1" noEditPoints="1" noAdjustHandles="1" noChangeArrowheads="1" noChangeShapeType="1" noTextEdit="1"/>
+          </p:cNvSpPr>
+          <p:nvPr>
+            <p:extLst>
+              <p:ext uri="{386F3935-93C4-4BCD-93E2-E3B085C9AB24}">
+                <p16:designElem xmlns:p16="http://schemas.microsoft.com/office/powerpoint/2015/main" val="1"/>
+              </p:ext>
+            </p:extLst>
+          </p:nvPr>
+        </p:nvSpPr>
+        <p:spPr bwMode="auto">
+          <a:xfrm>
+            <a:off x="11223203" y="635716"/>
+            <a:ext cx="328612" cy="1742360"/>
+          </a:xfrm>
+          <a:custGeom>
+            <a:avLst/>
+            <a:gdLst>
+              <a:gd name="T0" fmla="*/ 207 w 207"/>
+              <a:gd name="T1" fmla="*/ 987 h 1114"/>
+              <a:gd name="T2" fmla="*/ 0 w 207"/>
+              <a:gd name="T3" fmla="*/ 1114 h 1114"/>
+              <a:gd name="T4" fmla="*/ 0 w 207"/>
+              <a:gd name="T5" fmla="*/ 127 h 1114"/>
+              <a:gd name="T6" fmla="*/ 207 w 207"/>
+              <a:gd name="T7" fmla="*/ 0 h 1114"/>
+              <a:gd name="T8" fmla="*/ 207 w 207"/>
+              <a:gd name="T9" fmla="*/ 987 h 1114"/>
+            </a:gdLst>
+            <a:ahLst/>
+            <a:cxnLst>
+              <a:cxn ang="0">
+                <a:pos x="T0" y="T1"/>
+              </a:cxn>
+              <a:cxn ang="0">
+                <a:pos x="T2" y="T3"/>
+              </a:cxn>
+              <a:cxn ang="0">
+                <a:pos x="T4" y="T5"/>
+              </a:cxn>
+              <a:cxn ang="0">
+                <a:pos x="T6" y="T7"/>
+              </a:cxn>
+              <a:cxn ang="0">
+                <a:pos x="T8" y="T9"/>
+              </a:cxn>
+            </a:cxnLst>
+            <a:rect l="0" t="0" r="r" b="b"/>
+            <a:pathLst>
+              <a:path w="207" h="1114">
+                <a:moveTo>
+                  <a:pt x="207" y="987"/>
+                </a:moveTo>
+                <a:lnTo>
+                  <a:pt x="0" y="1114"/>
+                </a:lnTo>
+                <a:lnTo>
+                  <a:pt x="0" y="127"/>
+                </a:lnTo>
+                <a:lnTo>
+                  <a:pt x="207" y="0"/>
+                </a:lnTo>
+                <a:lnTo>
+                  <a:pt x="207" y="987"/>
+                </a:lnTo>
+                <a:close/>
+              </a:path>
+            </a:pathLst>
+          </a:custGeom>
+          <a:solidFill>
+            <a:schemeClr val="accent1">
+              <a:lumMod val="50000"/>
+            </a:schemeClr>
+          </a:solidFill>
+          <a:ln>
+            <a:noFill/>
+          </a:ln>
+        </p:spPr>
+        <p:txBody>
+          <a:bodyPr vert="horz" wrap="square" lIns="91440" tIns="45720" rIns="91440" bIns="45720" numCol="1" anchor="t" anchorCtr="0" compatLnSpc="1">
+            <a:prstTxWarp prst="textNoShape">
+              <a:avLst/>
+            </a:prstTxWarp>
+          </a:bodyPr>
+          <a:lstStyle/>
+          <a:p>
+            <a:endParaRPr lang="en-US"/>
+          </a:p>
+        </p:txBody>
+      </p:sp>
+      <p:sp>
+        <p:nvSpPr>
+          <p:cNvPr id="18" name="Rectangle 17">
+            <a:extLst>
+              <a:ext uri="{FF2B5EF4-FFF2-40B4-BE49-F238E27FC236}">
+                <a16:creationId xmlns:a16="http://schemas.microsoft.com/office/drawing/2014/main" id="{14E91B64-9FCC-451E-AFB4-A827D6329367}"/>
+              </a:ext>
+              <a:ext uri="{C183D7F6-B498-43B3-948B-1728B52AA6E4}">
+                <adec:decorative xmlns:adec="http://schemas.microsoft.com/office/drawing/2017/decorative" val="1"/>
+              </a:ext>
+            </a:extLst>
+          </p:cNvPr>
+          <p:cNvSpPr>
+            <a:spLocks noGrp="1" noRot="1" noChangeAspect="1" noMove="1" noResize="1" noEditPoints="1" noAdjustHandles="1" noChangeArrowheads="1" noChangeShapeType="1" noTextEdit="1"/>
+          </p:cNvSpPr>
+          <p:nvPr>
+            <p:extLst>
+              <p:ext uri="{386F3935-93C4-4BCD-93E2-E3B085C9AB24}">
+                <p16:designElem xmlns:p16="http://schemas.microsoft.com/office/powerpoint/2015/main" val="1"/>
+              </p:ext>
+            </p:extLst>
+          </p:nvPr>
+        </p:nvSpPr>
+        <p:spPr bwMode="auto">
+          <a:xfrm>
+            <a:off x="644055" y="635715"/>
+            <a:ext cx="10907863" cy="1541457"/>
+          </a:xfrm>
+          <a:prstGeom prst="rect">
+            <a:avLst/>
+          </a:prstGeom>
+          <a:solidFill>
+            <a:schemeClr val="accent1"/>
+          </a:solidFill>
+          <a:ln>
+            <a:noFill/>
+          </a:ln>
+        </p:spPr>
+        <p:txBody>
+          <a:bodyPr vert="horz" wrap="square" lIns="91440" tIns="45720" rIns="91440" bIns="45720" numCol="1" anchor="t" anchorCtr="0" compatLnSpc="1">
+            <a:prstTxWarp prst="textNoShape">
+              <a:avLst/>
+            </a:prstTxWarp>
+          </a:bodyPr>
+          <a:lstStyle/>
+          <a:p>
+            <a:endParaRPr lang="en-US"/>
+          </a:p>
+        </p:txBody>
+      </p:sp>
       <p:sp>
         <p:nvSpPr>
           <p:cNvPr id="2" name="Title 1">
@@ -5230,13 +8918,24 @@
             <p:ph type="title"/>
           </p:nvPr>
         </p:nvSpPr>
-        <p:spPr/>
-        <p:txBody>
-          <a:bodyPr/>
+        <p:spPr>
+          <a:xfrm>
+            <a:off x="958506" y="800392"/>
+            <a:ext cx="10264697" cy="1212102"/>
+          </a:xfrm>
+        </p:spPr>
+        <p:txBody>
+          <a:bodyPr>
+            <a:normAutofit/>
+          </a:bodyPr>
           <a:lstStyle/>
           <a:p>
             <a:r>
-              <a:rPr lang="en-US" b="1" dirty="0"/>
+              <a:rPr lang="en-US" sz="4000" b="1">
+                <a:solidFill>
+                  <a:srgbClr val="FFFFFF"/>
+                </a:solidFill>
+              </a:rPr>
               <a:t>Team and Contributions</a:t>
             </a:r>
           </a:p>
@@ -5258,109 +8957,104 @@
             <p:ph idx="1"/>
           </p:nvPr>
         </p:nvSpPr>
-        <p:spPr/>
-        <p:txBody>
-          <a:bodyPr/>
+        <p:spPr>
+          <a:xfrm>
+            <a:off x="1367624" y="2490436"/>
+            <a:ext cx="9708995" cy="3567173"/>
+          </a:xfrm>
+        </p:spPr>
+        <p:txBody>
+          <a:bodyPr anchor="ctr">
+            <a:normAutofit/>
+          </a:bodyPr>
           <a:lstStyle/>
           <a:p>
-            <a:r>
-              <a:rPr lang="en-US" sz="2800" b="0" dirty="0">
-                <a:solidFill>
-                  <a:srgbClr val="0070C0"/>
-                </a:solidFill>
+            <a:pPr marL="0" indent="0">
+              <a:buNone/>
+            </a:pPr>
+            <a:r>
+              <a:rPr lang="en-US" sz="2000" b="0" dirty="0">
                 <a:effectLst/>
               </a:rPr>
               <a:t>Harsh </a:t>
             </a:r>
             <a:r>
-              <a:rPr lang="en-US" sz="2800" b="0" dirty="0" err="1">
-                <a:solidFill>
-                  <a:srgbClr val="0070C0"/>
-                </a:solidFill>
+              <a:rPr lang="en-US" sz="2000" b="0" dirty="0" err="1">
                 <a:effectLst/>
               </a:rPr>
               <a:t>Bolakani</a:t>
             </a:r>
-            <a:endParaRPr lang="en-US" sz="2800" b="0" dirty="0">
-              <a:solidFill>
-                <a:srgbClr val="0070C0"/>
-              </a:solidFill>
+            <a:endParaRPr lang="en-US" sz="2000" b="0" dirty="0">
               <a:effectLst/>
             </a:endParaRPr>
           </a:p>
           <a:p>
-            <a:pPr lvl="1"/>
-            <a:r>
-              <a:rPr lang="en-US" dirty="0">
-                <a:solidFill>
-                  <a:srgbClr val="0070C0"/>
-                </a:solidFill>
+            <a:pPr marL="685800"/>
+            <a:r>
+              <a:rPr lang="en-US" sz="2000" b="0" i="0" dirty="0">
+                <a:effectLst/>
+                <a:latin typeface="-apple-system"/>
               </a:rPr>
-              <a:t>Words…</a:t>
-            </a:r>
-          </a:p>
-          <a:p>
-            <a:pPr lvl="1"/>
-            <a:r>
-              <a:rPr lang="en-US" dirty="0">
-                <a:solidFill>
-                  <a:srgbClr val="0070C0"/>
-                </a:solidFill>
+              <a:t>API Research</a:t>
+            </a:r>
+          </a:p>
+          <a:p>
+            <a:pPr marL="685800"/>
+            <a:r>
+              <a:rPr lang="en-US" sz="2000" b="0" i="0" dirty="0">
+                <a:effectLst/>
+                <a:latin typeface="-apple-system"/>
               </a:rPr>
-              <a:t>Words…</a:t>
-            </a:r>
-            <a:endParaRPr lang="en-US" b="0" dirty="0">
-              <a:solidFill>
-                <a:srgbClr val="0070C0"/>
-              </a:solidFill>
+              <a:t>Data pre-pro</a:t>
+            </a:r>
+            <a:r>
+              <a:rPr lang="en-US" sz="2000" dirty="0">
+                <a:latin typeface="-apple-system"/>
+              </a:rPr>
+              <a:t>cessing</a:t>
+            </a:r>
+            <a:endParaRPr lang="en-US" sz="2000" b="0" i="0" dirty="0">
               <a:effectLst/>
+              <a:latin typeface="-apple-system"/>
             </a:endParaRPr>
           </a:p>
           <a:p>
-            <a:r>
-              <a:rPr lang="en-US" sz="2800" b="0" dirty="0">
-                <a:solidFill>
-                  <a:srgbClr val="002060"/>
-                </a:solidFill>
+            <a:pPr marL="0" indent="0">
+              <a:buNone/>
+            </a:pPr>
+            <a:r>
+              <a:rPr lang="en-US" sz="2000" b="0" dirty="0">
                 <a:effectLst/>
               </a:rPr>
               <a:t>Greg Morgan</a:t>
             </a:r>
           </a:p>
           <a:p>
-            <a:pPr lvl="1"/>
-            <a:r>
-              <a:rPr lang="en-US" dirty="0">
-                <a:solidFill>
-                  <a:srgbClr val="002060"/>
-                </a:solidFill>
+            <a:pPr marL="685800"/>
+            <a:r>
+              <a:rPr lang="en-US" sz="2000" b="0" i="0" dirty="0">
+                <a:effectLst/>
+                <a:latin typeface="-apple-system"/>
               </a:rPr>
-              <a:t>Words…</a:t>
-            </a:r>
-          </a:p>
-          <a:p>
-            <a:pPr lvl="1"/>
-            <a:r>
-              <a:rPr lang="en-US" dirty="0">
-                <a:solidFill>
-                  <a:srgbClr val="002060"/>
-                </a:solidFill>
+              <a:t>Web Scraping Research</a:t>
+            </a:r>
+          </a:p>
+          <a:p>
+            <a:pPr marL="685800"/>
+            <a:r>
+              <a:rPr lang="en-US" sz="2000" b="0" i="0" dirty="0">
+                <a:effectLst/>
+                <a:latin typeface="-apple-system"/>
               </a:rPr>
-              <a:t>Words…</a:t>
-            </a:r>
-            <a:endParaRPr lang="en-US" b="0" dirty="0">
-              <a:solidFill>
-                <a:srgbClr val="002060"/>
-              </a:solidFill>
-              <a:effectLst/>
-            </a:endParaRPr>
-          </a:p>
-          <a:p>
-            <a:r>
-              <a:rPr lang="en-US" sz="2800" b="0" dirty="0">
-                <a:solidFill>
-                  <a:srgbClr val="7030A0"/>
-                </a:solidFill>
+              <a:t>Data acquisition</a:t>
+            </a:r>
+          </a:p>
+          <a:p>
+            <a:pPr marL="0" indent="0">
+              <a:buNone/>
+            </a:pPr>
+            <a:r>
+              <a:rPr lang="en-US" sz="2000" b="0" dirty="0">
                 <a:effectLst/>
               </a:rPr>
               <a:t>Trevor Pawlewicz</a:t>
@@ -5369,22 +9063,14 @@
           <a:p>
             <a:pPr lvl="1"/>
             <a:r>
-              <a:rPr lang="en-US" dirty="0">
-                <a:solidFill>
-                  <a:srgbClr val="7030A0"/>
-                </a:solidFill>
-              </a:rPr>
+              <a:rPr lang="en-US" sz="2000" dirty="0"/>
               <a:t>Idea concept</a:t>
             </a:r>
           </a:p>
           <a:p>
             <a:pPr lvl="1"/>
             <a:r>
-              <a:rPr lang="en-US" dirty="0">
-                <a:solidFill>
-                  <a:srgbClr val="7030A0"/>
-                </a:solidFill>
-              </a:rPr>
+              <a:rPr lang="en-US" sz="2000" dirty="0"/>
               <a:t>Product management</a:t>
             </a:r>
           </a:p>
@@ -9153,7 +12839,7 @@
               <a:buAutoNum type="arabicPeriod"/>
             </a:pPr>
             <a:r>
-              <a:rPr lang="en-US" sz="2400" i="0" u="none" strike="noStrike" dirty="0">
+              <a:rPr lang="en-US" i="0" u="none" strike="noStrike" dirty="0">
                 <a:solidFill>
                   <a:srgbClr val="002060"/>
                 </a:solidFill>
@@ -9162,7 +12848,7 @@
               <a:t>Register for an API key (</a:t>
             </a:r>
             <a:r>
-              <a:rPr lang="en-US" sz="2400" i="0" u="none" strike="noStrike" dirty="0" err="1">
+              <a:rPr lang="en-US" i="0" u="none" strike="noStrike" dirty="0" err="1">
                 <a:solidFill>
                   <a:srgbClr val="FF4376"/>
                 </a:solidFill>
@@ -9171,7 +12857,7 @@
               <a:t>musixmatch</a:t>
             </a:r>
             <a:r>
-              <a:rPr lang="en-US" sz="2400" i="0" u="none" strike="noStrike" dirty="0">
+              <a:rPr lang="en-US" i="0" u="none" strike="noStrike" dirty="0">
                 <a:solidFill>
                   <a:srgbClr val="002060"/>
                 </a:solidFill>
@@ -9186,25 +12872,61 @@
               <a:buAutoNum type="arabicPeriod"/>
             </a:pPr>
             <a:r>
-              <a:rPr lang="en-US" sz="2400" i="0" u="none" strike="noStrike" dirty="0">
+              <a:rPr lang="en-US" b="0" i="0" dirty="0">
+                <a:solidFill>
+                  <a:srgbClr val="002060"/>
+                </a:solidFill>
+                <a:effectLst/>
+                <a:latin typeface="-apple-system"/>
+              </a:rPr>
+              <a:t>Retrieve song list and genre metadata from API (</a:t>
+            </a:r>
+            <a:r>
+              <a:rPr lang="en-US" b="0" i="0" dirty="0" err="1">
+                <a:solidFill>
+                  <a:srgbClr val="FF4376"/>
+                </a:solidFill>
+                <a:effectLst/>
+                <a:latin typeface="-apple-system"/>
+              </a:rPr>
+              <a:t>musixmatch</a:t>
+            </a:r>
+            <a:r>
+              <a:rPr lang="en-US" b="0" i="0" dirty="0">
+                <a:solidFill>
+                  <a:srgbClr val="002060"/>
+                </a:solidFill>
+                <a:effectLst/>
+                <a:latin typeface="-apple-system"/>
+              </a:rPr>
+              <a:t>)</a:t>
+            </a:r>
+          </a:p>
+          <a:p>
+            <a:pPr marL="457200" indent="-457200">
+              <a:buFont typeface="+mj-lt"/>
+              <a:buAutoNum type="arabicPeriod"/>
+            </a:pPr>
+            <a:r>
+              <a:rPr lang="en-US" i="0" u="none" strike="noStrike" dirty="0">
                 <a:solidFill>
                   <a:srgbClr val="002060"/>
                 </a:solidFill>
                 <a:effectLst/>
               </a:rPr>
-              <a:t>Setup Imports and API Authentication (</a:t>
-            </a:r>
-            <a:r>
-              <a:rPr lang="en-US" sz="2400" i="0" u="none" strike="noStrike" dirty="0" err="1">
+              <a:t>Scrape Lyric Data with Beautiful Soup (</a:t>
+            </a:r>
+            <a:r>
+              <a:rPr lang="en-US" i="0" u="none" strike="noStrike" dirty="0">
                 <a:solidFill>
-                  <a:srgbClr val="FF4376"/>
+                  <a:srgbClr val="FFC000"/>
                 </a:solidFill>
                 <a:effectLst/>
               </a:rPr>
-              <a:t>musixmatch</a:t>
-            </a:r>
-            <a:r>
-              <a:rPr lang="en-US" sz="2400" i="0" u="none" strike="noStrike" dirty="0">
+              <a:t>genius</a:t>
+            </a:r>
+            <a:r>
+              <a:rPr lang="en-US" i="0" u="none" strike="noStrike" dirty="0">
                 <a:solidFill>
                   <a:srgbClr val="002060"/>
                 </a:solidFill>
@@ -9219,90 +12941,7 @@
               <a:buAutoNum type="arabicPeriod"/>
             </a:pPr>
             <a:r>
-              <a:rPr lang="en-US" sz="2400" i="0" u="none" strike="noStrike" dirty="0">
-                <a:solidFill>
-                  <a:srgbClr val="002060"/>
-                </a:solidFill>
-                <a:effectLst/>
-              </a:rPr>
-              <a:t>Retrieve </a:t>
-            </a:r>
-            <a:r>
-              <a:rPr lang="en-US" sz="2400" dirty="0">
-                <a:solidFill>
-                  <a:srgbClr val="002060"/>
-                </a:solidFill>
-              </a:rPr>
-              <a:t>s</a:t>
-            </a:r>
-            <a:r>
-              <a:rPr lang="en-US" sz="2400" i="0" u="none" strike="noStrike" dirty="0">
-                <a:solidFill>
-                  <a:srgbClr val="002060"/>
-                </a:solidFill>
-                <a:effectLst/>
-              </a:rPr>
-              <a:t>ong list from URL with parameters for a data query (</a:t>
-            </a:r>
-            <a:r>
-              <a:rPr lang="en-US" sz="2400" i="0" u="none" strike="noStrike" dirty="0">
-                <a:solidFill>
-                  <a:srgbClr val="FFC000"/>
-                </a:solidFill>
-                <a:effectLst/>
-              </a:rPr>
-              <a:t>genius</a:t>
-            </a:r>
-            <a:r>
-              <a:rPr lang="en-US" sz="2400" i="0" u="none" strike="noStrike" dirty="0">
-                <a:solidFill>
-                  <a:srgbClr val="002060"/>
-                </a:solidFill>
-                <a:effectLst/>
-              </a:rPr>
-              <a:t>)</a:t>
-            </a:r>
-          </a:p>
-          <a:p>
-            <a:pPr marL="457200" indent="-457200">
-              <a:buFont typeface="+mj-lt"/>
-              <a:buAutoNum type="arabicPeriod"/>
-            </a:pPr>
-            <a:r>
-              <a:rPr lang="en-US" sz="2400" i="0" u="none" strike="noStrike" dirty="0">
-                <a:solidFill>
-                  <a:srgbClr val="002060"/>
-                </a:solidFill>
-                <a:effectLst/>
-              </a:rPr>
-              <a:t>Scrape Lyric Data with Beautiful Soup (</a:t>
-            </a:r>
-            <a:r>
-              <a:rPr lang="en-US" sz="2400" i="0" u="none" strike="noStrike" dirty="0">
-                <a:solidFill>
-                  <a:srgbClr val="FFC000"/>
-                </a:solidFill>
-                <a:effectLst/>
-              </a:rPr>
-              <a:t>genius</a:t>
-            </a:r>
-            <a:r>
-              <a:rPr lang="en-US" sz="2400" i="0" u="none" strike="noStrike" dirty="0">
-                <a:solidFill>
-                  <a:srgbClr val="002060"/>
-                </a:solidFill>
-                <a:effectLst/>
-              </a:rPr>
-              <a:t>)</a:t>
-            </a:r>
-          </a:p>
-          <a:p>
-            <a:pPr marL="457200" indent="-457200">
-              <a:buFont typeface="+mj-lt"/>
-              <a:buAutoNum type="arabicPeriod"/>
-            </a:pPr>
-            <a:r>
-              <a:rPr lang="en-US" sz="2400" i="0" u="none" strike="noStrike" dirty="0">
+              <a:rPr lang="en-US" i="0" u="none" strike="noStrike" dirty="0">
                 <a:solidFill>
                   <a:srgbClr val="002060"/>
                 </a:solidFill>
@@ -9317,7 +12956,7 @@
               <a:buAutoNum type="arabicPeriod"/>
             </a:pPr>
             <a:r>
-              <a:rPr lang="en-US" sz="2400" i="0" u="none" strike="noStrike" dirty="0">
+              <a:rPr lang="en-US" i="0" u="none" strike="noStrike" dirty="0">
                 <a:solidFill>
                   <a:srgbClr val="002060"/>
                 </a:solidFill>
@@ -9332,7 +12971,7 @@
               <a:buAutoNum type="arabicPeriod"/>
             </a:pPr>
             <a:r>
-              <a:rPr lang="en-US" sz="2400" i="0" u="none" strike="noStrike" dirty="0">
+              <a:rPr lang="en-US" i="0" u="none" strike="noStrike" dirty="0">
                 <a:solidFill>
                   <a:srgbClr val="002060"/>
                 </a:solidFill>
@@ -9347,7 +12986,7 @@
               <a:buAutoNum type="arabicPeriod"/>
             </a:pPr>
             <a:r>
-              <a:rPr lang="en-US" sz="2400" i="0" u="none" strike="noStrike" dirty="0">
+              <a:rPr lang="en-US" i="0" u="none" strike="noStrike" dirty="0">
                 <a:solidFill>
                   <a:srgbClr val="002060"/>
                 </a:solidFill>
@@ -9356,7 +12995,7 @@
               <a:t>Output </a:t>
             </a:r>
             <a:r>
-              <a:rPr lang="en-US" sz="2400" i="0" u="none" strike="noStrike" dirty="0">
+              <a:rPr lang="en-US" i="0" u="none" strike="noStrike" dirty="0">
                 <a:solidFill>
                   <a:srgbClr val="002060"/>
                 </a:solidFill>
@@ -9657,10 +13296,9 @@
           <a:lstStyle/>
           <a:p>
             <a:r>
-              <a:rPr lang="en-US" sz="4000" b="1"/>
-              <a:t>Preprocessing Our Data</a:t>
-            </a:r>
-            <a:endParaRPr lang="en-US" sz="4000" b="1" dirty="0"/>
+              <a:rPr lang="en-US" sz="4000" b="1" dirty="0"/>
+              <a:t>Acquisition &amp; Preprocessing Our Data</a:t>
+            </a:r>
           </a:p>
         </p:txBody>
       </p:sp>
@@ -9688,8 +13326,8 @@
         </p:blipFill>
         <p:spPr>
           <a:xfrm>
-            <a:off x="1690254" y="1602263"/>
-            <a:ext cx="8659089" cy="4249663"/>
+            <a:off x="1731586" y="1951758"/>
+            <a:ext cx="8728827" cy="4283889"/>
           </a:xfrm>
         </p:spPr>
       </p:pic>
@@ -9839,6 +13477,45 @@
           </a:p>
         </p:txBody>
       </p:sp>
+      <p:sp>
+        <p:nvSpPr>
+          <p:cNvPr id="3" name="TextBox 2">
+            <a:extLst>
+              <a:ext uri="{FF2B5EF4-FFF2-40B4-BE49-F238E27FC236}">
+                <a16:creationId xmlns:a16="http://schemas.microsoft.com/office/drawing/2014/main" id="{DBF3FE84-FB02-CCDB-0003-613AA375CF29}"/>
+              </a:ext>
+            </a:extLst>
+          </p:cNvPr>
+          <p:cNvSpPr txBox="1"/>
+          <p:nvPr/>
+        </p:nvSpPr>
+        <p:spPr>
+          <a:xfrm>
+            <a:off x="1731586" y="1556174"/>
+            <a:ext cx="6301065" cy="369332"/>
+          </a:xfrm>
+          <a:prstGeom prst="rect">
+            <a:avLst/>
+          </a:prstGeom>
+          <a:noFill/>
+        </p:spPr>
+        <p:txBody>
+          <a:bodyPr wrap="square" rtlCol="0">
+            <a:spAutoFit/>
+          </a:bodyPr>
+          <a:lstStyle/>
+          <a:p>
+            <a:r>
+              <a:rPr lang="en-US" dirty="0" err="1"/>
+              <a:t>Jupyter</a:t>
+            </a:r>
+            <a:r>
+              <a:rPr lang="en-US" dirty="0"/>
+              <a:t> notebook demo</a:t>
+            </a:r>
+          </a:p>
+        </p:txBody>
+      </p:sp>
     </p:spTree>
     <p:extLst>
       <p:ext uri="{BB962C8B-B14F-4D97-AF65-F5344CB8AC3E}">
@@ -9855,6 +13532,14 @@
 <file path=ppt/slides/slide8.xml><?xml version="1.0" encoding="utf-8"?>
 <p:sld xmlns:a="http://schemas.openxmlformats.org/drawingml/2006/main" xmlns:r="http://schemas.openxmlformats.org/officeDocument/2006/relationships" xmlns:p="http://schemas.openxmlformats.org/presentationml/2006/main">
   <p:cSld>
+    <p:bg>
+      <p:bgPr>
+        <a:solidFill>
+          <a:schemeClr val="bg1"/>
+        </a:solidFill>
+        <a:effectLst/>
+      </p:bgPr>
+    </p:bg>
     <p:spTree>
       <p:nvGrpSpPr>
         <p:cNvPr id="1" name=""/>
@@ -9871,10 +13556,105 @@
       </p:grpSpPr>
       <p:sp>
         <p:nvSpPr>
+          <p:cNvPr id="26" name="Down Arrow 7">
+            <a:extLst>
+              <a:ext uri="{FF2B5EF4-FFF2-40B4-BE49-F238E27FC236}">
+                <a16:creationId xmlns:a16="http://schemas.microsoft.com/office/drawing/2014/main" id="{73DE2CFE-42F2-48F0-8706-5264E012B10C}"/>
+              </a:ext>
+              <a:ext uri="{C183D7F6-B498-43B3-948B-1728B52AA6E4}">
+                <adec:decorative xmlns:adec="http://schemas.microsoft.com/office/drawing/2017/decorative" val="1"/>
+              </a:ext>
+            </a:extLst>
+          </p:cNvPr>
+          <p:cNvSpPr>
+            <a:spLocks noGrp="1" noRot="1" noChangeAspect="1" noMove="1" noResize="1" noEditPoints="1" noAdjustHandles="1" noChangeArrowheads="1" noChangeShapeType="1" noTextEdit="1"/>
+          </p:cNvSpPr>
+          <p:nvPr>
+            <p:extLst>
+              <p:ext uri="{386F3935-93C4-4BCD-93E2-E3B085C9AB24}">
+                <p16:designElem xmlns:p16="http://schemas.microsoft.com/office/powerpoint/2015/main" val="1"/>
+              </p:ext>
+            </p:extLst>
+          </p:nvPr>
+        </p:nvSpPr>
+        <p:spPr>
+          <a:xfrm rot="16200000">
+            <a:off x="1288521" y="381403"/>
+            <a:ext cx="2200313" cy="3342508"/>
+          </a:xfrm>
+          <a:prstGeom prst="downArrow">
+            <a:avLst>
+              <a:gd name="adj1" fmla="val 100000"/>
+              <a:gd name="adj2" fmla="val 15788"/>
+            </a:avLst>
+          </a:prstGeom>
+          <a:solidFill>
+            <a:srgbClr val="404040"/>
+          </a:solidFill>
+          <a:ln w="53975">
+            <a:noFill/>
+          </a:ln>
+        </p:spPr>
+        <p:style>
+          <a:lnRef idx="2">
+            <a:schemeClr val="accent1">
+              <a:shade val="50000"/>
+            </a:schemeClr>
+          </a:lnRef>
+          <a:fillRef idx="1">
+            <a:schemeClr val="accent1"/>
+          </a:fillRef>
+          <a:effectRef idx="0">
+            <a:schemeClr val="accent1"/>
+          </a:effectRef>
+          <a:fontRef idx="minor">
+            <a:schemeClr val="lt1"/>
+          </a:fontRef>
+        </p:style>
+        <p:txBody>
+          <a:bodyPr rtlCol="0" anchor="ctr"/>
+          <a:lstStyle/>
+          <a:p>
+            <a:pPr marL="0" marR="0" lvl="0" indent="0" algn="ctr" defTabSz="914400" rtl="0" eaLnBrk="1" fontAlgn="auto" latinLnBrk="0" hangingPunct="1">
+              <a:lnSpc>
+                <a:spcPct val="100000"/>
+              </a:lnSpc>
+              <a:spcBef>
+                <a:spcPts val="0"/>
+              </a:spcBef>
+              <a:spcAft>
+                <a:spcPts val="0"/>
+              </a:spcAft>
+              <a:buClrTx/>
+              <a:buSzTx/>
+              <a:buFontTx/>
+              <a:buNone/>
+              <a:tabLst/>
+              <a:defRPr/>
+            </a:pPr>
+            <a:endParaRPr kumimoji="0" lang="en-US" sz="1800" b="0" i="0" u="none" strike="noStrike" kern="1200" cap="none" spc="0" normalizeH="0" baseline="0" noProof="0">
+              <a:ln>
+                <a:noFill/>
+              </a:ln>
+              <a:solidFill>
+                <a:prstClr val="white"/>
+              </a:solidFill>
+              <a:effectLst/>
+              <a:uLnTx/>
+              <a:uFillTx/>
+              <a:latin typeface="Calibri" panose="020F0502020204030204"/>
+              <a:ea typeface="+mn-ea"/>
+              <a:cs typeface="+mn-cs"/>
+            </a:endParaRPr>
+          </a:p>
+        </p:txBody>
+      </p:sp>
+      <p:sp>
+        <p:nvSpPr>
           <p:cNvPr id="2" name="Title 1">
             <a:extLst>
               <a:ext uri="{FF2B5EF4-FFF2-40B4-BE49-F238E27FC236}">
-                <a16:creationId xmlns:a16="http://schemas.microsoft.com/office/drawing/2014/main" id="{F54CD119-5868-0A44-B523-6F9234BC943E}"/>
+                <a16:creationId xmlns:a16="http://schemas.microsoft.com/office/drawing/2014/main" id="{1518A51C-AC5C-224B-83E1-BE4285E72E3E}"/>
               </a:ext>
             </a:extLst>
           </p:cNvPr>
@@ -9885,50 +13665,201 @@
             <p:ph type="title"/>
           </p:nvPr>
         </p:nvSpPr>
-        <p:spPr/>
-        <p:txBody>
-          <a:bodyPr/>
+        <p:spPr>
+          <a:xfrm>
+            <a:off x="966951" y="1204108"/>
+            <a:ext cx="2864269" cy="1781175"/>
+          </a:xfrm>
+        </p:spPr>
+        <p:txBody>
+          <a:bodyPr vert="horz" lIns="91440" tIns="45720" rIns="91440" bIns="45720" rtlCol="0">
+            <a:normAutofit fontScale="90000"/>
+          </a:bodyPr>
           <a:lstStyle/>
           <a:p>
             <a:r>
-              <a:rPr lang="en-US" b="1" dirty="0"/>
-              <a:t>Distribution Approach</a:t>
-            </a:r>
-          </a:p>
-        </p:txBody>
-      </p:sp>
-      <p:sp>
-        <p:nvSpPr>
-          <p:cNvPr id="3" name="Content Placeholder 2">
+              <a:rPr lang="en-US" sz="3200" b="1" kern="1200" dirty="0">
+                <a:solidFill>
+                  <a:srgbClr val="FFFFFF"/>
+                </a:solidFill>
+                <a:latin typeface="+mj-lt"/>
+                <a:ea typeface="+mj-ea"/>
+                <a:cs typeface="+mj-cs"/>
+              </a:rPr>
+              <a:t>Distribution Approach:</a:t>
+            </a:r>
+            <a:br>
+              <a:rPr lang="en-US" sz="3200" b="1" kern="1200" dirty="0">
+                <a:solidFill>
+                  <a:srgbClr val="FFFFFF"/>
+                </a:solidFill>
+                <a:latin typeface="+mj-lt"/>
+                <a:ea typeface="+mj-ea"/>
+                <a:cs typeface="+mj-cs"/>
+              </a:rPr>
+            </a:br>
+            <a:r>
+              <a:rPr lang="en-US" sz="2000" b="1" kern="1200" dirty="0">
+                <a:solidFill>
+                  <a:srgbClr val="00B0F0"/>
+                </a:solidFill>
+                <a:latin typeface="+mj-lt"/>
+                <a:ea typeface="+mj-ea"/>
+                <a:cs typeface="+mj-cs"/>
+              </a:rPr>
+              <a:t>JSON file hosted on GitHub</a:t>
+            </a:r>
+            <a:br>
+              <a:rPr lang="en-US" sz="3200" b="1" kern="1200" dirty="0">
+                <a:solidFill>
+                  <a:srgbClr val="FFFFFF"/>
+                </a:solidFill>
+                <a:latin typeface="+mj-lt"/>
+                <a:ea typeface="+mj-ea"/>
+                <a:cs typeface="+mj-cs"/>
+              </a:rPr>
+            </a:br>
+            <a:r>
+              <a:rPr lang="en-US" sz="1000" b="1" kern="1200" dirty="0">
+                <a:solidFill>
+                  <a:srgbClr val="00FFFF"/>
+                </a:solidFill>
+                <a:latin typeface="+mj-lt"/>
+                <a:ea typeface="+mj-ea"/>
+                <a:cs typeface="+mj-cs"/>
+              </a:rPr>
+              <a:t>https://</a:t>
+            </a:r>
+            <a:r>
+              <a:rPr lang="en-US" sz="1000" b="1" kern="1200" dirty="0" err="1">
+                <a:solidFill>
+                  <a:srgbClr val="00FFFF"/>
+                </a:solidFill>
+                <a:latin typeface="+mj-lt"/>
+                <a:ea typeface="+mj-ea"/>
+                <a:cs typeface="+mj-cs"/>
+              </a:rPr>
+              <a:t>github.com</a:t>
+            </a:r>
+            <a:r>
+              <a:rPr lang="en-US" sz="1000" b="1" kern="1200" dirty="0">
+                <a:solidFill>
+                  <a:srgbClr val="00FFFF"/>
+                </a:solidFill>
+                <a:latin typeface="+mj-lt"/>
+                <a:ea typeface="+mj-ea"/>
+                <a:cs typeface="+mj-cs"/>
+              </a:rPr>
+              <a:t>/</a:t>
+            </a:r>
+            <a:r>
+              <a:rPr lang="en-US" sz="1000" b="1" kern="1200" dirty="0" err="1">
+                <a:solidFill>
+                  <a:srgbClr val="00FFFF"/>
+                </a:solidFill>
+                <a:latin typeface="+mj-lt"/>
+                <a:ea typeface="+mj-ea"/>
+                <a:cs typeface="+mj-cs"/>
+              </a:rPr>
+              <a:t>TrevorPawlewicz</a:t>
+            </a:r>
+            <a:r>
+              <a:rPr lang="en-US" sz="1000" b="1" kern="1200" dirty="0">
+                <a:solidFill>
+                  <a:srgbClr val="00FFFF"/>
+                </a:solidFill>
+                <a:latin typeface="+mj-lt"/>
+                <a:ea typeface="+mj-ea"/>
+                <a:cs typeface="+mj-cs"/>
+              </a:rPr>
+              <a:t>/DSCI-511-Course-Project/tree/main/</a:t>
+            </a:r>
+            <a:r>
+              <a:rPr lang="en-US" sz="1000" b="1" kern="1200" dirty="0" err="1">
+                <a:solidFill>
+                  <a:srgbClr val="00FFFF"/>
+                </a:solidFill>
+                <a:latin typeface="+mj-lt"/>
+                <a:ea typeface="+mj-ea"/>
+                <a:cs typeface="+mj-cs"/>
+              </a:rPr>
+              <a:t>FinalProject</a:t>
+            </a:r>
+            <a:r>
+              <a:rPr lang="en-US" sz="1000" b="1" kern="1200" dirty="0">
+                <a:solidFill>
+                  <a:srgbClr val="00FFFF"/>
+                </a:solidFill>
+                <a:latin typeface="+mj-lt"/>
+                <a:ea typeface="+mj-ea"/>
+                <a:cs typeface="+mj-cs"/>
+              </a:rPr>
+              <a:t>/data</a:t>
+            </a:r>
+          </a:p>
+        </p:txBody>
+      </p:sp>
+      <p:pic>
+        <p:nvPicPr>
+          <p:cNvPr id="5" name="Content Placeholder 4" descr="Icon&#10;&#10;Description automatically generated">
             <a:extLst>
               <a:ext uri="{FF2B5EF4-FFF2-40B4-BE49-F238E27FC236}">
-                <a16:creationId xmlns:a16="http://schemas.microsoft.com/office/drawing/2014/main" id="{05E2C9C3-D3B6-134D-A713-56229C7F4D3B}"/>
+                <a16:creationId xmlns:a16="http://schemas.microsoft.com/office/drawing/2014/main" id="{1600FED0-CFDE-967A-0EED-49F1F8F5EF9C}"/>
               </a:ext>
             </a:extLst>
           </p:cNvPr>
-          <p:cNvSpPr>
-            <a:spLocks noGrp="1"/>
-          </p:cNvSpPr>
+          <p:cNvPicPr>
+            <a:picLocks noGrp="1" noChangeAspect="1"/>
+          </p:cNvPicPr>
           <p:nvPr>
             <p:ph idx="1"/>
           </p:nvPr>
-        </p:nvSpPr>
-        <p:spPr/>
-        <p:txBody>
-          <a:bodyPr/>
-          <a:lstStyle/>
-          <a:p>
-            <a:r>
-              <a:rPr lang="en-US" dirty="0"/>
-              <a:t>JSON file…</a:t>
-            </a:r>
-          </a:p>
-        </p:txBody>
-      </p:sp>
+        </p:nvPicPr>
+        <p:blipFill>
+          <a:blip r:embed="rId3"/>
+          <a:stretch>
+            <a:fillRect/>
+          </a:stretch>
+        </p:blipFill>
+        <p:spPr>
+          <a:xfrm>
+            <a:off x="1088232" y="3771077"/>
+            <a:ext cx="2427287" cy="2427287"/>
+          </a:xfrm>
+        </p:spPr>
+      </p:pic>
+      <p:pic>
+        <p:nvPicPr>
+          <p:cNvPr id="6" name="Content Placeholder 5">
+            <a:extLst>
+              <a:ext uri="{FF2B5EF4-FFF2-40B4-BE49-F238E27FC236}">
+                <a16:creationId xmlns:a16="http://schemas.microsoft.com/office/drawing/2014/main" id="{B71A4868-74B9-377A-FDB4-083F8B492653}"/>
+              </a:ext>
+            </a:extLst>
+          </p:cNvPr>
+          <p:cNvPicPr>
+            <a:picLocks noChangeAspect="1"/>
+          </p:cNvPicPr>
+          <p:nvPr/>
+        </p:nvPicPr>
+        <p:blipFill>
+          <a:blip r:embed="rId4"/>
+          <a:stretch/>
+        </p:blipFill>
+        <p:spPr>
+          <a:xfrm>
+            <a:off x="6096000" y="320313"/>
+            <a:ext cx="4523138" cy="6217374"/>
+          </a:xfrm>
+          <a:prstGeom prst="rect">
+            <a:avLst/>
+          </a:prstGeom>
+        </p:spPr>
+      </p:pic>
     </p:spTree>
     <p:extLst>
       <p:ext uri="{BB962C8B-B14F-4D97-AF65-F5344CB8AC3E}">
-        <p14:creationId xmlns:p14="http://schemas.microsoft.com/office/powerpoint/2010/main" val="2781622621"/>
+        <p14:creationId xmlns:p14="http://schemas.microsoft.com/office/powerpoint/2010/main" val="3459026729"/>
       </p:ext>
     </p:extLst>
   </p:cSld>
@@ -9978,161 +13909,37 @@
           <a:p>
             <a:r>
               <a:rPr lang="en-US" b="1" dirty="0"/>
-              <a:t>Discussion of Access Rights</a:t>
-            </a:r>
-          </a:p>
-        </p:txBody>
-      </p:sp>
-      <p:sp>
-        <p:nvSpPr>
-          <p:cNvPr id="3" name="Content Placeholder 2">
+              <a:t>Discussion of Our Dataset Access Rights</a:t>
+            </a:r>
+          </a:p>
+        </p:txBody>
+      </p:sp>
+      <p:graphicFrame>
+        <p:nvGraphicFramePr>
+          <p:cNvPr id="5" name="Content Placeholder 2">
             <a:extLst>
               <a:ext uri="{FF2B5EF4-FFF2-40B4-BE49-F238E27FC236}">
-                <a16:creationId xmlns:a16="http://schemas.microsoft.com/office/drawing/2014/main" id="{D83F7FD3-C115-7C41-AA01-0FEA687163C6}"/>
+                <a16:creationId xmlns:a16="http://schemas.microsoft.com/office/drawing/2014/main" id="{9B227D07-1F52-30F8-5F22-ECA7A5B6B9BD}"/>
               </a:ext>
             </a:extLst>
           </p:cNvPr>
-          <p:cNvSpPr>
-            <a:spLocks noGrp="1"/>
-          </p:cNvSpPr>
+          <p:cNvGraphicFramePr>
+            <a:graphicFrameLocks noGrp="1"/>
+          </p:cNvGraphicFramePr>
           <p:nvPr>
             <p:ph idx="1"/>
           </p:nvPr>
-        </p:nvSpPr>
-        <p:spPr/>
-        <p:txBody>
-          <a:bodyPr>
-            <a:normAutofit/>
-          </a:bodyPr>
-          <a:lstStyle/>
-          <a:p>
-            <a:pPr marL="0" indent="0">
-              <a:buNone/>
-            </a:pPr>
-            <a:r>
-              <a:rPr lang="en-US" b="0" dirty="0" err="1">
-                <a:solidFill>
-                  <a:srgbClr val="0070C0"/>
-                </a:solidFill>
-                <a:effectLst/>
-              </a:rPr>
-              <a:t>Musixmatch</a:t>
-            </a:r>
-            <a:r>
-              <a:rPr lang="en-US" b="0" dirty="0">
-                <a:effectLst/>
-              </a:rPr>
-              <a:t>: </a:t>
-            </a:r>
-          </a:p>
-          <a:p>
-            <a:r>
-              <a:rPr lang="en-US" dirty="0">
-                <a:solidFill>
-                  <a:srgbClr val="002060"/>
-                </a:solidFill>
-              </a:rPr>
-              <a:t>Must register in order to get your </a:t>
-            </a:r>
-            <a:r>
-              <a:rPr lang="en-US" b="1" dirty="0">
-                <a:solidFill>
-                  <a:srgbClr val="002060"/>
-                </a:solidFill>
-              </a:rPr>
-              <a:t>API</a:t>
-            </a:r>
-            <a:r>
-              <a:rPr lang="en-US" dirty="0">
-                <a:solidFill>
-                  <a:srgbClr val="002060"/>
-                </a:solidFill>
-              </a:rPr>
-              <a:t> key, a mandatory parameter for most of </a:t>
-            </a:r>
-            <a:r>
-              <a:rPr lang="en-US" dirty="0" err="1">
-                <a:solidFill>
-                  <a:srgbClr val="002060"/>
-                </a:solidFill>
-              </a:rPr>
-              <a:t>musixmatch</a:t>
-            </a:r>
-            <a:r>
-              <a:rPr lang="en-US" dirty="0">
-                <a:solidFill>
-                  <a:srgbClr val="002060"/>
-                </a:solidFill>
-              </a:rPr>
-              <a:t> </a:t>
-            </a:r>
-            <a:r>
-              <a:rPr lang="en-US" b="1" dirty="0">
-                <a:solidFill>
-                  <a:srgbClr val="002060"/>
-                </a:solidFill>
-              </a:rPr>
-              <a:t>API</a:t>
-            </a:r>
-            <a:r>
-              <a:rPr lang="en-US" dirty="0">
-                <a:solidFill>
-                  <a:srgbClr val="002060"/>
-                </a:solidFill>
-              </a:rPr>
-              <a:t> calls. It’s your personal identifier and should be kept secret.</a:t>
-            </a:r>
-          </a:p>
-          <a:p>
-            <a:r>
-              <a:rPr lang="en-US" dirty="0">
-                <a:solidFill>
-                  <a:srgbClr val="002060"/>
-                </a:solidFill>
-              </a:rPr>
-              <a:t>Implement two </a:t>
-            </a:r>
-            <a:r>
-              <a:rPr lang="en-US" b="1" dirty="0">
-                <a:solidFill>
-                  <a:srgbClr val="002060"/>
-                </a:solidFill>
-              </a:rPr>
-              <a:t>API</a:t>
-            </a:r>
-            <a:r>
-              <a:rPr lang="en-US" dirty="0">
-                <a:solidFill>
-                  <a:srgbClr val="002060"/>
-                </a:solidFill>
-              </a:rPr>
-              <a:t> calls: </a:t>
-            </a:r>
-          </a:p>
-          <a:p>
-            <a:pPr lvl="1"/>
-            <a:r>
-              <a:rPr lang="en-US" dirty="0">
-                <a:solidFill>
-                  <a:srgbClr val="002060"/>
-                </a:solidFill>
-              </a:rPr>
-              <a:t>The first call is to match your catalog to ours using the search function.</a:t>
-            </a:r>
-          </a:p>
-          <a:p>
-            <a:pPr lvl="1"/>
-            <a:r>
-              <a:rPr lang="en-US" dirty="0">
-                <a:solidFill>
-                  <a:srgbClr val="002060"/>
-                </a:solidFill>
-              </a:rPr>
-              <a:t>The second is to get the lyrics.</a:t>
-            </a:r>
-          </a:p>
-        </p:txBody>
-      </p:sp>
+        </p:nvGraphicFramePr>
+        <p:xfrm>
+          <a:off x="838200" y="1825625"/>
+          <a:ext cx="10515600" cy="4351338"/>
+        </p:xfrm>
+        <a:graphic>
+          <a:graphicData uri="http://schemas.openxmlformats.org/drawingml/2006/diagram">
+            <dgm:relIds xmlns:dgm="http://schemas.openxmlformats.org/drawingml/2006/diagram" xmlns:r="http://schemas.openxmlformats.org/officeDocument/2006/relationships" r:dm="rId3" r:lo="rId4" r:qs="rId5" r:cs="rId6"/>
+          </a:graphicData>
+        </a:graphic>
+      </p:graphicFrame>
     </p:spTree>
     <p:extLst>
       <p:ext uri="{BB962C8B-B14F-4D97-AF65-F5344CB8AC3E}">
